--- a/docs/Python for TD Workshop - ROTOR.pptx
+++ b/docs/Python for TD Workshop - ROTOR.pptx
@@ -8,6 +8,9 @@
     <p:sldId id="256" r:id="rId2"/>
     <p:sldId id="257" r:id="rId3"/>
     <p:sldId id="258" r:id="rId4"/>
+    <p:sldId id="259" r:id="rId5"/>
+    <p:sldId id="260" r:id="rId6"/>
+    <p:sldId id="261" r:id="rId7"/>
   </p:sldIdLst>
   <p:sldSz cx="9144000" cy="6858000" type="screen4x3"/>
   <p:notesSz cx="6858000" cy="9144000"/>
@@ -291,7 +294,7 @@
             <a:fld id="{7A847CFC-816F-41D0-AAC0-9BF4FEBC753E}" type="datetimeFigureOut">
               <a:rPr lang="es-ES" smtClean="0"/>
               <a:pPr/>
-              <a:t>05/05/2018</a:t>
+              <a:t>10/05/2018</a:t>
             </a:fld>
             <a:endParaRPr lang="es-ES"/>
           </a:p>
@@ -458,7 +461,7 @@
             <a:fld id="{7A847CFC-816F-41D0-AAC0-9BF4FEBC753E}" type="datetimeFigureOut">
               <a:rPr lang="es-ES" smtClean="0"/>
               <a:pPr/>
-              <a:t>05/05/2018</a:t>
+              <a:t>10/05/2018</a:t>
             </a:fld>
             <a:endParaRPr lang="es-ES"/>
           </a:p>
@@ -635,7 +638,7 @@
             <a:fld id="{7A847CFC-816F-41D0-AAC0-9BF4FEBC753E}" type="datetimeFigureOut">
               <a:rPr lang="es-ES" smtClean="0"/>
               <a:pPr/>
-              <a:t>05/05/2018</a:t>
+              <a:t>10/05/2018</a:t>
             </a:fld>
             <a:endParaRPr lang="es-ES"/>
           </a:p>
@@ -802,7 +805,7 @@
             <a:fld id="{7A847CFC-816F-41D0-AAC0-9BF4FEBC753E}" type="datetimeFigureOut">
               <a:rPr lang="es-ES" smtClean="0"/>
               <a:pPr/>
-              <a:t>05/05/2018</a:t>
+              <a:t>10/05/2018</a:t>
             </a:fld>
             <a:endParaRPr lang="es-ES"/>
           </a:p>
@@ -1045,7 +1048,7 @@
             <a:fld id="{7A847CFC-816F-41D0-AAC0-9BF4FEBC753E}" type="datetimeFigureOut">
               <a:rPr lang="es-ES" smtClean="0"/>
               <a:pPr/>
-              <a:t>05/05/2018</a:t>
+              <a:t>10/05/2018</a:t>
             </a:fld>
             <a:endParaRPr lang="es-ES"/>
           </a:p>
@@ -1330,7 +1333,7 @@
             <a:fld id="{7A847CFC-816F-41D0-AAC0-9BF4FEBC753E}" type="datetimeFigureOut">
               <a:rPr lang="es-ES" smtClean="0"/>
               <a:pPr/>
-              <a:t>05/05/2018</a:t>
+              <a:t>10/05/2018</a:t>
             </a:fld>
             <a:endParaRPr lang="es-ES"/>
           </a:p>
@@ -1749,7 +1752,7 @@
             <a:fld id="{7A847CFC-816F-41D0-AAC0-9BF4FEBC753E}" type="datetimeFigureOut">
               <a:rPr lang="es-ES" smtClean="0"/>
               <a:pPr/>
-              <a:t>05/05/2018</a:t>
+              <a:t>10/05/2018</a:t>
             </a:fld>
             <a:endParaRPr lang="es-ES"/>
           </a:p>
@@ -1864,7 +1867,7 @@
             <a:fld id="{7A847CFC-816F-41D0-AAC0-9BF4FEBC753E}" type="datetimeFigureOut">
               <a:rPr lang="es-ES" smtClean="0"/>
               <a:pPr/>
-              <a:t>05/05/2018</a:t>
+              <a:t>10/05/2018</a:t>
             </a:fld>
             <a:endParaRPr lang="es-ES"/>
           </a:p>
@@ -1956,7 +1959,7 @@
             <a:fld id="{7A847CFC-816F-41D0-AAC0-9BF4FEBC753E}" type="datetimeFigureOut">
               <a:rPr lang="es-ES" smtClean="0"/>
               <a:pPr/>
-              <a:t>05/05/2018</a:t>
+              <a:t>10/05/2018</a:t>
             </a:fld>
             <a:endParaRPr lang="es-ES"/>
           </a:p>
@@ -2230,7 +2233,7 @@
             <a:fld id="{7A847CFC-816F-41D0-AAC0-9BF4FEBC753E}" type="datetimeFigureOut">
               <a:rPr lang="es-ES" smtClean="0"/>
               <a:pPr/>
-              <a:t>05/05/2018</a:t>
+              <a:t>10/05/2018</a:t>
             </a:fld>
             <a:endParaRPr lang="es-ES"/>
           </a:p>
@@ -2480,7 +2483,7 @@
             <a:fld id="{7A847CFC-816F-41D0-AAC0-9BF4FEBC753E}" type="datetimeFigureOut">
               <a:rPr lang="es-ES" smtClean="0"/>
               <a:pPr/>
-              <a:t>05/05/2018</a:t>
+              <a:t>10/05/2018</a:t>
             </a:fld>
             <a:endParaRPr lang="es-ES"/>
           </a:p>
@@ -2690,7 +2693,7 @@
             <a:fld id="{7A847CFC-816F-41D0-AAC0-9BF4FEBC753E}" type="datetimeFigureOut">
               <a:rPr lang="es-ES" smtClean="0"/>
               <a:pPr/>
-              <a:t>05/05/2018</a:t>
+              <a:t>10/05/2018</a:t>
             </a:fld>
             <a:endParaRPr lang="es-ES"/>
           </a:p>
@@ -3369,17 +3372,10 @@
           </a:bodyPr>
           <a:lstStyle/>
           <a:p>
-            <a:pPr>
-              <a:buNone/>
+            <a:pPr marL="514350" indent="-514350">
+              <a:buFont typeface="+mj-lt"/>
+              <a:buAutoNum type="arabicPeriod"/>
             </a:pPr>
-            <a:r>
-              <a:rPr lang="es-ES" dirty="0" smtClean="0"/>
-              <a:t>1</a:t>
-            </a:r>
-            <a:r>
-              <a:rPr lang="es-ES" dirty="0" smtClean="0"/>
-              <a:t>) </a:t>
-            </a:r>
             <a:r>
               <a:rPr lang="es-ES" dirty="0" err="1" smtClean="0"/>
               <a:t>Touch</a:t>
@@ -3406,12 +3402,17 @@
             </a:r>
           </a:p>
           <a:p>
-            <a:pPr>
-              <a:buNone/>
+            <a:pPr marL="514350" indent="-514350">
+              <a:buFont typeface="+mj-lt"/>
+              <a:buAutoNum type="arabicPeriod"/>
             </a:pPr>
             <a:r>
               <a:rPr lang="es-ES" dirty="0" smtClean="0"/>
-              <a:t>2) ¿Qué es </a:t>
+              <a:t>¿</a:t>
+            </a:r>
+            <a:r>
+              <a:rPr lang="es-ES" dirty="0" smtClean="0"/>
+              <a:t>Qué es </a:t>
             </a:r>
             <a:r>
               <a:rPr lang="es-ES" dirty="0" err="1" smtClean="0"/>
@@ -3419,16 +3420,21 @@
             </a:r>
             <a:r>
               <a:rPr lang="es-ES" dirty="0" smtClean="0"/>
-              <a:t>? Historia y características (20 minutos).</a:t>
-            </a:r>
-          </a:p>
-          <a:p>
-            <a:pPr>
-              <a:buNone/>
+              <a:t>? Historia y características (20 minutos</a:t>
+            </a:r>
+            <a:r>
+              <a:rPr lang="es-ES" dirty="0" smtClean="0"/>
+              <a:t>).</a:t>
+            </a:r>
+          </a:p>
+          <a:p>
+            <a:pPr marL="514350" indent="-514350">
+              <a:buFont typeface="+mj-lt"/>
+              <a:buAutoNum type="arabicPeriod"/>
             </a:pPr>
             <a:r>
               <a:rPr lang="es-ES" dirty="0" smtClean="0"/>
-              <a:t>3) </a:t>
+              <a:t>Primeros pasos con TD + </a:t>
             </a:r>
             <a:r>
               <a:rPr lang="es-ES" dirty="0" err="1" smtClean="0"/>
@@ -3436,16 +3442,40 @@
             </a:r>
             <a:r>
               <a:rPr lang="es-ES" dirty="0" smtClean="0"/>
-              <a:t> en los scripts TEXPORT/DAT. (45 minutos)</a:t>
-            </a:r>
-          </a:p>
-          <a:p>
-            <a:pPr>
-              <a:buNone/>
+              <a:t>.</a:t>
+            </a:r>
+            <a:endParaRPr lang="es-ES" dirty="0" smtClean="0"/>
+          </a:p>
+          <a:p>
+            <a:pPr marL="514350" indent="-514350">
+              <a:buFont typeface="+mj-lt"/>
+              <a:buAutoNum type="arabicPeriod"/>
             </a:pPr>
             <a:r>
-              <a:rPr lang="es-ES" dirty="0" smtClean="0"/>
-              <a:t>4) Fundamentos de PYTHON: (5 horas)</a:t>
+              <a:rPr lang="es-ES" dirty="0" err="1" smtClean="0"/>
+              <a:t>Python</a:t>
+            </a:r>
+            <a:r>
+              <a:rPr lang="es-ES" dirty="0" smtClean="0"/>
+              <a:t> </a:t>
+            </a:r>
+            <a:r>
+              <a:rPr lang="es-ES" dirty="0" smtClean="0"/>
+              <a:t>en los scripts TEXPORT/DAT. (45 minutos)</a:t>
+            </a:r>
+          </a:p>
+          <a:p>
+            <a:pPr marL="514350" indent="-514350">
+              <a:buFont typeface="+mj-lt"/>
+              <a:buAutoNum type="arabicPeriod"/>
+            </a:pPr>
+            <a:r>
+              <a:rPr lang="es-ES" dirty="0" smtClean="0"/>
+              <a:t>Fundamentos </a:t>
+            </a:r>
+            <a:r>
+              <a:rPr lang="es-ES" dirty="0" smtClean="0"/>
+              <a:t>de PYTHON: (5 horas)</a:t>
             </a:r>
             <a:br>
               <a:rPr lang="es-ES" dirty="0" smtClean="0"/>
@@ -3453,7 +3483,10 @@
             <a:endParaRPr lang="es-ES" dirty="0" smtClean="0"/>
           </a:p>
           <a:p>
-            <a:pPr lvl="1"/>
+            <a:pPr marL="971550" lvl="1" indent="-514350">
+              <a:buFont typeface="+mj-lt"/>
+              <a:buAutoNum type="arabicPeriod"/>
+            </a:pPr>
             <a:r>
               <a:rPr lang="es-ES" dirty="0" smtClean="0"/>
               <a:t>Variables, constantes. Ejercicios prácticos.</a:t>
@@ -3464,7 +3497,10 @@
             <a:endParaRPr lang="es-ES" dirty="0" smtClean="0"/>
           </a:p>
           <a:p>
-            <a:pPr lvl="1"/>
+            <a:pPr marL="971550" lvl="1" indent="-514350">
+              <a:buFont typeface="+mj-lt"/>
+              <a:buAutoNum type="arabicPeriod"/>
+            </a:pPr>
             <a:r>
               <a:rPr lang="es-ES" dirty="0" smtClean="0"/>
               <a:t>Tipos básicos de datos. Ejercicios prácticos.</a:t>
@@ -3475,7 +3511,10 @@
             <a:endParaRPr lang="es-ES" dirty="0" smtClean="0"/>
           </a:p>
           <a:p>
-            <a:pPr lvl="1"/>
+            <a:pPr marL="971550" lvl="1" indent="-514350">
+              <a:buFont typeface="+mj-lt"/>
+              <a:buAutoNum type="arabicPeriod"/>
+            </a:pPr>
             <a:r>
               <a:rPr lang="es-ES" dirty="0" smtClean="0"/>
               <a:t>Funciones. Ejercicios prácticos.</a:t>
@@ -3486,7 +3525,10 @@
             <a:endParaRPr lang="es-ES" dirty="0" smtClean="0"/>
           </a:p>
           <a:p>
-            <a:pPr lvl="1"/>
+            <a:pPr marL="971550" lvl="1" indent="-514350">
+              <a:buFont typeface="+mj-lt"/>
+              <a:buAutoNum type="arabicPeriod"/>
+            </a:pPr>
             <a:r>
               <a:rPr lang="es-ES" dirty="0" err="1" smtClean="0"/>
               <a:t>Iteradores</a:t>
@@ -3501,7 +3543,10 @@
             <a:endParaRPr lang="es-ES" dirty="0" smtClean="0"/>
           </a:p>
           <a:p>
-            <a:pPr lvl="1"/>
+            <a:pPr marL="971550" lvl="1" indent="-514350">
+              <a:buFont typeface="+mj-lt"/>
+              <a:buAutoNum type="arabicPeriod"/>
+            </a:pPr>
             <a:r>
               <a:rPr lang="es-ES" dirty="0" smtClean="0"/>
               <a:t>Flujo de programa. Ejercicios prácticos.</a:t>
@@ -3512,7 +3557,10 @@
             <a:endParaRPr lang="es-ES" dirty="0" smtClean="0"/>
           </a:p>
           <a:p>
-            <a:pPr lvl="1"/>
+            <a:pPr marL="971550" lvl="1" indent="-514350">
+              <a:buFont typeface="+mj-lt"/>
+              <a:buAutoNum type="arabicPeriod"/>
+            </a:pPr>
             <a:r>
               <a:rPr lang="es-ES" dirty="0" smtClean="0"/>
               <a:t>Tipos especiales de datos: listas, </a:t>
@@ -3531,7 +3579,10 @@
             <a:endParaRPr lang="es-ES" dirty="0" smtClean="0"/>
           </a:p>
           <a:p>
-            <a:pPr lvl="1"/>
+            <a:pPr marL="971550" lvl="1" indent="-514350">
+              <a:buFont typeface="+mj-lt"/>
+              <a:buAutoNum type="arabicPeriod"/>
+            </a:pPr>
             <a:r>
               <a:rPr lang="es-ES" dirty="0" smtClean="0"/>
               <a:t>Objetos y clases. Ejercicios prácticos.</a:t>
@@ -3542,7 +3593,10 @@
             <a:endParaRPr lang="es-ES" dirty="0" smtClean="0"/>
           </a:p>
           <a:p>
-            <a:pPr lvl="1"/>
+            <a:pPr marL="971550" lvl="1" indent="-514350">
+              <a:buFont typeface="+mj-lt"/>
+              <a:buAutoNum type="arabicPeriod"/>
+            </a:pPr>
             <a:r>
               <a:rPr lang="es-ES" dirty="0" smtClean="0"/>
               <a:t>Gestión de excepciones: Ejercicios prácticos.</a:t>
@@ -3553,7 +3607,10 @@
             <a:endParaRPr lang="es-ES" dirty="0" smtClean="0"/>
           </a:p>
           <a:p>
-            <a:pPr lvl="1"/>
+            <a:pPr marL="971550" lvl="1" indent="-514350">
+              <a:buFont typeface="+mj-lt"/>
+              <a:buAutoNum type="arabicPeriod"/>
+            </a:pPr>
             <a:r>
               <a:rPr lang="es-ES" dirty="0" smtClean="0"/>
               <a:t>Entrada/Salida de archivos. Ejercicios prácticos.</a:t>
@@ -3564,33 +3621,511 @@
             <a:endParaRPr lang="es-ES" dirty="0" smtClean="0"/>
           </a:p>
           <a:p>
-            <a:pPr>
-              <a:buNone/>
+            <a:pPr marL="514350" indent="-514350">
+              <a:buFont typeface="+mj-lt"/>
+              <a:buAutoNum type="arabicPeriod"/>
             </a:pPr>
             <a:r>
               <a:rPr lang="es-ES" dirty="0" smtClean="0"/>
-              <a:t>6) Importando módulos externos. (1 hora)</a:t>
-            </a:r>
-          </a:p>
-          <a:p>
-            <a:pPr>
-              <a:buNone/>
+              <a:t>Importando </a:t>
+            </a:r>
+            <a:r>
+              <a:rPr lang="es-ES" dirty="0" smtClean="0"/>
+              <a:t>módulos externos. (1 hora)</a:t>
+            </a:r>
+          </a:p>
+          <a:p>
+            <a:pPr marL="514350" indent="-514350">
+              <a:buFont typeface="+mj-lt"/>
+              <a:buAutoNum type="arabicPeriod"/>
             </a:pPr>
             <a:endParaRPr lang="es-ES" dirty="0" smtClean="0"/>
           </a:p>
           <a:p>
+            <a:pPr marL="514350" indent="-514350">
+              <a:buFont typeface="+mj-lt"/>
+              <a:buAutoNum type="arabicPeriod"/>
+            </a:pPr>
+            <a:r>
+              <a:rPr lang="es-ES" dirty="0" smtClean="0"/>
+              <a:t>Mini-proyecto </a:t>
+            </a:r>
+            <a:r>
+              <a:rPr lang="es-ES" dirty="0" smtClean="0"/>
+              <a:t>final (45 minutos).</a:t>
+            </a:r>
+          </a:p>
+        </p:txBody>
+      </p:sp>
+    </p:spTree>
+  </p:cSld>
+  <p:clrMapOvr>
+    <a:masterClrMapping/>
+  </p:clrMapOvr>
+</p:sld>
+</file>
+
+<file path=ppt/slides/slide4.xml><?xml version="1.0" encoding="utf-8"?>
+<p:sld xmlns:a="http://schemas.openxmlformats.org/drawingml/2006/main" xmlns:r="http://schemas.openxmlformats.org/officeDocument/2006/relationships" xmlns:p="http://schemas.openxmlformats.org/presentationml/2006/main">
+  <p:cSld>
+    <p:spTree>
+      <p:nvGrpSpPr>
+        <p:cNvPr id="1" name=""/>
+        <p:cNvGrpSpPr/>
+        <p:nvPr/>
+      </p:nvGrpSpPr>
+      <p:grpSpPr>
+        <a:xfrm>
+          <a:off x="0" y="0"/>
+          <a:ext cx="0" cy="0"/>
+          <a:chOff x="0" y="0"/>
+          <a:chExt cx="0" cy="0"/>
+        </a:xfrm>
+      </p:grpSpPr>
+      <p:sp>
+        <p:nvSpPr>
+          <p:cNvPr id="2" name="1 Título"/>
+          <p:cNvSpPr>
+            <a:spLocks noGrp="1"/>
+          </p:cNvSpPr>
+          <p:nvPr>
+            <p:ph type="title"/>
+          </p:nvPr>
+        </p:nvSpPr>
+        <p:spPr/>
+        <p:txBody>
+          <a:bodyPr/>
+          <a:lstStyle/>
+          <a:p>
+            <a:r>
+              <a:rPr lang="es-ES" dirty="0" err="1" smtClean="0"/>
+              <a:t>Touch</a:t>
+            </a:r>
+            <a:r>
+              <a:rPr lang="es-ES" dirty="0" smtClean="0"/>
+              <a:t> </a:t>
+            </a:r>
+            <a:r>
+              <a:rPr lang="es-ES" dirty="0" err="1" smtClean="0"/>
+              <a:t>Designer</a:t>
+            </a:r>
+            <a:r>
+              <a:rPr lang="es-ES" dirty="0" smtClean="0"/>
+              <a:t> &amp; </a:t>
+            </a:r>
+            <a:r>
+              <a:rPr lang="es-ES" dirty="0" err="1" smtClean="0"/>
+              <a:t>Python</a:t>
+            </a:r>
+            <a:endParaRPr lang="es-ES" dirty="0"/>
+          </a:p>
+        </p:txBody>
+      </p:sp>
+      <p:sp>
+        <p:nvSpPr>
+          <p:cNvPr id="3" name="2 Marcador de contenido"/>
+          <p:cNvSpPr>
+            <a:spLocks noGrp="1"/>
+          </p:cNvSpPr>
+          <p:nvPr>
+            <p:ph idx="1"/>
+          </p:nvPr>
+        </p:nvSpPr>
+        <p:spPr/>
+        <p:txBody>
+          <a:bodyPr/>
+          <a:lstStyle/>
+          <a:p>
+            <a:endParaRPr lang="es-ES"/>
+          </a:p>
+        </p:txBody>
+      </p:sp>
+    </p:spTree>
+  </p:cSld>
+  <p:clrMapOvr>
+    <a:masterClrMapping/>
+  </p:clrMapOvr>
+</p:sld>
+</file>
+
+<file path=ppt/slides/slide5.xml><?xml version="1.0" encoding="utf-8"?>
+<p:sld xmlns:a="http://schemas.openxmlformats.org/drawingml/2006/main" xmlns:r="http://schemas.openxmlformats.org/officeDocument/2006/relationships" xmlns:p="http://schemas.openxmlformats.org/presentationml/2006/main">
+  <p:cSld>
+    <p:spTree>
+      <p:nvGrpSpPr>
+        <p:cNvPr id="1" name=""/>
+        <p:cNvGrpSpPr/>
+        <p:nvPr/>
+      </p:nvGrpSpPr>
+      <p:grpSpPr>
+        <a:xfrm>
+          <a:off x="0" y="0"/>
+          <a:ext cx="0" cy="0"/>
+          <a:chOff x="0" y="0"/>
+          <a:chExt cx="0" cy="0"/>
+        </a:xfrm>
+      </p:grpSpPr>
+      <p:sp>
+        <p:nvSpPr>
+          <p:cNvPr id="2" name="1 Título"/>
+          <p:cNvSpPr>
+            <a:spLocks noGrp="1"/>
+          </p:cNvSpPr>
+          <p:nvPr>
+            <p:ph type="title"/>
+          </p:nvPr>
+        </p:nvSpPr>
+        <p:spPr/>
+        <p:txBody>
+          <a:bodyPr/>
+          <a:lstStyle/>
+          <a:p>
+            <a:r>
+              <a:rPr lang="es-ES" dirty="0" smtClean="0"/>
+              <a:t>¿Qué es </a:t>
+            </a:r>
+            <a:r>
+              <a:rPr lang="es-ES" dirty="0" err="1" smtClean="0"/>
+              <a:t>Python</a:t>
+            </a:r>
+            <a:r>
+              <a:rPr lang="es-ES" dirty="0" smtClean="0"/>
+              <a:t>?</a:t>
+            </a:r>
+            <a:endParaRPr lang="es-ES" dirty="0"/>
+          </a:p>
+        </p:txBody>
+      </p:sp>
+      <p:sp>
+        <p:nvSpPr>
+          <p:cNvPr id="3" name="2 Marcador de contenido"/>
+          <p:cNvSpPr>
+            <a:spLocks noGrp="1"/>
+          </p:cNvSpPr>
+          <p:nvPr>
+            <p:ph idx="1"/>
+          </p:nvPr>
+        </p:nvSpPr>
+        <p:spPr/>
+        <p:txBody>
+          <a:bodyPr/>
+          <a:lstStyle/>
+          <a:p>
+            <a:endParaRPr lang="es-ES"/>
+          </a:p>
+        </p:txBody>
+      </p:sp>
+    </p:spTree>
+  </p:cSld>
+  <p:clrMapOvr>
+    <a:masterClrMapping/>
+  </p:clrMapOvr>
+</p:sld>
+</file>
+
+<file path=ppt/slides/slide6.xml><?xml version="1.0" encoding="utf-8"?>
+<p:sld xmlns:a="http://schemas.openxmlformats.org/drawingml/2006/main" xmlns:r="http://schemas.openxmlformats.org/officeDocument/2006/relationships" xmlns:p="http://schemas.openxmlformats.org/presentationml/2006/main">
+  <p:cSld>
+    <p:spTree>
+      <p:nvGrpSpPr>
+        <p:cNvPr id="1" name=""/>
+        <p:cNvGrpSpPr/>
+        <p:nvPr/>
+      </p:nvGrpSpPr>
+      <p:grpSpPr>
+        <a:xfrm>
+          <a:off x="0" y="0"/>
+          <a:ext cx="0" cy="0"/>
+          <a:chOff x="0" y="0"/>
+          <a:chExt cx="0" cy="0"/>
+        </a:xfrm>
+      </p:grpSpPr>
+      <p:sp>
+        <p:nvSpPr>
+          <p:cNvPr id="2" name="1 Título"/>
+          <p:cNvSpPr>
+            <a:spLocks noGrp="1"/>
+          </p:cNvSpPr>
+          <p:nvPr>
+            <p:ph type="title"/>
+          </p:nvPr>
+        </p:nvSpPr>
+        <p:spPr/>
+        <p:txBody>
+          <a:bodyPr/>
+          <a:lstStyle/>
+          <a:p>
+            <a:r>
+              <a:rPr lang="es-ES" dirty="0" smtClean="0"/>
+              <a:t>Primeros Pasos</a:t>
+            </a:r>
+            <a:endParaRPr lang="es-ES" dirty="0"/>
+          </a:p>
+        </p:txBody>
+      </p:sp>
+      <p:sp>
+        <p:nvSpPr>
+          <p:cNvPr id="3" name="2 Marcador de contenido"/>
+          <p:cNvSpPr>
+            <a:spLocks noGrp="1"/>
+          </p:cNvSpPr>
+          <p:nvPr>
+            <p:ph idx="1"/>
+          </p:nvPr>
+        </p:nvSpPr>
+        <p:spPr/>
+        <p:txBody>
+          <a:bodyPr>
+            <a:normAutofit fontScale="55000" lnSpcReduction="20000"/>
+          </a:bodyPr>
+          <a:lstStyle/>
+          <a:p>
+            <a:r>
+              <a:rPr lang="es-ES" dirty="0" smtClean="0"/>
+              <a:t>Instalación de </a:t>
+            </a:r>
+            <a:r>
+              <a:rPr lang="es-ES" dirty="0" err="1" smtClean="0"/>
+              <a:t>Python</a:t>
+            </a:r>
+            <a:r>
+              <a:rPr lang="es-ES" dirty="0" smtClean="0"/>
+              <a:t> 3.5.4 (3.5.5 no tiene instaladores y no añade funcionalidad):</a:t>
+            </a:r>
+          </a:p>
+          <a:p>
+            <a:pPr lvl="1"/>
+            <a:r>
+              <a:rPr lang="es-ES" sz="2500" dirty="0" smtClean="0">
+                <a:hlinkClick r:id="rId2"/>
+              </a:rPr>
+              <a:t>https://www.python.org/downloads/release/python-354/</a:t>
+            </a:r>
+          </a:p>
+          <a:p>
             <a:pPr>
               <a:buNone/>
             </a:pPr>
-            <a:r>
-              <a:rPr lang="es-ES" dirty="0" smtClean="0"/>
-              <a:t>7) Mini-proyecto final (45 minutos</a:t>
-            </a:r>
-            <a:r>
-              <a:rPr lang="es-ES" dirty="0" smtClean="0"/>
-              <a:t>).</a:t>
-            </a:r>
+            <a:endParaRPr lang="es-ES" sz="1800" dirty="0" smtClean="0">
+              <a:hlinkClick r:id="rId2"/>
+            </a:endParaRPr>
+          </a:p>
+          <a:p>
+            <a:r>
+              <a:rPr lang="es-ES" dirty="0" smtClean="0"/>
+              <a:t>Instalación de un IDE (Sublime </a:t>
+            </a:r>
+            <a:r>
+              <a:rPr lang="es-ES" dirty="0" err="1" smtClean="0"/>
+              <a:t>Text</a:t>
+            </a:r>
+            <a:r>
+              <a:rPr lang="es-ES" dirty="0" smtClean="0"/>
+              <a:t>):</a:t>
+            </a:r>
+          </a:p>
+          <a:p>
+            <a:pPr lvl="1"/>
+            <a:r>
+              <a:rPr lang="es-ES" sz="2500" dirty="0" smtClean="0">
+                <a:hlinkClick r:id="rId2"/>
+              </a:rPr>
+              <a:t>https://www.sublimetext.com/3</a:t>
+            </a:r>
+            <a:endParaRPr lang="es-ES" sz="2500" dirty="0" smtClean="0">
+              <a:hlinkClick r:id="rId3"/>
+            </a:endParaRPr>
+          </a:p>
+          <a:p>
+            <a:pPr>
+              <a:buNone/>
+            </a:pPr>
             <a:endParaRPr lang="es-ES" dirty="0" smtClean="0"/>
+          </a:p>
+          <a:p>
+            <a:r>
+              <a:rPr lang="es-ES" dirty="0" smtClean="0"/>
+              <a:t>Instalación de </a:t>
+            </a:r>
+            <a:r>
+              <a:rPr lang="es-ES" dirty="0" err="1" smtClean="0"/>
+              <a:t>plugins</a:t>
+            </a:r>
+            <a:r>
+              <a:rPr lang="es-ES" dirty="0" smtClean="0"/>
+              <a:t> para el IDE.</a:t>
+            </a:r>
+          </a:p>
+          <a:p>
+            <a:pPr lvl="1"/>
+            <a:r>
+              <a:rPr lang="es-ES" dirty="0" err="1" smtClean="0"/>
+              <a:t>Install</a:t>
+            </a:r>
+            <a:r>
+              <a:rPr lang="es-ES" dirty="0" smtClean="0"/>
+              <a:t> </a:t>
+            </a:r>
+            <a:r>
+              <a:rPr lang="es-ES" dirty="0" err="1" smtClean="0"/>
+              <a:t>Package</a:t>
+            </a:r>
+            <a:r>
+              <a:rPr lang="es-ES" dirty="0" smtClean="0"/>
+              <a:t> Control</a:t>
+            </a:r>
+          </a:p>
+          <a:p>
+            <a:pPr lvl="1"/>
+            <a:r>
+              <a:rPr lang="es-ES" dirty="0" err="1" smtClean="0"/>
+              <a:t>Command</a:t>
+            </a:r>
+            <a:r>
+              <a:rPr lang="es-ES" dirty="0" smtClean="0"/>
+              <a:t> </a:t>
+            </a:r>
+            <a:r>
+              <a:rPr lang="es-ES" dirty="0" err="1" smtClean="0"/>
+              <a:t>Palette</a:t>
+            </a:r>
+            <a:r>
+              <a:rPr lang="es-ES" dirty="0" smtClean="0"/>
+              <a:t> -&gt; “</a:t>
+            </a:r>
+            <a:r>
+              <a:rPr lang="es-ES" dirty="0" err="1" smtClean="0"/>
+              <a:t>Package</a:t>
+            </a:r>
+            <a:r>
+              <a:rPr lang="es-ES" dirty="0" smtClean="0"/>
+              <a:t> Control </a:t>
+            </a:r>
+            <a:r>
+              <a:rPr lang="es-ES" dirty="0" err="1" smtClean="0"/>
+              <a:t>Install</a:t>
+            </a:r>
+            <a:r>
+              <a:rPr lang="es-ES" dirty="0" smtClean="0"/>
+              <a:t>”</a:t>
+            </a:r>
+          </a:p>
+          <a:p>
+            <a:pPr lvl="1"/>
+            <a:r>
+              <a:rPr lang="es-ES" dirty="0" err="1" smtClean="0"/>
+              <a:t>Install</a:t>
+            </a:r>
+            <a:r>
+              <a:rPr lang="es-ES" dirty="0" smtClean="0"/>
+              <a:t> “</a:t>
+            </a:r>
+            <a:r>
+              <a:rPr lang="es-ES" dirty="0" err="1" smtClean="0"/>
+              <a:t>Python</a:t>
+            </a:r>
+            <a:r>
+              <a:rPr lang="es-ES" dirty="0" smtClean="0"/>
+              <a:t> </a:t>
+            </a:r>
+            <a:r>
+              <a:rPr lang="es-ES" dirty="0" err="1" smtClean="0"/>
+              <a:t>package</a:t>
+            </a:r>
+            <a:r>
+              <a:rPr lang="es-ES" dirty="0" smtClean="0"/>
+              <a:t>”</a:t>
+            </a:r>
+          </a:p>
+          <a:p>
+            <a:pPr lvl="1"/>
+            <a:endParaRPr lang="es-ES" dirty="0" smtClean="0"/>
+          </a:p>
+          <a:p>
+            <a:r>
+              <a:rPr lang="es-ES" dirty="0" smtClean="0"/>
+              <a:t>Configuración de TD (necesario para importar módulos externos).</a:t>
+            </a:r>
+          </a:p>
+          <a:p>
+            <a:pPr lvl="1"/>
+            <a:r>
+              <a:rPr lang="es-ES" sz="2900" dirty="0" smtClean="0"/>
+              <a:t>Enlace:</a:t>
+            </a:r>
+            <a:r>
+              <a:rPr lang="es-ES" sz="2900" dirty="0" smtClean="0">
+                <a:hlinkClick r:id="rId3"/>
+              </a:rPr>
+              <a:t> </a:t>
+            </a:r>
+            <a:r>
+              <a:rPr lang="es-ES" dirty="0" smtClean="0">
+                <a:hlinkClick r:id="rId3"/>
+              </a:rPr>
+              <a:t>http</a:t>
+            </a:r>
+            <a:r>
+              <a:rPr lang="es-ES" dirty="0" smtClean="0">
+                <a:hlinkClick r:id="rId3"/>
+              </a:rPr>
+              <a:t>://</a:t>
+            </a:r>
+            <a:r>
+              <a:rPr lang="es-ES" dirty="0" smtClean="0">
+                <a:hlinkClick r:id="rId3"/>
+              </a:rPr>
+              <a:t>www.derivative.ca/wiki099/index.php?title=Introduction_to_Python_Tutorial#Importing_Modules</a:t>
+            </a:r>
+            <a:endParaRPr lang="es-ES" dirty="0" smtClean="0"/>
+          </a:p>
+          <a:p>
+            <a:pPr lvl="1"/>
+            <a:r>
+              <a:rPr lang="es-ES" dirty="0" smtClean="0"/>
+              <a:t>Configurar Sublime como “Default Editor”.</a:t>
+            </a:r>
+          </a:p>
+          <a:p>
+            <a:pPr lvl="1"/>
+            <a:r>
+              <a:rPr lang="es-ES" dirty="0" smtClean="0"/>
+              <a:t>Configurar </a:t>
+            </a:r>
+            <a:r>
+              <a:rPr lang="es-ES" dirty="0" err="1" smtClean="0"/>
+              <a:t>Python</a:t>
+            </a:r>
+            <a:r>
+              <a:rPr lang="es-ES" dirty="0" smtClean="0"/>
+              <a:t> Module </a:t>
+            </a:r>
+            <a:r>
+              <a:rPr lang="es-ES" dirty="0" err="1" smtClean="0"/>
+              <a:t>Path</a:t>
+            </a:r>
+            <a:r>
+              <a:rPr lang="es-ES" dirty="0" smtClean="0"/>
+              <a:t> en TD.</a:t>
+            </a:r>
+          </a:p>
+          <a:p>
+            <a:pPr lvl="2">
+              <a:buNone/>
+            </a:pPr>
+            <a:r>
+              <a:rPr lang="es-ES" dirty="0" smtClean="0"/>
+              <a:t>Por defecto: “C</a:t>
+            </a:r>
+            <a:r>
+              <a:rPr lang="es-ES" dirty="0" smtClean="0"/>
+              <a:t>:\</a:t>
+            </a:r>
+            <a:r>
+              <a:rPr lang="es-ES" dirty="0" smtClean="0"/>
+              <a:t>Users\USERNAME\AppData\Local\Programs\Python\Python35\Lib\site-packages”</a:t>
+            </a:r>
+            <a:endParaRPr lang="es-ES" dirty="0"/>
           </a:p>
         </p:txBody>
       </p:sp>

--- a/docs/Python for TD Workshop - ROTOR.pptx
+++ b/docs/Python for TD Workshop - ROTOR.pptx
@@ -11,6 +11,24 @@
     <p:sldId id="259" r:id="rId5"/>
     <p:sldId id="260" r:id="rId6"/>
     <p:sldId id="261" r:id="rId7"/>
+    <p:sldId id="262" r:id="rId8"/>
+    <p:sldId id="263" r:id="rId9"/>
+    <p:sldId id="264" r:id="rId10"/>
+    <p:sldId id="265" r:id="rId11"/>
+    <p:sldId id="266" r:id="rId12"/>
+    <p:sldId id="267" r:id="rId13"/>
+    <p:sldId id="268" r:id="rId14"/>
+    <p:sldId id="269" r:id="rId15"/>
+    <p:sldId id="270" r:id="rId16"/>
+    <p:sldId id="271" r:id="rId17"/>
+    <p:sldId id="272" r:id="rId18"/>
+    <p:sldId id="273" r:id="rId19"/>
+    <p:sldId id="274" r:id="rId20"/>
+    <p:sldId id="275" r:id="rId21"/>
+    <p:sldId id="279" r:id="rId22"/>
+    <p:sldId id="276" r:id="rId23"/>
+    <p:sldId id="277" r:id="rId24"/>
+    <p:sldId id="278" r:id="rId25"/>
   </p:sldIdLst>
   <p:sldSz cx="9144000" cy="6858000" type="screen4x3"/>
   <p:notesSz cx="6858000" cy="9144000"/>
@@ -3136,6 +3154,819 @@
 </p:sld>
 </file>
 
+<file path=ppt/slides/slide10.xml><?xml version="1.0" encoding="utf-8"?>
+<p:sld xmlns:a="http://schemas.openxmlformats.org/drawingml/2006/main" xmlns:r="http://schemas.openxmlformats.org/officeDocument/2006/relationships" xmlns:p="http://schemas.openxmlformats.org/presentationml/2006/main">
+  <p:cSld>
+    <p:spTree>
+      <p:nvGrpSpPr>
+        <p:cNvPr id="1" name=""/>
+        <p:cNvGrpSpPr/>
+        <p:nvPr/>
+      </p:nvGrpSpPr>
+      <p:grpSpPr>
+        <a:xfrm>
+          <a:off x="0" y="0"/>
+          <a:ext cx="0" cy="0"/>
+          <a:chOff x="0" y="0"/>
+          <a:chExt cx="0" cy="0"/>
+        </a:xfrm>
+      </p:grpSpPr>
+      <p:sp>
+        <p:nvSpPr>
+          <p:cNvPr id="2" name="1 Título"/>
+          <p:cNvSpPr>
+            <a:spLocks noGrp="1"/>
+          </p:cNvSpPr>
+          <p:nvPr>
+            <p:ph type="title"/>
+          </p:nvPr>
+        </p:nvSpPr>
+        <p:spPr/>
+        <p:txBody>
+          <a:bodyPr/>
+          <a:lstStyle/>
+          <a:p>
+            <a:r>
+              <a:rPr lang="es-ES" dirty="0" smtClean="0"/>
+              <a:t>Fundamentos de </a:t>
+            </a:r>
+            <a:r>
+              <a:rPr lang="es-ES" dirty="0" err="1" smtClean="0"/>
+              <a:t>Python</a:t>
+            </a:r>
+            <a:endParaRPr lang="es-ES" dirty="0"/>
+          </a:p>
+        </p:txBody>
+      </p:sp>
+      <p:sp>
+        <p:nvSpPr>
+          <p:cNvPr id="3" name="2 Marcador de contenido"/>
+          <p:cNvSpPr>
+            <a:spLocks noGrp="1"/>
+          </p:cNvSpPr>
+          <p:nvPr>
+            <p:ph idx="1"/>
+          </p:nvPr>
+        </p:nvSpPr>
+        <p:spPr/>
+        <p:txBody>
+          <a:bodyPr/>
+          <a:lstStyle/>
+          <a:p>
+            <a:r>
+              <a:rPr lang="es-ES" dirty="0" smtClean="0"/>
+              <a:t>Tipos básicos de datos.</a:t>
+            </a:r>
+            <a:endParaRPr lang="es-ES" dirty="0"/>
+          </a:p>
+        </p:txBody>
+      </p:sp>
+    </p:spTree>
+  </p:cSld>
+  <p:clrMapOvr>
+    <a:masterClrMapping/>
+  </p:clrMapOvr>
+</p:sld>
+</file>
+
+<file path=ppt/slides/slide11.xml><?xml version="1.0" encoding="utf-8"?>
+<p:sld xmlns:a="http://schemas.openxmlformats.org/drawingml/2006/main" xmlns:r="http://schemas.openxmlformats.org/officeDocument/2006/relationships" xmlns:p="http://schemas.openxmlformats.org/presentationml/2006/main">
+  <p:cSld>
+    <p:spTree>
+      <p:nvGrpSpPr>
+        <p:cNvPr id="1" name=""/>
+        <p:cNvGrpSpPr/>
+        <p:nvPr/>
+      </p:nvGrpSpPr>
+      <p:grpSpPr>
+        <a:xfrm>
+          <a:off x="0" y="0"/>
+          <a:ext cx="0" cy="0"/>
+          <a:chOff x="0" y="0"/>
+          <a:chExt cx="0" cy="0"/>
+        </a:xfrm>
+      </p:grpSpPr>
+      <p:sp>
+        <p:nvSpPr>
+          <p:cNvPr id="2" name="1 Título"/>
+          <p:cNvSpPr>
+            <a:spLocks noGrp="1"/>
+          </p:cNvSpPr>
+          <p:nvPr>
+            <p:ph type="title"/>
+          </p:nvPr>
+        </p:nvSpPr>
+        <p:spPr/>
+        <p:txBody>
+          <a:bodyPr/>
+          <a:lstStyle/>
+          <a:p>
+            <a:r>
+              <a:rPr lang="es-ES" dirty="0" smtClean="0"/>
+              <a:t>Fundamentos de </a:t>
+            </a:r>
+            <a:r>
+              <a:rPr lang="es-ES" dirty="0" err="1" smtClean="0"/>
+              <a:t>Python</a:t>
+            </a:r>
+            <a:endParaRPr lang="es-ES" dirty="0"/>
+          </a:p>
+        </p:txBody>
+      </p:sp>
+      <p:sp>
+        <p:nvSpPr>
+          <p:cNvPr id="3" name="2 Marcador de contenido"/>
+          <p:cNvSpPr>
+            <a:spLocks noGrp="1"/>
+          </p:cNvSpPr>
+          <p:nvPr>
+            <p:ph idx="1"/>
+          </p:nvPr>
+        </p:nvSpPr>
+        <p:spPr/>
+        <p:txBody>
+          <a:bodyPr/>
+          <a:lstStyle/>
+          <a:p>
+            <a:r>
+              <a:rPr lang="es-ES" dirty="0" smtClean="0"/>
+              <a:t>Funciones</a:t>
+            </a:r>
+            <a:endParaRPr lang="es-ES" dirty="0"/>
+          </a:p>
+        </p:txBody>
+      </p:sp>
+    </p:spTree>
+  </p:cSld>
+  <p:clrMapOvr>
+    <a:masterClrMapping/>
+  </p:clrMapOvr>
+</p:sld>
+</file>
+
+<file path=ppt/slides/slide12.xml><?xml version="1.0" encoding="utf-8"?>
+<p:sld xmlns:a="http://schemas.openxmlformats.org/drawingml/2006/main" xmlns:r="http://schemas.openxmlformats.org/officeDocument/2006/relationships" xmlns:p="http://schemas.openxmlformats.org/presentationml/2006/main">
+  <p:cSld>
+    <p:spTree>
+      <p:nvGrpSpPr>
+        <p:cNvPr id="1" name=""/>
+        <p:cNvGrpSpPr/>
+        <p:nvPr/>
+      </p:nvGrpSpPr>
+      <p:grpSpPr>
+        <a:xfrm>
+          <a:off x="0" y="0"/>
+          <a:ext cx="0" cy="0"/>
+          <a:chOff x="0" y="0"/>
+          <a:chExt cx="0" cy="0"/>
+        </a:xfrm>
+      </p:grpSpPr>
+      <p:sp>
+        <p:nvSpPr>
+          <p:cNvPr id="2" name="1 Título"/>
+          <p:cNvSpPr>
+            <a:spLocks noGrp="1"/>
+          </p:cNvSpPr>
+          <p:nvPr>
+            <p:ph type="title"/>
+          </p:nvPr>
+        </p:nvSpPr>
+        <p:spPr/>
+        <p:txBody>
+          <a:bodyPr/>
+          <a:lstStyle/>
+          <a:p>
+            <a:r>
+              <a:rPr lang="es-ES" dirty="0" smtClean="0"/>
+              <a:t>Fundamentos de </a:t>
+            </a:r>
+            <a:r>
+              <a:rPr lang="es-ES" dirty="0" err="1" smtClean="0"/>
+              <a:t>Python</a:t>
+            </a:r>
+            <a:endParaRPr lang="es-ES" dirty="0"/>
+          </a:p>
+        </p:txBody>
+      </p:sp>
+      <p:sp>
+        <p:nvSpPr>
+          <p:cNvPr id="3" name="2 Marcador de contenido"/>
+          <p:cNvSpPr>
+            <a:spLocks noGrp="1"/>
+          </p:cNvSpPr>
+          <p:nvPr>
+            <p:ph idx="1"/>
+          </p:nvPr>
+        </p:nvSpPr>
+        <p:spPr/>
+        <p:txBody>
+          <a:bodyPr/>
+          <a:lstStyle/>
+          <a:p>
+            <a:r>
+              <a:rPr lang="es-ES" dirty="0" err="1" smtClean="0"/>
+              <a:t>Iteradores</a:t>
+            </a:r>
+            <a:endParaRPr lang="es-ES" dirty="0"/>
+          </a:p>
+        </p:txBody>
+      </p:sp>
+    </p:spTree>
+  </p:cSld>
+  <p:clrMapOvr>
+    <a:masterClrMapping/>
+  </p:clrMapOvr>
+</p:sld>
+</file>
+
+<file path=ppt/slides/slide13.xml><?xml version="1.0" encoding="utf-8"?>
+<p:sld xmlns:a="http://schemas.openxmlformats.org/drawingml/2006/main" xmlns:r="http://schemas.openxmlformats.org/officeDocument/2006/relationships" xmlns:p="http://schemas.openxmlformats.org/presentationml/2006/main">
+  <p:cSld>
+    <p:spTree>
+      <p:nvGrpSpPr>
+        <p:cNvPr id="1" name=""/>
+        <p:cNvGrpSpPr/>
+        <p:nvPr/>
+      </p:nvGrpSpPr>
+      <p:grpSpPr>
+        <a:xfrm>
+          <a:off x="0" y="0"/>
+          <a:ext cx="0" cy="0"/>
+          <a:chOff x="0" y="0"/>
+          <a:chExt cx="0" cy="0"/>
+        </a:xfrm>
+      </p:grpSpPr>
+      <p:sp>
+        <p:nvSpPr>
+          <p:cNvPr id="2" name="1 Título"/>
+          <p:cNvSpPr>
+            <a:spLocks noGrp="1"/>
+          </p:cNvSpPr>
+          <p:nvPr>
+            <p:ph type="title"/>
+          </p:nvPr>
+        </p:nvSpPr>
+        <p:spPr/>
+        <p:txBody>
+          <a:bodyPr/>
+          <a:lstStyle/>
+          <a:p>
+            <a:r>
+              <a:rPr lang="es-ES" dirty="0" smtClean="0"/>
+              <a:t>Fundamentos de </a:t>
+            </a:r>
+            <a:r>
+              <a:rPr lang="es-ES" dirty="0" err="1" smtClean="0"/>
+              <a:t>Python</a:t>
+            </a:r>
+            <a:endParaRPr lang="es-ES" dirty="0"/>
+          </a:p>
+        </p:txBody>
+      </p:sp>
+      <p:sp>
+        <p:nvSpPr>
+          <p:cNvPr id="3" name="2 Marcador de contenido"/>
+          <p:cNvSpPr>
+            <a:spLocks noGrp="1"/>
+          </p:cNvSpPr>
+          <p:nvPr>
+            <p:ph idx="1"/>
+          </p:nvPr>
+        </p:nvSpPr>
+        <p:spPr/>
+        <p:txBody>
+          <a:bodyPr/>
+          <a:lstStyle/>
+          <a:p>
+            <a:r>
+              <a:rPr lang="es-ES" dirty="0" smtClean="0"/>
+              <a:t>Flujo de Programa</a:t>
+            </a:r>
+            <a:endParaRPr lang="es-ES" dirty="0"/>
+          </a:p>
+        </p:txBody>
+      </p:sp>
+    </p:spTree>
+  </p:cSld>
+  <p:clrMapOvr>
+    <a:masterClrMapping/>
+  </p:clrMapOvr>
+</p:sld>
+</file>
+
+<file path=ppt/slides/slide14.xml><?xml version="1.0" encoding="utf-8"?>
+<p:sld xmlns:a="http://schemas.openxmlformats.org/drawingml/2006/main" xmlns:r="http://schemas.openxmlformats.org/officeDocument/2006/relationships" xmlns:p="http://schemas.openxmlformats.org/presentationml/2006/main">
+  <p:cSld>
+    <p:spTree>
+      <p:nvGrpSpPr>
+        <p:cNvPr id="1" name=""/>
+        <p:cNvGrpSpPr/>
+        <p:nvPr/>
+      </p:nvGrpSpPr>
+      <p:grpSpPr>
+        <a:xfrm>
+          <a:off x="0" y="0"/>
+          <a:ext cx="0" cy="0"/>
+          <a:chOff x="0" y="0"/>
+          <a:chExt cx="0" cy="0"/>
+        </a:xfrm>
+      </p:grpSpPr>
+      <p:sp>
+        <p:nvSpPr>
+          <p:cNvPr id="2" name="1 Título"/>
+          <p:cNvSpPr>
+            <a:spLocks noGrp="1"/>
+          </p:cNvSpPr>
+          <p:nvPr>
+            <p:ph type="title"/>
+          </p:nvPr>
+        </p:nvSpPr>
+        <p:spPr/>
+        <p:txBody>
+          <a:bodyPr/>
+          <a:lstStyle/>
+          <a:p>
+            <a:r>
+              <a:rPr lang="es-ES" dirty="0" smtClean="0"/>
+              <a:t>Fundamentos de </a:t>
+            </a:r>
+            <a:r>
+              <a:rPr lang="es-ES" dirty="0" err="1" smtClean="0"/>
+              <a:t>Python</a:t>
+            </a:r>
+            <a:endParaRPr lang="es-ES" dirty="0"/>
+          </a:p>
+        </p:txBody>
+      </p:sp>
+      <p:sp>
+        <p:nvSpPr>
+          <p:cNvPr id="3" name="2 Marcador de contenido"/>
+          <p:cNvSpPr>
+            <a:spLocks noGrp="1"/>
+          </p:cNvSpPr>
+          <p:nvPr>
+            <p:ph idx="1"/>
+          </p:nvPr>
+        </p:nvSpPr>
+        <p:spPr/>
+        <p:txBody>
+          <a:bodyPr/>
+          <a:lstStyle/>
+          <a:p>
+            <a:r>
+              <a:rPr lang="es-ES" dirty="0" smtClean="0"/>
+              <a:t>Tipos especiales de datos: </a:t>
+            </a:r>
+          </a:p>
+          <a:p>
+            <a:pPr lvl="1"/>
+            <a:r>
+              <a:rPr lang="es-ES" dirty="0" smtClean="0"/>
+              <a:t>Listas</a:t>
+            </a:r>
+          </a:p>
+          <a:p>
+            <a:pPr lvl="1"/>
+            <a:r>
+              <a:rPr lang="es-ES" dirty="0" err="1" smtClean="0"/>
+              <a:t>Tuplas</a:t>
+            </a:r>
+            <a:endParaRPr lang="es-ES" dirty="0" smtClean="0"/>
+          </a:p>
+          <a:p>
+            <a:pPr lvl="1"/>
+            <a:r>
+              <a:rPr lang="es-ES" dirty="0" smtClean="0"/>
+              <a:t>Diccionarios</a:t>
+            </a:r>
+            <a:endParaRPr lang="es-ES" dirty="0"/>
+          </a:p>
+        </p:txBody>
+      </p:sp>
+    </p:spTree>
+  </p:cSld>
+  <p:clrMapOvr>
+    <a:masterClrMapping/>
+  </p:clrMapOvr>
+</p:sld>
+</file>
+
+<file path=ppt/slides/slide15.xml><?xml version="1.0" encoding="utf-8"?>
+<p:sld xmlns:a="http://schemas.openxmlformats.org/drawingml/2006/main" xmlns:r="http://schemas.openxmlformats.org/officeDocument/2006/relationships" xmlns:p="http://schemas.openxmlformats.org/presentationml/2006/main">
+  <p:cSld>
+    <p:spTree>
+      <p:nvGrpSpPr>
+        <p:cNvPr id="1" name=""/>
+        <p:cNvGrpSpPr/>
+        <p:nvPr/>
+      </p:nvGrpSpPr>
+      <p:grpSpPr>
+        <a:xfrm>
+          <a:off x="0" y="0"/>
+          <a:ext cx="0" cy="0"/>
+          <a:chOff x="0" y="0"/>
+          <a:chExt cx="0" cy="0"/>
+        </a:xfrm>
+      </p:grpSpPr>
+      <p:sp>
+        <p:nvSpPr>
+          <p:cNvPr id="2" name="1 Título"/>
+          <p:cNvSpPr>
+            <a:spLocks noGrp="1"/>
+          </p:cNvSpPr>
+          <p:nvPr>
+            <p:ph type="title"/>
+          </p:nvPr>
+        </p:nvSpPr>
+        <p:spPr/>
+        <p:txBody>
+          <a:bodyPr/>
+          <a:lstStyle/>
+          <a:p>
+            <a:r>
+              <a:rPr lang="es-ES" dirty="0" smtClean="0"/>
+              <a:t>Fundamentos de </a:t>
+            </a:r>
+            <a:r>
+              <a:rPr lang="es-ES" dirty="0" err="1" smtClean="0"/>
+              <a:t>Python</a:t>
+            </a:r>
+            <a:endParaRPr lang="es-ES" dirty="0"/>
+          </a:p>
+        </p:txBody>
+      </p:sp>
+      <p:sp>
+        <p:nvSpPr>
+          <p:cNvPr id="3" name="2 Marcador de contenido"/>
+          <p:cNvSpPr>
+            <a:spLocks noGrp="1"/>
+          </p:cNvSpPr>
+          <p:nvPr>
+            <p:ph idx="1"/>
+          </p:nvPr>
+        </p:nvSpPr>
+        <p:spPr/>
+        <p:txBody>
+          <a:bodyPr/>
+          <a:lstStyle/>
+          <a:p>
+            <a:r>
+              <a:rPr lang="es-ES" dirty="0" smtClean="0"/>
+              <a:t>Programación Orientada a Objetos: </a:t>
+            </a:r>
+          </a:p>
+          <a:p>
+            <a:pPr lvl="1"/>
+            <a:r>
+              <a:rPr lang="es-ES" dirty="0" smtClean="0"/>
+              <a:t>Clases</a:t>
+            </a:r>
+          </a:p>
+          <a:p>
+            <a:pPr lvl="1"/>
+            <a:r>
+              <a:rPr lang="es-ES" dirty="0" smtClean="0"/>
+              <a:t>Objetos</a:t>
+            </a:r>
+          </a:p>
+        </p:txBody>
+      </p:sp>
+    </p:spTree>
+  </p:cSld>
+  <p:clrMapOvr>
+    <a:masterClrMapping/>
+  </p:clrMapOvr>
+</p:sld>
+</file>
+
+<file path=ppt/slides/slide16.xml><?xml version="1.0" encoding="utf-8"?>
+<p:sld xmlns:a="http://schemas.openxmlformats.org/drawingml/2006/main" xmlns:r="http://schemas.openxmlformats.org/officeDocument/2006/relationships" xmlns:p="http://schemas.openxmlformats.org/presentationml/2006/main">
+  <p:cSld>
+    <p:spTree>
+      <p:nvGrpSpPr>
+        <p:cNvPr id="1" name=""/>
+        <p:cNvGrpSpPr/>
+        <p:nvPr/>
+      </p:nvGrpSpPr>
+      <p:grpSpPr>
+        <a:xfrm>
+          <a:off x="0" y="0"/>
+          <a:ext cx="0" cy="0"/>
+          <a:chOff x="0" y="0"/>
+          <a:chExt cx="0" cy="0"/>
+        </a:xfrm>
+      </p:grpSpPr>
+      <p:sp>
+        <p:nvSpPr>
+          <p:cNvPr id="2" name="1 Título"/>
+          <p:cNvSpPr>
+            <a:spLocks noGrp="1"/>
+          </p:cNvSpPr>
+          <p:nvPr>
+            <p:ph type="title"/>
+          </p:nvPr>
+        </p:nvSpPr>
+        <p:spPr/>
+        <p:txBody>
+          <a:bodyPr/>
+          <a:lstStyle/>
+          <a:p>
+            <a:r>
+              <a:rPr lang="es-ES" dirty="0" smtClean="0"/>
+              <a:t>Fundamentos de </a:t>
+            </a:r>
+            <a:r>
+              <a:rPr lang="es-ES" dirty="0" err="1" smtClean="0"/>
+              <a:t>Python</a:t>
+            </a:r>
+            <a:endParaRPr lang="es-ES" dirty="0"/>
+          </a:p>
+        </p:txBody>
+      </p:sp>
+      <p:sp>
+        <p:nvSpPr>
+          <p:cNvPr id="3" name="2 Marcador de contenido"/>
+          <p:cNvSpPr>
+            <a:spLocks noGrp="1"/>
+          </p:cNvSpPr>
+          <p:nvPr>
+            <p:ph idx="1"/>
+          </p:nvPr>
+        </p:nvSpPr>
+        <p:spPr/>
+        <p:txBody>
+          <a:bodyPr/>
+          <a:lstStyle/>
+          <a:p>
+            <a:r>
+              <a:rPr lang="es-ES" dirty="0" smtClean="0"/>
+              <a:t>Gestión de excepciones: </a:t>
+            </a:r>
+          </a:p>
+          <a:p>
+            <a:pPr lvl="1"/>
+            <a:r>
+              <a:rPr lang="es-ES" dirty="0" smtClean="0"/>
+              <a:t>Try/Catch</a:t>
+            </a:r>
+          </a:p>
+        </p:txBody>
+      </p:sp>
+    </p:spTree>
+  </p:cSld>
+  <p:clrMapOvr>
+    <a:masterClrMapping/>
+  </p:clrMapOvr>
+</p:sld>
+</file>
+
+<file path=ppt/slides/slide17.xml><?xml version="1.0" encoding="utf-8"?>
+<p:sld xmlns:a="http://schemas.openxmlformats.org/drawingml/2006/main" xmlns:r="http://schemas.openxmlformats.org/officeDocument/2006/relationships" xmlns:p="http://schemas.openxmlformats.org/presentationml/2006/main">
+  <p:cSld>
+    <p:spTree>
+      <p:nvGrpSpPr>
+        <p:cNvPr id="1" name=""/>
+        <p:cNvGrpSpPr/>
+        <p:nvPr/>
+      </p:nvGrpSpPr>
+      <p:grpSpPr>
+        <a:xfrm>
+          <a:off x="0" y="0"/>
+          <a:ext cx="0" cy="0"/>
+          <a:chOff x="0" y="0"/>
+          <a:chExt cx="0" cy="0"/>
+        </a:xfrm>
+      </p:grpSpPr>
+      <p:sp>
+        <p:nvSpPr>
+          <p:cNvPr id="2" name="1 Título"/>
+          <p:cNvSpPr>
+            <a:spLocks noGrp="1"/>
+          </p:cNvSpPr>
+          <p:nvPr>
+            <p:ph type="title"/>
+          </p:nvPr>
+        </p:nvSpPr>
+        <p:spPr/>
+        <p:txBody>
+          <a:bodyPr/>
+          <a:lstStyle/>
+          <a:p>
+            <a:r>
+              <a:rPr lang="es-ES" dirty="0" smtClean="0"/>
+              <a:t>Fundamentos de </a:t>
+            </a:r>
+            <a:r>
+              <a:rPr lang="es-ES" dirty="0" err="1" smtClean="0"/>
+              <a:t>Python</a:t>
+            </a:r>
+            <a:endParaRPr lang="es-ES" dirty="0"/>
+          </a:p>
+        </p:txBody>
+      </p:sp>
+      <p:sp>
+        <p:nvSpPr>
+          <p:cNvPr id="3" name="2 Marcador de contenido"/>
+          <p:cNvSpPr>
+            <a:spLocks noGrp="1"/>
+          </p:cNvSpPr>
+          <p:nvPr>
+            <p:ph idx="1"/>
+          </p:nvPr>
+        </p:nvSpPr>
+        <p:spPr/>
+        <p:txBody>
+          <a:bodyPr/>
+          <a:lstStyle/>
+          <a:p>
+            <a:r>
+              <a:rPr lang="es-ES" dirty="0" smtClean="0"/>
+              <a:t>Entrada/Salida de Archivos</a:t>
+            </a:r>
+          </a:p>
+          <a:p>
+            <a:pPr lvl="1"/>
+            <a:r>
+              <a:rPr lang="es-ES" dirty="0" smtClean="0"/>
+              <a:t>IO Module</a:t>
+            </a:r>
+          </a:p>
+        </p:txBody>
+      </p:sp>
+    </p:spTree>
+  </p:cSld>
+  <p:clrMapOvr>
+    <a:masterClrMapping/>
+  </p:clrMapOvr>
+</p:sld>
+</file>
+
+<file path=ppt/slides/slide18.xml><?xml version="1.0" encoding="utf-8"?>
+<p:sld xmlns:a="http://schemas.openxmlformats.org/drawingml/2006/main" xmlns:r="http://schemas.openxmlformats.org/officeDocument/2006/relationships" xmlns:p="http://schemas.openxmlformats.org/presentationml/2006/main">
+  <p:cSld>
+    <p:spTree>
+      <p:nvGrpSpPr>
+        <p:cNvPr id="1" name=""/>
+        <p:cNvGrpSpPr/>
+        <p:nvPr/>
+      </p:nvGrpSpPr>
+      <p:grpSpPr>
+        <a:xfrm>
+          <a:off x="0" y="0"/>
+          <a:ext cx="0" cy="0"/>
+          <a:chOff x="0" y="0"/>
+          <a:chExt cx="0" cy="0"/>
+        </a:xfrm>
+      </p:grpSpPr>
+      <p:sp>
+        <p:nvSpPr>
+          <p:cNvPr id="2" name="1 Título"/>
+          <p:cNvSpPr>
+            <a:spLocks noGrp="1"/>
+          </p:cNvSpPr>
+          <p:nvPr>
+            <p:ph type="title"/>
+          </p:nvPr>
+        </p:nvSpPr>
+        <p:spPr/>
+        <p:txBody>
+          <a:bodyPr/>
+          <a:lstStyle/>
+          <a:p>
+            <a:r>
+              <a:rPr lang="es-ES" dirty="0" smtClean="0"/>
+              <a:t>Módulos Externos</a:t>
+            </a:r>
+            <a:endParaRPr lang="es-ES" dirty="0"/>
+          </a:p>
+        </p:txBody>
+      </p:sp>
+      <p:sp>
+        <p:nvSpPr>
+          <p:cNvPr id="3" name="2 Marcador de contenido"/>
+          <p:cNvSpPr>
+            <a:spLocks noGrp="1"/>
+          </p:cNvSpPr>
+          <p:nvPr>
+            <p:ph idx="1"/>
+          </p:nvPr>
+        </p:nvSpPr>
+        <p:spPr/>
+        <p:txBody>
+          <a:bodyPr/>
+          <a:lstStyle/>
+          <a:p>
+            <a:r>
+              <a:rPr lang="es-ES" dirty="0" smtClean="0"/>
+              <a:t>Importar y usar módulos externos en </a:t>
+            </a:r>
+            <a:r>
+              <a:rPr lang="es-ES" dirty="0" err="1" smtClean="0"/>
+              <a:t>Python</a:t>
+            </a:r>
+            <a:r>
+              <a:rPr lang="es-ES" dirty="0" smtClean="0"/>
+              <a:t>.</a:t>
+            </a:r>
+          </a:p>
+        </p:txBody>
+      </p:sp>
+    </p:spTree>
+  </p:cSld>
+  <p:clrMapOvr>
+    <a:masterClrMapping/>
+  </p:clrMapOvr>
+</p:sld>
+</file>
+
+<file path=ppt/slides/slide19.xml><?xml version="1.0" encoding="utf-8"?>
+<p:sld xmlns:a="http://schemas.openxmlformats.org/drawingml/2006/main" xmlns:r="http://schemas.openxmlformats.org/officeDocument/2006/relationships" xmlns:p="http://schemas.openxmlformats.org/presentationml/2006/main">
+  <p:cSld>
+    <p:spTree>
+      <p:nvGrpSpPr>
+        <p:cNvPr id="1" name=""/>
+        <p:cNvGrpSpPr/>
+        <p:nvPr/>
+      </p:nvGrpSpPr>
+      <p:grpSpPr>
+        <a:xfrm>
+          <a:off x="0" y="0"/>
+          <a:ext cx="0" cy="0"/>
+          <a:chOff x="0" y="0"/>
+          <a:chExt cx="0" cy="0"/>
+        </a:xfrm>
+      </p:grpSpPr>
+      <p:sp>
+        <p:nvSpPr>
+          <p:cNvPr id="2" name="1 Título"/>
+          <p:cNvSpPr>
+            <a:spLocks noGrp="1"/>
+          </p:cNvSpPr>
+          <p:nvPr>
+            <p:ph type="title"/>
+          </p:nvPr>
+        </p:nvSpPr>
+        <p:spPr/>
+        <p:txBody>
+          <a:bodyPr/>
+          <a:lstStyle/>
+          <a:p>
+            <a:r>
+              <a:rPr lang="es-ES" dirty="0" smtClean="0"/>
+              <a:t>Mini Proyecto Final</a:t>
+            </a:r>
+            <a:endParaRPr lang="es-ES" dirty="0"/>
+          </a:p>
+        </p:txBody>
+      </p:sp>
+      <p:sp>
+        <p:nvSpPr>
+          <p:cNvPr id="3" name="2 Marcador de contenido"/>
+          <p:cNvSpPr>
+            <a:spLocks noGrp="1"/>
+          </p:cNvSpPr>
+          <p:nvPr>
+            <p:ph idx="1"/>
+          </p:nvPr>
+        </p:nvSpPr>
+        <p:spPr/>
+        <p:txBody>
+          <a:bodyPr/>
+          <a:lstStyle/>
+          <a:p>
+            <a:r>
+              <a:rPr lang="es-ES" dirty="0" smtClean="0"/>
+              <a:t>Requisitos</a:t>
+            </a:r>
+          </a:p>
+          <a:p>
+            <a:r>
+              <a:rPr lang="es-ES" dirty="0" smtClean="0"/>
+              <a:t>Resultados</a:t>
+            </a:r>
+          </a:p>
+          <a:p>
+            <a:r>
+              <a:rPr lang="es-ES" dirty="0" smtClean="0"/>
+              <a:t>Posibles ampliaciones</a:t>
+            </a:r>
+          </a:p>
+          <a:p>
+            <a:endParaRPr lang="es-ES" dirty="0" smtClean="0"/>
+          </a:p>
+          <a:p>
+            <a:endParaRPr lang="es-ES" dirty="0" smtClean="0"/>
+          </a:p>
+        </p:txBody>
+      </p:sp>
+    </p:spTree>
+  </p:cSld>
+  <p:clrMapOvr>
+    <a:masterClrMapping/>
+  </p:clrMapOvr>
+</p:sld>
+</file>
+
 <file path=ppt/slides/slide2.xml><?xml version="1.0" encoding="utf-8"?>
 <p:sld xmlns:a="http://schemas.openxmlformats.org/drawingml/2006/main" xmlns:r="http://schemas.openxmlformats.org/officeDocument/2006/relationships" xmlns:p="http://schemas.openxmlformats.org/presentationml/2006/main">
   <p:cSld>
@@ -3304,6 +4135,535 @@
               <a:rPr lang="es-ES" dirty="0" smtClean="0"/>
             </a:br>
             <a:endParaRPr lang="es-ES" dirty="0" smtClean="0"/>
+          </a:p>
+        </p:txBody>
+      </p:sp>
+    </p:spTree>
+  </p:cSld>
+  <p:clrMapOvr>
+    <a:masterClrMapping/>
+  </p:clrMapOvr>
+</p:sld>
+</file>
+
+<file path=ppt/slides/slide20.xml><?xml version="1.0" encoding="utf-8"?>
+<p:sld xmlns:a="http://schemas.openxmlformats.org/drawingml/2006/main" xmlns:r="http://schemas.openxmlformats.org/officeDocument/2006/relationships" xmlns:p="http://schemas.openxmlformats.org/presentationml/2006/main">
+  <p:cSld>
+    <p:spTree>
+      <p:nvGrpSpPr>
+        <p:cNvPr id="1" name=""/>
+        <p:cNvGrpSpPr/>
+        <p:nvPr/>
+      </p:nvGrpSpPr>
+      <p:grpSpPr>
+        <a:xfrm>
+          <a:off x="0" y="0"/>
+          <a:ext cx="0" cy="0"/>
+          <a:chOff x="0" y="0"/>
+          <a:chExt cx="0" cy="0"/>
+        </a:xfrm>
+      </p:grpSpPr>
+      <p:sp>
+        <p:nvSpPr>
+          <p:cNvPr id="2" name="1 Título"/>
+          <p:cNvSpPr>
+            <a:spLocks noGrp="1"/>
+          </p:cNvSpPr>
+          <p:nvPr>
+            <p:ph type="title"/>
+          </p:nvPr>
+        </p:nvSpPr>
+        <p:spPr/>
+        <p:txBody>
+          <a:bodyPr/>
+          <a:lstStyle/>
+          <a:p>
+            <a:r>
+              <a:rPr lang="es-ES" dirty="0" smtClean="0"/>
+              <a:t>ANEXO</a:t>
+            </a:r>
+            <a:endParaRPr lang="es-ES" dirty="0"/>
+          </a:p>
+        </p:txBody>
+      </p:sp>
+      <p:sp>
+        <p:nvSpPr>
+          <p:cNvPr id="3" name="2 Marcador de contenido"/>
+          <p:cNvSpPr>
+            <a:spLocks noGrp="1"/>
+          </p:cNvSpPr>
+          <p:nvPr>
+            <p:ph idx="1"/>
+          </p:nvPr>
+        </p:nvSpPr>
+        <p:spPr/>
+        <p:txBody>
+          <a:bodyPr anchor="ctr"/>
+          <a:lstStyle/>
+          <a:p>
+            <a:pPr algn="ctr">
+              <a:buNone/>
+            </a:pPr>
+            <a:r>
+              <a:rPr lang="es-ES" dirty="0" smtClean="0"/>
+              <a:t>Otros recursos e </a:t>
+            </a:r>
+            <a:r>
+              <a:rPr lang="es-ES" dirty="0" err="1" smtClean="0"/>
+              <a:t>info</a:t>
+            </a:r>
+            <a:r>
+              <a:rPr lang="es-ES" dirty="0" smtClean="0"/>
+              <a:t> necesaria.</a:t>
+            </a:r>
+            <a:endParaRPr lang="es-ES" dirty="0"/>
+          </a:p>
+        </p:txBody>
+      </p:sp>
+    </p:spTree>
+  </p:cSld>
+  <p:clrMapOvr>
+    <a:masterClrMapping/>
+  </p:clrMapOvr>
+</p:sld>
+</file>
+
+<file path=ppt/slides/slide21.xml><?xml version="1.0" encoding="utf-8"?>
+<p:sld xmlns:a="http://schemas.openxmlformats.org/drawingml/2006/main" xmlns:r="http://schemas.openxmlformats.org/officeDocument/2006/relationships" xmlns:p="http://schemas.openxmlformats.org/presentationml/2006/main">
+  <p:cSld>
+    <p:spTree>
+      <p:nvGrpSpPr>
+        <p:cNvPr id="1" name=""/>
+        <p:cNvGrpSpPr/>
+        <p:nvPr/>
+      </p:nvGrpSpPr>
+      <p:grpSpPr>
+        <a:xfrm>
+          <a:off x="0" y="0"/>
+          <a:ext cx="0" cy="0"/>
+          <a:chOff x="0" y="0"/>
+          <a:chExt cx="0" cy="0"/>
+        </a:xfrm>
+      </p:grpSpPr>
+      <p:sp>
+        <p:nvSpPr>
+          <p:cNvPr id="2" name="1 Título"/>
+          <p:cNvSpPr>
+            <a:spLocks noGrp="1"/>
+          </p:cNvSpPr>
+          <p:nvPr>
+            <p:ph type="title"/>
+          </p:nvPr>
+        </p:nvSpPr>
+        <p:spPr/>
+        <p:txBody>
+          <a:bodyPr/>
+          <a:lstStyle/>
+          <a:p>
+            <a:r>
+              <a:rPr lang="es-ES" dirty="0" smtClean="0"/>
+              <a:t>Usando GIT</a:t>
+            </a:r>
+            <a:endParaRPr lang="es-ES" dirty="0"/>
+          </a:p>
+        </p:txBody>
+      </p:sp>
+      <p:sp>
+        <p:nvSpPr>
+          <p:cNvPr id="3" name="2 Marcador de contenido"/>
+          <p:cNvSpPr>
+            <a:spLocks noGrp="1"/>
+          </p:cNvSpPr>
+          <p:nvPr>
+            <p:ph idx="1"/>
+          </p:nvPr>
+        </p:nvSpPr>
+        <p:spPr/>
+        <p:txBody>
+          <a:bodyPr/>
+          <a:lstStyle/>
+          <a:p>
+            <a:r>
+              <a:rPr lang="es-ES" dirty="0" smtClean="0"/>
+              <a:t>¿Qué es GIT?</a:t>
+            </a:r>
+          </a:p>
+          <a:p>
+            <a:r>
+              <a:rPr lang="es-ES" dirty="0" err="1" smtClean="0"/>
+              <a:t>Git</a:t>
+            </a:r>
+            <a:r>
+              <a:rPr lang="es-ES" dirty="0" smtClean="0"/>
+              <a:t> GUI vs GIT </a:t>
+            </a:r>
+            <a:r>
+              <a:rPr lang="es-ES" dirty="0" err="1" smtClean="0"/>
+              <a:t>Bash</a:t>
+            </a:r>
+            <a:endParaRPr lang="es-ES" dirty="0" smtClean="0"/>
+          </a:p>
+          <a:p>
+            <a:r>
+              <a:rPr lang="es-ES" dirty="0" err="1" smtClean="0"/>
+              <a:t>Git</a:t>
+            </a:r>
+            <a:r>
+              <a:rPr lang="es-ES" dirty="0" smtClean="0"/>
+              <a:t> vs </a:t>
+            </a:r>
+            <a:r>
+              <a:rPr lang="es-ES" dirty="0" err="1" smtClean="0"/>
+              <a:t>GitHUB</a:t>
+            </a:r>
+            <a:r>
+              <a:rPr lang="es-ES" dirty="0" smtClean="0"/>
+              <a:t>.</a:t>
+            </a:r>
+            <a:endParaRPr lang="es-ES" dirty="0"/>
+          </a:p>
+        </p:txBody>
+      </p:sp>
+    </p:spTree>
+  </p:cSld>
+  <p:clrMapOvr>
+    <a:masterClrMapping/>
+  </p:clrMapOvr>
+</p:sld>
+</file>
+
+<file path=ppt/slides/slide22.xml><?xml version="1.0" encoding="utf-8"?>
+<p:sld xmlns:a="http://schemas.openxmlformats.org/drawingml/2006/main" xmlns:r="http://schemas.openxmlformats.org/officeDocument/2006/relationships" xmlns:p="http://schemas.openxmlformats.org/presentationml/2006/main">
+  <p:cSld>
+    <p:spTree>
+      <p:nvGrpSpPr>
+        <p:cNvPr id="1" name=""/>
+        <p:cNvGrpSpPr/>
+        <p:nvPr/>
+      </p:nvGrpSpPr>
+      <p:grpSpPr>
+        <a:xfrm>
+          <a:off x="0" y="0"/>
+          <a:ext cx="0" cy="0"/>
+          <a:chOff x="0" y="0"/>
+          <a:chExt cx="0" cy="0"/>
+        </a:xfrm>
+      </p:grpSpPr>
+      <p:sp>
+        <p:nvSpPr>
+          <p:cNvPr id="2" name="1 Título"/>
+          <p:cNvSpPr>
+            <a:spLocks noGrp="1"/>
+          </p:cNvSpPr>
+          <p:nvPr>
+            <p:ph type="title"/>
+          </p:nvPr>
+        </p:nvSpPr>
+        <p:spPr/>
+        <p:txBody>
+          <a:bodyPr/>
+          <a:lstStyle/>
+          <a:p>
+            <a:r>
+              <a:rPr lang="es-ES" dirty="0" smtClean="0"/>
+              <a:t>Versiones de </a:t>
+            </a:r>
+            <a:r>
+              <a:rPr lang="es-ES" dirty="0" err="1" smtClean="0"/>
+              <a:t>Python</a:t>
+            </a:r>
+            <a:endParaRPr lang="es-ES" dirty="0"/>
+          </a:p>
+        </p:txBody>
+      </p:sp>
+      <p:sp>
+        <p:nvSpPr>
+          <p:cNvPr id="3" name="2 Marcador de contenido"/>
+          <p:cNvSpPr>
+            <a:spLocks noGrp="1"/>
+          </p:cNvSpPr>
+          <p:nvPr>
+            <p:ph idx="1"/>
+          </p:nvPr>
+        </p:nvSpPr>
+        <p:spPr/>
+        <p:txBody>
+          <a:bodyPr anchor="ctr"/>
+          <a:lstStyle/>
+          <a:p>
+            <a:pPr algn="ctr">
+              <a:buNone/>
+            </a:pPr>
+            <a:r>
+              <a:rPr lang="es-ES" dirty="0" smtClean="0"/>
+              <a:t>TD v099 usa </a:t>
+            </a:r>
+            <a:r>
+              <a:rPr lang="es-ES" dirty="0" err="1" smtClean="0"/>
+              <a:t>Python</a:t>
+            </a:r>
+            <a:r>
+              <a:rPr lang="es-ES" dirty="0" smtClean="0"/>
+              <a:t> v3.5.X</a:t>
+            </a:r>
+          </a:p>
+        </p:txBody>
+      </p:sp>
+    </p:spTree>
+  </p:cSld>
+  <p:clrMapOvr>
+    <a:masterClrMapping/>
+  </p:clrMapOvr>
+</p:sld>
+</file>
+
+<file path=ppt/slides/slide23.xml><?xml version="1.0" encoding="utf-8"?>
+<p:sld xmlns:a="http://schemas.openxmlformats.org/drawingml/2006/main" xmlns:r="http://schemas.openxmlformats.org/officeDocument/2006/relationships" xmlns:p="http://schemas.openxmlformats.org/presentationml/2006/main">
+  <p:cSld>
+    <p:spTree>
+      <p:nvGrpSpPr>
+        <p:cNvPr id="1" name=""/>
+        <p:cNvGrpSpPr/>
+        <p:nvPr/>
+      </p:nvGrpSpPr>
+      <p:grpSpPr>
+        <a:xfrm>
+          <a:off x="0" y="0"/>
+          <a:ext cx="0" cy="0"/>
+          <a:chOff x="0" y="0"/>
+          <a:chExt cx="0" cy="0"/>
+        </a:xfrm>
+      </p:grpSpPr>
+      <p:sp>
+        <p:nvSpPr>
+          <p:cNvPr id="2" name="1 Título"/>
+          <p:cNvSpPr>
+            <a:spLocks noGrp="1"/>
+          </p:cNvSpPr>
+          <p:nvPr>
+            <p:ph type="title"/>
+          </p:nvPr>
+        </p:nvSpPr>
+        <p:spPr/>
+        <p:txBody>
+          <a:bodyPr/>
+          <a:lstStyle/>
+          <a:p>
+            <a:r>
+              <a:rPr lang="es-ES" dirty="0" smtClean="0"/>
+              <a:t>¿Qué es PIP?</a:t>
+            </a:r>
+            <a:endParaRPr lang="es-ES" dirty="0"/>
+          </a:p>
+        </p:txBody>
+      </p:sp>
+      <p:sp>
+        <p:nvSpPr>
+          <p:cNvPr id="3" name="2 Marcador de contenido"/>
+          <p:cNvSpPr>
+            <a:spLocks noGrp="1"/>
+          </p:cNvSpPr>
+          <p:nvPr>
+            <p:ph idx="1"/>
+          </p:nvPr>
+        </p:nvSpPr>
+        <p:spPr/>
+        <p:txBody>
+          <a:bodyPr anchor="ctr"/>
+          <a:lstStyle/>
+          <a:p>
+            <a:pPr algn="ctr">
+              <a:buNone/>
+            </a:pPr>
+            <a:r>
+              <a:rPr lang="es-ES" dirty="0" smtClean="0"/>
+              <a:t>Gestor de paquetes para PYTHON. </a:t>
+            </a:r>
+          </a:p>
+          <a:p>
+            <a:pPr algn="ctr">
+              <a:buNone/>
+            </a:pPr>
+            <a:r>
+              <a:rPr lang="es-ES" dirty="0" smtClean="0"/>
+              <a:t>La mejor forma de instalar módulos.</a:t>
+            </a:r>
+          </a:p>
+          <a:p>
+            <a:pPr algn="ctr">
+              <a:buNone/>
+            </a:pPr>
+            <a:endParaRPr lang="es-ES" dirty="0" smtClean="0"/>
+          </a:p>
+          <a:p>
+            <a:pPr algn="ctr">
+              <a:buNone/>
+            </a:pPr>
+            <a:r>
+              <a:rPr lang="es-ES" dirty="0" smtClean="0"/>
+              <a:t>Añadir al </a:t>
+            </a:r>
+            <a:r>
+              <a:rPr lang="es-ES" dirty="0" err="1" smtClean="0"/>
+              <a:t>Path</a:t>
+            </a:r>
+            <a:r>
+              <a:rPr lang="es-ES" dirty="0" smtClean="0"/>
+              <a:t>:</a:t>
+            </a:r>
+          </a:p>
+          <a:p>
+            <a:pPr algn="ctr">
+              <a:buNone/>
+            </a:pPr>
+            <a:r>
+              <a:rPr lang="es-ES" sz="1800" dirty="0" smtClean="0"/>
+              <a:t>C:\</a:t>
+            </a:r>
+            <a:r>
+              <a:rPr lang="es-ES" sz="1800" dirty="0" smtClean="0"/>
+              <a:t>Users\USERNAME\AppDataLocal\Programs\Python\Python35\Scripts</a:t>
+            </a:r>
+          </a:p>
+          <a:p>
+            <a:pPr algn="ctr">
+              <a:buNone/>
+            </a:pPr>
+            <a:r>
+              <a:rPr lang="es-ES" sz="1800" dirty="0" smtClean="0"/>
+              <a:t>C:\</a:t>
+            </a:r>
+            <a:r>
+              <a:rPr lang="es-ES" sz="1800" dirty="0" smtClean="0"/>
+              <a:t>Users\USERNAME\AppDataLocal\Programs\Python\Python35</a:t>
+            </a:r>
+            <a:endParaRPr lang="es-ES" sz="1800" dirty="0"/>
+          </a:p>
+        </p:txBody>
+      </p:sp>
+    </p:spTree>
+  </p:cSld>
+  <p:clrMapOvr>
+    <a:masterClrMapping/>
+  </p:clrMapOvr>
+</p:sld>
+</file>
+
+<file path=ppt/slides/slide24.xml><?xml version="1.0" encoding="utf-8"?>
+<p:sld xmlns:a="http://schemas.openxmlformats.org/drawingml/2006/main" xmlns:r="http://schemas.openxmlformats.org/officeDocument/2006/relationships" xmlns:p="http://schemas.openxmlformats.org/presentationml/2006/main">
+  <p:cSld>
+    <p:spTree>
+      <p:nvGrpSpPr>
+        <p:cNvPr id="1" name=""/>
+        <p:cNvGrpSpPr/>
+        <p:nvPr/>
+      </p:nvGrpSpPr>
+      <p:grpSpPr>
+        <a:xfrm>
+          <a:off x="0" y="0"/>
+          <a:ext cx="0" cy="0"/>
+          <a:chOff x="0" y="0"/>
+          <a:chExt cx="0" cy="0"/>
+        </a:xfrm>
+      </p:grpSpPr>
+      <p:sp>
+        <p:nvSpPr>
+          <p:cNvPr id="2" name="1 Título"/>
+          <p:cNvSpPr>
+            <a:spLocks noGrp="1"/>
+          </p:cNvSpPr>
+          <p:nvPr>
+            <p:ph type="title"/>
+          </p:nvPr>
+        </p:nvSpPr>
+        <p:spPr/>
+        <p:txBody>
+          <a:bodyPr/>
+          <a:lstStyle/>
+          <a:p>
+            <a:r>
+              <a:rPr lang="es-ES" dirty="0" smtClean="0"/>
+              <a:t>Entornos Virtuales en </a:t>
+            </a:r>
+            <a:r>
+              <a:rPr lang="es-ES" dirty="0" err="1" smtClean="0"/>
+              <a:t>Python</a:t>
+            </a:r>
+            <a:endParaRPr lang="es-ES" dirty="0"/>
+          </a:p>
+        </p:txBody>
+      </p:sp>
+      <p:sp>
+        <p:nvSpPr>
+          <p:cNvPr id="3" name="2 Marcador de contenido"/>
+          <p:cNvSpPr>
+            <a:spLocks noGrp="1"/>
+          </p:cNvSpPr>
+          <p:nvPr>
+            <p:ph idx="1"/>
+          </p:nvPr>
+        </p:nvSpPr>
+        <p:spPr/>
+        <p:txBody>
+          <a:bodyPr anchor="ctr"/>
+          <a:lstStyle/>
+          <a:p>
+            <a:pPr algn="ctr">
+              <a:buNone/>
+            </a:pPr>
+            <a:r>
+              <a:rPr lang="es-ES" dirty="0" smtClean="0"/>
+              <a:t>¿Qué ocurre cuando tenemos distintos scripts que necesitan distintas versiones de ciertos módulos?</a:t>
+            </a:r>
+          </a:p>
+          <a:p>
+            <a:pPr algn="ctr">
+              <a:buNone/>
+            </a:pPr>
+            <a:r>
+              <a:rPr lang="es-ES" dirty="0" smtClean="0"/>
+              <a:t>Sufrimiento -&gt; Usa entornos virtuales</a:t>
+            </a:r>
+          </a:p>
+          <a:p>
+            <a:pPr algn="ctr">
+              <a:buNone/>
+            </a:pPr>
+            <a:r>
+              <a:rPr lang="es-ES" dirty="0" smtClean="0"/>
+              <a:t>¡¡SIEMPRE!!</a:t>
+            </a:r>
+            <a:endParaRPr lang="es-ES" dirty="0" smtClean="0"/>
+          </a:p>
+          <a:p>
+            <a:pPr algn="ctr">
+              <a:buNone/>
+            </a:pPr>
+            <a:r>
+              <a:rPr lang="es-ES" sz="1800" dirty="0" smtClean="0">
+                <a:hlinkClick r:id="rId2"/>
+              </a:rPr>
+              <a:t>http</a:t>
+            </a:r>
+            <a:r>
+              <a:rPr lang="es-ES" sz="1800" dirty="0" smtClean="0">
+                <a:hlinkClick r:id="rId2"/>
+              </a:rPr>
+              <a:t>://timmyreilly.azurewebsites.net/python-pip-virtualenv-installation-on-windows</a:t>
+            </a:r>
+            <a:r>
+              <a:rPr lang="es-ES" sz="1800" dirty="0" smtClean="0">
+                <a:hlinkClick r:id="rId2"/>
+              </a:rPr>
+              <a:t>/</a:t>
+            </a:r>
+            <a:endParaRPr lang="es-ES" sz="1800" dirty="0" smtClean="0"/>
+          </a:p>
+          <a:p>
+            <a:pPr algn="ctr">
+              <a:buNone/>
+            </a:pPr>
+            <a:endParaRPr lang="es-ES" sz="1800" dirty="0"/>
           </a:p>
         </p:txBody>
       </p:sp>
@@ -3408,11 +4768,7 @@
             </a:pPr>
             <a:r>
               <a:rPr lang="es-ES" dirty="0" smtClean="0"/>
-              <a:t>¿</a:t>
-            </a:r>
-            <a:r>
-              <a:rPr lang="es-ES" dirty="0" smtClean="0"/>
-              <a:t>Qué es </a:t>
+              <a:t>¿Qué es </a:t>
             </a:r>
             <a:r>
               <a:rPr lang="es-ES" dirty="0" err="1" smtClean="0"/>
@@ -3420,11 +4776,7 @@
             </a:r>
             <a:r>
               <a:rPr lang="es-ES" dirty="0" smtClean="0"/>
-              <a:t>? Historia y características (20 minutos</a:t>
-            </a:r>
-            <a:r>
-              <a:rPr lang="es-ES" dirty="0" smtClean="0"/>
-              <a:t>).</a:t>
+              <a:t>? Historia y características (20 minutos).</a:t>
             </a:r>
           </a:p>
           <a:p>
@@ -3444,7 +4796,6 @@
               <a:rPr lang="es-ES" dirty="0" smtClean="0"/>
               <a:t>.</a:t>
             </a:r>
-            <a:endParaRPr lang="es-ES" dirty="0" smtClean="0"/>
           </a:p>
           <a:p>
             <a:pPr marL="514350" indent="-514350">
@@ -3457,11 +4808,7 @@
             </a:r>
             <a:r>
               <a:rPr lang="es-ES" dirty="0" smtClean="0"/>
-              <a:t> </a:t>
-            </a:r>
-            <a:r>
-              <a:rPr lang="es-ES" dirty="0" smtClean="0"/>
-              <a:t>en los scripts TEXPORT/DAT. (45 minutos)</a:t>
+              <a:t> en los scripts TEXPORT/DAT. (45 minutos)</a:t>
             </a:r>
           </a:p>
           <a:p>
@@ -3471,11 +4818,7 @@
             </a:pPr>
             <a:r>
               <a:rPr lang="es-ES" dirty="0" smtClean="0"/>
-              <a:t>Fundamentos </a:t>
-            </a:r>
-            <a:r>
-              <a:rPr lang="es-ES" dirty="0" smtClean="0"/>
-              <a:t>de PYTHON: (5 horas)</a:t>
+              <a:t>Fundamentos de PYTHON: (5 horas)</a:t>
             </a:r>
             <a:br>
               <a:rPr lang="es-ES" dirty="0" smtClean="0"/>
@@ -3627,11 +4970,7 @@
             </a:pPr>
             <a:r>
               <a:rPr lang="es-ES" dirty="0" smtClean="0"/>
-              <a:t>Importando </a:t>
-            </a:r>
-            <a:r>
-              <a:rPr lang="es-ES" dirty="0" smtClean="0"/>
-              <a:t>módulos externos. (1 hora)</a:t>
+              <a:t>Importando módulos externos. (1 hora)</a:t>
             </a:r>
           </a:p>
           <a:p>
@@ -3648,11 +4987,7 @@
             </a:pPr>
             <a:r>
               <a:rPr lang="es-ES" dirty="0" smtClean="0"/>
-              <a:t>Mini-proyecto </a:t>
-            </a:r>
-            <a:r>
-              <a:rPr lang="es-ES" dirty="0" smtClean="0"/>
-              <a:t>final (45 minutos).</a:t>
+              <a:t>Mini-proyecto final (45 minutos).</a:t>
             </a:r>
           </a:p>
         </p:txBody>
@@ -3736,7 +5071,52 @@
           <a:bodyPr/>
           <a:lstStyle/>
           <a:p>
-            <a:endParaRPr lang="es-ES"/>
+            <a:r>
+              <a:rPr lang="es-ES" dirty="0" err="1" smtClean="0"/>
+              <a:t>Tscript</a:t>
+            </a:r>
+            <a:r>
+              <a:rPr lang="es-ES" dirty="0" smtClean="0"/>
+              <a:t> vs </a:t>
+            </a:r>
+            <a:r>
+              <a:rPr lang="es-ES" dirty="0" err="1" smtClean="0"/>
+              <a:t>Python</a:t>
+            </a:r>
+            <a:endParaRPr lang="es-ES" dirty="0" smtClean="0"/>
+          </a:p>
+          <a:p>
+            <a:r>
+              <a:rPr lang="es-ES" dirty="0" smtClean="0"/>
+              <a:t>¿Desde cuando?</a:t>
+            </a:r>
+          </a:p>
+          <a:p>
+            <a:r>
+              <a:rPr lang="es-ES" dirty="0" err="1" smtClean="0"/>
+              <a:t>PROs</a:t>
+            </a:r>
+            <a:r>
+              <a:rPr lang="es-ES" dirty="0" smtClean="0"/>
+              <a:t> y </a:t>
+            </a:r>
+            <a:r>
+              <a:rPr lang="es-ES" dirty="0" err="1" smtClean="0"/>
+              <a:t>CONs</a:t>
+            </a:r>
+            <a:r>
+              <a:rPr lang="es-ES" dirty="0" smtClean="0"/>
+              <a:t> de usar </a:t>
+            </a:r>
+            <a:r>
+              <a:rPr lang="es-ES" dirty="0" err="1" smtClean="0"/>
+              <a:t>Python</a:t>
+            </a:r>
+            <a:r>
+              <a:rPr lang="es-ES" dirty="0" smtClean="0"/>
+              <a:t> vs TD Puro.</a:t>
+            </a:r>
+            <a:endParaRPr lang="es-ES" dirty="0"/>
           </a:p>
         </p:txBody>
       </p:sp>
@@ -4063,19 +5443,7 @@
               <a:rPr lang="es-ES" dirty="0" smtClean="0">
                 <a:hlinkClick r:id="rId3"/>
               </a:rPr>
-              <a:t>http</a:t>
-            </a:r>
-            <a:r>
-              <a:rPr lang="es-ES" dirty="0" smtClean="0">
-                <a:hlinkClick r:id="rId3"/>
-              </a:rPr>
-              <a:t>://</a:t>
-            </a:r>
-            <a:r>
-              <a:rPr lang="es-ES" dirty="0" smtClean="0">
-                <a:hlinkClick r:id="rId3"/>
-              </a:rPr>
-              <a:t>www.derivative.ca/wiki099/index.php?title=Introduction_to_Python_Tutorial#Importing_Modules</a:t>
+              <a:t>http://www.derivative.ca/wiki099/index.php?title=Introduction_to_Python_Tutorial#Importing_Modules</a:t>
             </a:r>
             <a:endParaRPr lang="es-ES" dirty="0" smtClean="0"/>
           </a:p>
@@ -4115,15 +5483,304 @@
             </a:pPr>
             <a:r>
               <a:rPr lang="es-ES" dirty="0" smtClean="0"/>
-              <a:t>Por defecto: “C</a:t>
-            </a:r>
-            <a:r>
-              <a:rPr lang="es-ES" dirty="0" smtClean="0"/>
-              <a:t>:\</a:t>
-            </a:r>
-            <a:r>
-              <a:rPr lang="es-ES" dirty="0" smtClean="0"/>
-              <a:t>Users\USERNAME\AppData\Local\Programs\Python\Python35\Lib\site-packages”</a:t>
+              <a:t>Por defecto: “C:\Users\USERNAME\AppData\Local\Programs\Python\Python35\Lib\site-packages”</a:t>
+            </a:r>
+            <a:endParaRPr lang="es-ES" dirty="0"/>
+          </a:p>
+        </p:txBody>
+      </p:sp>
+    </p:spTree>
+  </p:cSld>
+  <p:clrMapOvr>
+    <a:masterClrMapping/>
+  </p:clrMapOvr>
+</p:sld>
+</file>
+
+<file path=ppt/slides/slide7.xml><?xml version="1.0" encoding="utf-8"?>
+<p:sld xmlns:a="http://schemas.openxmlformats.org/drawingml/2006/main" xmlns:r="http://schemas.openxmlformats.org/officeDocument/2006/relationships" xmlns:p="http://schemas.openxmlformats.org/presentationml/2006/main">
+  <p:cSld>
+    <p:spTree>
+      <p:nvGrpSpPr>
+        <p:cNvPr id="1" name=""/>
+        <p:cNvGrpSpPr/>
+        <p:nvPr/>
+      </p:nvGrpSpPr>
+      <p:grpSpPr>
+        <a:xfrm>
+          <a:off x="0" y="0"/>
+          <a:ext cx="0" cy="0"/>
+          <a:chOff x="0" y="0"/>
+          <a:chExt cx="0" cy="0"/>
+        </a:xfrm>
+      </p:grpSpPr>
+      <p:sp>
+        <p:nvSpPr>
+          <p:cNvPr id="2" name="1 Título"/>
+          <p:cNvSpPr>
+            <a:spLocks noGrp="1"/>
+          </p:cNvSpPr>
+          <p:nvPr>
+            <p:ph type="title"/>
+          </p:nvPr>
+        </p:nvSpPr>
+        <p:spPr/>
+        <p:txBody>
+          <a:bodyPr>
+            <a:normAutofit/>
+          </a:bodyPr>
+          <a:lstStyle/>
+          <a:p>
+            <a:r>
+              <a:rPr lang="es-ES" dirty="0" smtClean="0"/>
+              <a:t>Ejecutar </a:t>
+            </a:r>
+            <a:r>
+              <a:rPr lang="es-ES" dirty="0" err="1" smtClean="0"/>
+              <a:t>Python</a:t>
+            </a:r>
+            <a:r>
+              <a:rPr lang="es-ES" dirty="0" smtClean="0"/>
+              <a:t> Stand-</a:t>
+            </a:r>
+            <a:r>
+              <a:rPr lang="es-ES" dirty="0" err="1" smtClean="0"/>
+              <a:t>Alone</a:t>
+            </a:r>
+            <a:endParaRPr lang="es-ES" dirty="0"/>
+          </a:p>
+        </p:txBody>
+      </p:sp>
+      <p:sp>
+        <p:nvSpPr>
+          <p:cNvPr id="3" name="2 Marcador de contenido"/>
+          <p:cNvSpPr>
+            <a:spLocks noGrp="1"/>
+          </p:cNvSpPr>
+          <p:nvPr>
+            <p:ph idx="1"/>
+          </p:nvPr>
+        </p:nvSpPr>
+        <p:spPr/>
+        <p:txBody>
+          <a:bodyPr/>
+          <a:lstStyle/>
+          <a:p>
+            <a:r>
+              <a:rPr lang="es-ES" dirty="0" smtClean="0"/>
+              <a:t>Levantar un entorno de desarrollo cómodo.</a:t>
+            </a:r>
+          </a:p>
+          <a:p>
+            <a:r>
+              <a:rPr lang="es-ES" dirty="0" smtClean="0"/>
+              <a:t>¿Cómo desarrollar y publicar </a:t>
+            </a:r>
+            <a:r>
+              <a:rPr lang="es-ES" dirty="0" err="1" smtClean="0"/>
+              <a:t>Python</a:t>
+            </a:r>
+            <a:r>
+              <a:rPr lang="es-ES" dirty="0" smtClean="0"/>
+              <a:t>?</a:t>
+            </a:r>
+          </a:p>
+          <a:p>
+            <a:r>
+              <a:rPr lang="es-ES" dirty="0" smtClean="0"/>
+              <a:t>Recursos disponibles.</a:t>
+            </a:r>
+            <a:endParaRPr lang="es-ES" dirty="0"/>
+          </a:p>
+        </p:txBody>
+      </p:sp>
+    </p:spTree>
+  </p:cSld>
+  <p:clrMapOvr>
+    <a:masterClrMapping/>
+  </p:clrMapOvr>
+</p:sld>
+</file>
+
+<file path=ppt/slides/slide8.xml><?xml version="1.0" encoding="utf-8"?>
+<p:sld xmlns:a="http://schemas.openxmlformats.org/drawingml/2006/main" xmlns:r="http://schemas.openxmlformats.org/officeDocument/2006/relationships" xmlns:p="http://schemas.openxmlformats.org/presentationml/2006/main">
+  <p:cSld>
+    <p:spTree>
+      <p:nvGrpSpPr>
+        <p:cNvPr id="1" name=""/>
+        <p:cNvGrpSpPr/>
+        <p:nvPr/>
+      </p:nvGrpSpPr>
+      <p:grpSpPr>
+        <a:xfrm>
+          <a:off x="0" y="0"/>
+          <a:ext cx="0" cy="0"/>
+          <a:chOff x="0" y="0"/>
+          <a:chExt cx="0" cy="0"/>
+        </a:xfrm>
+      </p:grpSpPr>
+      <p:sp>
+        <p:nvSpPr>
+          <p:cNvPr id="2" name="1 Título"/>
+          <p:cNvSpPr>
+            <a:spLocks noGrp="1"/>
+          </p:cNvSpPr>
+          <p:nvPr>
+            <p:ph type="title"/>
+          </p:nvPr>
+        </p:nvSpPr>
+        <p:spPr/>
+        <p:txBody>
+          <a:bodyPr/>
+          <a:lstStyle/>
+          <a:p>
+            <a:r>
+              <a:rPr lang="es-ES" dirty="0" err="1" smtClean="0"/>
+              <a:t>Python</a:t>
+            </a:r>
+            <a:r>
+              <a:rPr lang="es-ES" dirty="0" smtClean="0"/>
+              <a:t> en TD</a:t>
+            </a:r>
+            <a:endParaRPr lang="es-ES" dirty="0"/>
+          </a:p>
+        </p:txBody>
+      </p:sp>
+      <p:sp>
+        <p:nvSpPr>
+          <p:cNvPr id="3" name="2 Marcador de contenido"/>
+          <p:cNvSpPr>
+            <a:spLocks noGrp="1"/>
+          </p:cNvSpPr>
+          <p:nvPr>
+            <p:ph idx="1"/>
+          </p:nvPr>
+        </p:nvSpPr>
+        <p:spPr/>
+        <p:txBody>
+          <a:bodyPr/>
+          <a:lstStyle/>
+          <a:p>
+            <a:r>
+              <a:rPr lang="es-ES" dirty="0" err="1" smtClean="0"/>
+              <a:t>Embedded</a:t>
+            </a:r>
+            <a:r>
+              <a:rPr lang="es-ES" dirty="0" smtClean="0"/>
+              <a:t> vs Local (Pros &amp; </a:t>
+            </a:r>
+            <a:r>
+              <a:rPr lang="es-ES" dirty="0" err="1" smtClean="0"/>
+              <a:t>Cons</a:t>
+            </a:r>
+            <a:r>
+              <a:rPr lang="es-ES" dirty="0" smtClean="0"/>
+              <a:t>).</a:t>
+            </a:r>
+          </a:p>
+          <a:p>
+            <a:r>
+              <a:rPr lang="es-ES" dirty="0" err="1" smtClean="0"/>
+              <a:t>Python</a:t>
+            </a:r>
+            <a:r>
+              <a:rPr lang="es-ES" dirty="0" smtClean="0"/>
+              <a:t> en un DAT.</a:t>
+            </a:r>
+          </a:p>
+          <a:p>
+            <a:r>
+              <a:rPr lang="es-ES" dirty="0" smtClean="0"/>
+              <a:t>Consola en </a:t>
+            </a:r>
+            <a:r>
+              <a:rPr lang="es-ES" dirty="0" err="1" smtClean="0"/>
+              <a:t>TextPort</a:t>
+            </a:r>
+            <a:r>
+              <a:rPr lang="es-ES" dirty="0" smtClean="0"/>
+              <a:t>.</a:t>
+            </a:r>
+            <a:endParaRPr lang="es-ES" dirty="0"/>
+          </a:p>
+        </p:txBody>
+      </p:sp>
+    </p:spTree>
+  </p:cSld>
+  <p:clrMapOvr>
+    <a:masterClrMapping/>
+  </p:clrMapOvr>
+</p:sld>
+</file>
+
+<file path=ppt/slides/slide9.xml><?xml version="1.0" encoding="utf-8"?>
+<p:sld xmlns:a="http://schemas.openxmlformats.org/drawingml/2006/main" xmlns:r="http://schemas.openxmlformats.org/officeDocument/2006/relationships" xmlns:p="http://schemas.openxmlformats.org/presentationml/2006/main">
+  <p:cSld>
+    <p:spTree>
+      <p:nvGrpSpPr>
+        <p:cNvPr id="1" name=""/>
+        <p:cNvGrpSpPr/>
+        <p:nvPr/>
+      </p:nvGrpSpPr>
+      <p:grpSpPr>
+        <a:xfrm>
+          <a:off x="0" y="0"/>
+          <a:ext cx="0" cy="0"/>
+          <a:chOff x="0" y="0"/>
+          <a:chExt cx="0" cy="0"/>
+        </a:xfrm>
+      </p:grpSpPr>
+      <p:sp>
+        <p:nvSpPr>
+          <p:cNvPr id="2" name="1 Título"/>
+          <p:cNvSpPr>
+            <a:spLocks noGrp="1"/>
+          </p:cNvSpPr>
+          <p:nvPr>
+            <p:ph type="title"/>
+          </p:nvPr>
+        </p:nvSpPr>
+        <p:spPr/>
+        <p:txBody>
+          <a:bodyPr/>
+          <a:lstStyle/>
+          <a:p>
+            <a:r>
+              <a:rPr lang="es-ES" dirty="0" smtClean="0"/>
+              <a:t>Fundamentos de </a:t>
+            </a:r>
+            <a:r>
+              <a:rPr lang="es-ES" dirty="0" err="1" smtClean="0"/>
+              <a:t>Python</a:t>
+            </a:r>
+            <a:endParaRPr lang="es-ES" dirty="0"/>
+          </a:p>
+        </p:txBody>
+      </p:sp>
+      <p:sp>
+        <p:nvSpPr>
+          <p:cNvPr id="3" name="2 Marcador de contenido"/>
+          <p:cNvSpPr>
+            <a:spLocks noGrp="1"/>
+          </p:cNvSpPr>
+          <p:nvPr>
+            <p:ph idx="1"/>
+          </p:nvPr>
+        </p:nvSpPr>
+        <p:spPr/>
+        <p:txBody>
+          <a:bodyPr/>
+          <a:lstStyle/>
+          <a:p>
+            <a:r>
+              <a:rPr lang="es-ES" dirty="0" smtClean="0"/>
+              <a:t>Variables</a:t>
+            </a:r>
+          </a:p>
+          <a:p>
+            <a:r>
+              <a:rPr lang="es-ES" dirty="0" smtClean="0"/>
+              <a:t>Constantes</a:t>
             </a:r>
             <a:endParaRPr lang="es-ES" dirty="0"/>
           </a:p>

--- a/docs/Python for TD Workshop - ROTOR.pptx
+++ b/docs/Python for TD Workshop - ROTOR.pptx
@@ -10,25 +10,27 @@
     <p:sldId id="258" r:id="rId4"/>
     <p:sldId id="259" r:id="rId5"/>
     <p:sldId id="260" r:id="rId6"/>
-    <p:sldId id="261" r:id="rId7"/>
-    <p:sldId id="262" r:id="rId8"/>
-    <p:sldId id="263" r:id="rId9"/>
-    <p:sldId id="264" r:id="rId10"/>
-    <p:sldId id="265" r:id="rId11"/>
-    <p:sldId id="266" r:id="rId12"/>
-    <p:sldId id="267" r:id="rId13"/>
-    <p:sldId id="268" r:id="rId14"/>
-    <p:sldId id="269" r:id="rId15"/>
-    <p:sldId id="270" r:id="rId16"/>
-    <p:sldId id="271" r:id="rId17"/>
-    <p:sldId id="272" r:id="rId18"/>
-    <p:sldId id="273" r:id="rId19"/>
-    <p:sldId id="274" r:id="rId20"/>
-    <p:sldId id="275" r:id="rId21"/>
-    <p:sldId id="279" r:id="rId22"/>
-    <p:sldId id="276" r:id="rId23"/>
-    <p:sldId id="277" r:id="rId24"/>
-    <p:sldId id="278" r:id="rId25"/>
+    <p:sldId id="280" r:id="rId7"/>
+    <p:sldId id="261" r:id="rId8"/>
+    <p:sldId id="262" r:id="rId9"/>
+    <p:sldId id="263" r:id="rId10"/>
+    <p:sldId id="264" r:id="rId11"/>
+    <p:sldId id="281" r:id="rId12"/>
+    <p:sldId id="265" r:id="rId13"/>
+    <p:sldId id="266" r:id="rId14"/>
+    <p:sldId id="267" r:id="rId15"/>
+    <p:sldId id="268" r:id="rId16"/>
+    <p:sldId id="269" r:id="rId17"/>
+    <p:sldId id="270" r:id="rId18"/>
+    <p:sldId id="271" r:id="rId19"/>
+    <p:sldId id="272" r:id="rId20"/>
+    <p:sldId id="273" r:id="rId21"/>
+    <p:sldId id="274" r:id="rId22"/>
+    <p:sldId id="275" r:id="rId23"/>
+    <p:sldId id="279" r:id="rId24"/>
+    <p:sldId id="276" r:id="rId25"/>
+    <p:sldId id="277" r:id="rId26"/>
+    <p:sldId id="278" r:id="rId27"/>
   </p:sldIdLst>
   <p:sldSz cx="9144000" cy="6858000" type="screen4x3"/>
   <p:notesSz cx="6858000" cy="9144000"/>
@@ -312,7 +314,7 @@
             <a:fld id="{7A847CFC-816F-41D0-AAC0-9BF4FEBC753E}" type="datetimeFigureOut">
               <a:rPr lang="es-ES" smtClean="0"/>
               <a:pPr/>
-              <a:t>10/05/2018</a:t>
+              <a:t>11/05/2018</a:t>
             </a:fld>
             <a:endParaRPr lang="es-ES"/>
           </a:p>
@@ -479,7 +481,7 @@
             <a:fld id="{7A847CFC-816F-41D0-AAC0-9BF4FEBC753E}" type="datetimeFigureOut">
               <a:rPr lang="es-ES" smtClean="0"/>
               <a:pPr/>
-              <a:t>10/05/2018</a:t>
+              <a:t>11/05/2018</a:t>
             </a:fld>
             <a:endParaRPr lang="es-ES"/>
           </a:p>
@@ -656,7 +658,7 @@
             <a:fld id="{7A847CFC-816F-41D0-AAC0-9BF4FEBC753E}" type="datetimeFigureOut">
               <a:rPr lang="es-ES" smtClean="0"/>
               <a:pPr/>
-              <a:t>10/05/2018</a:t>
+              <a:t>11/05/2018</a:t>
             </a:fld>
             <a:endParaRPr lang="es-ES"/>
           </a:p>
@@ -823,7 +825,7 @@
             <a:fld id="{7A847CFC-816F-41D0-AAC0-9BF4FEBC753E}" type="datetimeFigureOut">
               <a:rPr lang="es-ES" smtClean="0"/>
               <a:pPr/>
-              <a:t>10/05/2018</a:t>
+              <a:t>11/05/2018</a:t>
             </a:fld>
             <a:endParaRPr lang="es-ES"/>
           </a:p>
@@ -1066,7 +1068,7 @@
             <a:fld id="{7A847CFC-816F-41D0-AAC0-9BF4FEBC753E}" type="datetimeFigureOut">
               <a:rPr lang="es-ES" smtClean="0"/>
               <a:pPr/>
-              <a:t>10/05/2018</a:t>
+              <a:t>11/05/2018</a:t>
             </a:fld>
             <a:endParaRPr lang="es-ES"/>
           </a:p>
@@ -1351,7 +1353,7 @@
             <a:fld id="{7A847CFC-816F-41D0-AAC0-9BF4FEBC753E}" type="datetimeFigureOut">
               <a:rPr lang="es-ES" smtClean="0"/>
               <a:pPr/>
-              <a:t>10/05/2018</a:t>
+              <a:t>11/05/2018</a:t>
             </a:fld>
             <a:endParaRPr lang="es-ES"/>
           </a:p>
@@ -1770,7 +1772,7 @@
             <a:fld id="{7A847CFC-816F-41D0-AAC0-9BF4FEBC753E}" type="datetimeFigureOut">
               <a:rPr lang="es-ES" smtClean="0"/>
               <a:pPr/>
-              <a:t>10/05/2018</a:t>
+              <a:t>11/05/2018</a:t>
             </a:fld>
             <a:endParaRPr lang="es-ES"/>
           </a:p>
@@ -1885,7 +1887,7 @@
             <a:fld id="{7A847CFC-816F-41D0-AAC0-9BF4FEBC753E}" type="datetimeFigureOut">
               <a:rPr lang="es-ES" smtClean="0"/>
               <a:pPr/>
-              <a:t>10/05/2018</a:t>
+              <a:t>11/05/2018</a:t>
             </a:fld>
             <a:endParaRPr lang="es-ES"/>
           </a:p>
@@ -1977,7 +1979,7 @@
             <a:fld id="{7A847CFC-816F-41D0-AAC0-9BF4FEBC753E}" type="datetimeFigureOut">
               <a:rPr lang="es-ES" smtClean="0"/>
               <a:pPr/>
-              <a:t>10/05/2018</a:t>
+              <a:t>11/05/2018</a:t>
             </a:fld>
             <a:endParaRPr lang="es-ES"/>
           </a:p>
@@ -2251,7 +2253,7 @@
             <a:fld id="{7A847CFC-816F-41D0-AAC0-9BF4FEBC753E}" type="datetimeFigureOut">
               <a:rPr lang="es-ES" smtClean="0"/>
               <a:pPr/>
-              <a:t>10/05/2018</a:t>
+              <a:t>11/05/2018</a:t>
             </a:fld>
             <a:endParaRPr lang="es-ES"/>
           </a:p>
@@ -2501,7 +2503,7 @@
             <a:fld id="{7A847CFC-816F-41D0-AAC0-9BF4FEBC753E}" type="datetimeFigureOut">
               <a:rPr lang="es-ES" smtClean="0"/>
               <a:pPr/>
-              <a:t>10/05/2018</a:t>
+              <a:t>11/05/2018</a:t>
             </a:fld>
             <a:endParaRPr lang="es-ES"/>
           </a:p>
@@ -2711,7 +2713,7 @@
             <a:fld id="{7A847CFC-816F-41D0-AAC0-9BF4FEBC753E}" type="datetimeFigureOut">
               <a:rPr lang="es-ES" smtClean="0"/>
               <a:pPr/>
-              <a:t>10/05/2018</a:t>
+              <a:t>11/05/2018</a:t>
             </a:fld>
             <a:endParaRPr lang="es-ES"/>
           </a:p>
@@ -3213,11 +3215,81 @@
           <a:bodyPr/>
           <a:lstStyle/>
           <a:p>
-            <a:r>
-              <a:rPr lang="es-ES" dirty="0" smtClean="0"/>
-              <a:t>Tipos básicos de datos.</a:t>
-            </a:r>
-            <a:endParaRPr lang="es-ES" dirty="0"/>
+            <a:pPr>
+              <a:buNone/>
+            </a:pPr>
+            <a:r>
+              <a:rPr lang="es-ES" dirty="0" smtClean="0"/>
+              <a:t>Variables</a:t>
+            </a:r>
+            <a:r>
+              <a:rPr lang="es-ES" dirty="0"/>
+              <a:t> </a:t>
+            </a:r>
+            <a:r>
+              <a:rPr lang="es-ES" dirty="0" smtClean="0"/>
+              <a:t>en </a:t>
+            </a:r>
+            <a:r>
+              <a:rPr lang="es-ES" dirty="0" err="1" smtClean="0"/>
+              <a:t>Python</a:t>
+            </a:r>
+            <a:r>
+              <a:rPr lang="es-ES" dirty="0" smtClean="0"/>
+              <a:t>:</a:t>
+            </a:r>
+          </a:p>
+          <a:p>
+            <a:pPr>
+              <a:buNone/>
+            </a:pPr>
+            <a:endParaRPr lang="es-ES" dirty="0" smtClean="0"/>
+          </a:p>
+          <a:p>
+            <a:pPr lvl="1"/>
+            <a:r>
+              <a:rPr lang="es-ES" dirty="0" smtClean="0"/>
+              <a:t>Declaración de variables (</a:t>
+            </a:r>
+            <a:r>
+              <a:rPr lang="es-ES" dirty="0" err="1" smtClean="0"/>
+              <a:t>tipado</a:t>
+            </a:r>
+            <a:r>
+              <a:rPr lang="es-ES" dirty="0" smtClean="0"/>
+              <a:t> dinámico!!).</a:t>
+            </a:r>
+          </a:p>
+          <a:p>
+            <a:pPr lvl="1"/>
+            <a:r>
+              <a:rPr lang="es-ES" dirty="0" smtClean="0"/>
+              <a:t>Concatenar variables </a:t>
+            </a:r>
+            <a:r>
+              <a:rPr lang="es-ES" dirty="0" err="1" smtClean="0"/>
+              <a:t>string</a:t>
+            </a:r>
+            <a:endParaRPr lang="es-ES" dirty="0" smtClean="0"/>
+          </a:p>
+          <a:p>
+            <a:pPr lvl="1"/>
+            <a:r>
+              <a:rPr lang="es-ES" dirty="0" smtClean="0"/>
+              <a:t>Variables Globales vs Variables Locales</a:t>
+            </a:r>
+          </a:p>
+          <a:p>
+            <a:pPr lvl="1"/>
+            <a:r>
+              <a:rPr lang="es-ES" dirty="0" err="1" smtClean="0"/>
+              <a:t>Deleting</a:t>
+            </a:r>
+            <a:r>
+              <a:rPr lang="es-ES" smtClean="0"/>
+              <a:t> variables</a:t>
+            </a:r>
+            <a:endParaRPr lang="es-ES" dirty="0" smtClean="0"/>
           </a:p>
         </p:txBody>
       </p:sp>
@@ -3290,7 +3362,13 @@
           <a:p>
             <a:r>
               <a:rPr lang="es-ES" dirty="0" smtClean="0"/>
-              <a:t>Funciones</a:t>
+              <a:t>Variables</a:t>
+            </a:r>
+          </a:p>
+          <a:p>
+            <a:r>
+              <a:rPr lang="es-ES" dirty="0" smtClean="0"/>
+              <a:t>Constantes</a:t>
             </a:r>
             <a:endParaRPr lang="es-ES" dirty="0"/>
           </a:p>
@@ -3364,8 +3442,8 @@
           <a:lstStyle/>
           <a:p>
             <a:r>
-              <a:rPr lang="es-ES" dirty="0" err="1" smtClean="0"/>
-              <a:t>Iteradores</a:t>
+              <a:rPr lang="es-ES" dirty="0" smtClean="0"/>
+              <a:t>Tipos básicos de datos.</a:t>
             </a:r>
             <a:endParaRPr lang="es-ES" dirty="0"/>
           </a:p>
@@ -3440,7 +3518,7 @@
           <a:p>
             <a:r>
               <a:rPr lang="es-ES" dirty="0" smtClean="0"/>
-              <a:t>Flujo de Programa</a:t>
+              <a:t>Funciones</a:t>
             </a:r>
             <a:endParaRPr lang="es-ES" dirty="0"/>
           </a:p>
@@ -3514,30 +3592,8 @@
           <a:lstStyle/>
           <a:p>
             <a:r>
-              <a:rPr lang="es-ES" dirty="0" smtClean="0"/>
-              <a:t>Tipos especiales de datos: </a:t>
-            </a:r>
-          </a:p>
-          <a:p>
-            <a:pPr lvl="1"/>
-            <a:r>
-              <a:rPr lang="es-ES" dirty="0" smtClean="0"/>
-              <a:t>Listas</a:t>
-            </a:r>
-          </a:p>
-          <a:p>
-            <a:pPr lvl="1"/>
-            <a:r>
-              <a:rPr lang="es-ES" dirty="0" err="1" smtClean="0"/>
-              <a:t>Tuplas</a:t>
-            </a:r>
-            <a:endParaRPr lang="es-ES" dirty="0" smtClean="0"/>
-          </a:p>
-          <a:p>
-            <a:pPr lvl="1"/>
-            <a:r>
-              <a:rPr lang="es-ES" dirty="0" smtClean="0"/>
-              <a:t>Diccionarios</a:t>
+              <a:rPr lang="es-ES" dirty="0" err="1" smtClean="0"/>
+              <a:t>Iteradores</a:t>
             </a:r>
             <a:endParaRPr lang="es-ES" dirty="0"/>
           </a:p>
@@ -3612,22 +3668,9 @@
           <a:p>
             <a:r>
               <a:rPr lang="es-ES" dirty="0" smtClean="0"/>
-              <a:t>Programación Orientada a Objetos: </a:t>
-            </a:r>
-          </a:p>
-          <a:p>
-            <a:pPr lvl="1"/>
-            <a:r>
-              <a:rPr lang="es-ES" dirty="0" smtClean="0"/>
-              <a:t>Clases</a:t>
-            </a:r>
-          </a:p>
-          <a:p>
-            <a:pPr lvl="1"/>
-            <a:r>
-              <a:rPr lang="es-ES" dirty="0" smtClean="0"/>
-              <a:t>Objetos</a:t>
-            </a:r>
+              <a:t>Flujo de Programa</a:t>
+            </a:r>
+            <a:endParaRPr lang="es-ES" dirty="0"/>
           </a:p>
         </p:txBody>
       </p:sp>
@@ -3700,15 +3743,31 @@
           <a:p>
             <a:r>
               <a:rPr lang="es-ES" dirty="0" smtClean="0"/>
-              <a:t>Gestión de excepciones: </a:t>
+              <a:t>Tipos especiales de datos: </a:t>
             </a:r>
           </a:p>
           <a:p>
             <a:pPr lvl="1"/>
             <a:r>
               <a:rPr lang="es-ES" dirty="0" smtClean="0"/>
-              <a:t>Try/Catch</a:t>
-            </a:r>
+              <a:t>Listas</a:t>
+            </a:r>
+          </a:p>
+          <a:p>
+            <a:pPr lvl="1"/>
+            <a:r>
+              <a:rPr lang="es-ES" dirty="0" err="1" smtClean="0"/>
+              <a:t>Tuplas</a:t>
+            </a:r>
+            <a:endParaRPr lang="es-ES" dirty="0" smtClean="0"/>
+          </a:p>
+          <a:p>
+            <a:pPr lvl="1"/>
+            <a:r>
+              <a:rPr lang="es-ES" dirty="0" smtClean="0"/>
+              <a:t>Diccionarios</a:t>
+            </a:r>
+            <a:endParaRPr lang="es-ES" dirty="0"/>
           </a:p>
         </p:txBody>
       </p:sp>
@@ -3781,14 +3840,21 @@
           <a:p>
             <a:r>
               <a:rPr lang="es-ES" dirty="0" smtClean="0"/>
-              <a:t>Entrada/Salida de Archivos</a:t>
+              <a:t>Programación Orientada a Objetos: </a:t>
             </a:r>
           </a:p>
           <a:p>
             <a:pPr lvl="1"/>
             <a:r>
               <a:rPr lang="es-ES" dirty="0" smtClean="0"/>
-              <a:t>IO Module</a:t>
+              <a:t>Clases</a:t>
+            </a:r>
+          </a:p>
+          <a:p>
+            <a:pPr lvl="1"/>
+            <a:r>
+              <a:rPr lang="es-ES" dirty="0" smtClean="0"/>
+              <a:t>Objetos</a:t>
             </a:r>
           </a:p>
         </p:txBody>
@@ -3835,7 +3901,11 @@
           <a:p>
             <a:r>
               <a:rPr lang="es-ES" dirty="0" smtClean="0"/>
-              <a:t>Módulos Externos</a:t>
+              <a:t>Fundamentos de </a:t>
+            </a:r>
+            <a:r>
+              <a:rPr lang="es-ES" dirty="0" err="1" smtClean="0"/>
+              <a:t>Python</a:t>
             </a:r>
             <a:endParaRPr lang="es-ES" dirty="0"/>
           </a:p>
@@ -3858,15 +3928,14 @@
           <a:p>
             <a:r>
               <a:rPr lang="es-ES" dirty="0" smtClean="0"/>
-              <a:t>Importar y usar módulos externos en </a:t>
-            </a:r>
-            <a:r>
-              <a:rPr lang="es-ES" dirty="0" err="1" smtClean="0"/>
-              <a:t>Python</a:t>
-            </a:r>
-            <a:r>
-              <a:rPr lang="es-ES" dirty="0" smtClean="0"/>
-              <a:t>.</a:t>
+              <a:t>Gestión de excepciones: </a:t>
+            </a:r>
+          </a:p>
+          <a:p>
+            <a:pPr lvl="1"/>
+            <a:r>
+              <a:rPr lang="es-ES" dirty="0" smtClean="0"/>
+              <a:t>Try/Catch</a:t>
             </a:r>
           </a:p>
         </p:txBody>
@@ -3913,7 +3982,11 @@
           <a:p>
             <a:r>
               <a:rPr lang="es-ES" dirty="0" smtClean="0"/>
-              <a:t>Mini Proyecto Final</a:t>
+              <a:t>Fundamentos de </a:t>
+            </a:r>
+            <a:r>
+              <a:rPr lang="es-ES" dirty="0" err="1" smtClean="0"/>
+              <a:t>Python</a:t>
             </a:r>
             <a:endParaRPr lang="es-ES" dirty="0"/>
           </a:p>
@@ -3936,26 +4009,15 @@
           <a:p>
             <a:r>
               <a:rPr lang="es-ES" dirty="0" smtClean="0"/>
-              <a:t>Requisitos</a:t>
-            </a:r>
-          </a:p>
-          <a:p>
-            <a:r>
-              <a:rPr lang="es-ES" dirty="0" smtClean="0"/>
-              <a:t>Resultados</a:t>
-            </a:r>
-          </a:p>
-          <a:p>
-            <a:r>
-              <a:rPr lang="es-ES" dirty="0" smtClean="0"/>
-              <a:t>Posibles ampliaciones</a:t>
-            </a:r>
-          </a:p>
-          <a:p>
-            <a:endParaRPr lang="es-ES" dirty="0" smtClean="0"/>
-          </a:p>
-          <a:p>
-            <a:endParaRPr lang="es-ES" dirty="0" smtClean="0"/>
+              <a:t>Entrada/Salida de Archivos</a:t>
+            </a:r>
+          </a:p>
+          <a:p>
+            <a:pPr lvl="1"/>
+            <a:r>
+              <a:rPr lang="es-ES" dirty="0" smtClean="0"/>
+              <a:t>IO Module</a:t>
+            </a:r>
           </a:p>
         </p:txBody>
       </p:sp>
@@ -4180,7 +4242,7 @@
           <a:p>
             <a:r>
               <a:rPr lang="es-ES" dirty="0" smtClean="0"/>
-              <a:t>ANEXO</a:t>
+              <a:t>Módulos Externos</a:t>
             </a:r>
             <a:endParaRPr lang="es-ES" dirty="0"/>
           </a:p>
@@ -4198,25 +4260,21 @@
         </p:nvSpPr>
         <p:spPr/>
         <p:txBody>
-          <a:bodyPr anchor="ctr"/>
-          <a:lstStyle/>
-          <a:p>
-            <a:pPr algn="ctr">
-              <a:buNone/>
-            </a:pPr>
-            <a:r>
-              <a:rPr lang="es-ES" dirty="0" smtClean="0"/>
-              <a:t>Otros recursos e </a:t>
-            </a:r>
-            <a:r>
-              <a:rPr lang="es-ES" dirty="0" err="1" smtClean="0"/>
-              <a:t>info</a:t>
-            </a:r>
-            <a:r>
-              <a:rPr lang="es-ES" dirty="0" smtClean="0"/>
-              <a:t> necesaria.</a:t>
-            </a:r>
-            <a:endParaRPr lang="es-ES" dirty="0"/>
+          <a:bodyPr/>
+          <a:lstStyle/>
+          <a:p>
+            <a:r>
+              <a:rPr lang="es-ES" dirty="0" smtClean="0"/>
+              <a:t>Importar y usar módulos externos en </a:t>
+            </a:r>
+            <a:r>
+              <a:rPr lang="es-ES" dirty="0" err="1" smtClean="0"/>
+              <a:t>Python</a:t>
+            </a:r>
+            <a:r>
+              <a:rPr lang="es-ES" dirty="0" smtClean="0"/>
+              <a:t>.</a:t>
+            </a:r>
           </a:p>
         </p:txBody>
       </p:sp>
@@ -4262,7 +4320,7 @@
           <a:p>
             <a:r>
               <a:rPr lang="es-ES" dirty="0" smtClean="0"/>
-              <a:t>Usando GIT</a:t>
+              <a:t>Mini Proyecto Final</a:t>
             </a:r>
             <a:endParaRPr lang="es-ES" dirty="0"/>
           </a:p>
@@ -4285,42 +4343,26 @@
           <a:p>
             <a:r>
               <a:rPr lang="es-ES" dirty="0" smtClean="0"/>
-              <a:t>¿Qué es GIT?</a:t>
-            </a:r>
-          </a:p>
-          <a:p>
-            <a:r>
-              <a:rPr lang="es-ES" dirty="0" err="1" smtClean="0"/>
-              <a:t>Git</a:t>
-            </a:r>
-            <a:r>
-              <a:rPr lang="es-ES" dirty="0" smtClean="0"/>
-              <a:t> GUI vs GIT </a:t>
-            </a:r>
-            <a:r>
-              <a:rPr lang="es-ES" dirty="0" err="1" smtClean="0"/>
-              <a:t>Bash</a:t>
-            </a:r>
+              <a:t>Requisitos</a:t>
+            </a:r>
+          </a:p>
+          <a:p>
+            <a:r>
+              <a:rPr lang="es-ES" dirty="0" smtClean="0"/>
+              <a:t>Resultados</a:t>
+            </a:r>
+          </a:p>
+          <a:p>
+            <a:r>
+              <a:rPr lang="es-ES" dirty="0" smtClean="0"/>
+              <a:t>Posibles ampliaciones</a:t>
+            </a:r>
+          </a:p>
+          <a:p>
             <a:endParaRPr lang="es-ES" dirty="0" smtClean="0"/>
           </a:p>
           <a:p>
-            <a:r>
-              <a:rPr lang="es-ES" dirty="0" err="1" smtClean="0"/>
-              <a:t>Git</a:t>
-            </a:r>
-            <a:r>
-              <a:rPr lang="es-ES" dirty="0" smtClean="0"/>
-              <a:t> vs </a:t>
-            </a:r>
-            <a:r>
-              <a:rPr lang="es-ES" dirty="0" err="1" smtClean="0"/>
-              <a:t>GitHUB</a:t>
-            </a:r>
-            <a:r>
-              <a:rPr lang="es-ES" dirty="0" smtClean="0"/>
-              <a:t>.</a:t>
-            </a:r>
-            <a:endParaRPr lang="es-ES" dirty="0"/>
+            <a:endParaRPr lang="es-ES" dirty="0" smtClean="0"/>
           </a:p>
         </p:txBody>
       </p:sp>
@@ -4366,11 +4408,7 @@
           <a:p>
             <a:r>
               <a:rPr lang="es-ES" dirty="0" smtClean="0"/>
-              <a:t>Versiones de </a:t>
-            </a:r>
-            <a:r>
-              <a:rPr lang="es-ES" dirty="0" err="1" smtClean="0"/>
-              <a:t>Python</a:t>
+              <a:t>ANEXO</a:t>
             </a:r>
             <a:endParaRPr lang="es-ES" dirty="0"/>
           </a:p>
@@ -4396,16 +4434,17 @@
             </a:pPr>
             <a:r>
               <a:rPr lang="es-ES" dirty="0" smtClean="0"/>
-              <a:t>TD v099 usa </a:t>
-            </a:r>
-            <a:r>
-              <a:rPr lang="es-ES" dirty="0" err="1" smtClean="0"/>
-              <a:t>Python</a:t>
-            </a:r>
-            <a:r>
-              <a:rPr lang="es-ES" dirty="0" smtClean="0"/>
-              <a:t> v3.5.X</a:t>
-            </a:r>
+              <a:t>Otros recursos e </a:t>
+            </a:r>
+            <a:r>
+              <a:rPr lang="es-ES" dirty="0" err="1" smtClean="0"/>
+              <a:t>info</a:t>
+            </a:r>
+            <a:r>
+              <a:rPr lang="es-ES" dirty="0" smtClean="0"/>
+              <a:t> necesaria.</a:t>
+            </a:r>
+            <a:endParaRPr lang="es-ES" dirty="0"/>
           </a:p>
         </p:txBody>
       </p:sp>
@@ -4451,7 +4490,7 @@
           <a:p>
             <a:r>
               <a:rPr lang="es-ES" dirty="0" smtClean="0"/>
-              <a:t>¿Qué es PIP?</a:t>
+              <a:t>Usando GIT</a:t>
             </a:r>
             <a:endParaRPr lang="es-ES" dirty="0"/>
           </a:p>
@@ -4469,75 +4508,47 @@
         </p:nvSpPr>
         <p:spPr/>
         <p:txBody>
-          <a:bodyPr anchor="ctr"/>
-          <a:lstStyle/>
-          <a:p>
-            <a:pPr algn="ctr">
-              <a:buNone/>
-            </a:pPr>
-            <a:r>
-              <a:rPr lang="es-ES" dirty="0" smtClean="0"/>
-              <a:t>Gestor de paquetes para PYTHON. </a:t>
-            </a:r>
-          </a:p>
-          <a:p>
-            <a:pPr algn="ctr">
-              <a:buNone/>
-            </a:pPr>
-            <a:r>
-              <a:rPr lang="es-ES" dirty="0" smtClean="0"/>
-              <a:t>La mejor forma de instalar módulos.</a:t>
-            </a:r>
-          </a:p>
-          <a:p>
-            <a:pPr algn="ctr">
-              <a:buNone/>
-            </a:pPr>
+          <a:bodyPr/>
+          <a:lstStyle/>
+          <a:p>
+            <a:r>
+              <a:rPr lang="es-ES" dirty="0" smtClean="0"/>
+              <a:t>¿Qué es GIT?</a:t>
+            </a:r>
+          </a:p>
+          <a:p>
+            <a:r>
+              <a:rPr lang="es-ES" dirty="0" err="1" smtClean="0"/>
+              <a:t>Git</a:t>
+            </a:r>
+            <a:r>
+              <a:rPr lang="es-ES" dirty="0" smtClean="0"/>
+              <a:t> GUI vs GIT </a:t>
+            </a:r>
+            <a:r>
+              <a:rPr lang="es-ES" dirty="0" err="1" smtClean="0"/>
+              <a:t>Bash</a:t>
+            </a:r>
             <a:endParaRPr lang="es-ES" dirty="0" smtClean="0"/>
           </a:p>
           <a:p>
-            <a:pPr algn="ctr">
-              <a:buNone/>
-            </a:pPr>
-            <a:r>
-              <a:rPr lang="es-ES" dirty="0" smtClean="0"/>
-              <a:t>Añadir al </a:t>
-            </a:r>
-            <a:r>
-              <a:rPr lang="es-ES" dirty="0" err="1" smtClean="0"/>
-              <a:t>Path</a:t>
-            </a:r>
-            <a:r>
-              <a:rPr lang="es-ES" dirty="0" smtClean="0"/>
-              <a:t>:</a:t>
-            </a:r>
-          </a:p>
-          <a:p>
-            <a:pPr algn="ctr">
-              <a:buNone/>
-            </a:pPr>
-            <a:r>
-              <a:rPr lang="es-ES" sz="1800" dirty="0" smtClean="0"/>
-              <a:t>C:\</a:t>
-            </a:r>
-            <a:r>
-              <a:rPr lang="es-ES" sz="1800" dirty="0" smtClean="0"/>
-              <a:t>Users\USERNAME\AppDataLocal\Programs\Python\Python35\Scripts</a:t>
-            </a:r>
-          </a:p>
-          <a:p>
-            <a:pPr algn="ctr">
-              <a:buNone/>
-            </a:pPr>
-            <a:r>
-              <a:rPr lang="es-ES" sz="1800" dirty="0" smtClean="0"/>
-              <a:t>C:\</a:t>
-            </a:r>
-            <a:r>
-              <a:rPr lang="es-ES" sz="1800" dirty="0" smtClean="0"/>
-              <a:t>Users\USERNAME\AppDataLocal\Programs\Python\Python35</a:t>
-            </a:r>
-            <a:endParaRPr lang="es-ES" sz="1800" dirty="0"/>
+            <a:r>
+              <a:rPr lang="es-ES" dirty="0" err="1" smtClean="0"/>
+              <a:t>Git</a:t>
+            </a:r>
+            <a:r>
+              <a:rPr lang="es-ES" dirty="0" smtClean="0"/>
+              <a:t> vs </a:t>
+            </a:r>
+            <a:r>
+              <a:rPr lang="es-ES" dirty="0" err="1" smtClean="0"/>
+              <a:t>GitHUB</a:t>
+            </a:r>
+            <a:r>
+              <a:rPr lang="es-ES" dirty="0" smtClean="0"/>
+              <a:t>.</a:t>
+            </a:r>
+            <a:endParaRPr lang="es-ES" dirty="0"/>
           </a:p>
         </p:txBody>
       </p:sp>
@@ -4583,6 +4594,215 @@
           <a:p>
             <a:r>
               <a:rPr lang="es-ES" dirty="0" smtClean="0"/>
+              <a:t>Versiones de </a:t>
+            </a:r>
+            <a:r>
+              <a:rPr lang="es-ES" dirty="0" err="1" smtClean="0"/>
+              <a:t>Python</a:t>
+            </a:r>
+            <a:endParaRPr lang="es-ES" dirty="0"/>
+          </a:p>
+        </p:txBody>
+      </p:sp>
+      <p:sp>
+        <p:nvSpPr>
+          <p:cNvPr id="3" name="2 Marcador de contenido"/>
+          <p:cNvSpPr>
+            <a:spLocks noGrp="1"/>
+          </p:cNvSpPr>
+          <p:nvPr>
+            <p:ph idx="1"/>
+          </p:nvPr>
+        </p:nvSpPr>
+        <p:spPr/>
+        <p:txBody>
+          <a:bodyPr anchor="ctr"/>
+          <a:lstStyle/>
+          <a:p>
+            <a:pPr algn="ctr">
+              <a:buNone/>
+            </a:pPr>
+            <a:r>
+              <a:rPr lang="es-ES" dirty="0" smtClean="0"/>
+              <a:t>TD v099 usa </a:t>
+            </a:r>
+            <a:r>
+              <a:rPr lang="es-ES" dirty="0" err="1" smtClean="0"/>
+              <a:t>Python</a:t>
+            </a:r>
+            <a:r>
+              <a:rPr lang="es-ES" dirty="0" smtClean="0"/>
+              <a:t> v3.5.X</a:t>
+            </a:r>
+          </a:p>
+        </p:txBody>
+      </p:sp>
+    </p:spTree>
+  </p:cSld>
+  <p:clrMapOvr>
+    <a:masterClrMapping/>
+  </p:clrMapOvr>
+</p:sld>
+</file>
+
+<file path=ppt/slides/slide25.xml><?xml version="1.0" encoding="utf-8"?>
+<p:sld xmlns:a="http://schemas.openxmlformats.org/drawingml/2006/main" xmlns:r="http://schemas.openxmlformats.org/officeDocument/2006/relationships" xmlns:p="http://schemas.openxmlformats.org/presentationml/2006/main">
+  <p:cSld>
+    <p:spTree>
+      <p:nvGrpSpPr>
+        <p:cNvPr id="1" name=""/>
+        <p:cNvGrpSpPr/>
+        <p:nvPr/>
+      </p:nvGrpSpPr>
+      <p:grpSpPr>
+        <a:xfrm>
+          <a:off x="0" y="0"/>
+          <a:ext cx="0" cy="0"/>
+          <a:chOff x="0" y="0"/>
+          <a:chExt cx="0" cy="0"/>
+        </a:xfrm>
+      </p:grpSpPr>
+      <p:sp>
+        <p:nvSpPr>
+          <p:cNvPr id="2" name="1 Título"/>
+          <p:cNvSpPr>
+            <a:spLocks noGrp="1"/>
+          </p:cNvSpPr>
+          <p:nvPr>
+            <p:ph type="title"/>
+          </p:nvPr>
+        </p:nvSpPr>
+        <p:spPr/>
+        <p:txBody>
+          <a:bodyPr/>
+          <a:lstStyle/>
+          <a:p>
+            <a:r>
+              <a:rPr lang="es-ES" dirty="0" smtClean="0"/>
+              <a:t>¿Qué es PIP?</a:t>
+            </a:r>
+            <a:endParaRPr lang="es-ES" dirty="0"/>
+          </a:p>
+        </p:txBody>
+      </p:sp>
+      <p:sp>
+        <p:nvSpPr>
+          <p:cNvPr id="3" name="2 Marcador de contenido"/>
+          <p:cNvSpPr>
+            <a:spLocks noGrp="1"/>
+          </p:cNvSpPr>
+          <p:nvPr>
+            <p:ph idx="1"/>
+          </p:nvPr>
+        </p:nvSpPr>
+        <p:spPr/>
+        <p:txBody>
+          <a:bodyPr anchor="ctr"/>
+          <a:lstStyle/>
+          <a:p>
+            <a:pPr algn="ctr">
+              <a:buNone/>
+            </a:pPr>
+            <a:r>
+              <a:rPr lang="es-ES" dirty="0" smtClean="0"/>
+              <a:t>Gestor de paquetes para PYTHON. </a:t>
+            </a:r>
+          </a:p>
+          <a:p>
+            <a:pPr algn="ctr">
+              <a:buNone/>
+            </a:pPr>
+            <a:r>
+              <a:rPr lang="es-ES" dirty="0" smtClean="0"/>
+              <a:t>La mejor forma de instalar módulos.</a:t>
+            </a:r>
+          </a:p>
+          <a:p>
+            <a:pPr algn="ctr">
+              <a:buNone/>
+            </a:pPr>
+            <a:endParaRPr lang="es-ES" dirty="0" smtClean="0"/>
+          </a:p>
+          <a:p>
+            <a:pPr algn="ctr">
+              <a:buNone/>
+            </a:pPr>
+            <a:r>
+              <a:rPr lang="es-ES" dirty="0" smtClean="0"/>
+              <a:t>Añadir al </a:t>
+            </a:r>
+            <a:r>
+              <a:rPr lang="es-ES" dirty="0" err="1" smtClean="0"/>
+              <a:t>Path</a:t>
+            </a:r>
+            <a:r>
+              <a:rPr lang="es-ES" dirty="0" smtClean="0"/>
+              <a:t>:</a:t>
+            </a:r>
+          </a:p>
+          <a:p>
+            <a:pPr algn="ctr">
+              <a:buNone/>
+            </a:pPr>
+            <a:r>
+              <a:rPr lang="es-ES" sz="1800" dirty="0" smtClean="0"/>
+              <a:t>C:\Users\USERNAME\AppDataLocal\Programs\Python\Python35\Scripts</a:t>
+            </a:r>
+          </a:p>
+          <a:p>
+            <a:pPr algn="ctr">
+              <a:buNone/>
+            </a:pPr>
+            <a:r>
+              <a:rPr lang="es-ES" sz="1800" dirty="0" smtClean="0"/>
+              <a:t>C:\Users\USERNAME\AppDataLocal\Programs\Python\Python35</a:t>
+            </a:r>
+            <a:endParaRPr lang="es-ES" sz="1800" dirty="0"/>
+          </a:p>
+        </p:txBody>
+      </p:sp>
+    </p:spTree>
+  </p:cSld>
+  <p:clrMapOvr>
+    <a:masterClrMapping/>
+  </p:clrMapOvr>
+</p:sld>
+</file>
+
+<file path=ppt/slides/slide26.xml><?xml version="1.0" encoding="utf-8"?>
+<p:sld xmlns:a="http://schemas.openxmlformats.org/drawingml/2006/main" xmlns:r="http://schemas.openxmlformats.org/officeDocument/2006/relationships" xmlns:p="http://schemas.openxmlformats.org/presentationml/2006/main">
+  <p:cSld>
+    <p:spTree>
+      <p:nvGrpSpPr>
+        <p:cNvPr id="1" name=""/>
+        <p:cNvGrpSpPr/>
+        <p:nvPr/>
+      </p:nvGrpSpPr>
+      <p:grpSpPr>
+        <a:xfrm>
+          <a:off x="0" y="0"/>
+          <a:ext cx="0" cy="0"/>
+          <a:chOff x="0" y="0"/>
+          <a:chExt cx="0" cy="0"/>
+        </a:xfrm>
+      </p:grpSpPr>
+      <p:sp>
+        <p:nvSpPr>
+          <p:cNvPr id="2" name="1 Título"/>
+          <p:cNvSpPr>
+            <a:spLocks noGrp="1"/>
+          </p:cNvSpPr>
+          <p:nvPr>
+            <p:ph type="title"/>
+          </p:nvPr>
+        </p:nvSpPr>
+        <p:spPr/>
+        <p:txBody>
+          <a:bodyPr/>
+          <a:lstStyle/>
+          <a:p>
+            <a:r>
+              <a:rPr lang="es-ES" dirty="0" smtClean="0"/>
               <a:t>Entornos Virtuales en </a:t>
             </a:r>
             <a:r>
@@ -4633,7 +4853,6 @@
               <a:rPr lang="es-ES" dirty="0" smtClean="0"/>
               <a:t>¡¡SIEMPRE!!</a:t>
             </a:r>
-            <a:endParaRPr lang="es-ES" dirty="0" smtClean="0"/>
           </a:p>
           <a:p>
             <a:pPr algn="ctr">
@@ -4643,19 +4862,7 @@
               <a:rPr lang="es-ES" sz="1800" dirty="0" smtClean="0">
                 <a:hlinkClick r:id="rId2"/>
               </a:rPr>
-              <a:t>http</a:t>
-            </a:r>
-            <a:r>
-              <a:rPr lang="es-ES" sz="1800" dirty="0" smtClean="0">
-                <a:hlinkClick r:id="rId2"/>
-              </a:rPr>
-              <a:t>://timmyreilly.azurewebsites.net/python-pip-virtualenv-installation-on-windows</a:t>
-            </a:r>
-            <a:r>
-              <a:rPr lang="es-ES" sz="1800" dirty="0" smtClean="0">
-                <a:hlinkClick r:id="rId2"/>
-              </a:rPr>
-              <a:t>/</a:t>
+              <a:t>http://timmyreilly.azurewebsites.net/python-pip-virtualenv-installation-on-windows/</a:t>
             </a:r>
             <a:endParaRPr lang="es-ES" sz="1800" dirty="0" smtClean="0"/>
           </a:p>
@@ -5157,7 +5364,9 @@
         </p:nvSpPr>
         <p:spPr/>
         <p:txBody>
-          <a:bodyPr/>
+          <a:bodyPr>
+            <a:normAutofit fontScale="90000"/>
+          </a:bodyPr>
           <a:lstStyle/>
           <a:p>
             <a:r>
@@ -5170,7 +5379,22 @@
             </a:r>
             <a:r>
               <a:rPr lang="es-ES" dirty="0" smtClean="0"/>
-              <a:t>?</a:t>
+              <a:t>? </a:t>
+            </a:r>
+            <a:br>
+              <a:rPr lang="es-ES" dirty="0" smtClean="0"/>
+            </a:br>
+            <a:r>
+              <a:rPr lang="es-ES" dirty="0" smtClean="0"/>
+              <a:t>(Fuente: </a:t>
+            </a:r>
+            <a:r>
+              <a:rPr lang="es-ES" dirty="0" err="1" smtClean="0"/>
+              <a:t>Wikipedia</a:t>
+            </a:r>
+            <a:r>
+              <a:rPr lang="es-ES" dirty="0" smtClean="0"/>
+              <a:t>)</a:t>
             </a:r>
             <a:endParaRPr lang="es-ES" dirty="0"/>
           </a:p>
@@ -5188,13 +5412,498 @@
         </p:nvSpPr>
         <p:spPr/>
         <p:txBody>
-          <a:bodyPr/>
-          <a:lstStyle/>
-          <a:p>
-            <a:endParaRPr lang="es-ES"/>
-          </a:p>
-        </p:txBody>
-      </p:sp>
+          <a:bodyPr>
+            <a:normAutofit fontScale="32500" lnSpcReduction="20000"/>
+          </a:bodyPr>
+          <a:lstStyle/>
+          <a:p>
+            <a:pPr>
+              <a:buNone/>
+            </a:pPr>
+            <a:endParaRPr lang="es-ES" b="1" dirty="0" smtClean="0"/>
+          </a:p>
+          <a:p>
+            <a:pPr>
+              <a:buNone/>
+            </a:pPr>
+            <a:r>
+              <a:rPr lang="es-ES" b="1" dirty="0" err="1" smtClean="0"/>
+              <a:t>Python</a:t>
+            </a:r>
+            <a:r>
+              <a:rPr lang="es-ES" dirty="0" smtClean="0"/>
+              <a:t> es un </a:t>
+            </a:r>
+            <a:r>
+              <a:rPr lang="es-ES" dirty="0" smtClean="0">
+                <a:hlinkClick r:id="rId2" tooltip="Lenguaje de programación"/>
+              </a:rPr>
+              <a:t>lenguaje de programación</a:t>
+            </a:r>
+            <a:r>
+              <a:rPr lang="es-ES" dirty="0" smtClean="0"/>
+              <a:t> </a:t>
+            </a:r>
+            <a:r>
+              <a:rPr lang="es-ES" dirty="0" smtClean="0">
+                <a:hlinkClick r:id="rId3" tooltip="Intérprete (informática)"/>
+              </a:rPr>
+              <a:t>interpretado</a:t>
+            </a:r>
+            <a:r>
+              <a:rPr lang="es-ES" dirty="0" smtClean="0"/>
+              <a:t> cuya filosofía hace hincapié en una sintaxis </a:t>
+            </a:r>
+            <a:r>
+              <a:rPr lang="es-ES" dirty="0" smtClean="0"/>
+              <a:t>que favorezca </a:t>
+            </a:r>
+            <a:r>
+              <a:rPr lang="es-ES" dirty="0" smtClean="0"/>
+              <a:t>un código legible.</a:t>
+            </a:r>
+          </a:p>
+          <a:p>
+            <a:pPr>
+              <a:buNone/>
+            </a:pPr>
+            <a:endParaRPr lang="es-ES" dirty="0" smtClean="0"/>
+          </a:p>
+          <a:p>
+            <a:pPr>
+              <a:buNone/>
+            </a:pPr>
+            <a:r>
+              <a:rPr lang="es-ES" b="1" dirty="0" smtClean="0"/>
+              <a:t>Características</a:t>
+            </a:r>
+            <a:r>
+              <a:rPr lang="es-ES" dirty="0" smtClean="0"/>
+              <a:t>: </a:t>
+            </a:r>
+          </a:p>
+          <a:p>
+            <a:pPr>
+              <a:buNone/>
+            </a:pPr>
+            <a:r>
+              <a:rPr lang="es-ES" dirty="0" smtClean="0"/>
+              <a:t> </a:t>
+            </a:r>
+            <a:endParaRPr lang="es-ES" dirty="0" smtClean="0"/>
+          </a:p>
+          <a:p>
+            <a:r>
+              <a:rPr lang="es-ES" dirty="0" err="1" smtClean="0">
+                <a:hlinkClick r:id="rId4" tooltip="Lenguaje de programación multiparadigma"/>
+              </a:rPr>
+              <a:t>M</a:t>
+            </a:r>
+            <a:r>
+              <a:rPr lang="es-ES" dirty="0" err="1" smtClean="0">
+                <a:hlinkClick r:id="rId4" tooltip="Lenguaje de programación multiparadigma"/>
+              </a:rPr>
+              <a:t>ultiparadigma</a:t>
+            </a:r>
+            <a:r>
+              <a:rPr lang="es-ES" dirty="0" smtClean="0"/>
+              <a:t>, </a:t>
+            </a:r>
+            <a:r>
+              <a:rPr lang="es-ES" dirty="0" smtClean="0"/>
+              <a:t>ya que soporta:</a:t>
+            </a:r>
+          </a:p>
+          <a:p>
+            <a:pPr lvl="1"/>
+            <a:r>
+              <a:rPr lang="es-ES" dirty="0" smtClean="0">
+                <a:hlinkClick r:id="rId5" tooltip="Programación orientada a objetos"/>
+              </a:rPr>
+              <a:t>O</a:t>
+            </a:r>
+            <a:r>
+              <a:rPr lang="es-ES" dirty="0" smtClean="0">
+                <a:hlinkClick r:id="rId5" tooltip="Programación orientada a objetos"/>
+              </a:rPr>
+              <a:t>rientación </a:t>
+            </a:r>
+            <a:r>
+              <a:rPr lang="es-ES" dirty="0" smtClean="0">
+                <a:hlinkClick r:id="rId5" tooltip="Programación orientada a objetos"/>
+              </a:rPr>
+              <a:t>a </a:t>
+            </a:r>
+            <a:r>
+              <a:rPr lang="es-ES" dirty="0" smtClean="0">
+                <a:hlinkClick r:id="rId5" tooltip="Programación orientada a objetos"/>
+              </a:rPr>
+              <a:t>objetos</a:t>
+            </a:r>
+            <a:endParaRPr lang="es-ES" dirty="0" smtClean="0"/>
+          </a:p>
+          <a:p>
+            <a:pPr lvl="1"/>
+            <a:r>
+              <a:rPr lang="es-ES" dirty="0" smtClean="0">
+                <a:hlinkClick r:id="rId6" tooltip="Programación imperativa"/>
+              </a:rPr>
+              <a:t>P</a:t>
+            </a:r>
+            <a:r>
+              <a:rPr lang="es-ES" dirty="0" smtClean="0">
+                <a:hlinkClick r:id="rId6" tooltip="Programación imperativa"/>
+              </a:rPr>
+              <a:t>rogramación </a:t>
+            </a:r>
+            <a:r>
+              <a:rPr lang="es-ES" dirty="0" smtClean="0">
+                <a:hlinkClick r:id="rId6" tooltip="Programación imperativa"/>
+              </a:rPr>
+              <a:t>imperativa</a:t>
+            </a:r>
+            <a:r>
+              <a:rPr lang="es-ES" dirty="0" smtClean="0"/>
+              <a:t> </a:t>
+            </a:r>
+            <a:endParaRPr lang="es-ES" dirty="0" smtClean="0"/>
+          </a:p>
+          <a:p>
+            <a:pPr lvl="1"/>
+            <a:r>
+              <a:rPr lang="es-ES" dirty="0" smtClean="0">
+                <a:hlinkClick r:id="rId7" tooltip="Programación funcional"/>
+              </a:rPr>
+              <a:t>P</a:t>
+            </a:r>
+            <a:r>
+              <a:rPr lang="es-ES" dirty="0" smtClean="0">
+                <a:hlinkClick r:id="rId7" tooltip="Programación funcional"/>
+              </a:rPr>
+              <a:t>rogramación </a:t>
+            </a:r>
+            <a:r>
+              <a:rPr lang="es-ES" dirty="0" smtClean="0">
+                <a:hlinkClick r:id="rId7" tooltip="Programación funcional"/>
+              </a:rPr>
+              <a:t>funcional</a:t>
+            </a:r>
+            <a:r>
+              <a:rPr lang="es-ES" dirty="0" smtClean="0"/>
+              <a:t>. </a:t>
+            </a:r>
+            <a:endParaRPr lang="es-ES" dirty="0" smtClean="0"/>
+          </a:p>
+          <a:p>
+            <a:pPr lvl="1">
+              <a:buNone/>
+            </a:pPr>
+            <a:endParaRPr lang="es-ES" dirty="0" smtClean="0"/>
+          </a:p>
+          <a:p>
+            <a:r>
+              <a:rPr lang="es-ES" dirty="0" smtClean="0"/>
+              <a:t>Es </a:t>
+            </a:r>
+            <a:r>
+              <a:rPr lang="es-ES" dirty="0" smtClean="0"/>
+              <a:t>un </a:t>
+            </a:r>
+            <a:r>
+              <a:rPr lang="es-ES" dirty="0" smtClean="0">
+                <a:hlinkClick r:id="rId8" tooltip="Lenguaje de programación interpretado"/>
+              </a:rPr>
+              <a:t>lenguaje interpretado</a:t>
+            </a:r>
+            <a:r>
+              <a:rPr lang="es-ES" dirty="0" smtClean="0"/>
+              <a:t>, </a:t>
+            </a:r>
+            <a:endParaRPr lang="es-ES" dirty="0" smtClean="0"/>
+          </a:p>
+          <a:p>
+            <a:r>
+              <a:rPr lang="es-ES" dirty="0" smtClean="0"/>
+              <a:t>U</a:t>
+            </a:r>
+            <a:r>
+              <a:rPr lang="es-ES" dirty="0" smtClean="0"/>
+              <a:t>sa</a:t>
+            </a:r>
+            <a:r>
+              <a:rPr lang="es-ES" dirty="0" smtClean="0"/>
+              <a:t> </a:t>
+            </a:r>
+            <a:r>
+              <a:rPr lang="es-ES" dirty="0" err="1" smtClean="0">
+                <a:hlinkClick r:id="rId9" tooltip="Tipado dinámico"/>
+              </a:rPr>
+              <a:t>tipado</a:t>
+            </a:r>
+            <a:r>
+              <a:rPr lang="es-ES" dirty="0" smtClean="0">
+                <a:hlinkClick r:id="rId9" tooltip="Tipado dinámico"/>
+              </a:rPr>
+              <a:t> </a:t>
+            </a:r>
+            <a:r>
+              <a:rPr lang="es-ES" dirty="0" smtClean="0">
+                <a:hlinkClick r:id="rId9" tooltip="Tipado dinámico"/>
+              </a:rPr>
+              <a:t>dinámico</a:t>
+            </a:r>
+            <a:r>
+              <a:rPr lang="es-ES" dirty="0" smtClean="0"/>
+              <a:t>. </a:t>
+            </a:r>
+          </a:p>
+          <a:p>
+            <a:r>
+              <a:rPr lang="es-ES" dirty="0" smtClean="0"/>
+              <a:t>E</a:t>
+            </a:r>
+            <a:r>
+              <a:rPr lang="es-ES" dirty="0" smtClean="0"/>
+              <a:t>s</a:t>
+            </a:r>
+            <a:r>
+              <a:rPr lang="es-ES" dirty="0" smtClean="0"/>
+              <a:t> </a:t>
+            </a:r>
+            <a:r>
+              <a:rPr lang="es-ES" dirty="0" smtClean="0">
+                <a:hlinkClick r:id="rId10" tooltip="Multiplataforma"/>
+              </a:rPr>
+              <a:t>multiplataforma</a:t>
+            </a:r>
+            <a:r>
+              <a:rPr lang="es-ES" dirty="0" smtClean="0"/>
+              <a:t>.</a:t>
+            </a:r>
+          </a:p>
+          <a:p>
+            <a:endParaRPr lang="es-ES" dirty="0" smtClean="0"/>
+          </a:p>
+          <a:p>
+            <a:pPr>
+              <a:buNone/>
+            </a:pPr>
+            <a:endParaRPr lang="es-ES" dirty="0" smtClean="0"/>
+          </a:p>
+          <a:p>
+            <a:pPr>
+              <a:buNone/>
+            </a:pPr>
+            <a:r>
+              <a:rPr lang="es-ES" dirty="0" err="1" smtClean="0"/>
+              <a:t>Python</a:t>
+            </a:r>
+            <a:r>
+              <a:rPr lang="es-ES" dirty="0" smtClean="0"/>
+              <a:t> fue creado a finales de los </a:t>
+            </a:r>
+            <a:r>
+              <a:rPr lang="es-ES" dirty="0" smtClean="0"/>
+              <a:t>ochenta​ </a:t>
+            </a:r>
+            <a:r>
+              <a:rPr lang="es-ES" dirty="0" smtClean="0"/>
+              <a:t>por </a:t>
+            </a:r>
+            <a:r>
+              <a:rPr lang="es-ES" dirty="0" smtClean="0">
+                <a:hlinkClick r:id="rId11" tooltip="Guido van Rossum"/>
+              </a:rPr>
+              <a:t>Guido van </a:t>
+            </a:r>
+            <a:r>
+              <a:rPr lang="es-ES" dirty="0" err="1" smtClean="0">
+                <a:hlinkClick r:id="rId11" tooltip="Guido van Rossum"/>
+              </a:rPr>
+              <a:t>Rossum</a:t>
+            </a:r>
+            <a:r>
+              <a:rPr lang="es-ES" dirty="0" smtClean="0"/>
+              <a:t> en el Centro para las Matemáticas y la Informática (CWI, </a:t>
+            </a:r>
+            <a:r>
+              <a:rPr lang="es-ES" dirty="0" err="1" smtClean="0"/>
+              <a:t>Centrum</a:t>
+            </a:r>
+            <a:r>
+              <a:rPr lang="es-ES" dirty="0" smtClean="0"/>
+              <a:t> </a:t>
+            </a:r>
+            <a:r>
+              <a:rPr lang="es-ES" dirty="0" err="1" smtClean="0"/>
+              <a:t>Wiskunde</a:t>
+            </a:r>
+            <a:r>
+              <a:rPr lang="es-ES" dirty="0" smtClean="0"/>
+              <a:t> &amp; </a:t>
+            </a:r>
+            <a:r>
+              <a:rPr lang="es-ES" dirty="0" err="1" smtClean="0"/>
+              <a:t>Informatica</a:t>
+            </a:r>
+            <a:r>
+              <a:rPr lang="es-ES" dirty="0" smtClean="0"/>
+              <a:t>), en los </a:t>
+            </a:r>
+            <a:r>
+              <a:rPr lang="es-ES" dirty="0" smtClean="0">
+                <a:hlinkClick r:id="rId12" tooltip="Países Bajos"/>
+              </a:rPr>
+              <a:t>Países </a:t>
+            </a:r>
+            <a:r>
+              <a:rPr lang="es-ES" dirty="0" smtClean="0">
+                <a:hlinkClick r:id="rId12" tooltip="Países Bajos"/>
+              </a:rPr>
+              <a:t>Bajos</a:t>
+            </a:r>
+            <a:r>
+              <a:rPr lang="es-ES" dirty="0" smtClean="0"/>
+              <a:t>. Su nombre proviene de la afición de su creador por los MONTY PYTHON.</a:t>
+            </a:r>
+          </a:p>
+          <a:p>
+            <a:pPr>
+              <a:buNone/>
+            </a:pPr>
+            <a:endParaRPr lang="es-ES" dirty="0" smtClean="0"/>
+          </a:p>
+          <a:p>
+            <a:pPr>
+              <a:buNone/>
+            </a:pPr>
+            <a:endParaRPr lang="es-ES" dirty="0" smtClean="0"/>
+          </a:p>
+          <a:p>
+            <a:pPr>
+              <a:buNone/>
+            </a:pPr>
+            <a:endParaRPr lang="es-ES" dirty="0" smtClean="0"/>
+          </a:p>
+          <a:p>
+            <a:pPr>
+              <a:buNone/>
+            </a:pPr>
+            <a:endParaRPr lang="es-ES" dirty="0" smtClean="0"/>
+          </a:p>
+          <a:p>
+            <a:pPr>
+              <a:buNone/>
+            </a:pPr>
+            <a:endParaRPr lang="es-ES" dirty="0" smtClean="0"/>
+          </a:p>
+          <a:p>
+            <a:pPr>
+              <a:buNone/>
+            </a:pPr>
+            <a:endParaRPr lang="es-ES" dirty="0" smtClean="0"/>
+          </a:p>
+          <a:p>
+            <a:pPr>
+              <a:buNone/>
+            </a:pPr>
+            <a:endParaRPr lang="es-ES" dirty="0" smtClean="0"/>
+          </a:p>
+          <a:p>
+            <a:pPr>
+              <a:buNone/>
+            </a:pPr>
+            <a:endParaRPr lang="es-ES" dirty="0" smtClean="0"/>
+          </a:p>
+          <a:p>
+            <a:pPr>
+              <a:buNone/>
+            </a:pPr>
+            <a:endParaRPr lang="es-ES" dirty="0" smtClean="0"/>
+          </a:p>
+          <a:p>
+            <a:pPr>
+              <a:buNone/>
+            </a:pPr>
+            <a:endParaRPr lang="es-ES" dirty="0" smtClean="0"/>
+          </a:p>
+          <a:p>
+            <a:pPr>
+              <a:buNone/>
+            </a:pPr>
+            <a:endParaRPr lang="es-ES" dirty="0" smtClean="0"/>
+          </a:p>
+          <a:p>
+            <a:pPr>
+              <a:buNone/>
+            </a:pPr>
+            <a:r>
+              <a:rPr lang="es-ES" dirty="0" smtClean="0"/>
+              <a:t>   </a:t>
+            </a:r>
+          </a:p>
+          <a:p>
+            <a:pPr>
+              <a:buNone/>
+            </a:pPr>
+            <a:endParaRPr lang="es-ES" dirty="0" smtClean="0"/>
+          </a:p>
+          <a:p>
+            <a:pPr>
+              <a:buNone/>
+            </a:pPr>
+            <a:endParaRPr lang="es-ES" dirty="0"/>
+          </a:p>
+        </p:txBody>
+      </p:sp>
+      <p:pic>
+        <p:nvPicPr>
+          <p:cNvPr id="5" name="4 Imagen" descr="GUIDO VAN ROSSUM.jpg"/>
+          <p:cNvPicPr>
+            <a:picLocks noChangeAspect="1"/>
+          </p:cNvPicPr>
+          <p:nvPr/>
+        </p:nvPicPr>
+        <p:blipFill>
+          <a:blip r:embed="rId13"/>
+          <a:stretch>
+            <a:fillRect/>
+          </a:stretch>
+        </p:blipFill>
+        <p:spPr>
+          <a:xfrm>
+            <a:off x="571472" y="4357694"/>
+            <a:ext cx="4250562" cy="2000264"/>
+          </a:xfrm>
+          <a:prstGeom prst="rect">
+            <a:avLst/>
+          </a:prstGeom>
+        </p:spPr>
+      </p:pic>
+      <p:pic>
+        <p:nvPicPr>
+          <p:cNvPr id="9" name="8 Imagen" descr="MontyPython2.jpg"/>
+          <p:cNvPicPr>
+            <a:picLocks noChangeAspect="1"/>
+          </p:cNvPicPr>
+          <p:nvPr/>
+        </p:nvPicPr>
+        <p:blipFill>
+          <a:blip r:embed="rId14"/>
+          <a:stretch>
+            <a:fillRect/>
+          </a:stretch>
+        </p:blipFill>
+        <p:spPr>
+          <a:xfrm>
+            <a:off x="4857752" y="4357693"/>
+            <a:ext cx="3571900" cy="2009193"/>
+          </a:xfrm>
+          <a:prstGeom prst="rect">
+            <a:avLst/>
+          </a:prstGeom>
+        </p:spPr>
+      </p:pic>
     </p:spTree>
   </p:cSld>
   <p:clrMapOvr>
@@ -5237,7 +5946,11 @@
           <a:p>
             <a:r>
               <a:rPr lang="es-ES" dirty="0" smtClean="0"/>
-              <a:t>Primeros Pasos</a:t>
+              <a:t>El ZEN de </a:t>
+            </a:r>
+            <a:r>
+              <a:rPr lang="es-ES" dirty="0" err="1" smtClean="0"/>
+              <a:t>Python</a:t>
             </a:r>
             <a:endParaRPr lang="es-ES" dirty="0"/>
           </a:p>
@@ -5256,234 +5969,155 @@
         <p:spPr/>
         <p:txBody>
           <a:bodyPr>
-            <a:normAutofit fontScale="55000" lnSpcReduction="20000"/>
+            <a:normAutofit fontScale="47500" lnSpcReduction="20000"/>
           </a:bodyPr>
           <a:lstStyle/>
           <a:p>
             <a:r>
               <a:rPr lang="es-ES" dirty="0" smtClean="0"/>
-              <a:t>Instalación de </a:t>
-            </a:r>
-            <a:r>
-              <a:rPr lang="es-ES" dirty="0" err="1" smtClean="0"/>
-              <a:t>Python</a:t>
-            </a:r>
-            <a:r>
-              <a:rPr lang="es-ES" dirty="0" smtClean="0"/>
-              <a:t> 3.5.4 (3.5.5 no tiene instaladores y no añade funcionalidad):</a:t>
-            </a:r>
-          </a:p>
-          <a:p>
-            <a:pPr lvl="1"/>
-            <a:r>
-              <a:rPr lang="es-ES" sz="2500" dirty="0" smtClean="0">
+              <a:t>Bello es mejor que feo.</a:t>
+            </a:r>
+          </a:p>
+          <a:p>
+            <a:r>
+              <a:rPr lang="es-ES" dirty="0" smtClean="0"/>
+              <a:t>Explícito es mejor que implícito.</a:t>
+            </a:r>
+          </a:p>
+          <a:p>
+            <a:r>
+              <a:rPr lang="es-ES" dirty="0" smtClean="0"/>
+              <a:t>Simple es mejor que complejo.</a:t>
+            </a:r>
+          </a:p>
+          <a:p>
+            <a:r>
+              <a:rPr lang="es-ES" dirty="0" smtClean="0"/>
+              <a:t>Complejo es mejor que complicado.</a:t>
+            </a:r>
+          </a:p>
+          <a:p>
+            <a:r>
+              <a:rPr lang="es-ES" dirty="0" smtClean="0"/>
+              <a:t>Plano es mejor que anidado.</a:t>
+            </a:r>
+          </a:p>
+          <a:p>
+            <a:r>
+              <a:rPr lang="es-ES" dirty="0" smtClean="0"/>
+              <a:t>Disperso es mejor que denso.</a:t>
+            </a:r>
+          </a:p>
+          <a:p>
+            <a:r>
+              <a:rPr lang="es-ES" dirty="0" smtClean="0"/>
+              <a:t>La legibilidad cuenta.</a:t>
+            </a:r>
+          </a:p>
+          <a:p>
+            <a:r>
+              <a:rPr lang="es-ES" dirty="0" smtClean="0"/>
+              <a:t>Los casos especiales no son tan especiales como para quebrantar las reglas.</a:t>
+            </a:r>
+          </a:p>
+          <a:p>
+            <a:r>
+              <a:rPr lang="es-ES" dirty="0" smtClean="0"/>
+              <a:t>Lo práctico gana a lo puro.</a:t>
+            </a:r>
+          </a:p>
+          <a:p>
+            <a:r>
+              <a:rPr lang="es-ES" dirty="0" smtClean="0"/>
+              <a:t>Los errores nunca deberían dejarse pasar silenciosamente.</a:t>
+            </a:r>
+          </a:p>
+          <a:p>
+            <a:r>
+              <a:rPr lang="es-ES" dirty="0" smtClean="0"/>
+              <a:t>A menos que hayan sido silenciados explícitamente.</a:t>
+            </a:r>
+          </a:p>
+          <a:p>
+            <a:r>
+              <a:rPr lang="es-ES" dirty="0" smtClean="0"/>
+              <a:t>Frente a la ambigüedad, rechaza la tentación de adivinar.</a:t>
+            </a:r>
+          </a:p>
+          <a:p>
+            <a:r>
+              <a:rPr lang="es-ES" dirty="0" smtClean="0"/>
+              <a:t>Debería haber una -y preferiblemente sólo una- manera obvia de hacerlo.</a:t>
+            </a:r>
+          </a:p>
+          <a:p>
+            <a:r>
+              <a:rPr lang="es-ES" dirty="0" smtClean="0"/>
+              <a:t>Aunque esa manera puede no ser obvia al principio a menos que usted sea holandés.</a:t>
+            </a:r>
+            <a:r>
+              <a:rPr lang="es-ES" baseline="30000" dirty="0" smtClean="0">
                 <a:hlinkClick r:id="rId2"/>
               </a:rPr>
-              <a:t>https://www.python.org/downloads/release/python-354/</a:t>
-            </a:r>
-          </a:p>
-          <a:p>
-            <a:pPr>
-              <a:buNone/>
-            </a:pPr>
-            <a:endParaRPr lang="es-ES" sz="1800" dirty="0" smtClean="0">
-              <a:hlinkClick r:id="rId2"/>
-            </a:endParaRPr>
-          </a:p>
-          <a:p>
-            <a:r>
-              <a:rPr lang="es-ES" dirty="0" smtClean="0"/>
-              <a:t>Instalación de un IDE (Sublime </a:t>
-            </a:r>
-            <a:r>
-              <a:rPr lang="es-ES" dirty="0" err="1" smtClean="0"/>
-              <a:t>Text</a:t>
-            </a:r>
-            <a:r>
-              <a:rPr lang="es-ES" dirty="0" smtClean="0"/>
-              <a:t>):</a:t>
-            </a:r>
-          </a:p>
-          <a:p>
-            <a:pPr lvl="1"/>
-            <a:r>
-              <a:rPr lang="es-ES" sz="2500" dirty="0" smtClean="0">
-                <a:hlinkClick r:id="rId2"/>
-              </a:rPr>
-              <a:t>https://www.sublimetext.com/3</a:t>
-            </a:r>
-            <a:endParaRPr lang="es-ES" sz="2500" dirty="0" smtClean="0">
-              <a:hlinkClick r:id="rId3"/>
-            </a:endParaRPr>
-          </a:p>
-          <a:p>
-            <a:pPr>
-              <a:buNone/>
-            </a:pPr>
-            <a:endParaRPr lang="es-ES" dirty="0" smtClean="0"/>
-          </a:p>
-          <a:p>
-            <a:r>
-              <a:rPr lang="es-ES" dirty="0" smtClean="0"/>
-              <a:t>Instalación de </a:t>
-            </a:r>
-            <a:r>
-              <a:rPr lang="es-ES" dirty="0" err="1" smtClean="0"/>
-              <a:t>plugins</a:t>
-            </a:r>
-            <a:r>
-              <a:rPr lang="es-ES" dirty="0" smtClean="0"/>
-              <a:t> para el IDE.</a:t>
-            </a:r>
-          </a:p>
-          <a:p>
-            <a:pPr lvl="1"/>
-            <a:r>
-              <a:rPr lang="es-ES" dirty="0" err="1" smtClean="0"/>
-              <a:t>Install</a:t>
-            </a:r>
-            <a:r>
-              <a:rPr lang="es-ES" dirty="0" smtClean="0"/>
-              <a:t> </a:t>
-            </a:r>
-            <a:r>
-              <a:rPr lang="es-ES" dirty="0" err="1" smtClean="0"/>
-              <a:t>Package</a:t>
-            </a:r>
-            <a:r>
-              <a:rPr lang="es-ES" dirty="0" smtClean="0"/>
-              <a:t> Control</a:t>
-            </a:r>
-          </a:p>
-          <a:p>
-            <a:pPr lvl="1"/>
-            <a:r>
-              <a:rPr lang="es-ES" dirty="0" err="1" smtClean="0"/>
-              <a:t>Command</a:t>
-            </a:r>
-            <a:r>
-              <a:rPr lang="es-ES" dirty="0" smtClean="0"/>
-              <a:t> </a:t>
-            </a:r>
-            <a:r>
-              <a:rPr lang="es-ES" dirty="0" err="1" smtClean="0"/>
-              <a:t>Palette</a:t>
-            </a:r>
-            <a:r>
-              <a:rPr lang="es-ES" dirty="0" smtClean="0"/>
-              <a:t> -&gt; “</a:t>
-            </a:r>
-            <a:r>
-              <a:rPr lang="es-ES" dirty="0" err="1" smtClean="0"/>
-              <a:t>Package</a:t>
-            </a:r>
-            <a:r>
-              <a:rPr lang="es-ES" dirty="0" smtClean="0"/>
-              <a:t> Control </a:t>
-            </a:r>
-            <a:r>
-              <a:rPr lang="es-ES" dirty="0" err="1" smtClean="0"/>
-              <a:t>Install</a:t>
-            </a:r>
-            <a:r>
-              <a:rPr lang="es-ES" dirty="0" smtClean="0"/>
-              <a:t>”</a:t>
-            </a:r>
-          </a:p>
-          <a:p>
-            <a:pPr lvl="1"/>
-            <a:r>
-              <a:rPr lang="es-ES" dirty="0" err="1" smtClean="0"/>
-              <a:t>Install</a:t>
-            </a:r>
-            <a:r>
-              <a:rPr lang="es-ES" dirty="0" smtClean="0"/>
-              <a:t> “</a:t>
-            </a:r>
-            <a:r>
-              <a:rPr lang="es-ES" dirty="0" err="1" smtClean="0"/>
-              <a:t>Python</a:t>
-            </a:r>
-            <a:r>
-              <a:rPr lang="es-ES" dirty="0" smtClean="0"/>
-              <a:t> </a:t>
-            </a:r>
-            <a:r>
-              <a:rPr lang="es-ES" dirty="0" err="1" smtClean="0"/>
-              <a:t>package</a:t>
-            </a:r>
-            <a:r>
-              <a:rPr lang="es-ES" dirty="0" smtClean="0"/>
-              <a:t>”</a:t>
-            </a:r>
-          </a:p>
-          <a:p>
-            <a:pPr lvl="1"/>
-            <a:endParaRPr lang="es-ES" dirty="0" smtClean="0"/>
-          </a:p>
-          <a:p>
-            <a:r>
-              <a:rPr lang="es-ES" dirty="0" smtClean="0"/>
-              <a:t>Configuración de TD (necesario para importar módulos externos).</a:t>
-            </a:r>
-          </a:p>
-          <a:p>
-            <a:pPr lvl="1"/>
-            <a:r>
-              <a:rPr lang="es-ES" sz="2900" dirty="0" smtClean="0"/>
-              <a:t>Enlace:</a:t>
-            </a:r>
-            <a:r>
-              <a:rPr lang="es-ES" sz="2900" dirty="0" smtClean="0">
-                <a:hlinkClick r:id="rId3"/>
-              </a:rPr>
-              <a:t> </a:t>
-            </a:r>
-            <a:r>
-              <a:rPr lang="es-ES" dirty="0" smtClean="0">
-                <a:hlinkClick r:id="rId3"/>
-              </a:rPr>
-              <a:t>http://www.derivative.ca/wiki099/index.php?title=Introduction_to_Python_Tutorial#Importing_Modules</a:t>
-            </a:r>
-            <a:endParaRPr lang="es-ES" dirty="0" smtClean="0"/>
-          </a:p>
-          <a:p>
-            <a:pPr lvl="1"/>
-            <a:r>
-              <a:rPr lang="es-ES" dirty="0" smtClean="0"/>
-              <a:t>Configurar Sublime como “Default Editor”.</a:t>
-            </a:r>
-          </a:p>
-          <a:p>
-            <a:pPr lvl="1"/>
-            <a:r>
-              <a:rPr lang="es-ES" dirty="0" smtClean="0"/>
-              <a:t>Configurar </a:t>
-            </a:r>
-            <a:r>
-              <a:rPr lang="es-ES" dirty="0" err="1" smtClean="0"/>
-              <a:t>Python</a:t>
-            </a:r>
-            <a:r>
-              <a:rPr lang="es-ES" dirty="0" smtClean="0"/>
-              <a:t> Module </a:t>
-            </a:r>
-            <a:r>
-              <a:rPr lang="es-ES" dirty="0" err="1" smtClean="0"/>
-              <a:t>Path</a:t>
-            </a:r>
-            <a:r>
-              <a:rPr lang="es-ES" dirty="0" smtClean="0"/>
-              <a:t> en TD.</a:t>
-            </a:r>
-          </a:p>
-          <a:p>
-            <a:pPr lvl="2">
-              <a:buNone/>
-            </a:pPr>
-            <a:r>
-              <a:rPr lang="es-ES" dirty="0" smtClean="0"/>
-              <a:t>Por defecto: “C:\Users\USERNAME\AppData\Local\Programs\Python\Python35\Lib\site-packages”</a:t>
+              <a:t>15</a:t>
+            </a:r>
+            <a:r>
+              <a:rPr lang="es-ES" dirty="0" smtClean="0"/>
+              <a:t>​</a:t>
+            </a:r>
+          </a:p>
+          <a:p>
+            <a:r>
+              <a:rPr lang="es-ES" dirty="0" smtClean="0"/>
+              <a:t>Ahora es mejor que nunca.</a:t>
+            </a:r>
+          </a:p>
+          <a:p>
+            <a:r>
+              <a:rPr lang="es-ES" dirty="0" smtClean="0"/>
+              <a:t>Aunque </a:t>
+            </a:r>
+            <a:r>
+              <a:rPr lang="es-ES" i="1" dirty="0" smtClean="0"/>
+              <a:t>nunca</a:t>
+            </a:r>
+            <a:r>
+              <a:rPr lang="es-ES" dirty="0" smtClean="0"/>
+              <a:t> es a menudo mejor que </a:t>
+            </a:r>
+            <a:r>
+              <a:rPr lang="es-ES" i="1" dirty="0" smtClean="0"/>
+              <a:t>ya mismo</a:t>
+            </a:r>
+            <a:r>
+              <a:rPr lang="es-ES" dirty="0" smtClean="0"/>
+              <a:t>.</a:t>
+            </a:r>
+          </a:p>
+          <a:p>
+            <a:r>
+              <a:rPr lang="es-ES" dirty="0" smtClean="0"/>
+              <a:t>Si la implementación es difícil de explicar, es una mala idea.</a:t>
+            </a:r>
+          </a:p>
+          <a:p>
+            <a:r>
+              <a:rPr lang="es-ES" dirty="0" smtClean="0"/>
+              <a:t>Si la implementación es fácil de explicar, puede que sea una buena idea.</a:t>
+            </a:r>
+          </a:p>
+          <a:p>
+            <a:r>
+              <a:rPr lang="es-ES" dirty="0" smtClean="0"/>
+              <a:t>Los espacios de nombres (</a:t>
+            </a:r>
+            <a:r>
+              <a:rPr lang="es-ES" i="1" dirty="0" err="1" smtClean="0"/>
+              <a:t>namespaces</a:t>
+            </a:r>
+            <a:r>
+              <a:rPr lang="es-ES" dirty="0" smtClean="0"/>
+              <a:t>) son una gran idea ¡Hagamos más de esas cosas!</a:t>
             </a:r>
             <a:endParaRPr lang="es-ES" dirty="0"/>
           </a:p>
@@ -5526,14 +6160,37 @@
         </p:nvSpPr>
         <p:spPr/>
         <p:txBody>
+          <a:bodyPr/>
+          <a:lstStyle/>
+          <a:p>
+            <a:r>
+              <a:rPr lang="es-ES" dirty="0" smtClean="0"/>
+              <a:t>Primeros Pasos</a:t>
+            </a:r>
+            <a:endParaRPr lang="es-ES" dirty="0"/>
+          </a:p>
+        </p:txBody>
+      </p:sp>
+      <p:sp>
+        <p:nvSpPr>
+          <p:cNvPr id="3" name="2 Marcador de contenido"/>
+          <p:cNvSpPr>
+            <a:spLocks noGrp="1"/>
+          </p:cNvSpPr>
+          <p:nvPr>
+            <p:ph idx="1"/>
+          </p:nvPr>
+        </p:nvSpPr>
+        <p:spPr/>
+        <p:txBody>
           <a:bodyPr>
-            <a:normAutofit/>
+            <a:normAutofit fontScale="55000" lnSpcReduction="20000"/>
           </a:bodyPr>
           <a:lstStyle/>
           <a:p>
             <a:r>
               <a:rPr lang="es-ES" dirty="0" smtClean="0"/>
-              <a:t>Ejecutar </a:t>
+              <a:t>Instalación de </a:t>
             </a:r>
             <a:r>
               <a:rPr lang="es-ES" dirty="0" err="1" smtClean="0"/>
@@ -5541,40 +6198,135 @@
             </a:r>
             <a:r>
               <a:rPr lang="es-ES" dirty="0" smtClean="0"/>
-              <a:t> Stand-</a:t>
-            </a:r>
-            <a:r>
-              <a:rPr lang="es-ES" dirty="0" err="1" smtClean="0"/>
-              <a:t>Alone</a:t>
-            </a:r>
-            <a:endParaRPr lang="es-ES" dirty="0"/>
-          </a:p>
-        </p:txBody>
-      </p:sp>
-      <p:sp>
-        <p:nvSpPr>
-          <p:cNvPr id="3" name="2 Marcador de contenido"/>
-          <p:cNvSpPr>
-            <a:spLocks noGrp="1"/>
-          </p:cNvSpPr>
-          <p:nvPr>
-            <p:ph idx="1"/>
-          </p:nvPr>
-        </p:nvSpPr>
-        <p:spPr/>
-        <p:txBody>
-          <a:bodyPr/>
-          <a:lstStyle/>
-          <a:p>
-            <a:r>
-              <a:rPr lang="es-ES" dirty="0" smtClean="0"/>
-              <a:t>Levantar un entorno de desarrollo cómodo.</a:t>
-            </a:r>
-          </a:p>
-          <a:p>
-            <a:r>
-              <a:rPr lang="es-ES" dirty="0" smtClean="0"/>
-              <a:t>¿Cómo desarrollar y publicar </a:t>
+              <a:t> 3.5.4 (3.5.5 no tiene instaladores y no añade funcionalidad):</a:t>
+            </a:r>
+          </a:p>
+          <a:p>
+            <a:pPr lvl="1"/>
+            <a:r>
+              <a:rPr lang="es-ES" sz="2500" dirty="0" smtClean="0">
+                <a:hlinkClick r:id="rId2"/>
+              </a:rPr>
+              <a:t>https://www.python.org/downloads/release/python-354/</a:t>
+            </a:r>
+          </a:p>
+          <a:p>
+            <a:pPr>
+              <a:buNone/>
+            </a:pPr>
+            <a:endParaRPr lang="es-ES" sz="1800" dirty="0" smtClean="0">
+              <a:hlinkClick r:id="rId2"/>
+            </a:endParaRPr>
+          </a:p>
+          <a:p>
+            <a:r>
+              <a:rPr lang="es-ES" dirty="0" smtClean="0"/>
+              <a:t>Instalación de un IDE (Sublime </a:t>
+            </a:r>
+            <a:r>
+              <a:rPr lang="es-ES" dirty="0" err="1" smtClean="0"/>
+              <a:t>Text</a:t>
+            </a:r>
+            <a:r>
+              <a:rPr lang="es-ES" dirty="0" smtClean="0"/>
+              <a:t>):</a:t>
+            </a:r>
+          </a:p>
+          <a:p>
+            <a:pPr lvl="1"/>
+            <a:r>
+              <a:rPr lang="es-ES" sz="2500" dirty="0" smtClean="0">
+                <a:hlinkClick r:id="rId2"/>
+              </a:rPr>
+              <a:t>https://www.sublimetext.com/3</a:t>
+            </a:r>
+            <a:endParaRPr lang="es-ES" sz="2500" dirty="0" smtClean="0">
+              <a:hlinkClick r:id="rId3"/>
+            </a:endParaRPr>
+          </a:p>
+          <a:p>
+            <a:pPr>
+              <a:buNone/>
+            </a:pPr>
+            <a:endParaRPr lang="es-ES" dirty="0" smtClean="0"/>
+          </a:p>
+          <a:p>
+            <a:r>
+              <a:rPr lang="es-ES" dirty="0" smtClean="0"/>
+              <a:t>Instalación de </a:t>
+            </a:r>
+            <a:r>
+              <a:rPr lang="es-ES" dirty="0" err="1" smtClean="0"/>
+              <a:t>plugins</a:t>
+            </a:r>
+            <a:r>
+              <a:rPr lang="es-ES" dirty="0" smtClean="0"/>
+              <a:t> para el IDE.</a:t>
+            </a:r>
+          </a:p>
+          <a:p>
+            <a:pPr lvl="1"/>
+            <a:r>
+              <a:rPr lang="es-ES" dirty="0" err="1" smtClean="0"/>
+              <a:t>Install</a:t>
+            </a:r>
+            <a:r>
+              <a:rPr lang="es-ES" dirty="0" smtClean="0"/>
+              <a:t> </a:t>
+            </a:r>
+            <a:r>
+              <a:rPr lang="es-ES" dirty="0" err="1" smtClean="0"/>
+              <a:t>Package</a:t>
+            </a:r>
+            <a:r>
+              <a:rPr lang="es-ES" dirty="0" smtClean="0"/>
+              <a:t> Control</a:t>
+            </a:r>
+          </a:p>
+          <a:p>
+            <a:pPr lvl="1"/>
+            <a:r>
+              <a:rPr lang="es-ES" dirty="0" err="1" smtClean="0"/>
+              <a:t>Command</a:t>
+            </a:r>
+            <a:r>
+              <a:rPr lang="es-ES" dirty="0" smtClean="0"/>
+              <a:t> </a:t>
+            </a:r>
+            <a:r>
+              <a:rPr lang="es-ES" dirty="0" err="1" smtClean="0"/>
+              <a:t>Palette</a:t>
+            </a:r>
+            <a:r>
+              <a:rPr lang="es-ES" dirty="0" smtClean="0"/>
+              <a:t> -&gt; “</a:t>
+            </a:r>
+            <a:r>
+              <a:rPr lang="es-ES" dirty="0" err="1" smtClean="0"/>
+              <a:t>Package</a:t>
+            </a:r>
+            <a:r>
+              <a:rPr lang="es-ES" dirty="0" smtClean="0"/>
+              <a:t> Control </a:t>
+            </a:r>
+            <a:r>
+              <a:rPr lang="es-ES" dirty="0" err="1" smtClean="0"/>
+              <a:t>Install</a:t>
+            </a:r>
+            <a:r>
+              <a:rPr lang="es-ES" dirty="0" smtClean="0"/>
+              <a:t>”</a:t>
+            </a:r>
+          </a:p>
+          <a:p>
+            <a:pPr lvl="1"/>
+            <a:r>
+              <a:rPr lang="es-ES" dirty="0" err="1" smtClean="0"/>
+              <a:t>Install</a:t>
+            </a:r>
+            <a:r>
+              <a:rPr lang="es-ES" dirty="0" smtClean="0"/>
+              <a:t> “</a:t>
             </a:r>
             <a:r>
               <a:rPr lang="es-ES" dirty="0" err="1" smtClean="0"/>
@@ -5582,13 +6334,84 @@
             </a:r>
             <a:r>
               <a:rPr lang="es-ES" dirty="0" smtClean="0"/>
-              <a:t>?</a:t>
-            </a:r>
-          </a:p>
-          <a:p>
-            <a:r>
-              <a:rPr lang="es-ES" dirty="0" smtClean="0"/>
-              <a:t>Recursos disponibles.</a:t>
+              <a:t> </a:t>
+            </a:r>
+            <a:r>
+              <a:rPr lang="es-ES" dirty="0" err="1" smtClean="0"/>
+              <a:t>package</a:t>
+            </a:r>
+            <a:r>
+              <a:rPr lang="es-ES" dirty="0" smtClean="0"/>
+              <a:t>”</a:t>
+            </a:r>
+          </a:p>
+          <a:p>
+            <a:pPr lvl="1"/>
+            <a:endParaRPr lang="es-ES" dirty="0" smtClean="0"/>
+          </a:p>
+          <a:p>
+            <a:r>
+              <a:rPr lang="es-ES" dirty="0" smtClean="0"/>
+              <a:t>Configuración de TD (necesario para importar módulos externos).</a:t>
+            </a:r>
+          </a:p>
+          <a:p>
+            <a:pPr lvl="1"/>
+            <a:r>
+              <a:rPr lang="es-ES" sz="2900" dirty="0" smtClean="0"/>
+              <a:t>Enlace:</a:t>
+            </a:r>
+            <a:r>
+              <a:rPr lang="es-ES" sz="2900" dirty="0" smtClean="0">
+                <a:hlinkClick r:id="rId3"/>
+              </a:rPr>
+              <a:t> </a:t>
+            </a:r>
+            <a:r>
+              <a:rPr lang="es-ES" dirty="0" smtClean="0">
+                <a:hlinkClick r:id="rId3"/>
+              </a:rPr>
+              <a:t>http://www.derivative.ca/wiki099/index.php?title=Introduction_to_Python_Tutorial#Importing_Modules</a:t>
+            </a:r>
+            <a:endParaRPr lang="es-ES" dirty="0" smtClean="0"/>
+          </a:p>
+          <a:p>
+            <a:pPr lvl="1"/>
+            <a:r>
+              <a:rPr lang="es-ES" dirty="0" smtClean="0"/>
+              <a:t>Configurar Sublime como “Default Editor”.</a:t>
+            </a:r>
+          </a:p>
+          <a:p>
+            <a:pPr lvl="1"/>
+            <a:r>
+              <a:rPr lang="es-ES" dirty="0" smtClean="0"/>
+              <a:t>Configurar </a:t>
+            </a:r>
+            <a:r>
+              <a:rPr lang="es-ES" dirty="0" err="1" smtClean="0"/>
+              <a:t>Python</a:t>
+            </a:r>
+            <a:r>
+              <a:rPr lang="es-ES" dirty="0" smtClean="0"/>
+              <a:t> Module </a:t>
+            </a:r>
+            <a:r>
+              <a:rPr lang="es-ES" dirty="0" err="1" smtClean="0"/>
+              <a:t>Path</a:t>
+            </a:r>
+            <a:r>
+              <a:rPr lang="es-ES" dirty="0" smtClean="0"/>
+              <a:t> en TD.</a:t>
+            </a:r>
+          </a:p>
+          <a:p>
+            <a:pPr lvl="2">
+              <a:buNone/>
+            </a:pPr>
+            <a:r>
+              <a:rPr lang="es-ES" dirty="0" smtClean="0"/>
+              <a:t>Por defecto: “C:\Users\USERNAME\AppData\Local\Programs\Python\Python35\Lib\site-packages”</a:t>
             </a:r>
             <a:endParaRPr lang="es-ES" dirty="0"/>
           </a:p>
@@ -5631,16 +6454,26 @@
         </p:nvSpPr>
         <p:spPr/>
         <p:txBody>
-          <a:bodyPr/>
-          <a:lstStyle/>
-          <a:p>
+          <a:bodyPr>
+            <a:normAutofit/>
+          </a:bodyPr>
+          <a:lstStyle/>
+          <a:p>
+            <a:r>
+              <a:rPr lang="es-ES" dirty="0" smtClean="0"/>
+              <a:t>Ejecutar </a:t>
+            </a:r>
             <a:r>
               <a:rPr lang="es-ES" dirty="0" err="1" smtClean="0"/>
               <a:t>Python</a:t>
             </a:r>
             <a:r>
               <a:rPr lang="es-ES" dirty="0" smtClean="0"/>
-              <a:t> en TD</a:t>
+              <a:t> Stand-</a:t>
+            </a:r>
+            <a:r>
+              <a:rPr lang="es-ES" dirty="0" err="1" smtClean="0"/>
+              <a:t>Alone</a:t>
             </a:r>
             <a:endParaRPr lang="es-ES" dirty="0"/>
           </a:p>
@@ -5662,44 +6495,42 @@
           <a:lstStyle/>
           <a:p>
             <a:r>
-              <a:rPr lang="es-ES" dirty="0" err="1" smtClean="0"/>
-              <a:t>Embedded</a:t>
-            </a:r>
-            <a:r>
-              <a:rPr lang="es-ES" dirty="0" smtClean="0"/>
-              <a:t> vs Local (Pros &amp; </a:t>
-            </a:r>
-            <a:r>
-              <a:rPr lang="es-ES" dirty="0" err="1" smtClean="0"/>
-              <a:t>Cons</a:t>
-            </a:r>
-            <a:r>
-              <a:rPr lang="es-ES" dirty="0" smtClean="0"/>
-              <a:t>).</a:t>
-            </a:r>
-          </a:p>
-          <a:p>
+              <a:rPr lang="es-ES" dirty="0" smtClean="0"/>
+              <a:t>Ejecutar </a:t>
+            </a:r>
             <a:r>
               <a:rPr lang="es-ES" dirty="0" err="1" smtClean="0"/>
               <a:t>Python</a:t>
             </a:r>
             <a:r>
               <a:rPr lang="es-ES" dirty="0" smtClean="0"/>
-              <a:t> en un DAT.</a:t>
-            </a:r>
-          </a:p>
-          <a:p>
-            <a:r>
-              <a:rPr lang="es-ES" dirty="0" smtClean="0"/>
-              <a:t>Consola en </a:t>
-            </a:r>
-            <a:r>
-              <a:rPr lang="es-ES" dirty="0" err="1" smtClean="0"/>
-              <a:t>TextPort</a:t>
+              <a:t> desde la ventana de comandos.</a:t>
+            </a:r>
+          </a:p>
+          <a:p>
+            <a:endParaRPr lang="es-ES" dirty="0" smtClean="0"/>
+          </a:p>
+          <a:p>
+            <a:r>
+              <a:rPr lang="es-ES" dirty="0" smtClean="0"/>
+              <a:t>Estructura típica de un script </a:t>
+            </a:r>
+            <a:r>
+              <a:rPr lang="es-ES" dirty="0" err="1" smtClean="0"/>
+              <a:t>Python</a:t>
             </a:r>
             <a:r>
               <a:rPr lang="es-ES" dirty="0" smtClean="0"/>
               <a:t>.</a:t>
+            </a:r>
+          </a:p>
+          <a:p>
+            <a:endParaRPr lang="es-ES" dirty="0" smtClean="0"/>
+          </a:p>
+          <a:p>
+            <a:r>
+              <a:rPr lang="es-ES" dirty="0" smtClean="0"/>
+              <a:t>Recursos disponibles.</a:t>
             </a:r>
             <a:endParaRPr lang="es-ES" dirty="0"/>
           </a:p>
@@ -5746,13 +6577,13 @@
           <a:lstStyle/>
           <a:p>
             <a:r>
-              <a:rPr lang="es-ES" dirty="0" smtClean="0"/>
-              <a:t>Fundamentos de </a:t>
-            </a:r>
-            <a:r>
               <a:rPr lang="es-ES" dirty="0" err="1" smtClean="0"/>
               <a:t>Python</a:t>
             </a:r>
+            <a:r>
+              <a:rPr lang="es-ES" dirty="0" smtClean="0"/>
+              <a:t> en TD</a:t>
+            </a:r>
             <a:endParaRPr lang="es-ES" dirty="0"/>
           </a:p>
         </p:txBody>
@@ -5773,14 +6604,44 @@
           <a:lstStyle/>
           <a:p>
             <a:r>
-              <a:rPr lang="es-ES" dirty="0" smtClean="0"/>
-              <a:t>Variables</a:t>
-            </a:r>
-          </a:p>
-          <a:p>
-            <a:r>
-              <a:rPr lang="es-ES" dirty="0" smtClean="0"/>
-              <a:t>Constantes</a:t>
+              <a:rPr lang="es-ES" dirty="0" err="1" smtClean="0"/>
+              <a:t>Embedded</a:t>
+            </a:r>
+            <a:r>
+              <a:rPr lang="es-ES" dirty="0" smtClean="0"/>
+              <a:t> vs Local (Pros &amp; </a:t>
+            </a:r>
+            <a:r>
+              <a:rPr lang="es-ES" dirty="0" err="1" smtClean="0"/>
+              <a:t>Cons</a:t>
+            </a:r>
+            <a:r>
+              <a:rPr lang="es-ES" dirty="0" smtClean="0"/>
+              <a:t>).</a:t>
+            </a:r>
+          </a:p>
+          <a:p>
+            <a:r>
+              <a:rPr lang="es-ES" dirty="0" err="1" smtClean="0"/>
+              <a:t>Python</a:t>
+            </a:r>
+            <a:r>
+              <a:rPr lang="es-ES" dirty="0" smtClean="0"/>
+              <a:t> en un DAT.</a:t>
+            </a:r>
+          </a:p>
+          <a:p>
+            <a:r>
+              <a:rPr lang="es-ES" dirty="0" smtClean="0"/>
+              <a:t>Consola en </a:t>
+            </a:r>
+            <a:r>
+              <a:rPr lang="es-ES" dirty="0" err="1" smtClean="0"/>
+              <a:t>TextPort</a:t>
+            </a:r>
+            <a:r>
+              <a:rPr lang="es-ES" dirty="0" smtClean="0"/>
+              <a:t>.</a:t>
             </a:r>
             <a:endParaRPr lang="es-ES" dirty="0"/>
           </a:p>

--- a/docs/Python for TD Workshop - ROTOR.pptx
+++ b/docs/Python for TD Workshop - ROTOR.pptx
@@ -16,21 +16,25 @@
     <p:sldId id="263" r:id="rId10"/>
     <p:sldId id="264" r:id="rId11"/>
     <p:sldId id="281" r:id="rId12"/>
-    <p:sldId id="265" r:id="rId13"/>
-    <p:sldId id="266" r:id="rId14"/>
-    <p:sldId id="267" r:id="rId15"/>
-    <p:sldId id="268" r:id="rId16"/>
-    <p:sldId id="269" r:id="rId17"/>
-    <p:sldId id="270" r:id="rId18"/>
-    <p:sldId id="271" r:id="rId19"/>
-    <p:sldId id="272" r:id="rId20"/>
-    <p:sldId id="273" r:id="rId21"/>
-    <p:sldId id="274" r:id="rId22"/>
-    <p:sldId id="275" r:id="rId23"/>
-    <p:sldId id="279" r:id="rId24"/>
-    <p:sldId id="276" r:id="rId25"/>
-    <p:sldId id="277" r:id="rId26"/>
-    <p:sldId id="278" r:id="rId27"/>
+    <p:sldId id="282" r:id="rId13"/>
+    <p:sldId id="265" r:id="rId14"/>
+    <p:sldId id="283" r:id="rId15"/>
+    <p:sldId id="284" r:id="rId16"/>
+    <p:sldId id="285" r:id="rId17"/>
+    <p:sldId id="266" r:id="rId18"/>
+    <p:sldId id="267" r:id="rId19"/>
+    <p:sldId id="268" r:id="rId20"/>
+    <p:sldId id="269" r:id="rId21"/>
+    <p:sldId id="270" r:id="rId22"/>
+    <p:sldId id="271" r:id="rId23"/>
+    <p:sldId id="272" r:id="rId24"/>
+    <p:sldId id="273" r:id="rId25"/>
+    <p:sldId id="274" r:id="rId26"/>
+    <p:sldId id="275" r:id="rId27"/>
+    <p:sldId id="279" r:id="rId28"/>
+    <p:sldId id="276" r:id="rId29"/>
+    <p:sldId id="277" r:id="rId30"/>
+    <p:sldId id="278" r:id="rId31"/>
   </p:sldIdLst>
   <p:sldSz cx="9144000" cy="6858000" type="screen4x3"/>
   <p:notesSz cx="6858000" cy="9144000"/>
@@ -3286,10 +3290,9 @@
               <a:t>Deleting</a:t>
             </a:r>
             <a:r>
-              <a:rPr lang="es-ES" smtClean="0"/>
+              <a:rPr lang="es-ES" dirty="0" smtClean="0"/>
               <a:t> variables</a:t>
             </a:r>
-            <a:endParaRPr lang="es-ES" dirty="0" smtClean="0"/>
           </a:p>
         </p:txBody>
       </p:sp>
@@ -3360,17 +3363,83 @@
           <a:bodyPr/>
           <a:lstStyle/>
           <a:p>
-            <a:r>
-              <a:rPr lang="es-ES" dirty="0" smtClean="0"/>
-              <a:t>Variables</a:t>
-            </a:r>
-          </a:p>
-          <a:p>
-            <a:r>
-              <a:rPr lang="es-ES" dirty="0" smtClean="0"/>
-              <a:t>Constantes</a:t>
-            </a:r>
-            <a:endParaRPr lang="es-ES" dirty="0"/>
+            <a:pPr>
+              <a:buNone/>
+            </a:pPr>
+            <a:r>
+              <a:rPr lang="es-ES" dirty="0" smtClean="0"/>
+              <a:t>Cadenas de texto (</a:t>
+            </a:r>
+            <a:r>
+              <a:rPr lang="es-ES" dirty="0" err="1" smtClean="0"/>
+              <a:t>strings</a:t>
+            </a:r>
+            <a:r>
+              <a:rPr lang="es-ES" dirty="0" smtClean="0"/>
+              <a:t>) in </a:t>
+            </a:r>
+            <a:r>
+              <a:rPr lang="es-ES" dirty="0" err="1" smtClean="0"/>
+              <a:t>Python</a:t>
+            </a:r>
+            <a:r>
+              <a:rPr lang="es-ES" dirty="0" smtClean="0"/>
+              <a:t>:</a:t>
+            </a:r>
+            <a:endParaRPr lang="es-ES" dirty="0" smtClean="0"/>
+          </a:p>
+          <a:p>
+            <a:r>
+              <a:rPr lang="en-US" sz="2200" dirty="0" smtClean="0"/>
+              <a:t>Replace</a:t>
+            </a:r>
+          </a:p>
+          <a:p>
+            <a:r>
+              <a:rPr lang="en-US" sz="2200" dirty="0" smtClean="0"/>
+              <a:t>Join</a:t>
+            </a:r>
+          </a:p>
+          <a:p>
+            <a:r>
+              <a:rPr lang="en-US" sz="2200" dirty="0" smtClean="0"/>
+              <a:t>Split</a:t>
+            </a:r>
+          </a:p>
+          <a:p>
+            <a:r>
+              <a:rPr lang="en-US" sz="2200" dirty="0" smtClean="0"/>
+              <a:t>Reverse</a:t>
+            </a:r>
+          </a:p>
+          <a:p>
+            <a:r>
+              <a:rPr lang="en-US" sz="2200" dirty="0" smtClean="0"/>
+              <a:t>Uppercase</a:t>
+            </a:r>
+          </a:p>
+          <a:p>
+            <a:r>
+              <a:rPr lang="en-US" sz="2200" dirty="0" smtClean="0"/>
+              <a:t>Lowercase</a:t>
+            </a:r>
+          </a:p>
+          <a:p>
+            <a:endParaRPr lang="en-US" sz="2200" dirty="0" smtClean="0"/>
+          </a:p>
+          <a:p>
+            <a:pPr>
+              <a:buNone/>
+            </a:pPr>
+            <a:r>
+              <a:rPr lang="en-US" sz="2400" b="1" dirty="0" smtClean="0"/>
+              <a:t>Python does not support a character type</a:t>
+            </a:r>
+            <a:r>
+              <a:rPr lang="en-US" sz="2400" dirty="0" smtClean="0"/>
+              <a:t>, these are treated as strings of length one, also considered as substring.</a:t>
+            </a:r>
+            <a:endParaRPr lang="en-US" sz="2200" dirty="0"/>
           </a:p>
         </p:txBody>
       </p:sp>
@@ -3441,14 +3510,654 @@
           <a:bodyPr/>
           <a:lstStyle/>
           <a:p>
-            <a:r>
-              <a:rPr lang="es-ES" dirty="0" smtClean="0"/>
-              <a:t>Tipos básicos de datos.</a:t>
-            </a:r>
-            <a:endParaRPr lang="es-ES" dirty="0"/>
-          </a:p>
-        </p:txBody>
-      </p:sp>
+            <a:pPr>
+              <a:buNone/>
+            </a:pPr>
+            <a:r>
+              <a:rPr lang="es-ES" dirty="0" smtClean="0"/>
+              <a:t>Cadenas de texto (</a:t>
+            </a:r>
+            <a:r>
+              <a:rPr lang="es-ES" dirty="0" err="1" smtClean="0"/>
+              <a:t>strings</a:t>
+            </a:r>
+            <a:r>
+              <a:rPr lang="es-ES" dirty="0" smtClean="0"/>
+              <a:t>) in </a:t>
+            </a:r>
+            <a:r>
+              <a:rPr lang="es-ES" dirty="0" err="1" smtClean="0"/>
+              <a:t>Python</a:t>
+            </a:r>
+            <a:r>
+              <a:rPr lang="es-ES" dirty="0" smtClean="0"/>
+              <a:t>:</a:t>
+            </a:r>
+          </a:p>
+          <a:p>
+            <a:pPr>
+              <a:buNone/>
+            </a:pPr>
+            <a:endParaRPr lang="es-ES" dirty="0" smtClean="0"/>
+          </a:p>
+        </p:txBody>
+      </p:sp>
+      <p:graphicFrame>
+        <p:nvGraphicFramePr>
+          <p:cNvPr id="4" name="3 Tabla"/>
+          <p:cNvGraphicFramePr>
+            <a:graphicFrameLocks noGrp="1"/>
+          </p:cNvGraphicFramePr>
+          <p:nvPr/>
+        </p:nvGraphicFramePr>
+        <p:xfrm>
+          <a:off x="428596" y="2428868"/>
+          <a:ext cx="8286812" cy="4257963"/>
+        </p:xfrm>
+        <a:graphic>
+          <a:graphicData uri="http://schemas.openxmlformats.org/drawingml/2006/table">
+            <a:tbl>
+              <a:tblPr firstRow="1" bandRow="1">
+                <a:tableStyleId>{5C22544A-7EE6-4342-B048-85BDC9FD1C3A}</a:tableStyleId>
+              </a:tblPr>
+              <a:tblGrid>
+                <a:gridCol w="1143008"/>
+                <a:gridCol w="3000398"/>
+                <a:gridCol w="2786080"/>
+                <a:gridCol w="1357326"/>
+              </a:tblGrid>
+              <a:tr h="270637">
+                <a:tc>
+                  <a:txBody>
+                    <a:bodyPr/>
+                    <a:lstStyle/>
+                    <a:p>
+                      <a:pPr algn="l" fontAlgn="ctr"/>
+                      <a:r>
+                        <a:rPr lang="es-ES" sz="1000" b="1" baseline="0" dirty="0" err="1"/>
+                        <a:t>Operator</a:t>
+                      </a:r>
+                      <a:endParaRPr lang="es-ES" sz="1000" baseline="0" dirty="0"/>
+                    </a:p>
+                  </a:txBody>
+                  <a:tcPr anchor="ctr"/>
+                </a:tc>
+                <a:tc>
+                  <a:txBody>
+                    <a:bodyPr/>
+                    <a:lstStyle/>
+                    <a:p>
+                      <a:pPr algn="l" fontAlgn="ctr"/>
+                      <a:r>
+                        <a:rPr lang="es-ES" sz="1000" b="1" baseline="0"/>
+                        <a:t>Description</a:t>
+                      </a:r>
+                      <a:endParaRPr lang="es-ES" sz="1000" baseline="0"/>
+                    </a:p>
+                  </a:txBody>
+                  <a:tcPr anchor="ctr"/>
+                </a:tc>
+                <a:tc>
+                  <a:txBody>
+                    <a:bodyPr/>
+                    <a:lstStyle/>
+                    <a:p>
+                      <a:pPr algn="l" fontAlgn="ctr"/>
+                      <a:r>
+                        <a:rPr lang="es-ES" sz="1000" b="1" baseline="0"/>
+                        <a:t>Example</a:t>
+                      </a:r>
+                      <a:endParaRPr lang="es-ES" sz="1000" baseline="0"/>
+                    </a:p>
+                  </a:txBody>
+                  <a:tcPr anchor="ctr"/>
+                </a:tc>
+                <a:tc>
+                  <a:txBody>
+                    <a:bodyPr/>
+                    <a:lstStyle/>
+                    <a:p>
+                      <a:pPr algn="l" fontAlgn="ctr"/>
+                      <a:endParaRPr lang="es-ES" sz="1000" baseline="0"/>
+                    </a:p>
+                  </a:txBody>
+                  <a:tcPr anchor="ctr"/>
+                </a:tc>
+              </a:tr>
+              <a:tr h="467127">
+                <a:tc>
+                  <a:txBody>
+                    <a:bodyPr/>
+                    <a:lstStyle/>
+                    <a:p>
+                      <a:pPr algn="l" fontAlgn="t"/>
+                      <a:r>
+                        <a:rPr lang="es-ES" sz="1000" baseline="0" dirty="0"/>
+                        <a:t>[]</a:t>
+                      </a:r>
+                    </a:p>
+                  </a:txBody>
+                  <a:tcPr/>
+                </a:tc>
+                <a:tc>
+                  <a:txBody>
+                    <a:bodyPr/>
+                    <a:lstStyle/>
+                    <a:p>
+                      <a:pPr algn="l" fontAlgn="t"/>
+                      <a:r>
+                        <a:rPr lang="en-US" sz="1000" baseline="0" dirty="0"/>
+                        <a:t>Slice- it gives the letter from the given index</a:t>
+                      </a:r>
+                    </a:p>
+                  </a:txBody>
+                  <a:tcPr/>
+                </a:tc>
+                <a:tc>
+                  <a:txBody>
+                    <a:bodyPr/>
+                    <a:lstStyle/>
+                    <a:p>
+                      <a:pPr algn="l" fontAlgn="t"/>
+                      <a:r>
+                        <a:rPr lang="en-US" sz="1000" baseline="0"/>
+                        <a:t>a[1] will give "u" from the word Guru as such ( 0=G, 1=u, 2=r and 3=u)</a:t>
+                      </a:r>
+                    </a:p>
+                  </a:txBody>
+                  <a:tcPr/>
+                </a:tc>
+                <a:tc>
+                  <a:txBody>
+                    <a:bodyPr/>
+                    <a:lstStyle/>
+                    <a:p>
+                      <a:pPr algn="l" fontAlgn="t"/>
+                      <a:r>
+                        <a:rPr lang="es-ES" sz="1000" baseline="0"/>
+                        <a:t>x="Guru" print x[1]</a:t>
+                      </a:r>
+                    </a:p>
+                  </a:txBody>
+                  <a:tcPr/>
+                </a:tc>
+              </a:tr>
+              <a:tr h="600591">
+                <a:tc>
+                  <a:txBody>
+                    <a:bodyPr/>
+                    <a:lstStyle/>
+                    <a:p>
+                      <a:pPr algn="l" fontAlgn="t"/>
+                      <a:r>
+                        <a:rPr lang="es-ES" sz="1000" baseline="0"/>
+                        <a:t>[ : ]</a:t>
+                      </a:r>
+                    </a:p>
+                  </a:txBody>
+                  <a:tcPr/>
+                </a:tc>
+                <a:tc>
+                  <a:txBody>
+                    <a:bodyPr/>
+                    <a:lstStyle/>
+                    <a:p>
+                      <a:pPr algn="l" fontAlgn="t"/>
+                      <a:r>
+                        <a:rPr lang="en-US" sz="1000" baseline="0" dirty="0"/>
+                        <a:t>Range slice-it gives the characters from the given range</a:t>
+                      </a:r>
+                    </a:p>
+                  </a:txBody>
+                  <a:tcPr/>
+                </a:tc>
+                <a:tc>
+                  <a:txBody>
+                    <a:bodyPr/>
+                    <a:lstStyle/>
+                    <a:p>
+                      <a:pPr algn="l" fontAlgn="t"/>
+                      <a:r>
+                        <a:rPr lang="en-US" sz="1000" baseline="0" dirty="0"/>
+                        <a:t>x [1:3] it will give "</a:t>
+                      </a:r>
+                      <a:r>
+                        <a:rPr lang="en-US" sz="1000" baseline="0" dirty="0" err="1"/>
+                        <a:t>ur</a:t>
+                      </a:r>
+                      <a:r>
+                        <a:rPr lang="en-US" sz="1000" baseline="0" dirty="0"/>
+                        <a:t>" from the word Guru. Remember it will not consider 0 which is G, it will consider word after that is </a:t>
+                      </a:r>
+                      <a:r>
+                        <a:rPr lang="en-US" sz="1000" baseline="0" dirty="0" err="1"/>
+                        <a:t>ur</a:t>
+                      </a:r>
+                      <a:r>
+                        <a:rPr lang="en-US" sz="1000" baseline="0" dirty="0"/>
+                        <a:t>.</a:t>
+                      </a:r>
+                    </a:p>
+                  </a:txBody>
+                  <a:tcPr/>
+                </a:tc>
+                <a:tc>
+                  <a:txBody>
+                    <a:bodyPr/>
+                    <a:lstStyle/>
+                    <a:p>
+                      <a:pPr algn="l" fontAlgn="t"/>
+                      <a:r>
+                        <a:rPr lang="es-ES" sz="1000" baseline="0"/>
+                        <a:t>x="Guru" print x[1:3] </a:t>
+                      </a:r>
+                    </a:p>
+                  </a:txBody>
+                  <a:tcPr/>
+                </a:tc>
+              </a:tr>
+              <a:tr h="333662">
+                <a:tc>
+                  <a:txBody>
+                    <a:bodyPr/>
+                    <a:lstStyle/>
+                    <a:p>
+                      <a:pPr algn="l" fontAlgn="t"/>
+                      <a:r>
+                        <a:rPr lang="es-ES" sz="1000" baseline="0"/>
+                        <a:t>in</a:t>
+                      </a:r>
+                    </a:p>
+                  </a:txBody>
+                  <a:tcPr/>
+                </a:tc>
+                <a:tc>
+                  <a:txBody>
+                    <a:bodyPr/>
+                    <a:lstStyle/>
+                    <a:p>
+                      <a:pPr algn="l" fontAlgn="t"/>
+                      <a:r>
+                        <a:rPr lang="en-US" sz="1000" baseline="0"/>
+                        <a:t>Membership-returns true if a letter exist in the given string</a:t>
+                      </a:r>
+                    </a:p>
+                  </a:txBody>
+                  <a:tcPr/>
+                </a:tc>
+                <a:tc>
+                  <a:txBody>
+                    <a:bodyPr/>
+                    <a:lstStyle/>
+                    <a:p>
+                      <a:pPr algn="l" fontAlgn="t"/>
+                      <a:r>
+                        <a:rPr lang="en-US" sz="1000" baseline="0" dirty="0"/>
+                        <a:t>u is present in word Guru and hence it will give 1 (True)</a:t>
+                      </a:r>
+                    </a:p>
+                  </a:txBody>
+                  <a:tcPr/>
+                </a:tc>
+                <a:tc>
+                  <a:txBody>
+                    <a:bodyPr/>
+                    <a:lstStyle/>
+                    <a:p>
+                      <a:pPr algn="l" fontAlgn="t"/>
+                      <a:r>
+                        <a:rPr lang="nl-NL" sz="1000" baseline="0"/>
+                        <a:t>x="Guru" print "u" in x </a:t>
+                      </a:r>
+                    </a:p>
+                  </a:txBody>
+                  <a:tcPr/>
+                </a:tc>
+              </a:tr>
+              <a:tr h="467127">
+                <a:tc>
+                  <a:txBody>
+                    <a:bodyPr/>
+                    <a:lstStyle/>
+                    <a:p>
+                      <a:pPr algn="l" fontAlgn="t"/>
+                      <a:r>
+                        <a:rPr lang="es-ES" sz="1000" baseline="0"/>
+                        <a:t>not in</a:t>
+                      </a:r>
+                    </a:p>
+                  </a:txBody>
+                  <a:tcPr/>
+                </a:tc>
+                <a:tc>
+                  <a:txBody>
+                    <a:bodyPr/>
+                    <a:lstStyle/>
+                    <a:p>
+                      <a:pPr algn="l" fontAlgn="t"/>
+                      <a:r>
+                        <a:rPr lang="en-US" sz="1000" baseline="0"/>
+                        <a:t>Membership-returns true if a letter exist is not in the given string</a:t>
+                      </a:r>
+                    </a:p>
+                  </a:txBody>
+                  <a:tcPr/>
+                </a:tc>
+                <a:tc>
+                  <a:txBody>
+                    <a:bodyPr/>
+                    <a:lstStyle/>
+                    <a:p>
+                      <a:pPr algn="l" fontAlgn="t"/>
+                      <a:r>
+                        <a:rPr lang="en-US" sz="1000" baseline="0" dirty="0"/>
+                        <a:t>l not present in word Guru and hence it will give 1</a:t>
+                      </a:r>
+                    </a:p>
+                  </a:txBody>
+                  <a:tcPr/>
+                </a:tc>
+                <a:tc>
+                  <a:txBody>
+                    <a:bodyPr/>
+                    <a:lstStyle/>
+                    <a:p>
+                      <a:pPr algn="l" fontAlgn="t"/>
+                      <a:r>
+                        <a:rPr lang="en-US" sz="1000" baseline="0" dirty="0"/>
+                        <a:t>x="Guru" print "l" not in x </a:t>
+                      </a:r>
+                    </a:p>
+                  </a:txBody>
+                  <a:tcPr/>
+                </a:tc>
+              </a:tr>
+              <a:tr h="333662">
+                <a:tc>
+                  <a:txBody>
+                    <a:bodyPr/>
+                    <a:lstStyle/>
+                    <a:p>
+                      <a:pPr algn="l" fontAlgn="t"/>
+                      <a:r>
+                        <a:rPr lang="es-ES" sz="1000" baseline="0"/>
+                        <a:t>r/R</a:t>
+                      </a:r>
+                    </a:p>
+                  </a:txBody>
+                  <a:tcPr/>
+                </a:tc>
+                <a:tc>
+                  <a:txBody>
+                    <a:bodyPr/>
+                    <a:lstStyle/>
+                    <a:p>
+                      <a:pPr algn="l" fontAlgn="t"/>
+                      <a:r>
+                        <a:rPr lang="en-US" sz="1000" baseline="0"/>
+                        <a:t>Raw string suppresses actual meaning of escape characters.</a:t>
+                      </a:r>
+                    </a:p>
+                  </a:txBody>
+                  <a:tcPr/>
+                </a:tc>
+                <a:tc>
+                  <a:txBody>
+                    <a:bodyPr/>
+                    <a:lstStyle/>
+                    <a:p>
+                      <a:pPr algn="l" fontAlgn="t"/>
+                      <a:r>
+                        <a:rPr lang="en-US" sz="1000" baseline="0" dirty="0"/>
+                        <a:t>Print r'\n' prints \n and print R'/n' prints \n</a:t>
+                      </a:r>
+                    </a:p>
+                  </a:txBody>
+                  <a:tcPr/>
+                </a:tc>
+                <a:tc>
+                  <a:txBody>
+                    <a:bodyPr/>
+                    <a:lstStyle/>
+                    <a:p>
+                      <a:pPr algn="l" fontAlgn="t"/>
+                      <a:endParaRPr lang="es-ES" sz="1000" baseline="0" dirty="0"/>
+                    </a:p>
+                  </a:txBody>
+                  <a:tcPr/>
+                </a:tc>
+              </a:tr>
+              <a:tr h="867521">
+                <a:tc>
+                  <a:txBody>
+                    <a:bodyPr/>
+                    <a:lstStyle/>
+                    <a:p>
+                      <a:pPr algn="l" fontAlgn="t"/>
+                      <a:r>
+                        <a:rPr lang="es-ES" sz="1000" baseline="0"/>
+                        <a:t>% - Used for string format</a:t>
+                      </a:r>
+                    </a:p>
+                  </a:txBody>
+                  <a:tcPr/>
+                </a:tc>
+                <a:tc>
+                  <a:txBody>
+                    <a:bodyPr/>
+                    <a:lstStyle/>
+                    <a:p>
+                      <a:pPr algn="l" fontAlgn="t"/>
+                      <a:r>
+                        <a:rPr lang="en-US" sz="1000" baseline="0"/>
+                        <a:t>%r - It insert the canonical string representation of the object (i.e., repr(o)) %s- It insert the presentation string representation of the object (i.e., str(o)) %d- it will format a number for display</a:t>
+                      </a:r>
+                    </a:p>
+                  </a:txBody>
+                  <a:tcPr/>
+                </a:tc>
+                <a:tc>
+                  <a:txBody>
+                    <a:bodyPr/>
+                    <a:lstStyle/>
+                    <a:p>
+                      <a:pPr algn="l" fontAlgn="t"/>
+                      <a:r>
+                        <a:rPr lang="en-US" sz="1000" baseline="0"/>
+                        <a:t>The output of this code will be "guru 99".</a:t>
+                      </a:r>
+                    </a:p>
+                  </a:txBody>
+                  <a:tcPr/>
+                </a:tc>
+                <a:tc>
+                  <a:txBody>
+                    <a:bodyPr/>
+                    <a:lstStyle/>
+                    <a:p>
+                      <a:pPr algn="l" fontAlgn="t"/>
+                      <a:r>
+                        <a:rPr lang="en-US" sz="1000" baseline="0" dirty="0"/>
+                        <a:t>name = 'guru' number = 99 </a:t>
+                      </a:r>
+                      <a:r>
+                        <a:rPr lang="en-US" sz="1000" baseline="0" dirty="0" err="1"/>
+                        <a:t>print'%s</a:t>
+                      </a:r>
+                      <a:r>
+                        <a:rPr lang="en-US" sz="1000" baseline="0" dirty="0"/>
+                        <a:t> %d' % (</a:t>
+                      </a:r>
+                      <a:r>
+                        <a:rPr lang="en-US" sz="1000" baseline="0" dirty="0" err="1"/>
+                        <a:t>name,number</a:t>
+                      </a:r>
+                      <a:r>
+                        <a:rPr lang="en-US" sz="1000" baseline="0" dirty="0"/>
+                        <a:t>) </a:t>
+                      </a:r>
+                    </a:p>
+                  </a:txBody>
+                  <a:tcPr/>
+                </a:tc>
+              </a:tr>
+              <a:tr h="333662">
+                <a:tc>
+                  <a:txBody>
+                    <a:bodyPr/>
+                    <a:lstStyle/>
+                    <a:p>
+                      <a:pPr algn="l" fontAlgn="t"/>
+                      <a:r>
+                        <a:rPr lang="es-ES" sz="1000" baseline="0"/>
+                        <a:t>+</a:t>
+                      </a:r>
+                    </a:p>
+                  </a:txBody>
+                  <a:tcPr/>
+                </a:tc>
+                <a:tc>
+                  <a:txBody>
+                    <a:bodyPr/>
+                    <a:lstStyle/>
+                    <a:p>
+                      <a:pPr algn="l" fontAlgn="t"/>
+                      <a:r>
+                        <a:rPr lang="es-ES" sz="1000" baseline="0"/>
+                        <a:t>It concatenates 2 strings</a:t>
+                      </a:r>
+                    </a:p>
+                  </a:txBody>
+                  <a:tcPr/>
+                </a:tc>
+                <a:tc>
+                  <a:txBody>
+                    <a:bodyPr/>
+                    <a:lstStyle/>
+                    <a:p>
+                      <a:pPr algn="l" fontAlgn="t"/>
+                      <a:r>
+                        <a:rPr lang="en-US" sz="1000" baseline="0"/>
+                        <a:t>It concatenate strings and gives the result</a:t>
+                      </a:r>
+                    </a:p>
+                  </a:txBody>
+                  <a:tcPr/>
+                </a:tc>
+                <a:tc>
+                  <a:txBody>
+                    <a:bodyPr/>
+                    <a:lstStyle/>
+                    <a:p>
+                      <a:pPr algn="l" fontAlgn="t"/>
+                      <a:r>
+                        <a:rPr lang="es-ES" sz="1000" baseline="0" dirty="0"/>
+                        <a:t>x="</a:t>
+                      </a:r>
+                      <a:r>
+                        <a:rPr lang="es-ES" sz="1000" baseline="0" dirty="0" err="1"/>
+                        <a:t>Guru</a:t>
+                      </a:r>
+                      <a:r>
+                        <a:rPr lang="es-ES" sz="1000" baseline="0" dirty="0"/>
+                        <a:t>" y="99" </a:t>
+                      </a:r>
+                      <a:r>
+                        <a:rPr lang="es-ES" sz="1000" baseline="0" dirty="0" err="1"/>
+                        <a:t>print</a:t>
+                      </a:r>
+                      <a:r>
+                        <a:rPr lang="es-ES" sz="1000" baseline="0" dirty="0"/>
+                        <a:t> </a:t>
+                      </a:r>
+                      <a:r>
+                        <a:rPr lang="es-ES" sz="1000" baseline="0" dirty="0" err="1"/>
+                        <a:t>x+y</a:t>
+                      </a:r>
+                      <a:endParaRPr lang="es-ES" sz="1000" baseline="0" dirty="0"/>
+                    </a:p>
+                  </a:txBody>
+                  <a:tcPr/>
+                </a:tc>
+              </a:tr>
+              <a:tr h="270637">
+                <a:tc>
+                  <a:txBody>
+                    <a:bodyPr/>
+                    <a:lstStyle/>
+                    <a:p>
+                      <a:pPr algn="l" fontAlgn="t"/>
+                      <a:r>
+                        <a:rPr lang="es-ES" sz="1000" baseline="0"/>
+                        <a:t>*</a:t>
+                      </a:r>
+                    </a:p>
+                  </a:txBody>
+                  <a:tcPr/>
+                </a:tc>
+                <a:tc>
+                  <a:txBody>
+                    <a:bodyPr/>
+                    <a:lstStyle/>
+                    <a:p>
+                      <a:pPr algn="l" fontAlgn="t"/>
+                      <a:r>
+                        <a:rPr lang="es-ES" sz="1000" baseline="0"/>
+                        <a:t>Repeat</a:t>
+                      </a:r>
+                    </a:p>
+                  </a:txBody>
+                  <a:tcPr/>
+                </a:tc>
+                <a:tc>
+                  <a:txBody>
+                    <a:bodyPr/>
+                    <a:lstStyle/>
+                    <a:p>
+                      <a:pPr algn="l" fontAlgn="t"/>
+                      <a:r>
+                        <a:rPr lang="en-US" sz="1000" baseline="0"/>
+                        <a:t>It prints the character twice.</a:t>
+                      </a:r>
+                    </a:p>
+                  </a:txBody>
+                  <a:tcPr/>
+                </a:tc>
+                <a:tc>
+                  <a:txBody>
+                    <a:bodyPr/>
+                    <a:lstStyle/>
+                    <a:p>
+                      <a:pPr algn="l" fontAlgn="t"/>
+                      <a:r>
+                        <a:rPr lang="es-ES" sz="1000" baseline="0" dirty="0"/>
+                        <a:t>x="</a:t>
+                      </a:r>
+                      <a:r>
+                        <a:rPr lang="es-ES" sz="1000" baseline="0" dirty="0" err="1"/>
+                        <a:t>Guru</a:t>
+                      </a:r>
+                      <a:r>
+                        <a:rPr lang="es-ES" sz="1000" baseline="0" dirty="0"/>
+                        <a:t>" y="99" </a:t>
+                      </a:r>
+                      <a:r>
+                        <a:rPr lang="es-ES" sz="1000" baseline="0" dirty="0" err="1"/>
+                        <a:t>print</a:t>
+                      </a:r>
+                      <a:r>
+                        <a:rPr lang="es-ES" sz="1000" baseline="0" dirty="0"/>
+                        <a:t> x*2</a:t>
+                      </a:r>
+                    </a:p>
+                  </a:txBody>
+                  <a:tcPr/>
+                </a:tc>
+              </a:tr>
+            </a:tbl>
+          </a:graphicData>
+        </a:graphic>
+      </p:graphicFrame>
     </p:spTree>
   </p:cSld>
   <p:clrMapOvr>
@@ -3513,13 +4222,261 @@
         </p:nvSpPr>
         <p:spPr/>
         <p:txBody>
-          <a:bodyPr/>
-          <a:lstStyle/>
-          <a:p>
-            <a:r>
-              <a:rPr lang="es-ES" dirty="0" smtClean="0"/>
-              <a:t>Funciones</a:t>
-            </a:r>
+          <a:bodyPr>
+            <a:normAutofit fontScale="47500" lnSpcReduction="20000"/>
+          </a:bodyPr>
+          <a:lstStyle/>
+          <a:p>
+            <a:pPr>
+              <a:buNone/>
+            </a:pPr>
+            <a:r>
+              <a:rPr lang="es-ES" dirty="0" err="1" smtClean="0"/>
+              <a:t>Tuplas</a:t>
+            </a:r>
+            <a:r>
+              <a:rPr lang="es-ES" dirty="0" smtClean="0"/>
+              <a:t> (</a:t>
+            </a:r>
+            <a:r>
+              <a:rPr lang="es-ES" dirty="0" err="1" smtClean="0"/>
+              <a:t>Tuples</a:t>
+            </a:r>
+            <a:r>
+              <a:rPr lang="es-ES" dirty="0" smtClean="0"/>
+              <a:t>)</a:t>
+            </a:r>
+          </a:p>
+          <a:p>
+            <a:pPr>
+              <a:buNone/>
+            </a:pPr>
+            <a:endParaRPr lang="es-ES" dirty="0" smtClean="0"/>
+          </a:p>
+          <a:p>
+            <a:pPr>
+              <a:buNone/>
+            </a:pPr>
+            <a:r>
+              <a:rPr lang="en-US" dirty="0" smtClean="0"/>
+              <a:t>A </a:t>
+            </a:r>
+            <a:r>
+              <a:rPr lang="en-US" dirty="0" err="1" smtClean="0"/>
+              <a:t>tuple</a:t>
+            </a:r>
+            <a:r>
+              <a:rPr lang="en-US" dirty="0" smtClean="0"/>
+              <a:t> is just like a list of a sequence of immutable python objects. The difference between list and </a:t>
+            </a:r>
+            <a:r>
+              <a:rPr lang="en-US" dirty="0" err="1" smtClean="0"/>
+              <a:t>tuple</a:t>
+            </a:r>
+            <a:r>
+              <a:rPr lang="en-US" dirty="0" smtClean="0"/>
+              <a:t> is that list are declared in square brackets and can be changed while </a:t>
+            </a:r>
+            <a:r>
+              <a:rPr lang="en-US" b="1" dirty="0" err="1" smtClean="0"/>
+              <a:t>tuple</a:t>
+            </a:r>
+            <a:r>
+              <a:rPr lang="en-US" b="1" dirty="0" smtClean="0"/>
+              <a:t> is declared in parentheses</a:t>
+            </a:r>
+            <a:r>
+              <a:rPr lang="en-US" dirty="0" smtClean="0"/>
+              <a:t> and cannot be changed. However, you can take portions of existing </a:t>
+            </a:r>
+            <a:r>
+              <a:rPr lang="en-US" dirty="0" err="1" smtClean="0"/>
+              <a:t>tuples</a:t>
+            </a:r>
+            <a:r>
+              <a:rPr lang="en-US" dirty="0" smtClean="0"/>
+              <a:t> to make new </a:t>
+            </a:r>
+            <a:r>
+              <a:rPr lang="en-US" dirty="0" err="1" smtClean="0"/>
+              <a:t>tuples</a:t>
+            </a:r>
+            <a:r>
+              <a:rPr lang="en-US" dirty="0" smtClean="0"/>
+              <a:t>.</a:t>
+            </a:r>
+          </a:p>
+          <a:p>
+            <a:pPr>
+              <a:buNone/>
+            </a:pPr>
+            <a:endParaRPr lang="en-US" dirty="0" smtClean="0"/>
+          </a:p>
+          <a:p>
+            <a:pPr lvl="1"/>
+            <a:r>
+              <a:rPr lang="en-US" sz="2600" dirty="0" smtClean="0"/>
+              <a:t>Packing and Unpacking</a:t>
+            </a:r>
+          </a:p>
+          <a:p>
+            <a:pPr lvl="1"/>
+            <a:r>
+              <a:rPr lang="en-US" sz="2600" dirty="0" smtClean="0"/>
+              <a:t>Comparing </a:t>
+            </a:r>
+            <a:r>
+              <a:rPr lang="en-US" sz="2600" dirty="0" err="1" smtClean="0"/>
+              <a:t>tuples</a:t>
+            </a:r>
+            <a:endParaRPr lang="en-US" sz="2600" dirty="0" smtClean="0"/>
+          </a:p>
+          <a:p>
+            <a:pPr lvl="1"/>
+            <a:r>
+              <a:rPr lang="en-US" sz="2600" dirty="0" smtClean="0"/>
+              <a:t>Using </a:t>
+            </a:r>
+            <a:r>
+              <a:rPr lang="en-US" sz="2600" dirty="0" err="1" smtClean="0"/>
+              <a:t>tuples</a:t>
+            </a:r>
+            <a:r>
+              <a:rPr lang="en-US" sz="2600" dirty="0" smtClean="0"/>
+              <a:t> as keys in dictionaries</a:t>
+            </a:r>
+          </a:p>
+          <a:p>
+            <a:pPr lvl="1"/>
+            <a:r>
+              <a:rPr lang="en-US" sz="2600" dirty="0" smtClean="0"/>
+              <a:t>Deleting </a:t>
+            </a:r>
+            <a:r>
+              <a:rPr lang="en-US" sz="2600" dirty="0" err="1" smtClean="0"/>
+              <a:t>Tuples</a:t>
+            </a:r>
+            <a:endParaRPr lang="en-US" sz="2600" dirty="0" smtClean="0"/>
+          </a:p>
+          <a:p>
+            <a:pPr lvl="1"/>
+            <a:r>
+              <a:rPr lang="en-US" sz="2600" dirty="0" smtClean="0"/>
+              <a:t>Slicing of </a:t>
+            </a:r>
+            <a:r>
+              <a:rPr lang="en-US" sz="2600" dirty="0" err="1" smtClean="0"/>
+              <a:t>Tuple</a:t>
+            </a:r>
+            <a:endParaRPr lang="en-US" sz="2600" dirty="0" smtClean="0"/>
+          </a:p>
+          <a:p>
+            <a:pPr lvl="1"/>
+            <a:r>
+              <a:rPr lang="en-US" sz="2600" dirty="0" smtClean="0"/>
+              <a:t>Built-in functions with </a:t>
+            </a:r>
+            <a:r>
+              <a:rPr lang="en-US" sz="2600" dirty="0" err="1" smtClean="0"/>
+              <a:t>Tuple</a:t>
+            </a:r>
+            <a:endParaRPr lang="en-US" sz="2600" dirty="0" smtClean="0"/>
+          </a:p>
+          <a:p>
+            <a:pPr lvl="1"/>
+            <a:r>
+              <a:rPr lang="en-US" sz="2600" dirty="0" smtClean="0"/>
+              <a:t>Advantages of </a:t>
+            </a:r>
+            <a:r>
+              <a:rPr lang="en-US" sz="2600" dirty="0" err="1" smtClean="0"/>
+              <a:t>tuple</a:t>
+            </a:r>
+            <a:r>
+              <a:rPr lang="en-US" sz="2600" dirty="0" smtClean="0"/>
+              <a:t> over </a:t>
+            </a:r>
+            <a:r>
+              <a:rPr lang="en-US" sz="2600" dirty="0" smtClean="0"/>
+              <a:t>list</a:t>
+            </a:r>
+          </a:p>
+          <a:p>
+            <a:pPr lvl="1">
+              <a:buNone/>
+            </a:pPr>
+            <a:endParaRPr lang="en-US" sz="2600" dirty="0" smtClean="0"/>
+          </a:p>
+          <a:p>
+            <a:pPr>
+              <a:buNone/>
+            </a:pPr>
+            <a:r>
+              <a:rPr lang="en-US" b="1" dirty="0" smtClean="0"/>
+              <a:t>Advantages of </a:t>
+            </a:r>
+            <a:r>
+              <a:rPr lang="en-US" b="1" dirty="0" err="1" smtClean="0"/>
+              <a:t>tuple</a:t>
+            </a:r>
+            <a:r>
+              <a:rPr lang="en-US" b="1" dirty="0" smtClean="0"/>
+              <a:t> over list</a:t>
+            </a:r>
+          </a:p>
+          <a:p>
+            <a:r>
+              <a:rPr lang="en-US" dirty="0" smtClean="0"/>
+              <a:t>Iterating through </a:t>
+            </a:r>
+            <a:r>
+              <a:rPr lang="en-US" dirty="0" err="1" smtClean="0"/>
+              <a:t>tuple</a:t>
+            </a:r>
+            <a:r>
+              <a:rPr lang="en-US" dirty="0" smtClean="0"/>
+              <a:t> is faster than with list, since </a:t>
+            </a:r>
+            <a:r>
+              <a:rPr lang="en-US" dirty="0" err="1" smtClean="0"/>
+              <a:t>tuples</a:t>
+            </a:r>
+            <a:r>
+              <a:rPr lang="en-US" dirty="0" smtClean="0"/>
+              <a:t> are immutable.</a:t>
+            </a:r>
+          </a:p>
+          <a:p>
+            <a:r>
+              <a:rPr lang="en-US" dirty="0" err="1" smtClean="0"/>
+              <a:t>Tuples</a:t>
+            </a:r>
+            <a:r>
+              <a:rPr lang="en-US" dirty="0" smtClean="0"/>
+              <a:t> that consist of immutable elements can be used as key for dictionary, which is not possible with list</a:t>
+            </a:r>
+          </a:p>
+          <a:p>
+            <a:r>
+              <a:rPr lang="en-US" dirty="0" smtClean="0"/>
+              <a:t>If you have data that is immutable, implementing it as </a:t>
+            </a:r>
+            <a:r>
+              <a:rPr lang="en-US" dirty="0" err="1" smtClean="0"/>
+              <a:t>tuple</a:t>
+            </a:r>
+            <a:r>
+              <a:rPr lang="en-US" dirty="0" smtClean="0"/>
+              <a:t> will guarantee that it remains write-protected</a:t>
+            </a:r>
+          </a:p>
+          <a:p>
+            <a:pPr lvl="1">
+              <a:buNone/>
+            </a:pPr>
+            <a:endParaRPr lang="en-US" sz="2600" dirty="0" smtClean="0"/>
+          </a:p>
+          <a:p>
             <a:endParaRPr lang="es-ES" dirty="0"/>
           </a:p>
         </p:txBody>
@@ -3588,13 +4545,182 @@
         </p:nvSpPr>
         <p:spPr/>
         <p:txBody>
-          <a:bodyPr/>
-          <a:lstStyle/>
-          <a:p>
-            <a:r>
-              <a:rPr lang="es-ES" dirty="0" err="1" smtClean="0"/>
-              <a:t>Iteradores</a:t>
-            </a:r>
+          <a:bodyPr>
+            <a:normAutofit fontScale="40000" lnSpcReduction="20000"/>
+          </a:bodyPr>
+          <a:lstStyle/>
+          <a:p>
+            <a:pPr>
+              <a:buNone/>
+            </a:pPr>
+            <a:r>
+              <a:rPr lang="es-ES" dirty="0" smtClean="0"/>
+              <a:t>Diccionarios</a:t>
+            </a:r>
+          </a:p>
+          <a:p>
+            <a:pPr>
+              <a:buNone/>
+            </a:pPr>
+            <a:endParaRPr lang="en-US" dirty="0" smtClean="0"/>
+          </a:p>
+          <a:p>
+            <a:pPr>
+              <a:buNone/>
+            </a:pPr>
+            <a:r>
+              <a:rPr lang="en-US" dirty="0" smtClean="0"/>
+              <a:t>Dictionaries </a:t>
+            </a:r>
+            <a:r>
+              <a:rPr lang="en-US" dirty="0" smtClean="0"/>
+              <a:t>are another example of a data structure. A dictionary is used to map or associate things you want to store the keys you need to get them. A dictionary in Python is just like a dictionary in the real world. Python Dictionary are defined into two elements Keys and Values</a:t>
+            </a:r>
+            <a:r>
+              <a:rPr lang="en-US" dirty="0" smtClean="0"/>
+              <a:t>.</a:t>
+            </a:r>
+          </a:p>
+          <a:p>
+            <a:pPr>
+              <a:buNone/>
+            </a:pPr>
+            <a:endParaRPr lang="en-US" dirty="0" smtClean="0"/>
+          </a:p>
+          <a:p>
+            <a:r>
+              <a:rPr lang="en-US" dirty="0" smtClean="0"/>
+              <a:t>Keys will be a single element</a:t>
+            </a:r>
+          </a:p>
+          <a:p>
+            <a:r>
+              <a:rPr lang="en-US" dirty="0" smtClean="0"/>
+              <a:t>Values can be a list or list within a list, numbers, etc</a:t>
+            </a:r>
+            <a:r>
+              <a:rPr lang="en-US" dirty="0" smtClean="0"/>
+              <a:t>.</a:t>
+            </a:r>
+          </a:p>
+          <a:p>
+            <a:endParaRPr lang="en-US" dirty="0" smtClean="0"/>
+          </a:p>
+          <a:p>
+            <a:r>
+              <a:rPr lang="en-US" dirty="0" smtClean="0"/>
+              <a:t>Python </a:t>
+            </a:r>
+            <a:r>
+              <a:rPr lang="en-US" dirty="0" smtClean="0"/>
+              <a:t>Dictionary Methods</a:t>
+            </a:r>
+          </a:p>
+          <a:p>
+            <a:r>
+              <a:rPr lang="en-US" dirty="0" smtClean="0"/>
+              <a:t>Copying dictionary</a:t>
+            </a:r>
+          </a:p>
+          <a:p>
+            <a:r>
+              <a:rPr lang="en-US" dirty="0" smtClean="0"/>
+              <a:t>Updating Dictionary</a:t>
+            </a:r>
+          </a:p>
+          <a:p>
+            <a:r>
+              <a:rPr lang="en-US" dirty="0" smtClean="0"/>
+              <a:t>Delete Keys from the dictionary</a:t>
+            </a:r>
+          </a:p>
+          <a:p>
+            <a:r>
+              <a:rPr lang="en-US" dirty="0" smtClean="0"/>
+              <a:t>Dictionary items() Method</a:t>
+            </a:r>
+          </a:p>
+          <a:p>
+            <a:r>
+              <a:rPr lang="en-US" dirty="0" smtClean="0"/>
+              <a:t>Sorting the Dictionary</a:t>
+            </a:r>
+          </a:p>
+          <a:p>
+            <a:r>
+              <a:rPr lang="en-US" dirty="0" smtClean="0"/>
+              <a:t>Python Dictionary in-built Functions</a:t>
+            </a:r>
+          </a:p>
+          <a:p>
+            <a:r>
+              <a:rPr lang="en-US" dirty="0" smtClean="0"/>
+              <a:t>Dictionary </a:t>
+            </a:r>
+            <a:r>
+              <a:rPr lang="en-US" dirty="0" err="1" smtClean="0"/>
+              <a:t>len</a:t>
+            </a:r>
+            <a:r>
+              <a:rPr lang="en-US" dirty="0" smtClean="0"/>
+              <a:t>() Method</a:t>
+            </a:r>
+          </a:p>
+          <a:p>
+            <a:r>
+              <a:rPr lang="en-US" dirty="0" smtClean="0"/>
+              <a:t>Variable Types</a:t>
+            </a:r>
+          </a:p>
+          <a:p>
+            <a:r>
+              <a:rPr lang="en-US" dirty="0" smtClean="0"/>
+              <a:t>Python List </a:t>
+            </a:r>
+            <a:r>
+              <a:rPr lang="en-US" dirty="0" err="1" smtClean="0"/>
+              <a:t>cmp</a:t>
+            </a:r>
+            <a:r>
+              <a:rPr lang="en-US" dirty="0" smtClean="0"/>
+              <a:t>() Method</a:t>
+            </a:r>
+          </a:p>
+          <a:p>
+            <a:r>
+              <a:rPr lang="en-US" dirty="0" smtClean="0"/>
+              <a:t>Dictionary </a:t>
+            </a:r>
+            <a:r>
+              <a:rPr lang="en-US" dirty="0" err="1" smtClean="0"/>
+              <a:t>Str</a:t>
+            </a:r>
+            <a:r>
+              <a:rPr lang="en-US" dirty="0" smtClean="0"/>
+              <a:t>(</a:t>
+            </a:r>
+            <a:r>
+              <a:rPr lang="en-US" dirty="0" err="1" smtClean="0"/>
+              <a:t>dict</a:t>
+            </a:r>
+            <a:r>
+              <a:rPr lang="en-US" dirty="0" smtClean="0"/>
+              <a:t>)</a:t>
+            </a:r>
+          </a:p>
+          <a:p>
+            <a:pPr>
+              <a:buNone/>
+            </a:pPr>
+            <a:endParaRPr lang="en-US" dirty="0" smtClean="0"/>
+          </a:p>
+          <a:p>
+            <a:pPr lvl="1">
+              <a:buNone/>
+            </a:pPr>
+            <a:endParaRPr lang="en-US" sz="2600" dirty="0" smtClean="0"/>
+          </a:p>
+          <a:p>
             <a:endParaRPr lang="es-ES" dirty="0"/>
           </a:p>
         </p:txBody>
@@ -3663,17 +4789,441 @@
         </p:nvSpPr>
         <p:spPr/>
         <p:txBody>
-          <a:bodyPr/>
-          <a:lstStyle/>
-          <a:p>
-            <a:r>
-              <a:rPr lang="es-ES" dirty="0" smtClean="0"/>
-              <a:t>Flujo de Programa</a:t>
-            </a:r>
+          <a:bodyPr>
+            <a:normAutofit/>
+          </a:bodyPr>
+          <a:lstStyle/>
+          <a:p>
+            <a:pPr>
+              <a:buNone/>
+            </a:pPr>
+            <a:r>
+              <a:rPr lang="es-ES" dirty="0" smtClean="0"/>
+              <a:t>Diccionarios</a:t>
+            </a:r>
+          </a:p>
+          <a:p>
+            <a:pPr>
+              <a:buNone/>
+            </a:pPr>
+            <a:endParaRPr lang="en-US" dirty="0" smtClean="0"/>
+          </a:p>
+          <a:p>
+            <a:pPr>
+              <a:buNone/>
+            </a:pPr>
+            <a:endParaRPr lang="en-US" dirty="0" smtClean="0"/>
+          </a:p>
+          <a:p>
+            <a:pPr lvl="1">
+              <a:buNone/>
+            </a:pPr>
+            <a:endParaRPr lang="en-US" sz="2600" dirty="0" smtClean="0"/>
+          </a:p>
+          <a:p>
             <a:endParaRPr lang="es-ES" dirty="0"/>
           </a:p>
         </p:txBody>
       </p:sp>
+      <p:graphicFrame>
+        <p:nvGraphicFramePr>
+          <p:cNvPr id="4" name="3 Tabla"/>
+          <p:cNvGraphicFramePr>
+            <a:graphicFrameLocks noGrp="1"/>
+          </p:cNvGraphicFramePr>
+          <p:nvPr/>
+        </p:nvGraphicFramePr>
+        <p:xfrm>
+          <a:off x="1285852" y="2643182"/>
+          <a:ext cx="6096000" cy="3423920"/>
+        </p:xfrm>
+        <a:graphic>
+          <a:graphicData uri="http://schemas.openxmlformats.org/drawingml/2006/table">
+            <a:tbl>
+              <a:tblPr firstRow="1" bandRow="1">
+                <a:tableStyleId>{5C22544A-7EE6-4342-B048-85BDC9FD1C3A}</a:tableStyleId>
+              </a:tblPr>
+              <a:tblGrid>
+                <a:gridCol w="2032000"/>
+                <a:gridCol w="2032000"/>
+                <a:gridCol w="2032000"/>
+              </a:tblGrid>
+              <a:tr h="370840">
+                <a:tc>
+                  <a:txBody>
+                    <a:bodyPr/>
+                    <a:lstStyle/>
+                    <a:p>
+                      <a:pPr algn="l" fontAlgn="ctr"/>
+                      <a:r>
+                        <a:rPr lang="es-ES" sz="1000" baseline="0" dirty="0" err="1"/>
+                        <a:t>Method</a:t>
+                      </a:r>
+                      <a:endParaRPr lang="es-ES" sz="1000" baseline="0" dirty="0"/>
+                    </a:p>
+                  </a:txBody>
+                  <a:tcPr anchor="ctr"/>
+                </a:tc>
+                <a:tc>
+                  <a:txBody>
+                    <a:bodyPr/>
+                    <a:lstStyle/>
+                    <a:p>
+                      <a:pPr algn="l" fontAlgn="ctr"/>
+                      <a:r>
+                        <a:rPr lang="es-ES" sz="1000" baseline="0"/>
+                        <a:t>Description</a:t>
+                      </a:r>
+                    </a:p>
+                  </a:txBody>
+                  <a:tcPr anchor="ctr"/>
+                </a:tc>
+                <a:tc>
+                  <a:txBody>
+                    <a:bodyPr/>
+                    <a:lstStyle/>
+                    <a:p>
+                      <a:pPr algn="l" fontAlgn="ctr"/>
+                      <a:r>
+                        <a:rPr lang="es-ES" sz="1000" baseline="0"/>
+                        <a:t>Syntax</a:t>
+                      </a:r>
+                    </a:p>
+                  </a:txBody>
+                  <a:tcPr anchor="ctr"/>
+                </a:tc>
+              </a:tr>
+              <a:tr h="370840">
+                <a:tc>
+                  <a:txBody>
+                    <a:bodyPr/>
+                    <a:lstStyle/>
+                    <a:p>
+                      <a:pPr fontAlgn="ctr"/>
+                      <a:r>
+                        <a:rPr lang="es-ES" sz="1000" baseline="0"/>
+                        <a:t>copy()</a:t>
+                      </a:r>
+                    </a:p>
+                  </a:txBody>
+                  <a:tcPr anchor="ctr"/>
+                </a:tc>
+                <a:tc>
+                  <a:txBody>
+                    <a:bodyPr/>
+                    <a:lstStyle/>
+                    <a:p>
+                      <a:pPr fontAlgn="ctr"/>
+                      <a:r>
+                        <a:rPr lang="en-US" sz="1000" baseline="0"/>
+                        <a:t>Copy the entire dictionary to new dictionary</a:t>
+                      </a:r>
+                    </a:p>
+                  </a:txBody>
+                  <a:tcPr anchor="ctr"/>
+                </a:tc>
+                <a:tc>
+                  <a:txBody>
+                    <a:bodyPr/>
+                    <a:lstStyle/>
+                    <a:p>
+                      <a:pPr fontAlgn="ctr"/>
+                      <a:r>
+                        <a:rPr lang="es-ES" sz="1000" baseline="0"/>
+                        <a:t>dict.copy()</a:t>
+                      </a:r>
+                    </a:p>
+                  </a:txBody>
+                  <a:tcPr anchor="ctr"/>
+                </a:tc>
+              </a:tr>
+              <a:tr h="370840">
+                <a:tc>
+                  <a:txBody>
+                    <a:bodyPr/>
+                    <a:lstStyle/>
+                    <a:p>
+                      <a:pPr fontAlgn="ctr"/>
+                      <a:r>
+                        <a:rPr lang="es-ES" sz="1000" baseline="0"/>
+                        <a:t>update()</a:t>
+                      </a:r>
+                    </a:p>
+                  </a:txBody>
+                  <a:tcPr anchor="ctr"/>
+                </a:tc>
+                <a:tc>
+                  <a:txBody>
+                    <a:bodyPr/>
+                    <a:lstStyle/>
+                    <a:p>
+                      <a:pPr fontAlgn="ctr"/>
+                      <a:r>
+                        <a:rPr lang="en-US" sz="1000" baseline="0"/>
+                        <a:t>Update a dictionary by adding a new entry or a key-value pair to an</a:t>
+                      </a:r>
+                      <a:br>
+                        <a:rPr lang="en-US" sz="1000" baseline="0"/>
+                      </a:br>
+                      <a:r>
+                        <a:rPr lang="en-US" sz="1000" baseline="0"/>
+                        <a:t>existing entry or by deleting an existing entry.</a:t>
+                      </a:r>
+                    </a:p>
+                  </a:txBody>
+                  <a:tcPr anchor="ctr"/>
+                </a:tc>
+                <a:tc>
+                  <a:txBody>
+                    <a:bodyPr/>
+                    <a:lstStyle/>
+                    <a:p>
+                      <a:pPr fontAlgn="ctr"/>
+                      <a:r>
+                        <a:rPr lang="es-ES" sz="1000" baseline="0"/>
+                        <a:t>Dict.update([other])</a:t>
+                      </a:r>
+                    </a:p>
+                  </a:txBody>
+                  <a:tcPr anchor="ctr"/>
+                </a:tc>
+              </a:tr>
+              <a:tr h="370840">
+                <a:tc>
+                  <a:txBody>
+                    <a:bodyPr/>
+                    <a:lstStyle/>
+                    <a:p>
+                      <a:pPr fontAlgn="ctr"/>
+                      <a:r>
+                        <a:rPr lang="es-ES" sz="1000" baseline="0"/>
+                        <a:t>items()</a:t>
+                      </a:r>
+                    </a:p>
+                  </a:txBody>
+                  <a:tcPr anchor="ctr"/>
+                </a:tc>
+                <a:tc>
+                  <a:txBody>
+                    <a:bodyPr/>
+                    <a:lstStyle/>
+                    <a:p>
+                      <a:pPr fontAlgn="ctr"/>
+                      <a:r>
+                        <a:rPr lang="en-US" sz="1000" baseline="0"/>
+                        <a:t>Returns a list of tuple pairs (Keys, Value) in the dictionary.</a:t>
+                      </a:r>
+                    </a:p>
+                  </a:txBody>
+                  <a:tcPr anchor="ctr"/>
+                </a:tc>
+                <a:tc>
+                  <a:txBody>
+                    <a:bodyPr/>
+                    <a:lstStyle/>
+                    <a:p>
+                      <a:pPr fontAlgn="ctr"/>
+                      <a:r>
+                        <a:rPr lang="es-ES" sz="1000" baseline="0"/>
+                        <a:t>dictionary.items()</a:t>
+                      </a:r>
+                    </a:p>
+                  </a:txBody>
+                  <a:tcPr anchor="ctr"/>
+                </a:tc>
+              </a:tr>
+              <a:tr h="370840">
+                <a:tc>
+                  <a:txBody>
+                    <a:bodyPr/>
+                    <a:lstStyle/>
+                    <a:p>
+                      <a:pPr fontAlgn="ctr"/>
+                      <a:r>
+                        <a:rPr lang="es-ES" sz="1000" baseline="0"/>
+                        <a:t>sort()</a:t>
+                      </a:r>
+                    </a:p>
+                  </a:txBody>
+                  <a:tcPr anchor="ctr"/>
+                </a:tc>
+                <a:tc>
+                  <a:txBody>
+                    <a:bodyPr/>
+                    <a:lstStyle/>
+                    <a:p>
+                      <a:pPr fontAlgn="ctr"/>
+                      <a:r>
+                        <a:rPr lang="en-US" sz="1000" baseline="0"/>
+                        <a:t>You can sort the elements</a:t>
+                      </a:r>
+                    </a:p>
+                  </a:txBody>
+                  <a:tcPr anchor="ctr"/>
+                </a:tc>
+                <a:tc>
+                  <a:txBody>
+                    <a:bodyPr/>
+                    <a:lstStyle/>
+                    <a:p>
+                      <a:pPr fontAlgn="ctr"/>
+                      <a:r>
+                        <a:rPr lang="es-ES" sz="1000" baseline="0"/>
+                        <a:t>dictionary.sort()</a:t>
+                      </a:r>
+                    </a:p>
+                  </a:txBody>
+                  <a:tcPr anchor="ctr"/>
+                </a:tc>
+              </a:tr>
+              <a:tr h="370840">
+                <a:tc>
+                  <a:txBody>
+                    <a:bodyPr/>
+                    <a:lstStyle/>
+                    <a:p>
+                      <a:pPr fontAlgn="ctr"/>
+                      <a:r>
+                        <a:rPr lang="es-ES" sz="1000" baseline="0"/>
+                        <a:t>len()</a:t>
+                      </a:r>
+                    </a:p>
+                  </a:txBody>
+                  <a:tcPr anchor="ctr"/>
+                </a:tc>
+                <a:tc>
+                  <a:txBody>
+                    <a:bodyPr/>
+                    <a:lstStyle/>
+                    <a:p>
+                      <a:pPr fontAlgn="ctr"/>
+                      <a:r>
+                        <a:rPr lang="en-US" sz="1000" baseline="0"/>
+                        <a:t>Gives the number of pairs in the dictionary.</a:t>
+                      </a:r>
+                    </a:p>
+                  </a:txBody>
+                  <a:tcPr anchor="ctr"/>
+                </a:tc>
+                <a:tc>
+                  <a:txBody>
+                    <a:bodyPr/>
+                    <a:lstStyle/>
+                    <a:p>
+                      <a:pPr fontAlgn="ctr"/>
+                      <a:r>
+                        <a:rPr lang="es-ES" sz="1000" baseline="0"/>
+                        <a:t>len(dict)</a:t>
+                      </a:r>
+                    </a:p>
+                  </a:txBody>
+                  <a:tcPr anchor="ctr"/>
+                </a:tc>
+              </a:tr>
+              <a:tr h="370840">
+                <a:tc>
+                  <a:txBody>
+                    <a:bodyPr/>
+                    <a:lstStyle/>
+                    <a:p>
+                      <a:pPr fontAlgn="ctr"/>
+                      <a:r>
+                        <a:rPr lang="es-ES" sz="1000" baseline="0"/>
+                        <a:t>cmp()</a:t>
+                      </a:r>
+                    </a:p>
+                  </a:txBody>
+                  <a:tcPr anchor="ctr"/>
+                </a:tc>
+                <a:tc>
+                  <a:txBody>
+                    <a:bodyPr/>
+                    <a:lstStyle/>
+                    <a:p>
+                      <a:pPr fontAlgn="ctr"/>
+                      <a:r>
+                        <a:rPr lang="en-US" sz="1000" baseline="0"/>
+                        <a:t>Compare values and keys of two dictionaries</a:t>
+                      </a:r>
+                    </a:p>
+                  </a:txBody>
+                  <a:tcPr anchor="ctr"/>
+                </a:tc>
+                <a:tc>
+                  <a:txBody>
+                    <a:bodyPr/>
+                    <a:lstStyle/>
+                    <a:p>
+                      <a:pPr fontAlgn="ctr"/>
+                      <a:r>
+                        <a:rPr lang="es-ES" sz="1000" baseline="0"/>
+                        <a:t>cmp(dict1, dict2)</a:t>
+                      </a:r>
+                    </a:p>
+                  </a:txBody>
+                  <a:tcPr anchor="ctr"/>
+                </a:tc>
+              </a:tr>
+              <a:tr h="370840">
+                <a:tc>
+                  <a:txBody>
+                    <a:bodyPr/>
+                    <a:lstStyle/>
+                    <a:p>
+                      <a:pPr fontAlgn="ctr"/>
+                      <a:r>
+                        <a:rPr lang="es-ES" sz="1000" baseline="0"/>
+                        <a:t>Str()</a:t>
+                      </a:r>
+                    </a:p>
+                  </a:txBody>
+                  <a:tcPr anchor="ctr"/>
+                </a:tc>
+                <a:tc>
+                  <a:txBody>
+                    <a:bodyPr/>
+                    <a:lstStyle/>
+                    <a:p>
+                      <a:pPr fontAlgn="ctr"/>
+                      <a:r>
+                        <a:rPr lang="en-US" sz="1000" baseline="0"/>
+                        <a:t>Make a dictionary into a printable string format</a:t>
+                      </a:r>
+                    </a:p>
+                  </a:txBody>
+                  <a:tcPr anchor="ctr"/>
+                </a:tc>
+                <a:tc>
+                  <a:txBody>
+                    <a:bodyPr/>
+                    <a:lstStyle/>
+                    <a:p>
+                      <a:pPr fontAlgn="ctr"/>
+                      <a:r>
+                        <a:rPr lang="es-ES" sz="1000" baseline="0" dirty="0" err="1"/>
+                        <a:t>Str</a:t>
+                      </a:r>
+                      <a:r>
+                        <a:rPr lang="es-ES" sz="1000" baseline="0" dirty="0"/>
+                        <a:t>(</a:t>
+                      </a:r>
+                      <a:r>
+                        <a:rPr lang="es-ES" sz="1000" baseline="0" dirty="0" err="1"/>
+                        <a:t>dict</a:t>
+                      </a:r>
+                      <a:r>
+                        <a:rPr lang="es-ES" sz="1000" baseline="0" dirty="0"/>
+                        <a:t>)</a:t>
+                      </a:r>
+                    </a:p>
+                  </a:txBody>
+                  <a:tcPr anchor="ctr"/>
+                </a:tc>
+              </a:tr>
+            </a:tbl>
+          </a:graphicData>
+        </a:graphic>
+      </p:graphicFrame>
     </p:spTree>
   </p:cSld>
   <p:clrMapOvr>
@@ -3738,39 +5288,425 @@
         </p:nvSpPr>
         <p:spPr/>
         <p:txBody>
-          <a:bodyPr/>
-          <a:lstStyle/>
-          <a:p>
-            <a:r>
-              <a:rPr lang="es-ES" dirty="0" smtClean="0"/>
-              <a:t>Tipos especiales de datos: </a:t>
-            </a:r>
-          </a:p>
-          <a:p>
-            <a:pPr lvl="1"/>
-            <a:r>
-              <a:rPr lang="es-ES" dirty="0" smtClean="0"/>
-              <a:t>Listas</a:t>
-            </a:r>
-          </a:p>
-          <a:p>
-            <a:pPr lvl="1"/>
-            <a:r>
-              <a:rPr lang="es-ES" dirty="0" err="1" smtClean="0"/>
-              <a:t>Tuplas</a:t>
-            </a:r>
-            <a:endParaRPr lang="es-ES" dirty="0" smtClean="0"/>
-          </a:p>
-          <a:p>
-            <a:pPr lvl="1"/>
-            <a:r>
-              <a:rPr lang="es-ES" dirty="0" smtClean="0"/>
-              <a:t>Diccionarios</a:t>
-            </a:r>
+          <a:bodyPr>
+            <a:normAutofit/>
+          </a:bodyPr>
+          <a:lstStyle/>
+          <a:p>
+            <a:pPr>
+              <a:buNone/>
+            </a:pPr>
+            <a:r>
+              <a:rPr lang="es-ES" dirty="0" smtClean="0"/>
+              <a:t>Operadores básicos</a:t>
+            </a:r>
+          </a:p>
+          <a:p>
+            <a:pPr>
+              <a:buNone/>
+            </a:pPr>
+            <a:endParaRPr lang="en-US" dirty="0" smtClean="0"/>
+          </a:p>
+          <a:p>
+            <a:pPr>
+              <a:buNone/>
+            </a:pPr>
+            <a:endParaRPr lang="en-US" dirty="0" smtClean="0"/>
+          </a:p>
+          <a:p>
+            <a:pPr lvl="1">
+              <a:buNone/>
+            </a:pPr>
+            <a:endParaRPr lang="en-US" sz="2600" dirty="0" smtClean="0"/>
+          </a:p>
+          <a:p>
             <a:endParaRPr lang="es-ES" dirty="0"/>
           </a:p>
         </p:txBody>
       </p:sp>
+      <p:graphicFrame>
+        <p:nvGraphicFramePr>
+          <p:cNvPr id="4" name="3 Tabla"/>
+          <p:cNvGraphicFramePr>
+            <a:graphicFrameLocks noGrp="1"/>
+          </p:cNvGraphicFramePr>
+          <p:nvPr/>
+        </p:nvGraphicFramePr>
+        <p:xfrm>
+          <a:off x="1071538" y="2428868"/>
+          <a:ext cx="7072362" cy="3337560"/>
+        </p:xfrm>
+        <a:graphic>
+          <a:graphicData uri="http://schemas.openxmlformats.org/drawingml/2006/table">
+            <a:tbl>
+              <a:tblPr firstRow="1" bandRow="1">
+                <a:tableStyleId>{5C22544A-7EE6-4342-B048-85BDC9FD1C3A}</a:tableStyleId>
+              </a:tblPr>
+              <a:tblGrid>
+                <a:gridCol w="3536181"/>
+                <a:gridCol w="3536181"/>
+              </a:tblGrid>
+              <a:tr h="370840">
+                <a:tc>
+                  <a:txBody>
+                    <a:bodyPr/>
+                    <a:lstStyle/>
+                    <a:p>
+                      <a:pPr algn="l" fontAlgn="t"/>
+                      <a:r>
+                        <a:rPr lang="en-US" sz="1200" b="1" baseline="0" dirty="0"/>
+                        <a:t>Operators (Decreasing order of precedence)</a:t>
+                      </a:r>
+                    </a:p>
+                  </a:txBody>
+                  <a:tcPr marL="76200" marR="76200" marT="76200" marB="76200"/>
+                </a:tc>
+                <a:tc>
+                  <a:txBody>
+                    <a:bodyPr/>
+                    <a:lstStyle/>
+                    <a:p>
+                      <a:pPr algn="l" fontAlgn="t"/>
+                      <a:r>
+                        <a:rPr lang="es-ES" sz="1200" b="1" baseline="0"/>
+                        <a:t>Meaning</a:t>
+                      </a:r>
+                    </a:p>
+                  </a:txBody>
+                  <a:tcPr marL="76200" marR="76200" marT="76200" marB="76200"/>
+                </a:tc>
+              </a:tr>
+              <a:tr h="370840">
+                <a:tc>
+                  <a:txBody>
+                    <a:bodyPr/>
+                    <a:lstStyle/>
+                    <a:p>
+                      <a:pPr algn="l" fontAlgn="t"/>
+                      <a:r>
+                        <a:rPr lang="es-ES" sz="1200" baseline="0" dirty="0"/>
+                        <a:t>**</a:t>
+                      </a:r>
+                    </a:p>
+                  </a:txBody>
+                  <a:tcPr marL="76200" marR="76200" marT="76200" marB="76200"/>
+                </a:tc>
+                <a:tc>
+                  <a:txBody>
+                    <a:bodyPr/>
+                    <a:lstStyle/>
+                    <a:p>
+                      <a:pPr algn="l" fontAlgn="t"/>
+                      <a:r>
+                        <a:rPr lang="es-ES" sz="1200" baseline="0"/>
+                        <a:t>Exponent</a:t>
+                      </a:r>
+                    </a:p>
+                  </a:txBody>
+                  <a:tcPr marL="76200" marR="76200" marT="76200" marB="76200"/>
+                </a:tc>
+              </a:tr>
+              <a:tr h="370840">
+                <a:tc>
+                  <a:txBody>
+                    <a:bodyPr/>
+                    <a:lstStyle/>
+                    <a:p>
+                      <a:pPr algn="l" fontAlgn="t"/>
+                      <a:r>
+                        <a:rPr lang="es-ES" sz="1200" baseline="0" dirty="0"/>
+                        <a:t>*, /, //, %</a:t>
+                      </a:r>
+                    </a:p>
+                  </a:txBody>
+                  <a:tcPr marL="76200" marR="76200" marT="76200" marB="76200"/>
+                </a:tc>
+                <a:tc>
+                  <a:txBody>
+                    <a:bodyPr/>
+                    <a:lstStyle/>
+                    <a:p>
+                      <a:pPr algn="l" fontAlgn="t"/>
+                      <a:r>
+                        <a:rPr lang="es-ES" sz="1200" baseline="0" dirty="0" err="1"/>
+                        <a:t>Multiplication</a:t>
+                      </a:r>
+                      <a:r>
+                        <a:rPr lang="es-ES" sz="1200" baseline="0" dirty="0"/>
+                        <a:t>, </a:t>
+                      </a:r>
+                      <a:r>
+                        <a:rPr lang="es-ES" sz="1200" baseline="0" dirty="0" err="1"/>
+                        <a:t>Division</a:t>
+                      </a:r>
+                      <a:r>
+                        <a:rPr lang="es-ES" sz="1200" baseline="0" dirty="0"/>
+                        <a:t>, </a:t>
+                      </a:r>
+                      <a:r>
+                        <a:rPr lang="es-ES" sz="1200" baseline="0" dirty="0" err="1"/>
+                        <a:t>Floor</a:t>
+                      </a:r>
+                      <a:r>
+                        <a:rPr lang="es-ES" sz="1200" baseline="0" dirty="0"/>
+                        <a:t> </a:t>
+                      </a:r>
+                      <a:r>
+                        <a:rPr lang="es-ES" sz="1200" baseline="0" dirty="0" err="1"/>
+                        <a:t>division</a:t>
+                      </a:r>
+                      <a:r>
+                        <a:rPr lang="es-ES" sz="1200" baseline="0" dirty="0"/>
+                        <a:t>, </a:t>
+                      </a:r>
+                      <a:r>
+                        <a:rPr lang="es-ES" sz="1200" baseline="0" dirty="0" err="1"/>
+                        <a:t>Modulus</a:t>
+                      </a:r>
+                      <a:endParaRPr lang="es-ES" sz="1200" baseline="0" dirty="0"/>
+                    </a:p>
+                  </a:txBody>
+                  <a:tcPr marL="76200" marR="76200" marT="76200" marB="76200"/>
+                </a:tc>
+              </a:tr>
+              <a:tr h="370840">
+                <a:tc>
+                  <a:txBody>
+                    <a:bodyPr/>
+                    <a:lstStyle/>
+                    <a:p>
+                      <a:pPr algn="l" fontAlgn="t"/>
+                      <a:r>
+                        <a:rPr lang="es-ES" sz="1200" baseline="0"/>
+                        <a:t>+, -</a:t>
+                      </a:r>
+                    </a:p>
+                  </a:txBody>
+                  <a:tcPr marL="76200" marR="76200" marT="76200" marB="76200"/>
+                </a:tc>
+                <a:tc>
+                  <a:txBody>
+                    <a:bodyPr/>
+                    <a:lstStyle/>
+                    <a:p>
+                      <a:pPr algn="l" fontAlgn="t"/>
+                      <a:r>
+                        <a:rPr lang="es-ES" sz="1200" baseline="0" dirty="0" err="1"/>
+                        <a:t>Addition</a:t>
+                      </a:r>
+                      <a:r>
+                        <a:rPr lang="es-ES" sz="1200" baseline="0" dirty="0"/>
+                        <a:t>, </a:t>
+                      </a:r>
+                      <a:r>
+                        <a:rPr lang="es-ES" sz="1200" baseline="0" dirty="0" err="1"/>
+                        <a:t>Subtraction</a:t>
+                      </a:r>
+                      <a:endParaRPr lang="es-ES" sz="1200" baseline="0" dirty="0"/>
+                    </a:p>
+                  </a:txBody>
+                  <a:tcPr marL="76200" marR="76200" marT="76200" marB="76200"/>
+                </a:tc>
+              </a:tr>
+              <a:tr h="370840">
+                <a:tc>
+                  <a:txBody>
+                    <a:bodyPr/>
+                    <a:lstStyle/>
+                    <a:p>
+                      <a:pPr algn="l" fontAlgn="t"/>
+                      <a:r>
+                        <a:rPr lang="es-ES" sz="1200" baseline="0"/>
+                        <a:t>&lt;= &lt; &gt; &gt;=</a:t>
+                      </a:r>
+                    </a:p>
+                  </a:txBody>
+                  <a:tcPr marL="76200" marR="76200" marT="76200" marB="76200"/>
+                </a:tc>
+                <a:tc>
+                  <a:txBody>
+                    <a:bodyPr/>
+                    <a:lstStyle/>
+                    <a:p>
+                      <a:pPr algn="l" fontAlgn="t"/>
+                      <a:r>
+                        <a:rPr lang="es-ES" sz="1200" baseline="0" dirty="0" err="1"/>
+                        <a:t>Comparison</a:t>
+                      </a:r>
+                      <a:r>
+                        <a:rPr lang="es-ES" sz="1200" baseline="0" dirty="0"/>
+                        <a:t> </a:t>
+                      </a:r>
+                      <a:r>
+                        <a:rPr lang="es-ES" sz="1200" baseline="0" dirty="0" err="1"/>
+                        <a:t>operators</a:t>
+                      </a:r>
+                      <a:endParaRPr lang="es-ES" sz="1200" baseline="0" dirty="0"/>
+                    </a:p>
+                  </a:txBody>
+                  <a:tcPr marL="76200" marR="76200" marT="76200" marB="76200"/>
+                </a:tc>
+              </a:tr>
+              <a:tr h="370840">
+                <a:tc>
+                  <a:txBody>
+                    <a:bodyPr/>
+                    <a:lstStyle/>
+                    <a:p>
+                      <a:pPr algn="l" fontAlgn="t"/>
+                      <a:r>
+                        <a:rPr lang="es-ES" sz="1200" baseline="0"/>
+                        <a:t>= %= /= //= -= += *= **=</a:t>
+                      </a:r>
+                    </a:p>
+                  </a:txBody>
+                  <a:tcPr marL="76200" marR="76200" marT="76200" marB="76200"/>
+                </a:tc>
+                <a:tc>
+                  <a:txBody>
+                    <a:bodyPr/>
+                    <a:lstStyle/>
+                    <a:p>
+                      <a:pPr algn="l" fontAlgn="t"/>
+                      <a:r>
+                        <a:rPr lang="es-ES" sz="1200" baseline="0" dirty="0" err="1"/>
+                        <a:t>Assignment</a:t>
+                      </a:r>
+                      <a:r>
+                        <a:rPr lang="es-ES" sz="1200" baseline="0" dirty="0"/>
+                        <a:t> </a:t>
+                      </a:r>
+                      <a:r>
+                        <a:rPr lang="es-ES" sz="1200" baseline="0" dirty="0" err="1"/>
+                        <a:t>Operators</a:t>
+                      </a:r>
+                      <a:endParaRPr lang="es-ES" sz="1200" baseline="0" dirty="0"/>
+                    </a:p>
+                  </a:txBody>
+                  <a:tcPr marL="76200" marR="76200" marT="76200" marB="76200"/>
+                </a:tc>
+              </a:tr>
+              <a:tr h="370840">
+                <a:tc>
+                  <a:txBody>
+                    <a:bodyPr/>
+                    <a:lstStyle/>
+                    <a:p>
+                      <a:pPr algn="l" fontAlgn="t"/>
+                      <a:r>
+                        <a:rPr lang="es-ES" sz="1200" baseline="0"/>
+                        <a:t>is is not</a:t>
+                      </a:r>
+                    </a:p>
+                  </a:txBody>
+                  <a:tcPr marL="76200" marR="76200" marT="76200" marB="76200"/>
+                </a:tc>
+                <a:tc>
+                  <a:txBody>
+                    <a:bodyPr/>
+                    <a:lstStyle/>
+                    <a:p>
+                      <a:pPr algn="l" fontAlgn="t"/>
+                      <a:r>
+                        <a:rPr lang="es-ES" sz="1200" baseline="0" dirty="0" err="1"/>
+                        <a:t>Identity</a:t>
+                      </a:r>
+                      <a:r>
+                        <a:rPr lang="es-ES" sz="1200" baseline="0" dirty="0"/>
+                        <a:t> </a:t>
+                      </a:r>
+                      <a:r>
+                        <a:rPr lang="es-ES" sz="1200" baseline="0" dirty="0" err="1"/>
+                        <a:t>operators</a:t>
+                      </a:r>
+                      <a:endParaRPr lang="es-ES" sz="1200" baseline="0" dirty="0"/>
+                    </a:p>
+                  </a:txBody>
+                  <a:tcPr marL="76200" marR="76200" marT="76200" marB="76200"/>
+                </a:tc>
+              </a:tr>
+              <a:tr h="370840">
+                <a:tc>
+                  <a:txBody>
+                    <a:bodyPr/>
+                    <a:lstStyle/>
+                    <a:p>
+                      <a:pPr algn="l" fontAlgn="t"/>
+                      <a:r>
+                        <a:rPr lang="es-ES" sz="1200" baseline="0"/>
+                        <a:t>in not in</a:t>
+                      </a:r>
+                    </a:p>
+                  </a:txBody>
+                  <a:tcPr marL="76200" marR="76200" marT="76200" marB="76200"/>
+                </a:tc>
+                <a:tc>
+                  <a:txBody>
+                    <a:bodyPr/>
+                    <a:lstStyle/>
+                    <a:p>
+                      <a:pPr algn="l" fontAlgn="t"/>
+                      <a:r>
+                        <a:rPr lang="es-ES" sz="1200" baseline="0" dirty="0" err="1"/>
+                        <a:t>Membership</a:t>
+                      </a:r>
+                      <a:r>
+                        <a:rPr lang="es-ES" sz="1200" baseline="0" dirty="0"/>
+                        <a:t> </a:t>
+                      </a:r>
+                      <a:r>
+                        <a:rPr lang="es-ES" sz="1200" baseline="0" dirty="0" err="1"/>
+                        <a:t>operators</a:t>
+                      </a:r>
+                      <a:endParaRPr lang="es-ES" sz="1200" baseline="0" dirty="0"/>
+                    </a:p>
+                  </a:txBody>
+                  <a:tcPr marL="76200" marR="76200" marT="76200" marB="76200"/>
+                </a:tc>
+              </a:tr>
+              <a:tr h="370840">
+                <a:tc>
+                  <a:txBody>
+                    <a:bodyPr/>
+                    <a:lstStyle/>
+                    <a:p>
+                      <a:pPr algn="l" fontAlgn="t"/>
+                      <a:r>
+                        <a:rPr lang="es-ES" sz="1200" baseline="0"/>
+                        <a:t>not or and</a:t>
+                      </a:r>
+                    </a:p>
+                  </a:txBody>
+                  <a:tcPr marL="76200" marR="76200" marT="76200" marB="76200"/>
+                </a:tc>
+                <a:tc>
+                  <a:txBody>
+                    <a:bodyPr/>
+                    <a:lstStyle/>
+                    <a:p>
+                      <a:pPr algn="l" fontAlgn="t"/>
+                      <a:r>
+                        <a:rPr lang="es-ES" sz="1200" baseline="0" dirty="0" err="1"/>
+                        <a:t>Logical</a:t>
+                      </a:r>
+                      <a:r>
+                        <a:rPr lang="es-ES" sz="1200" baseline="0" dirty="0"/>
+                        <a:t> </a:t>
+                      </a:r>
+                      <a:r>
+                        <a:rPr lang="es-ES" sz="1200" baseline="0" dirty="0" err="1"/>
+                        <a:t>operators</a:t>
+                      </a:r>
+                      <a:endParaRPr lang="es-ES" sz="1200" baseline="0" dirty="0"/>
+                    </a:p>
+                  </a:txBody>
+                  <a:tcPr marL="76200" marR="76200" marT="76200" marB="76200"/>
+                </a:tc>
+              </a:tr>
+            </a:tbl>
+          </a:graphicData>
+        </a:graphic>
+      </p:graphicFrame>
     </p:spTree>
   </p:cSld>
   <p:clrMapOvr>
@@ -3840,22 +5776,9 @@
           <a:p>
             <a:r>
               <a:rPr lang="es-ES" dirty="0" smtClean="0"/>
-              <a:t>Programación Orientada a Objetos: </a:t>
-            </a:r>
-          </a:p>
-          <a:p>
-            <a:pPr lvl="1"/>
-            <a:r>
-              <a:rPr lang="es-ES" dirty="0" smtClean="0"/>
-              <a:t>Clases</a:t>
-            </a:r>
-          </a:p>
-          <a:p>
-            <a:pPr lvl="1"/>
-            <a:r>
-              <a:rPr lang="es-ES" dirty="0" smtClean="0"/>
-              <a:t>Objetos</a:t>
-            </a:r>
+              <a:t>Funciones</a:t>
+            </a:r>
+            <a:endParaRPr lang="es-ES" dirty="0"/>
           </a:p>
         </p:txBody>
       </p:sp>
@@ -3927,16 +5850,10 @@
           <a:lstStyle/>
           <a:p>
             <a:r>
-              <a:rPr lang="es-ES" dirty="0" smtClean="0"/>
-              <a:t>Gestión de excepciones: </a:t>
-            </a:r>
-          </a:p>
-          <a:p>
-            <a:pPr lvl="1"/>
-            <a:r>
-              <a:rPr lang="es-ES" dirty="0" smtClean="0"/>
-              <a:t>Try/Catch</a:t>
-            </a:r>
+              <a:rPr lang="es-ES" dirty="0" err="1" smtClean="0"/>
+              <a:t>Iteradores</a:t>
+            </a:r>
+            <a:endParaRPr lang="es-ES" dirty="0"/>
           </a:p>
         </p:txBody>
       </p:sp>
@@ -4009,15 +5926,9 @@
           <a:p>
             <a:r>
               <a:rPr lang="es-ES" dirty="0" smtClean="0"/>
-              <a:t>Entrada/Salida de Archivos</a:t>
-            </a:r>
-          </a:p>
-          <a:p>
-            <a:pPr lvl="1"/>
-            <a:r>
-              <a:rPr lang="es-ES" dirty="0" smtClean="0"/>
-              <a:t>IO Module</a:t>
-            </a:r>
+              <a:t>Flujo de Programa</a:t>
+            </a:r>
+            <a:endParaRPr lang="es-ES" dirty="0"/>
           </a:p>
         </p:txBody>
       </p:sp>
@@ -4242,39 +6153,58 @@
           <a:p>
             <a:r>
               <a:rPr lang="es-ES" dirty="0" smtClean="0"/>
-              <a:t>Módulos Externos</a:t>
-            </a:r>
-            <a:endParaRPr lang="es-ES" dirty="0"/>
-          </a:p>
-        </p:txBody>
-      </p:sp>
-      <p:sp>
-        <p:nvSpPr>
-          <p:cNvPr id="3" name="2 Marcador de contenido"/>
-          <p:cNvSpPr>
-            <a:spLocks noGrp="1"/>
-          </p:cNvSpPr>
-          <p:nvPr>
-            <p:ph idx="1"/>
-          </p:nvPr>
-        </p:nvSpPr>
-        <p:spPr/>
-        <p:txBody>
-          <a:bodyPr/>
-          <a:lstStyle/>
-          <a:p>
-            <a:r>
-              <a:rPr lang="es-ES" dirty="0" smtClean="0"/>
-              <a:t>Importar y usar módulos externos en </a:t>
+              <a:t>Fundamentos de </a:t>
             </a:r>
             <a:r>
               <a:rPr lang="es-ES" dirty="0" err="1" smtClean="0"/>
               <a:t>Python</a:t>
             </a:r>
-            <a:r>
-              <a:rPr lang="es-ES" dirty="0" smtClean="0"/>
-              <a:t>.</a:t>
-            </a:r>
+            <a:endParaRPr lang="es-ES" dirty="0"/>
+          </a:p>
+        </p:txBody>
+      </p:sp>
+      <p:sp>
+        <p:nvSpPr>
+          <p:cNvPr id="3" name="2 Marcador de contenido"/>
+          <p:cNvSpPr>
+            <a:spLocks noGrp="1"/>
+          </p:cNvSpPr>
+          <p:nvPr>
+            <p:ph idx="1"/>
+          </p:nvPr>
+        </p:nvSpPr>
+        <p:spPr/>
+        <p:txBody>
+          <a:bodyPr/>
+          <a:lstStyle/>
+          <a:p>
+            <a:r>
+              <a:rPr lang="es-ES" dirty="0" smtClean="0"/>
+              <a:t>Tipos especiales de datos: </a:t>
+            </a:r>
+          </a:p>
+          <a:p>
+            <a:pPr lvl="1"/>
+            <a:r>
+              <a:rPr lang="es-ES" dirty="0" smtClean="0"/>
+              <a:t>Listas</a:t>
+            </a:r>
+          </a:p>
+          <a:p>
+            <a:pPr lvl="1"/>
+            <a:r>
+              <a:rPr lang="es-ES" dirty="0" err="1" smtClean="0"/>
+              <a:t>Tuplas</a:t>
+            </a:r>
+            <a:endParaRPr lang="es-ES" dirty="0" smtClean="0"/>
+          </a:p>
+          <a:p>
+            <a:pPr lvl="1"/>
+            <a:r>
+              <a:rPr lang="es-ES" dirty="0" smtClean="0"/>
+              <a:t>Diccionarios</a:t>
+            </a:r>
+            <a:endParaRPr lang="es-ES" dirty="0"/>
           </a:p>
         </p:txBody>
       </p:sp>
@@ -4320,7 +6250,11 @@
           <a:p>
             <a:r>
               <a:rPr lang="es-ES" dirty="0" smtClean="0"/>
-              <a:t>Mini Proyecto Final</a:t>
+              <a:t>Fundamentos de </a:t>
+            </a:r>
+            <a:r>
+              <a:rPr lang="es-ES" dirty="0" err="1" smtClean="0"/>
+              <a:t>Python</a:t>
             </a:r>
             <a:endParaRPr lang="es-ES" dirty="0"/>
           </a:p>
@@ -4343,26 +6277,22 @@
           <a:p>
             <a:r>
               <a:rPr lang="es-ES" dirty="0" smtClean="0"/>
-              <a:t>Requisitos</a:t>
-            </a:r>
-          </a:p>
-          <a:p>
-            <a:r>
-              <a:rPr lang="es-ES" dirty="0" smtClean="0"/>
-              <a:t>Resultados</a:t>
-            </a:r>
-          </a:p>
-          <a:p>
-            <a:r>
-              <a:rPr lang="es-ES" dirty="0" smtClean="0"/>
-              <a:t>Posibles ampliaciones</a:t>
-            </a:r>
-          </a:p>
-          <a:p>
-            <a:endParaRPr lang="es-ES" dirty="0" smtClean="0"/>
-          </a:p>
-          <a:p>
-            <a:endParaRPr lang="es-ES" dirty="0" smtClean="0"/>
+              <a:t>Programación Orientada a Objetos: </a:t>
+            </a:r>
+          </a:p>
+          <a:p>
+            <a:pPr lvl="1"/>
+            <a:r>
+              <a:rPr lang="es-ES" dirty="0" smtClean="0"/>
+              <a:t>Clases</a:t>
+            </a:r>
+          </a:p>
+          <a:p>
+            <a:pPr lvl="1"/>
+            <a:r>
+              <a:rPr lang="es-ES" dirty="0" smtClean="0"/>
+              <a:t>Objetos</a:t>
+            </a:r>
           </a:p>
         </p:txBody>
       </p:sp>
@@ -4408,7 +6338,11 @@
           <a:p>
             <a:r>
               <a:rPr lang="es-ES" dirty="0" smtClean="0"/>
-              <a:t>ANEXO</a:t>
+              <a:t>Fundamentos de </a:t>
+            </a:r>
+            <a:r>
+              <a:rPr lang="es-ES" dirty="0" err="1" smtClean="0"/>
+              <a:t>Python</a:t>
             </a:r>
             <a:endParaRPr lang="es-ES" dirty="0"/>
           </a:p>
@@ -4426,25 +6360,20 @@
         </p:nvSpPr>
         <p:spPr/>
         <p:txBody>
-          <a:bodyPr anchor="ctr"/>
-          <a:lstStyle/>
-          <a:p>
-            <a:pPr algn="ctr">
-              <a:buNone/>
-            </a:pPr>
-            <a:r>
-              <a:rPr lang="es-ES" dirty="0" smtClean="0"/>
-              <a:t>Otros recursos e </a:t>
-            </a:r>
-            <a:r>
-              <a:rPr lang="es-ES" dirty="0" err="1" smtClean="0"/>
-              <a:t>info</a:t>
-            </a:r>
-            <a:r>
-              <a:rPr lang="es-ES" dirty="0" smtClean="0"/>
-              <a:t> necesaria.</a:t>
-            </a:r>
-            <a:endParaRPr lang="es-ES" dirty="0"/>
+          <a:bodyPr/>
+          <a:lstStyle/>
+          <a:p>
+            <a:r>
+              <a:rPr lang="es-ES" dirty="0" smtClean="0"/>
+              <a:t>Gestión de excepciones: </a:t>
+            </a:r>
+          </a:p>
+          <a:p>
+            <a:pPr lvl="1"/>
+            <a:r>
+              <a:rPr lang="es-ES" dirty="0" smtClean="0"/>
+              <a:t>Try/Catch</a:t>
+            </a:r>
           </a:p>
         </p:txBody>
       </p:sp>
@@ -4490,7 +6419,11 @@
           <a:p>
             <a:r>
               <a:rPr lang="es-ES" dirty="0" smtClean="0"/>
-              <a:t>Usando GIT</a:t>
+              <a:t>Fundamentos de </a:t>
+            </a:r>
+            <a:r>
+              <a:rPr lang="es-ES" dirty="0" err="1" smtClean="0"/>
+              <a:t>Python</a:t>
             </a:r>
             <a:endParaRPr lang="es-ES" dirty="0"/>
           </a:p>
@@ -4513,42 +6446,15 @@
           <a:p>
             <a:r>
               <a:rPr lang="es-ES" dirty="0" smtClean="0"/>
-              <a:t>¿Qué es GIT?</a:t>
-            </a:r>
-          </a:p>
-          <a:p>
-            <a:r>
-              <a:rPr lang="es-ES" dirty="0" err="1" smtClean="0"/>
-              <a:t>Git</a:t>
-            </a:r>
-            <a:r>
-              <a:rPr lang="es-ES" dirty="0" smtClean="0"/>
-              <a:t> GUI vs GIT </a:t>
-            </a:r>
-            <a:r>
-              <a:rPr lang="es-ES" dirty="0" err="1" smtClean="0"/>
-              <a:t>Bash</a:t>
-            </a:r>
-            <a:endParaRPr lang="es-ES" dirty="0" smtClean="0"/>
-          </a:p>
-          <a:p>
-            <a:r>
-              <a:rPr lang="es-ES" dirty="0" err="1" smtClean="0"/>
-              <a:t>Git</a:t>
-            </a:r>
-            <a:r>
-              <a:rPr lang="es-ES" dirty="0" smtClean="0"/>
-              <a:t> vs </a:t>
-            </a:r>
-            <a:r>
-              <a:rPr lang="es-ES" dirty="0" err="1" smtClean="0"/>
-              <a:t>GitHUB</a:t>
-            </a:r>
-            <a:r>
-              <a:rPr lang="es-ES" dirty="0" smtClean="0"/>
-              <a:t>.</a:t>
-            </a:r>
-            <a:endParaRPr lang="es-ES" dirty="0"/>
+              <a:t>Entrada/Salida de Archivos</a:t>
+            </a:r>
+          </a:p>
+          <a:p>
+            <a:pPr lvl="1"/>
+            <a:r>
+              <a:rPr lang="es-ES" dirty="0" smtClean="0"/>
+              <a:t>IO Module</a:t>
+            </a:r>
           </a:p>
         </p:txBody>
       </p:sp>
@@ -4594,45 +6500,38 @@
           <a:p>
             <a:r>
               <a:rPr lang="es-ES" dirty="0" smtClean="0"/>
-              <a:t>Versiones de </a:t>
+              <a:t>Módulos Externos</a:t>
+            </a:r>
+            <a:endParaRPr lang="es-ES" dirty="0"/>
+          </a:p>
+        </p:txBody>
+      </p:sp>
+      <p:sp>
+        <p:nvSpPr>
+          <p:cNvPr id="3" name="2 Marcador de contenido"/>
+          <p:cNvSpPr>
+            <a:spLocks noGrp="1"/>
+          </p:cNvSpPr>
+          <p:nvPr>
+            <p:ph idx="1"/>
+          </p:nvPr>
+        </p:nvSpPr>
+        <p:spPr/>
+        <p:txBody>
+          <a:bodyPr/>
+          <a:lstStyle/>
+          <a:p>
+            <a:r>
+              <a:rPr lang="es-ES" dirty="0" smtClean="0"/>
+              <a:t>Importar y usar módulos externos en </a:t>
             </a:r>
             <a:r>
               <a:rPr lang="es-ES" dirty="0" err="1" smtClean="0"/>
               <a:t>Python</a:t>
             </a:r>
-            <a:endParaRPr lang="es-ES" dirty="0"/>
-          </a:p>
-        </p:txBody>
-      </p:sp>
-      <p:sp>
-        <p:nvSpPr>
-          <p:cNvPr id="3" name="2 Marcador de contenido"/>
-          <p:cNvSpPr>
-            <a:spLocks noGrp="1"/>
-          </p:cNvSpPr>
-          <p:nvPr>
-            <p:ph idx="1"/>
-          </p:nvPr>
-        </p:nvSpPr>
-        <p:spPr/>
-        <p:txBody>
-          <a:bodyPr anchor="ctr"/>
-          <a:lstStyle/>
-          <a:p>
-            <a:pPr algn="ctr">
-              <a:buNone/>
-            </a:pPr>
-            <a:r>
-              <a:rPr lang="es-ES" dirty="0" smtClean="0"/>
-              <a:t>TD v099 usa </a:t>
-            </a:r>
-            <a:r>
-              <a:rPr lang="es-ES" dirty="0" err="1" smtClean="0"/>
-              <a:t>Python</a:t>
-            </a:r>
-            <a:r>
-              <a:rPr lang="es-ES" dirty="0" smtClean="0"/>
-              <a:t> v3.5.X</a:t>
+            <a:r>
+              <a:rPr lang="es-ES" dirty="0" smtClean="0"/>
+              <a:t>.</a:t>
             </a:r>
           </a:p>
         </p:txBody>
@@ -4679,7 +6578,7 @@
           <a:p>
             <a:r>
               <a:rPr lang="es-ES" dirty="0" smtClean="0"/>
-              <a:t>¿Qué es PIP?</a:t>
+              <a:t>Mini Proyecto Final</a:t>
             </a:r>
             <a:endParaRPr lang="es-ES" dirty="0"/>
           </a:p>
@@ -4697,67 +6596,31 @@
         </p:nvSpPr>
         <p:spPr/>
         <p:txBody>
-          <a:bodyPr anchor="ctr"/>
-          <a:lstStyle/>
-          <a:p>
-            <a:pPr algn="ctr">
-              <a:buNone/>
-            </a:pPr>
-            <a:r>
-              <a:rPr lang="es-ES" dirty="0" smtClean="0"/>
-              <a:t>Gestor de paquetes para PYTHON. </a:t>
-            </a:r>
-          </a:p>
-          <a:p>
-            <a:pPr algn="ctr">
-              <a:buNone/>
-            </a:pPr>
-            <a:r>
-              <a:rPr lang="es-ES" dirty="0" smtClean="0"/>
-              <a:t>La mejor forma de instalar módulos.</a:t>
-            </a:r>
-          </a:p>
-          <a:p>
-            <a:pPr algn="ctr">
-              <a:buNone/>
-            </a:pPr>
+          <a:bodyPr/>
+          <a:lstStyle/>
+          <a:p>
+            <a:r>
+              <a:rPr lang="es-ES" dirty="0" smtClean="0"/>
+              <a:t>Requisitos</a:t>
+            </a:r>
+          </a:p>
+          <a:p>
+            <a:r>
+              <a:rPr lang="es-ES" dirty="0" smtClean="0"/>
+              <a:t>Resultados</a:t>
+            </a:r>
+          </a:p>
+          <a:p>
+            <a:r>
+              <a:rPr lang="es-ES" dirty="0" smtClean="0"/>
+              <a:t>Posibles ampliaciones</a:t>
+            </a:r>
+          </a:p>
+          <a:p>
             <a:endParaRPr lang="es-ES" dirty="0" smtClean="0"/>
           </a:p>
           <a:p>
-            <a:pPr algn="ctr">
-              <a:buNone/>
-            </a:pPr>
-            <a:r>
-              <a:rPr lang="es-ES" dirty="0" smtClean="0"/>
-              <a:t>Añadir al </a:t>
-            </a:r>
-            <a:r>
-              <a:rPr lang="es-ES" dirty="0" err="1" smtClean="0"/>
-              <a:t>Path</a:t>
-            </a:r>
-            <a:r>
-              <a:rPr lang="es-ES" dirty="0" smtClean="0"/>
-              <a:t>:</a:t>
-            </a:r>
-          </a:p>
-          <a:p>
-            <a:pPr algn="ctr">
-              <a:buNone/>
-            </a:pPr>
-            <a:r>
-              <a:rPr lang="es-ES" sz="1800" dirty="0" smtClean="0"/>
-              <a:t>C:\Users\USERNAME\AppDataLocal\Programs\Python\Python35\Scripts</a:t>
-            </a:r>
-          </a:p>
-          <a:p>
-            <a:pPr algn="ctr">
-              <a:buNone/>
-            </a:pPr>
-            <a:r>
-              <a:rPr lang="es-ES" sz="1800" dirty="0" smtClean="0"/>
-              <a:t>C:\Users\USERNAME\AppDataLocal\Programs\Python\Python35</a:t>
-            </a:r>
-            <a:endParaRPr lang="es-ES" sz="1800" dirty="0"/>
+            <a:endParaRPr lang="es-ES" dirty="0" smtClean="0"/>
           </a:p>
         </p:txBody>
       </p:sp>
@@ -4803,7 +6666,193 @@
           <a:p>
             <a:r>
               <a:rPr lang="es-ES" dirty="0" smtClean="0"/>
-              <a:t>Entornos Virtuales en </a:t>
+              <a:t>ANEXO</a:t>
+            </a:r>
+            <a:endParaRPr lang="es-ES" dirty="0"/>
+          </a:p>
+        </p:txBody>
+      </p:sp>
+      <p:sp>
+        <p:nvSpPr>
+          <p:cNvPr id="3" name="2 Marcador de contenido"/>
+          <p:cNvSpPr>
+            <a:spLocks noGrp="1"/>
+          </p:cNvSpPr>
+          <p:nvPr>
+            <p:ph idx="1"/>
+          </p:nvPr>
+        </p:nvSpPr>
+        <p:spPr/>
+        <p:txBody>
+          <a:bodyPr anchor="ctr"/>
+          <a:lstStyle/>
+          <a:p>
+            <a:pPr algn="ctr">
+              <a:buNone/>
+            </a:pPr>
+            <a:r>
+              <a:rPr lang="es-ES" dirty="0" smtClean="0"/>
+              <a:t>Otros recursos e </a:t>
+            </a:r>
+            <a:r>
+              <a:rPr lang="es-ES" dirty="0" err="1" smtClean="0"/>
+              <a:t>info</a:t>
+            </a:r>
+            <a:r>
+              <a:rPr lang="es-ES" dirty="0" smtClean="0"/>
+              <a:t> necesaria.</a:t>
+            </a:r>
+            <a:endParaRPr lang="es-ES" dirty="0"/>
+          </a:p>
+        </p:txBody>
+      </p:sp>
+    </p:spTree>
+  </p:cSld>
+  <p:clrMapOvr>
+    <a:masterClrMapping/>
+  </p:clrMapOvr>
+</p:sld>
+</file>
+
+<file path=ppt/slides/slide27.xml><?xml version="1.0" encoding="utf-8"?>
+<p:sld xmlns:a="http://schemas.openxmlformats.org/drawingml/2006/main" xmlns:r="http://schemas.openxmlformats.org/officeDocument/2006/relationships" xmlns:p="http://schemas.openxmlformats.org/presentationml/2006/main">
+  <p:cSld>
+    <p:spTree>
+      <p:nvGrpSpPr>
+        <p:cNvPr id="1" name=""/>
+        <p:cNvGrpSpPr/>
+        <p:nvPr/>
+      </p:nvGrpSpPr>
+      <p:grpSpPr>
+        <a:xfrm>
+          <a:off x="0" y="0"/>
+          <a:ext cx="0" cy="0"/>
+          <a:chOff x="0" y="0"/>
+          <a:chExt cx="0" cy="0"/>
+        </a:xfrm>
+      </p:grpSpPr>
+      <p:sp>
+        <p:nvSpPr>
+          <p:cNvPr id="2" name="1 Título"/>
+          <p:cNvSpPr>
+            <a:spLocks noGrp="1"/>
+          </p:cNvSpPr>
+          <p:nvPr>
+            <p:ph type="title"/>
+          </p:nvPr>
+        </p:nvSpPr>
+        <p:spPr/>
+        <p:txBody>
+          <a:bodyPr/>
+          <a:lstStyle/>
+          <a:p>
+            <a:r>
+              <a:rPr lang="es-ES" dirty="0" smtClean="0"/>
+              <a:t>Usando GIT</a:t>
+            </a:r>
+            <a:endParaRPr lang="es-ES" dirty="0"/>
+          </a:p>
+        </p:txBody>
+      </p:sp>
+      <p:sp>
+        <p:nvSpPr>
+          <p:cNvPr id="3" name="2 Marcador de contenido"/>
+          <p:cNvSpPr>
+            <a:spLocks noGrp="1"/>
+          </p:cNvSpPr>
+          <p:nvPr>
+            <p:ph idx="1"/>
+          </p:nvPr>
+        </p:nvSpPr>
+        <p:spPr/>
+        <p:txBody>
+          <a:bodyPr/>
+          <a:lstStyle/>
+          <a:p>
+            <a:r>
+              <a:rPr lang="es-ES" dirty="0" smtClean="0"/>
+              <a:t>¿Qué es GIT?</a:t>
+            </a:r>
+          </a:p>
+          <a:p>
+            <a:r>
+              <a:rPr lang="es-ES" dirty="0" err="1" smtClean="0"/>
+              <a:t>Git</a:t>
+            </a:r>
+            <a:r>
+              <a:rPr lang="es-ES" dirty="0" smtClean="0"/>
+              <a:t> GUI vs GIT </a:t>
+            </a:r>
+            <a:r>
+              <a:rPr lang="es-ES" dirty="0" err="1" smtClean="0"/>
+              <a:t>Bash</a:t>
+            </a:r>
+            <a:endParaRPr lang="es-ES" dirty="0" smtClean="0"/>
+          </a:p>
+          <a:p>
+            <a:r>
+              <a:rPr lang="es-ES" dirty="0" err="1" smtClean="0"/>
+              <a:t>Git</a:t>
+            </a:r>
+            <a:r>
+              <a:rPr lang="es-ES" dirty="0" smtClean="0"/>
+              <a:t> vs </a:t>
+            </a:r>
+            <a:r>
+              <a:rPr lang="es-ES" dirty="0" err="1" smtClean="0"/>
+              <a:t>GitHUB</a:t>
+            </a:r>
+            <a:r>
+              <a:rPr lang="es-ES" dirty="0" smtClean="0"/>
+              <a:t>.</a:t>
+            </a:r>
+            <a:endParaRPr lang="es-ES" dirty="0"/>
+          </a:p>
+        </p:txBody>
+      </p:sp>
+    </p:spTree>
+  </p:cSld>
+  <p:clrMapOvr>
+    <a:masterClrMapping/>
+  </p:clrMapOvr>
+</p:sld>
+</file>
+
+<file path=ppt/slides/slide28.xml><?xml version="1.0" encoding="utf-8"?>
+<p:sld xmlns:a="http://schemas.openxmlformats.org/drawingml/2006/main" xmlns:r="http://schemas.openxmlformats.org/officeDocument/2006/relationships" xmlns:p="http://schemas.openxmlformats.org/presentationml/2006/main">
+  <p:cSld>
+    <p:spTree>
+      <p:nvGrpSpPr>
+        <p:cNvPr id="1" name=""/>
+        <p:cNvGrpSpPr/>
+        <p:nvPr/>
+      </p:nvGrpSpPr>
+      <p:grpSpPr>
+        <a:xfrm>
+          <a:off x="0" y="0"/>
+          <a:ext cx="0" cy="0"/>
+          <a:chOff x="0" y="0"/>
+          <a:chExt cx="0" cy="0"/>
+        </a:xfrm>
+      </p:grpSpPr>
+      <p:sp>
+        <p:nvSpPr>
+          <p:cNvPr id="2" name="1 Título"/>
+          <p:cNvSpPr>
+            <a:spLocks noGrp="1"/>
+          </p:cNvSpPr>
+          <p:nvPr>
+            <p:ph type="title"/>
+          </p:nvPr>
+        </p:nvSpPr>
+        <p:spPr/>
+        <p:txBody>
+          <a:bodyPr/>
+          <a:lstStyle/>
+          <a:p>
+            <a:r>
+              <a:rPr lang="es-ES" dirty="0" smtClean="0"/>
+              <a:t>Versiones de </a:t>
             </a:r>
             <a:r>
               <a:rPr lang="es-ES" dirty="0" err="1" smtClean="0"/>
@@ -4833,16 +6882,88 @@
             </a:pPr>
             <a:r>
               <a:rPr lang="es-ES" dirty="0" smtClean="0"/>
-              <a:t>¿Qué ocurre cuando tenemos distintos scripts que necesitan distintas versiones de ciertos módulos?</a:t>
-            </a:r>
-          </a:p>
+              <a:t>TD v099 usa </a:t>
+            </a:r>
+            <a:r>
+              <a:rPr lang="es-ES" dirty="0" err="1" smtClean="0"/>
+              <a:t>Python</a:t>
+            </a:r>
+            <a:r>
+              <a:rPr lang="es-ES" dirty="0" smtClean="0"/>
+              <a:t> v3.5.X</a:t>
+            </a:r>
+          </a:p>
+        </p:txBody>
+      </p:sp>
+    </p:spTree>
+  </p:cSld>
+  <p:clrMapOvr>
+    <a:masterClrMapping/>
+  </p:clrMapOvr>
+</p:sld>
+</file>
+
+<file path=ppt/slides/slide29.xml><?xml version="1.0" encoding="utf-8"?>
+<p:sld xmlns:a="http://schemas.openxmlformats.org/drawingml/2006/main" xmlns:r="http://schemas.openxmlformats.org/officeDocument/2006/relationships" xmlns:p="http://schemas.openxmlformats.org/presentationml/2006/main">
+  <p:cSld>
+    <p:spTree>
+      <p:nvGrpSpPr>
+        <p:cNvPr id="1" name=""/>
+        <p:cNvGrpSpPr/>
+        <p:nvPr/>
+      </p:nvGrpSpPr>
+      <p:grpSpPr>
+        <a:xfrm>
+          <a:off x="0" y="0"/>
+          <a:ext cx="0" cy="0"/>
+          <a:chOff x="0" y="0"/>
+          <a:chExt cx="0" cy="0"/>
+        </a:xfrm>
+      </p:grpSpPr>
+      <p:sp>
+        <p:nvSpPr>
+          <p:cNvPr id="2" name="1 Título"/>
+          <p:cNvSpPr>
+            <a:spLocks noGrp="1"/>
+          </p:cNvSpPr>
+          <p:nvPr>
+            <p:ph type="title"/>
+          </p:nvPr>
+        </p:nvSpPr>
+        <p:spPr/>
+        <p:txBody>
+          <a:bodyPr/>
+          <a:lstStyle/>
+          <a:p>
+            <a:r>
+              <a:rPr lang="es-ES" dirty="0" smtClean="0"/>
+              <a:t>¿Qué es PIP?</a:t>
+            </a:r>
+            <a:endParaRPr lang="es-ES" dirty="0"/>
+          </a:p>
+        </p:txBody>
+      </p:sp>
+      <p:sp>
+        <p:nvSpPr>
+          <p:cNvPr id="3" name="2 Marcador de contenido"/>
+          <p:cNvSpPr>
+            <a:spLocks noGrp="1"/>
+          </p:cNvSpPr>
+          <p:nvPr>
+            <p:ph idx="1"/>
+          </p:nvPr>
+        </p:nvSpPr>
+        <p:spPr/>
+        <p:txBody>
+          <a:bodyPr anchor="ctr"/>
+          <a:lstStyle/>
           <a:p>
             <a:pPr algn="ctr">
               <a:buNone/>
             </a:pPr>
             <a:r>
               <a:rPr lang="es-ES" dirty="0" smtClean="0"/>
-              <a:t>Sufrimiento -&gt; Usa entornos virtuales</a:t>
+              <a:t>Gestor de paquetes para PYTHON. </a:t>
             </a:r>
           </a:p>
           <a:p>
@@ -4851,25 +6972,49 @@
             </a:pPr>
             <a:r>
               <a:rPr lang="es-ES" dirty="0" smtClean="0"/>
-              <a:t>¡¡SIEMPRE!!</a:t>
+              <a:t>La mejor forma de instalar módulos.</a:t>
             </a:r>
           </a:p>
           <a:p>
             <a:pPr algn="ctr">
               <a:buNone/>
             </a:pPr>
-            <a:r>
-              <a:rPr lang="es-ES" sz="1800" dirty="0" smtClean="0">
-                <a:hlinkClick r:id="rId2"/>
-              </a:rPr>
-              <a:t>http://timmyreilly.azurewebsites.net/python-pip-virtualenv-installation-on-windows/</a:t>
-            </a:r>
-            <a:endParaRPr lang="es-ES" sz="1800" dirty="0" smtClean="0"/>
+            <a:endParaRPr lang="es-ES" dirty="0" smtClean="0"/>
           </a:p>
           <a:p>
             <a:pPr algn="ctr">
               <a:buNone/>
             </a:pPr>
+            <a:r>
+              <a:rPr lang="es-ES" dirty="0" smtClean="0"/>
+              <a:t>Añadir al </a:t>
+            </a:r>
+            <a:r>
+              <a:rPr lang="es-ES" dirty="0" err="1" smtClean="0"/>
+              <a:t>Path</a:t>
+            </a:r>
+            <a:r>
+              <a:rPr lang="es-ES" dirty="0" smtClean="0"/>
+              <a:t>:</a:t>
+            </a:r>
+          </a:p>
+          <a:p>
+            <a:pPr algn="ctr">
+              <a:buNone/>
+            </a:pPr>
+            <a:r>
+              <a:rPr lang="es-ES" sz="1800" dirty="0" smtClean="0"/>
+              <a:t>C:\Users\USERNAME\AppDataLocal\Programs\Python\Python35\Scripts</a:t>
+            </a:r>
+          </a:p>
+          <a:p>
+            <a:pPr algn="ctr">
+              <a:buNone/>
+            </a:pPr>
+            <a:r>
+              <a:rPr lang="es-ES" sz="1800" dirty="0" smtClean="0"/>
+              <a:t>C:\Users\USERNAME\AppDataLocal\Programs\Python\Python35</a:t>
+            </a:r>
             <a:endParaRPr lang="es-ES" sz="1800" dirty="0"/>
           </a:p>
         </p:txBody>
@@ -5207,6 +7352,119 @@
 </p:sld>
 </file>
 
+<file path=ppt/slides/slide30.xml><?xml version="1.0" encoding="utf-8"?>
+<p:sld xmlns:a="http://schemas.openxmlformats.org/drawingml/2006/main" xmlns:r="http://schemas.openxmlformats.org/officeDocument/2006/relationships" xmlns:p="http://schemas.openxmlformats.org/presentationml/2006/main">
+  <p:cSld>
+    <p:spTree>
+      <p:nvGrpSpPr>
+        <p:cNvPr id="1" name=""/>
+        <p:cNvGrpSpPr/>
+        <p:nvPr/>
+      </p:nvGrpSpPr>
+      <p:grpSpPr>
+        <a:xfrm>
+          <a:off x="0" y="0"/>
+          <a:ext cx="0" cy="0"/>
+          <a:chOff x="0" y="0"/>
+          <a:chExt cx="0" cy="0"/>
+        </a:xfrm>
+      </p:grpSpPr>
+      <p:sp>
+        <p:nvSpPr>
+          <p:cNvPr id="2" name="1 Título"/>
+          <p:cNvSpPr>
+            <a:spLocks noGrp="1"/>
+          </p:cNvSpPr>
+          <p:nvPr>
+            <p:ph type="title"/>
+          </p:nvPr>
+        </p:nvSpPr>
+        <p:spPr/>
+        <p:txBody>
+          <a:bodyPr/>
+          <a:lstStyle/>
+          <a:p>
+            <a:r>
+              <a:rPr lang="es-ES" dirty="0" smtClean="0"/>
+              <a:t>Entornos Virtuales en </a:t>
+            </a:r>
+            <a:r>
+              <a:rPr lang="es-ES" dirty="0" err="1" smtClean="0"/>
+              <a:t>Python</a:t>
+            </a:r>
+            <a:endParaRPr lang="es-ES" dirty="0"/>
+          </a:p>
+        </p:txBody>
+      </p:sp>
+      <p:sp>
+        <p:nvSpPr>
+          <p:cNvPr id="3" name="2 Marcador de contenido"/>
+          <p:cNvSpPr>
+            <a:spLocks noGrp="1"/>
+          </p:cNvSpPr>
+          <p:nvPr>
+            <p:ph idx="1"/>
+          </p:nvPr>
+        </p:nvSpPr>
+        <p:spPr/>
+        <p:txBody>
+          <a:bodyPr anchor="ctr"/>
+          <a:lstStyle/>
+          <a:p>
+            <a:pPr algn="ctr">
+              <a:buNone/>
+            </a:pPr>
+            <a:r>
+              <a:rPr lang="es-ES" dirty="0" smtClean="0"/>
+              <a:t>¿Qué ocurre cuando tenemos distintos scripts que necesitan distintas versiones de ciertos módulos?</a:t>
+            </a:r>
+          </a:p>
+          <a:p>
+            <a:pPr algn="ctr">
+              <a:buNone/>
+            </a:pPr>
+            <a:r>
+              <a:rPr lang="es-ES" dirty="0" smtClean="0"/>
+              <a:t>Sufrimiento -&gt; Usa entornos virtuales</a:t>
+            </a:r>
+          </a:p>
+          <a:p>
+            <a:pPr algn="ctr">
+              <a:buNone/>
+            </a:pPr>
+            <a:r>
+              <a:rPr lang="es-ES" dirty="0" smtClean="0"/>
+              <a:t>¡¡SIEMPRE!!</a:t>
+            </a:r>
+          </a:p>
+          <a:p>
+            <a:pPr algn="ctr">
+              <a:buNone/>
+            </a:pPr>
+            <a:r>
+              <a:rPr lang="es-ES" sz="1800" dirty="0" smtClean="0">
+                <a:hlinkClick r:id="rId2"/>
+              </a:rPr>
+              <a:t>http://timmyreilly.azurewebsites.net/python-pip-virtualenv-installation-on-windows/</a:t>
+            </a:r>
+            <a:endParaRPr lang="es-ES" sz="1800" dirty="0" smtClean="0"/>
+          </a:p>
+          <a:p>
+            <a:pPr algn="ctr">
+              <a:buNone/>
+            </a:pPr>
+            <a:endParaRPr lang="es-ES" sz="1800" dirty="0"/>
+          </a:p>
+        </p:txBody>
+      </p:sp>
+    </p:spTree>
+  </p:cSld>
+  <p:clrMapOvr>
+    <a:masterClrMapping/>
+  </p:clrMapOvr>
+</p:sld>
+</file>
+
 <file path=ppt/slides/slide4.xml><?xml version="1.0" encoding="utf-8"?>
 <p:sld xmlns:a="http://schemas.openxmlformats.org/drawingml/2006/main" xmlns:r="http://schemas.openxmlformats.org/officeDocument/2006/relationships" xmlns:p="http://schemas.openxmlformats.org/presentationml/2006/main">
   <p:cSld>
@@ -5452,15 +7710,7 @@
             </a:r>
             <a:r>
               <a:rPr lang="es-ES" dirty="0" smtClean="0"/>
-              <a:t> cuya filosofía hace hincapié en una sintaxis </a:t>
-            </a:r>
-            <a:r>
-              <a:rPr lang="es-ES" dirty="0" smtClean="0"/>
-              <a:t>que favorezca </a:t>
-            </a:r>
-            <a:r>
-              <a:rPr lang="es-ES" dirty="0" smtClean="0"/>
-              <a:t>un código legible.</a:t>
+              <a:t> cuya filosofía hace hincapié en una sintaxis que favorezca un código legible.</a:t>
             </a:r>
           </a:p>
           <a:p>
@@ -5490,28 +7740,17 @@
               <a:rPr lang="es-ES" dirty="0" smtClean="0"/>
               <a:t> </a:t>
             </a:r>
-            <a:endParaRPr lang="es-ES" dirty="0" smtClean="0"/>
           </a:p>
           <a:p>
             <a:r>
               <a:rPr lang="es-ES" dirty="0" err="1" smtClean="0">
                 <a:hlinkClick r:id="rId4" tooltip="Lenguaje de programación multiparadigma"/>
               </a:rPr>
-              <a:t>M</a:t>
-            </a:r>
-            <a:r>
-              <a:rPr lang="es-ES" dirty="0" err="1" smtClean="0">
-                <a:hlinkClick r:id="rId4" tooltip="Lenguaje de programación multiparadigma"/>
-              </a:rPr>
-              <a:t>ultiparadigma</a:t>
-            </a:r>
-            <a:r>
-              <a:rPr lang="es-ES" dirty="0" smtClean="0"/>
-              <a:t>, </a:t>
-            </a:r>
-            <a:r>
-              <a:rPr lang="es-ES" dirty="0" smtClean="0"/>
-              <a:t>ya que soporta:</a:t>
+              <a:t>Multiparadigma</a:t>
+            </a:r>
+            <a:r>
+              <a:rPr lang="es-ES" dirty="0" smtClean="0"/>
+              <a:t>, ya que soporta:</a:t>
             </a:r>
           </a:p>
           <a:p>
@@ -5520,25 +7759,7 @@
               <a:rPr lang="es-ES" dirty="0" smtClean="0">
                 <a:hlinkClick r:id="rId5" tooltip="Programación orientada a objetos"/>
               </a:rPr>
-              <a:t>O</a:t>
-            </a:r>
-            <a:r>
-              <a:rPr lang="es-ES" dirty="0" smtClean="0">
-                <a:hlinkClick r:id="rId5" tooltip="Programación orientada a objetos"/>
-              </a:rPr>
-              <a:t>rientación </a:t>
-            </a:r>
-            <a:r>
-              <a:rPr lang="es-ES" dirty="0" smtClean="0">
-                <a:hlinkClick r:id="rId5" tooltip="Programación orientada a objetos"/>
-              </a:rPr>
-              <a:t>a </a:t>
-            </a:r>
-            <a:r>
-              <a:rPr lang="es-ES" dirty="0" smtClean="0">
-                <a:hlinkClick r:id="rId5" tooltip="Programación orientada a objetos"/>
-              </a:rPr>
-              <a:t>objetos</a:t>
+              <a:t>Orientación a objetos</a:t>
             </a:r>
             <a:endParaRPr lang="es-ES" dirty="0" smtClean="0"/>
           </a:p>
@@ -5548,25 +7769,12 @@
               <a:rPr lang="es-ES" dirty="0" smtClean="0">
                 <a:hlinkClick r:id="rId6" tooltip="Programación imperativa"/>
               </a:rPr>
-              <a:t>P</a:t>
-            </a:r>
-            <a:r>
-              <a:rPr lang="es-ES" dirty="0" smtClean="0">
-                <a:hlinkClick r:id="rId6" tooltip="Programación imperativa"/>
-              </a:rPr>
-              <a:t>rogramación </a:t>
-            </a:r>
-            <a:r>
-              <a:rPr lang="es-ES" dirty="0" smtClean="0">
-                <a:hlinkClick r:id="rId6" tooltip="Programación imperativa"/>
-              </a:rPr>
-              <a:t>imperativa</a:t>
+              <a:t>Programación imperativa</a:t>
             </a:r>
             <a:r>
               <a:rPr lang="es-ES" dirty="0" smtClean="0"/>
               <a:t> </a:t>
             </a:r>
-            <a:endParaRPr lang="es-ES" dirty="0" smtClean="0"/>
           </a:p>
           <a:p>
             <a:pPr lvl="1"/>
@@ -5574,25 +7782,12 @@
               <a:rPr lang="es-ES" dirty="0" smtClean="0">
                 <a:hlinkClick r:id="rId7" tooltip="Programación funcional"/>
               </a:rPr>
-              <a:t>P</a:t>
-            </a:r>
-            <a:r>
-              <a:rPr lang="es-ES" dirty="0" smtClean="0">
-                <a:hlinkClick r:id="rId7" tooltip="Programación funcional"/>
-              </a:rPr>
-              <a:t>rogramación </a:t>
-            </a:r>
-            <a:r>
-              <a:rPr lang="es-ES" dirty="0" smtClean="0">
-                <a:hlinkClick r:id="rId7" tooltip="Programación funcional"/>
-              </a:rPr>
-              <a:t>funcional</a:t>
+              <a:t>Programación funcional</a:t>
             </a:r>
             <a:r>
               <a:rPr lang="es-ES" dirty="0" smtClean="0"/>
               <a:t>. </a:t>
             </a:r>
-            <a:endParaRPr lang="es-ES" dirty="0" smtClean="0"/>
           </a:p>
           <a:p>
             <a:pPr lvl="1">
@@ -5603,11 +7798,7 @@
           <a:p>
             <a:r>
               <a:rPr lang="es-ES" dirty="0" smtClean="0"/>
-              <a:t>Es </a:t>
-            </a:r>
-            <a:r>
-              <a:rPr lang="es-ES" dirty="0" smtClean="0"/>
-              <a:t>un </a:t>
+              <a:t>Es un </a:t>
             </a:r>
             <a:r>
               <a:rPr lang="es-ES" dirty="0" smtClean="0">
@@ -5619,20 +7810,11 @@
               <a:rPr lang="es-ES" dirty="0" smtClean="0"/>
               <a:t>, </a:t>
             </a:r>
-            <a:endParaRPr lang="es-ES" dirty="0" smtClean="0"/>
-          </a:p>
-          <a:p>
-            <a:r>
-              <a:rPr lang="es-ES" dirty="0" smtClean="0"/>
-              <a:t>U</a:t>
-            </a:r>
-            <a:r>
-              <a:rPr lang="es-ES" dirty="0" smtClean="0"/>
-              <a:t>sa</a:t>
-            </a:r>
-            <a:r>
-              <a:rPr lang="es-ES" dirty="0" smtClean="0"/>
-              <a:t> </a:t>
+          </a:p>
+          <a:p>
+            <a:r>
+              <a:rPr lang="es-ES" dirty="0" smtClean="0"/>
+              <a:t>Usa </a:t>
             </a:r>
             <a:r>
               <a:rPr lang="es-ES" dirty="0" err="1" smtClean="0">
@@ -5644,13 +7826,7 @@
               <a:rPr lang="es-ES" dirty="0" smtClean="0">
                 <a:hlinkClick r:id="rId9" tooltip="Tipado dinámico"/>
               </a:rPr>
-              <a:t> </a:t>
-            </a:r>
-            <a:r>
-              <a:rPr lang="es-ES" dirty="0" smtClean="0">
-                <a:hlinkClick r:id="rId9" tooltip="Tipado dinámico"/>
-              </a:rPr>
-              <a:t>dinámico</a:t>
+              <a:t> dinámico</a:t>
             </a:r>
             <a:r>
               <a:rPr lang="es-ES" dirty="0" smtClean="0"/>
@@ -5660,15 +7836,7 @@
           <a:p>
             <a:r>
               <a:rPr lang="es-ES" dirty="0" smtClean="0"/>
-              <a:t>E</a:t>
-            </a:r>
-            <a:r>
-              <a:rPr lang="es-ES" dirty="0" smtClean="0"/>
-              <a:t>s</a:t>
-            </a:r>
-            <a:r>
-              <a:rPr lang="es-ES" dirty="0" smtClean="0"/>
-              <a:t> </a:t>
+              <a:t>Es </a:t>
             </a:r>
             <a:r>
               <a:rPr lang="es-ES" dirty="0" smtClean="0">
@@ -5700,15 +7868,7 @@
             </a:r>
             <a:r>
               <a:rPr lang="es-ES" dirty="0" smtClean="0"/>
-              <a:t> fue creado a finales de los </a:t>
-            </a:r>
-            <a:r>
-              <a:rPr lang="es-ES" dirty="0" smtClean="0"/>
-              <a:t>ochenta​ </a:t>
-            </a:r>
-            <a:r>
-              <a:rPr lang="es-ES" dirty="0" smtClean="0"/>
-              <a:t>por </a:t>
+              <a:t> fue creado a finales de los ochenta​ por </a:t>
             </a:r>
             <a:r>
               <a:rPr lang="es-ES" dirty="0" smtClean="0">
@@ -5754,13 +7914,7 @@
               <a:rPr lang="es-ES" dirty="0" smtClean="0">
                 <a:hlinkClick r:id="rId12" tooltip="Países Bajos"/>
               </a:rPr>
-              <a:t>Países </a:t>
-            </a:r>
-            <a:r>
-              <a:rPr lang="es-ES" dirty="0" smtClean="0">
-                <a:hlinkClick r:id="rId12" tooltip="Países Bajos"/>
-              </a:rPr>
-              <a:t>Bajos</a:t>
+              <a:t>Países Bajos</a:t>
             </a:r>
             <a:r>
               <a:rPr lang="es-ES" dirty="0" smtClean="0"/>

--- a/docs/Python for TD Workshop - ROTOR.pptx
+++ b/docs/Python for TD Workshop - ROTOR.pptx
@@ -2,7 +2,7 @@
 <file path=ppt/presentation.xml><?xml version="1.0" encoding="utf-8"?>
 <p:presentation xmlns:a="http://schemas.openxmlformats.org/drawingml/2006/main" xmlns:r="http://schemas.openxmlformats.org/officeDocument/2006/relationships" xmlns:p="http://schemas.openxmlformats.org/presentationml/2006/main" saveSubsetFonts="1">
   <p:sldMasterIdLst>
-    <p:sldMasterId id="2147483648" r:id="rId1"/>
+    <p:sldMasterId id="2147483756" r:id="rId1"/>
   </p:sldMasterIdLst>
   <p:sldIdLst>
     <p:sldId id="256" r:id="rId2"/>
@@ -22,9 +22,9 @@
     <p:sldId id="284" r:id="rId16"/>
     <p:sldId id="285" r:id="rId17"/>
     <p:sldId id="266" r:id="rId18"/>
-    <p:sldId id="267" r:id="rId19"/>
-    <p:sldId id="268" r:id="rId20"/>
-    <p:sldId id="269" r:id="rId21"/>
+    <p:sldId id="286" r:id="rId19"/>
+    <p:sldId id="267" r:id="rId20"/>
+    <p:sldId id="268" r:id="rId21"/>
     <p:sldId id="270" r:id="rId22"/>
     <p:sldId id="271" r:id="rId23"/>
     <p:sldId id="272" r:id="rId24"/>
@@ -137,7 +137,7 @@
 </file>
 
 <file path=ppt/slideLayouts/slideLayout1.xml><?xml version="1.0" encoding="utf-8"?>
-<p:sldLayout xmlns:a="http://schemas.openxmlformats.org/drawingml/2006/main" xmlns:r="http://schemas.openxmlformats.org/officeDocument/2006/relationships" xmlns:p="http://schemas.openxmlformats.org/presentationml/2006/main" type="title" preserve="1">
+<p:sldLayout xmlns:a="http://schemas.openxmlformats.org/drawingml/2006/main" xmlns:r="http://schemas.openxmlformats.org/officeDocument/2006/relationships" xmlns:p="http://schemas.openxmlformats.org/presentationml/2006/main" showMasterSp="0" type="title" preserve="1">
   <p:cSld name="Diapositiva de título">
     <p:spTree>
       <p:nvGrpSpPr>
@@ -155,7 +155,7 @@
       </p:grpSpPr>
       <p:sp>
         <p:nvSpPr>
-          <p:cNvPr id="2" name="1 Título"/>
+          <p:cNvPr id="8" name="7 Título"/>
           <p:cNvSpPr>
             <a:spLocks noGrp="1"/>
           </p:cNvSpPr>
@@ -165,144 +165,97 @@
         </p:nvSpPr>
         <p:spPr>
           <a:xfrm>
-            <a:off x="685800" y="2130425"/>
-            <a:ext cx="7772400" cy="1470025"/>
+            <a:off x="1219200" y="3886200"/>
+            <a:ext cx="6858000" cy="990600"/>
           </a:xfrm>
         </p:spPr>
         <p:txBody>
-          <a:bodyPr/>
-          <a:lstStyle/>
-          <a:p>
-            <a:r>
-              <a:rPr lang="es-ES" smtClean="0"/>
-              <a:t>Haga clic para modificar el estilo de título del patrón</a:t>
-            </a:r>
-            <a:endParaRPr lang="es-ES"/>
-          </a:p>
-        </p:txBody>
-      </p:sp>
-      <p:sp>
-        <p:nvSpPr>
-          <p:cNvPr id="3" name="2 Subtítulo"/>
-          <p:cNvSpPr>
-            <a:spLocks noGrp="1"/>
-          </p:cNvSpPr>
-          <p:nvPr>
-            <p:ph type="subTitle" idx="1"/>
-          </p:nvPr>
-        </p:nvSpPr>
-        <p:spPr>
-          <a:xfrm>
-            <a:off x="1371600" y="3886200"/>
-            <a:ext cx="6400800" cy="1752600"/>
-          </a:xfrm>
-        </p:spPr>
-        <p:txBody>
-          <a:bodyPr/>
+          <a:bodyPr anchor="t" anchorCtr="0"/>
           <a:lstStyle>
-            <a:lvl1pPr marL="0" indent="0" algn="ctr">
-              <a:buNone/>
-              <a:defRPr>
+            <a:lvl1pPr algn="r">
+              <a:defRPr sz="3200">
                 <a:solidFill>
-                  <a:schemeClr val="tx1">
-                    <a:tint val="75000"/>
-                  </a:schemeClr>
+                  <a:schemeClr val="tx1"/>
                 </a:solidFill>
               </a:defRPr>
             </a:lvl1pPr>
+          </a:lstStyle>
+          <a:p>
+            <a:r>
+              <a:rPr kumimoji="0" lang="es-ES" smtClean="0"/>
+              <a:t>Haga clic para modificar el estilo de título del patrón</a:t>
+            </a:r>
+            <a:endParaRPr kumimoji="0" lang="en-US"/>
+          </a:p>
+        </p:txBody>
+      </p:sp>
+      <p:sp>
+        <p:nvSpPr>
+          <p:cNvPr id="9" name="8 Subtítulo"/>
+          <p:cNvSpPr>
+            <a:spLocks noGrp="1"/>
+          </p:cNvSpPr>
+          <p:nvPr>
+            <p:ph type="subTitle" idx="1"/>
+          </p:nvPr>
+        </p:nvSpPr>
+        <p:spPr>
+          <a:xfrm>
+            <a:off x="1219200" y="5124450"/>
+            <a:ext cx="6858000" cy="533400"/>
+          </a:xfrm>
+        </p:spPr>
+        <p:txBody>
+          <a:bodyPr/>
+          <a:lstStyle>
+            <a:lvl1pPr marL="0" indent="0" algn="r">
+              <a:buNone/>
+              <a:defRPr sz="2000">
+                <a:solidFill>
+                  <a:schemeClr val="tx2"/>
+                </a:solidFill>
+                <a:latin typeface="+mj-lt"/>
+                <a:ea typeface="+mj-ea"/>
+                <a:cs typeface="+mj-cs"/>
+              </a:defRPr>
+            </a:lvl1pPr>
             <a:lvl2pPr marL="457200" indent="0" algn="ctr">
               <a:buNone/>
-              <a:defRPr>
-                <a:solidFill>
-                  <a:schemeClr val="tx1">
-                    <a:tint val="75000"/>
-                  </a:schemeClr>
-                </a:solidFill>
-              </a:defRPr>
             </a:lvl2pPr>
             <a:lvl3pPr marL="914400" indent="0" algn="ctr">
               <a:buNone/>
-              <a:defRPr>
-                <a:solidFill>
-                  <a:schemeClr val="tx1">
-                    <a:tint val="75000"/>
-                  </a:schemeClr>
-                </a:solidFill>
-              </a:defRPr>
             </a:lvl3pPr>
             <a:lvl4pPr marL="1371600" indent="0" algn="ctr">
               <a:buNone/>
-              <a:defRPr>
-                <a:solidFill>
-                  <a:schemeClr val="tx1">
-                    <a:tint val="75000"/>
-                  </a:schemeClr>
-                </a:solidFill>
-              </a:defRPr>
             </a:lvl4pPr>
             <a:lvl5pPr marL="1828800" indent="0" algn="ctr">
               <a:buNone/>
-              <a:defRPr>
-                <a:solidFill>
-                  <a:schemeClr val="tx1">
-                    <a:tint val="75000"/>
-                  </a:schemeClr>
-                </a:solidFill>
-              </a:defRPr>
             </a:lvl5pPr>
             <a:lvl6pPr marL="2286000" indent="0" algn="ctr">
               <a:buNone/>
-              <a:defRPr>
-                <a:solidFill>
-                  <a:schemeClr val="tx1">
-                    <a:tint val="75000"/>
-                  </a:schemeClr>
-                </a:solidFill>
-              </a:defRPr>
             </a:lvl6pPr>
             <a:lvl7pPr marL="2743200" indent="0" algn="ctr">
               <a:buNone/>
-              <a:defRPr>
-                <a:solidFill>
-                  <a:schemeClr val="tx1">
-                    <a:tint val="75000"/>
-                  </a:schemeClr>
-                </a:solidFill>
-              </a:defRPr>
             </a:lvl7pPr>
             <a:lvl8pPr marL="3200400" indent="0" algn="ctr">
               <a:buNone/>
-              <a:defRPr>
-                <a:solidFill>
-                  <a:schemeClr val="tx1">
-                    <a:tint val="75000"/>
-                  </a:schemeClr>
-                </a:solidFill>
-              </a:defRPr>
             </a:lvl8pPr>
             <a:lvl9pPr marL="3657600" indent="0" algn="ctr">
               <a:buNone/>
-              <a:defRPr>
-                <a:solidFill>
-                  <a:schemeClr val="tx1">
-                    <a:tint val="75000"/>
-                  </a:schemeClr>
-                </a:solidFill>
-              </a:defRPr>
             </a:lvl9pPr>
           </a:lstStyle>
           <a:p>
             <a:r>
-              <a:rPr lang="es-ES" smtClean="0"/>
+              <a:rPr kumimoji="0" lang="es-ES" smtClean="0"/>
               <a:t>Haga clic para modificar el estilo de subtítulo del patrón</a:t>
             </a:r>
-            <a:endParaRPr lang="es-ES"/>
-          </a:p>
-        </p:txBody>
-      </p:sp>
-      <p:sp>
-        <p:nvSpPr>
-          <p:cNvPr id="4" name="3 Marcador de fecha"/>
+            <a:endParaRPr kumimoji="0" lang="en-US"/>
+          </a:p>
+        </p:txBody>
+      </p:sp>
+      <p:sp>
+        <p:nvSpPr>
+          <p:cNvPr id="28" name="27 Marcador de fecha"/>
           <p:cNvSpPr>
             <a:spLocks noGrp="1"/>
           </p:cNvSpPr>
@@ -310,10 +263,19 @@
             <p:ph type="dt" sz="half" idx="10"/>
           </p:nvPr>
         </p:nvSpPr>
-        <p:spPr/>
+        <p:spPr>
+          <a:xfrm>
+            <a:off x="6400800" y="6355080"/>
+            <a:ext cx="2286000" cy="365760"/>
+          </a:xfrm>
+        </p:spPr>
         <p:txBody>
           <a:bodyPr/>
-          <a:lstStyle/>
+          <a:lstStyle>
+            <a:lvl1pPr>
+              <a:defRPr sz="1400"/>
+            </a:lvl1pPr>
+          </a:lstStyle>
           <a:p>
             <a:fld id="{7A847CFC-816F-41D0-AAC0-9BF4FEBC753E}" type="datetimeFigureOut">
               <a:rPr lang="es-ES" smtClean="0"/>
@@ -326,7 +288,7 @@
       </p:sp>
       <p:sp>
         <p:nvSpPr>
-          <p:cNvPr id="5" name="4 Marcador de pie de página"/>
+          <p:cNvPr id="17" name="16 Marcador de pie de página"/>
           <p:cNvSpPr>
             <a:spLocks noGrp="1"/>
           </p:cNvSpPr>
@@ -334,7 +296,12 @@
             <p:ph type="ftr" sz="quarter" idx="11"/>
           </p:nvPr>
         </p:nvSpPr>
-        <p:spPr/>
+        <p:spPr>
+          <a:xfrm>
+            <a:off x="2898648" y="6355080"/>
+            <a:ext cx="3474720" cy="365760"/>
+          </a:xfrm>
+        </p:spPr>
         <p:txBody>
           <a:bodyPr/>
           <a:lstStyle/>
@@ -345,7 +312,7 @@
       </p:sp>
       <p:sp>
         <p:nvSpPr>
-          <p:cNvPr id="6" name="5 Marcador de número de diapositiva"/>
+          <p:cNvPr id="29" name="28 Marcador de número de diapositiva"/>
           <p:cNvSpPr>
             <a:spLocks noGrp="1"/>
           </p:cNvSpPr>
@@ -353,7 +320,12 @@
             <p:ph type="sldNum" sz="quarter" idx="12"/>
           </p:nvPr>
         </p:nvSpPr>
-        <p:spPr/>
+        <p:spPr>
+          <a:xfrm>
+            <a:off x="1216152" y="6355080"/>
+            <a:ext cx="1219200" cy="365760"/>
+          </a:xfrm>
+        </p:spPr>
         <p:txBody>
           <a:bodyPr/>
           <a:lstStyle/>
@@ -364,6 +336,190 @@
               <a:t>‹Nº›</a:t>
             </a:fld>
             <a:endParaRPr lang="es-ES"/>
+          </a:p>
+        </p:txBody>
+      </p:sp>
+      <p:sp>
+        <p:nvSpPr>
+          <p:cNvPr id="21" name="20 Rectángulo"/>
+          <p:cNvSpPr/>
+          <p:nvPr/>
+        </p:nvSpPr>
+        <p:spPr>
+          <a:xfrm>
+            <a:off x="904875" y="3648075"/>
+            <a:ext cx="7315200" cy="1280160"/>
+          </a:xfrm>
+          <a:prstGeom prst="rect">
+            <a:avLst/>
+          </a:prstGeom>
+          <a:noFill/>
+          <a:ln w="6350" cap="rnd" cmpd="sng" algn="ctr">
+            <a:solidFill>
+              <a:schemeClr val="accent1"/>
+            </a:solidFill>
+            <a:prstDash val="solid"/>
+          </a:ln>
+          <a:effectLst/>
+        </p:spPr>
+        <p:style>
+          <a:lnRef idx="3">
+            <a:schemeClr val="lt1"/>
+          </a:lnRef>
+          <a:fillRef idx="1">
+            <a:schemeClr val="accent1"/>
+          </a:fillRef>
+          <a:effectRef idx="1">
+            <a:schemeClr val="accent1"/>
+          </a:effectRef>
+          <a:fontRef idx="minor">
+            <a:schemeClr val="lt1"/>
+          </a:fontRef>
+        </p:style>
+        <p:txBody>
+          <a:bodyPr anchor="ctr"/>
+          <a:lstStyle/>
+          <a:p>
+            <a:pPr algn="ctr" eaLnBrk="1" latinLnBrk="0" hangingPunct="1"/>
+            <a:endParaRPr kumimoji="0" lang="en-US"/>
+          </a:p>
+        </p:txBody>
+      </p:sp>
+      <p:sp>
+        <p:nvSpPr>
+          <p:cNvPr id="33" name="32 Rectángulo"/>
+          <p:cNvSpPr/>
+          <p:nvPr/>
+        </p:nvSpPr>
+        <p:spPr>
+          <a:xfrm>
+            <a:off x="914400" y="5048250"/>
+            <a:ext cx="7315200" cy="685800"/>
+          </a:xfrm>
+          <a:prstGeom prst="rect">
+            <a:avLst/>
+          </a:prstGeom>
+          <a:noFill/>
+          <a:ln w="6350" cap="rnd" cmpd="sng" algn="ctr">
+            <a:solidFill>
+              <a:schemeClr val="accent2"/>
+            </a:solidFill>
+            <a:prstDash val="solid"/>
+          </a:ln>
+          <a:effectLst/>
+        </p:spPr>
+        <p:style>
+          <a:lnRef idx="3">
+            <a:schemeClr val="lt1"/>
+          </a:lnRef>
+          <a:fillRef idx="1">
+            <a:schemeClr val="accent1"/>
+          </a:fillRef>
+          <a:effectRef idx="1">
+            <a:schemeClr val="accent1"/>
+          </a:effectRef>
+          <a:fontRef idx="minor">
+            <a:schemeClr val="lt1"/>
+          </a:fontRef>
+        </p:style>
+        <p:txBody>
+          <a:bodyPr anchor="ctr"/>
+          <a:lstStyle/>
+          <a:p>
+            <a:pPr algn="ctr" eaLnBrk="1" latinLnBrk="0" hangingPunct="1"/>
+            <a:endParaRPr kumimoji="0" lang="en-US"/>
+          </a:p>
+        </p:txBody>
+      </p:sp>
+      <p:sp>
+        <p:nvSpPr>
+          <p:cNvPr id="22" name="21 Rectángulo"/>
+          <p:cNvSpPr/>
+          <p:nvPr/>
+        </p:nvSpPr>
+        <p:spPr>
+          <a:xfrm>
+            <a:off x="904875" y="3648075"/>
+            <a:ext cx="228600" cy="1280160"/>
+          </a:xfrm>
+          <a:prstGeom prst="rect">
+            <a:avLst/>
+          </a:prstGeom>
+          <a:solidFill>
+            <a:schemeClr val="accent1"/>
+          </a:solidFill>
+          <a:ln w="6350" cap="rnd" cmpd="sng" algn="ctr">
+            <a:noFill/>
+            <a:prstDash val="solid"/>
+          </a:ln>
+          <a:effectLst/>
+        </p:spPr>
+        <p:style>
+          <a:lnRef idx="3">
+            <a:schemeClr val="lt1"/>
+          </a:lnRef>
+          <a:fillRef idx="1">
+            <a:schemeClr val="accent1"/>
+          </a:fillRef>
+          <a:effectRef idx="1">
+            <a:schemeClr val="accent1"/>
+          </a:effectRef>
+          <a:fontRef idx="minor">
+            <a:schemeClr val="lt1"/>
+          </a:fontRef>
+        </p:style>
+        <p:txBody>
+          <a:bodyPr anchor="ctr"/>
+          <a:lstStyle/>
+          <a:p>
+            <a:pPr algn="ctr" eaLnBrk="1" latinLnBrk="0" hangingPunct="1"/>
+            <a:endParaRPr kumimoji="0" lang="en-US"/>
+          </a:p>
+        </p:txBody>
+      </p:sp>
+      <p:sp>
+        <p:nvSpPr>
+          <p:cNvPr id="32" name="31 Rectángulo"/>
+          <p:cNvSpPr/>
+          <p:nvPr/>
+        </p:nvSpPr>
+        <p:spPr>
+          <a:xfrm>
+            <a:off x="914400" y="5048250"/>
+            <a:ext cx="228600" cy="685800"/>
+          </a:xfrm>
+          <a:prstGeom prst="rect">
+            <a:avLst/>
+          </a:prstGeom>
+          <a:solidFill>
+            <a:schemeClr val="accent2"/>
+          </a:solidFill>
+          <a:ln w="6350" cap="rnd" cmpd="sng" algn="ctr">
+            <a:noFill/>
+            <a:prstDash val="solid"/>
+          </a:ln>
+          <a:effectLst/>
+        </p:spPr>
+        <p:style>
+          <a:lnRef idx="3">
+            <a:schemeClr val="lt1"/>
+          </a:lnRef>
+          <a:fillRef idx="1">
+            <a:schemeClr val="accent1"/>
+          </a:fillRef>
+          <a:effectRef idx="1">
+            <a:schemeClr val="accent1"/>
+          </a:effectRef>
+          <a:fontRef idx="minor">
+            <a:schemeClr val="lt1"/>
+          </a:fontRef>
+        </p:style>
+        <p:txBody>
+          <a:bodyPr anchor="ctr"/>
+          <a:lstStyle/>
+          <a:p>
+            <a:pPr algn="ctr" eaLnBrk="1" latinLnBrk="0" hangingPunct="1"/>
+            <a:endParaRPr kumimoji="0" lang="en-US"/>
           </a:p>
         </p:txBody>
       </p:sp>
@@ -408,10 +564,10 @@
           <a:lstStyle/>
           <a:p>
             <a:r>
-              <a:rPr lang="es-ES" smtClean="0"/>
+              <a:rPr kumimoji="0" lang="es-ES" smtClean="0"/>
               <a:t>Haga clic para modificar el estilo de título del patrón</a:t>
             </a:r>
-            <a:endParaRPr lang="es-ES"/>
+            <a:endParaRPr kumimoji="0" lang="en-US"/>
           </a:p>
         </p:txBody>
       </p:sp>
@@ -430,40 +586,40 @@
           <a:bodyPr vert="eaVert"/>
           <a:lstStyle/>
           <a:p>
-            <a:pPr lvl="0"/>
+            <a:pPr lvl="0" eaLnBrk="1" latinLnBrk="0" hangingPunct="1"/>
             <a:r>
               <a:rPr lang="es-ES" smtClean="0"/>
               <a:t>Haga clic para modificar el estilo de texto del patrón</a:t>
             </a:r>
           </a:p>
           <a:p>
-            <a:pPr lvl="1"/>
+            <a:pPr lvl="1" eaLnBrk="1" latinLnBrk="0" hangingPunct="1"/>
             <a:r>
               <a:rPr lang="es-ES" smtClean="0"/>
               <a:t>Segundo nivel</a:t>
             </a:r>
           </a:p>
           <a:p>
-            <a:pPr lvl="2"/>
+            <a:pPr lvl="2" eaLnBrk="1" latinLnBrk="0" hangingPunct="1"/>
             <a:r>
               <a:rPr lang="es-ES" smtClean="0"/>
               <a:t>Tercer nivel</a:t>
             </a:r>
           </a:p>
           <a:p>
-            <a:pPr lvl="3"/>
+            <a:pPr lvl="3" eaLnBrk="1" latinLnBrk="0" hangingPunct="1"/>
             <a:r>
               <a:rPr lang="es-ES" smtClean="0"/>
               <a:t>Cuarto nivel</a:t>
             </a:r>
           </a:p>
           <a:p>
-            <a:pPr lvl="4"/>
+            <a:pPr lvl="4" eaLnBrk="1" latinLnBrk="0" hangingPunct="1"/>
             <a:r>
               <a:rPr lang="es-ES" smtClean="0"/>
               <a:t>Quinto nivel</a:t>
             </a:r>
-            <a:endParaRPr lang="es-ES"/>
+            <a:endParaRPr kumimoji="0" lang="en-US"/>
           </a:p>
         </p:txBody>
       </p:sp>
@@ -543,7 +699,7 @@
 </file>
 
 <file path=ppt/slideLayouts/slideLayout11.xml><?xml version="1.0" encoding="utf-8"?>
-<p:sldLayout xmlns:a="http://schemas.openxmlformats.org/drawingml/2006/main" xmlns:r="http://schemas.openxmlformats.org/officeDocument/2006/relationships" xmlns:p="http://schemas.openxmlformats.org/presentationml/2006/main" type="vertTitleAndTx" preserve="1">
+<p:sldLayout xmlns:a="http://schemas.openxmlformats.org/drawingml/2006/main" xmlns:r="http://schemas.openxmlformats.org/officeDocument/2006/relationships" xmlns:p="http://schemas.openxmlformats.org/presentationml/2006/main" showMasterSp="0" type="vertTitleAndTx" preserve="1">
   <p:cSld name="Título vertical y texto">
     <p:spTree>
       <p:nvGrpSpPr>
@@ -580,10 +736,10 @@
           <a:lstStyle/>
           <a:p>
             <a:r>
-              <a:rPr lang="es-ES" smtClean="0"/>
+              <a:rPr kumimoji="0" lang="es-ES" smtClean="0"/>
               <a:t>Haga clic para modificar el estilo de título del patrón</a:t>
             </a:r>
-            <a:endParaRPr lang="es-ES"/>
+            <a:endParaRPr kumimoji="0" lang="en-US"/>
           </a:p>
         </p:txBody>
       </p:sp>
@@ -607,40 +763,40 @@
           <a:bodyPr vert="eaVert"/>
           <a:lstStyle/>
           <a:p>
-            <a:pPr lvl="0"/>
+            <a:pPr lvl="0" eaLnBrk="1" latinLnBrk="0" hangingPunct="1"/>
             <a:r>
               <a:rPr lang="es-ES" smtClean="0"/>
               <a:t>Haga clic para modificar el estilo de texto del patrón</a:t>
             </a:r>
           </a:p>
           <a:p>
-            <a:pPr lvl="1"/>
+            <a:pPr lvl="1" eaLnBrk="1" latinLnBrk="0" hangingPunct="1"/>
             <a:r>
               <a:rPr lang="es-ES" smtClean="0"/>
               <a:t>Segundo nivel</a:t>
             </a:r>
           </a:p>
           <a:p>
-            <a:pPr lvl="2"/>
+            <a:pPr lvl="2" eaLnBrk="1" latinLnBrk="0" hangingPunct="1"/>
             <a:r>
               <a:rPr lang="es-ES" smtClean="0"/>
               <a:t>Tercer nivel</a:t>
             </a:r>
           </a:p>
           <a:p>
-            <a:pPr lvl="3"/>
+            <a:pPr lvl="3" eaLnBrk="1" latinLnBrk="0" hangingPunct="1"/>
             <a:r>
               <a:rPr lang="es-ES" smtClean="0"/>
               <a:t>Cuarto nivel</a:t>
             </a:r>
           </a:p>
           <a:p>
-            <a:pPr lvl="4"/>
+            <a:pPr lvl="4" eaLnBrk="1" latinLnBrk="0" hangingPunct="1"/>
             <a:r>
               <a:rPr lang="es-ES" smtClean="0"/>
               <a:t>Quinto nivel</a:t>
             </a:r>
-            <a:endParaRPr lang="es-ES"/>
+            <a:endParaRPr kumimoji="0" lang="en-US"/>
           </a:p>
         </p:txBody>
       </p:sp>
@@ -708,6 +864,128 @@
               <a:t>‹Nº›</a:t>
             </a:fld>
             <a:endParaRPr lang="es-ES"/>
+          </a:p>
+        </p:txBody>
+      </p:sp>
+      <p:sp>
+        <p:nvSpPr>
+          <p:cNvPr id="7" name="6 Conector recto"/>
+          <p:cNvSpPr>
+            <a:spLocks noChangeShapeType="1"/>
+          </p:cNvSpPr>
+          <p:nvPr/>
+        </p:nvSpPr>
+        <p:spPr bwMode="auto">
+          <a:xfrm>
+            <a:off x="457200" y="6353175"/>
+            <a:ext cx="8229600" cy="0"/>
+          </a:xfrm>
+          <a:prstGeom prst="line">
+            <a:avLst/>
+          </a:prstGeom>
+          <a:noFill/>
+          <a:ln w="9525" cap="flat" cmpd="sng" algn="ctr">
+            <a:solidFill>
+              <a:schemeClr val="accent2"/>
+            </a:solidFill>
+            <a:prstDash val="dash"/>
+            <a:round/>
+            <a:headEnd type="none" w="med" len="med"/>
+            <a:tailEnd type="none" w="med" len="med"/>
+          </a:ln>
+          <a:effectLst/>
+        </p:spPr>
+        <p:txBody>
+          <a:bodyPr vert="horz" wrap="square" lIns="91440" tIns="45720" rIns="91440" bIns="45720" anchor="t" compatLnSpc="1"/>
+          <a:lstStyle/>
+          <a:p>
+            <a:endParaRPr kumimoji="0" lang="en-US"/>
+          </a:p>
+        </p:txBody>
+      </p:sp>
+      <p:sp>
+        <p:nvSpPr>
+          <p:cNvPr id="8" name="7 Triángulo isósceles"/>
+          <p:cNvSpPr>
+            <a:spLocks noChangeAspect="1"/>
+          </p:cNvSpPr>
+          <p:nvPr/>
+        </p:nvSpPr>
+        <p:spPr>
+          <a:xfrm rot="5400000">
+            <a:off x="419100" y="6467475"/>
+            <a:ext cx="190849" cy="120314"/>
+          </a:xfrm>
+          <a:prstGeom prst="triangle">
+            <a:avLst>
+              <a:gd name="adj" fmla="val 50000"/>
+            </a:avLst>
+          </a:prstGeom>
+          <a:solidFill>
+            <a:schemeClr val="accent2"/>
+          </a:solidFill>
+          <a:ln w="25400" cap="rnd" cmpd="sng" algn="ctr">
+            <a:noFill/>
+            <a:prstDash val="solid"/>
+          </a:ln>
+          <a:effectLst/>
+        </p:spPr>
+        <p:style>
+          <a:lnRef idx="3">
+            <a:schemeClr val="lt1"/>
+          </a:lnRef>
+          <a:fillRef idx="1">
+            <a:schemeClr val="accent1"/>
+          </a:fillRef>
+          <a:effectRef idx="1">
+            <a:schemeClr val="accent1"/>
+          </a:effectRef>
+          <a:fontRef idx="minor">
+            <a:schemeClr val="lt1"/>
+          </a:fontRef>
+        </p:style>
+        <p:txBody>
+          <a:bodyPr anchor="ctr"/>
+          <a:lstStyle/>
+          <a:p>
+            <a:pPr algn="ctr" eaLnBrk="1" latinLnBrk="0" hangingPunct="1"/>
+            <a:endParaRPr kumimoji="0" lang="en-US"/>
+          </a:p>
+        </p:txBody>
+      </p:sp>
+      <p:sp>
+        <p:nvSpPr>
+          <p:cNvPr id="9" name="8 Conector recto"/>
+          <p:cNvSpPr>
+            <a:spLocks noChangeShapeType="1"/>
+          </p:cNvSpPr>
+          <p:nvPr/>
+        </p:nvSpPr>
+        <p:spPr bwMode="auto">
+          <a:xfrm rot="5400000">
+            <a:off x="3629607" y="3201952"/>
+            <a:ext cx="5852160" cy="0"/>
+          </a:xfrm>
+          <a:prstGeom prst="line">
+            <a:avLst/>
+          </a:prstGeom>
+          <a:noFill/>
+          <a:ln w="9525" cap="flat" cmpd="sng" algn="ctr">
+            <a:solidFill>
+              <a:schemeClr val="accent2"/>
+            </a:solidFill>
+            <a:prstDash val="dash"/>
+            <a:round/>
+            <a:headEnd type="none" w="med" len="med"/>
+            <a:tailEnd type="none" w="med" len="med"/>
+          </a:ln>
+          <a:effectLst/>
+        </p:spPr>
+        <p:txBody>
+          <a:bodyPr vert="horz" wrap="square" lIns="91440" tIns="45720" rIns="91440" bIns="45720" anchor="t" compatLnSpc="1"/>
+          <a:lstStyle/>
+          <a:p>
+            <a:endParaRPr kumimoji="0" lang="en-US"/>
           </a:p>
         </p:txBody>
       </p:sp>
@@ -752,62 +1030,10 @@
           <a:lstStyle/>
           <a:p>
             <a:r>
-              <a:rPr lang="es-ES" smtClean="0"/>
+              <a:rPr kumimoji="0" lang="es-ES" smtClean="0"/>
               <a:t>Haga clic para modificar el estilo de título del patrón</a:t>
             </a:r>
-            <a:endParaRPr lang="es-ES"/>
-          </a:p>
-        </p:txBody>
-      </p:sp>
-      <p:sp>
-        <p:nvSpPr>
-          <p:cNvPr id="3" name="2 Marcador de contenido"/>
-          <p:cNvSpPr>
-            <a:spLocks noGrp="1"/>
-          </p:cNvSpPr>
-          <p:nvPr>
-            <p:ph idx="1"/>
-          </p:nvPr>
-        </p:nvSpPr>
-        <p:spPr/>
-        <p:txBody>
-          <a:bodyPr/>
-          <a:lstStyle/>
-          <a:p>
-            <a:pPr lvl="0"/>
-            <a:r>
-              <a:rPr lang="es-ES" smtClean="0"/>
-              <a:t>Haga clic para modificar el estilo de texto del patrón</a:t>
-            </a:r>
-          </a:p>
-          <a:p>
-            <a:pPr lvl="1"/>
-            <a:r>
-              <a:rPr lang="es-ES" smtClean="0"/>
-              <a:t>Segundo nivel</a:t>
-            </a:r>
-          </a:p>
-          <a:p>
-            <a:pPr lvl="2"/>
-            <a:r>
-              <a:rPr lang="es-ES" smtClean="0"/>
-              <a:t>Tercer nivel</a:t>
-            </a:r>
-          </a:p>
-          <a:p>
-            <a:pPr lvl="3"/>
-            <a:r>
-              <a:rPr lang="es-ES" smtClean="0"/>
-              <a:t>Cuarto nivel</a:t>
-            </a:r>
-          </a:p>
-          <a:p>
-            <a:pPr lvl="4"/>
-            <a:r>
-              <a:rPr lang="es-ES" smtClean="0"/>
-              <a:t>Quinto nivel</a:t>
-            </a:r>
-            <a:endParaRPr lang="es-ES"/>
+            <a:endParaRPr kumimoji="0" lang="en-US"/>
           </a:p>
         </p:txBody>
       </p:sp>
@@ -875,6 +1101,63 @@
               <a:t>‹Nº›</a:t>
             </a:fld>
             <a:endParaRPr lang="es-ES"/>
+          </a:p>
+        </p:txBody>
+      </p:sp>
+      <p:sp>
+        <p:nvSpPr>
+          <p:cNvPr id="8" name="7 Marcador de contenido"/>
+          <p:cNvSpPr>
+            <a:spLocks noGrp="1"/>
+          </p:cNvSpPr>
+          <p:nvPr>
+            <p:ph sz="quarter" idx="1"/>
+          </p:nvPr>
+        </p:nvSpPr>
+        <p:spPr>
+          <a:xfrm>
+            <a:off x="457200" y="1219200"/>
+            <a:ext cx="8229600" cy="4937760"/>
+          </a:xfrm>
+        </p:spPr>
+        <p:txBody>
+          <a:bodyPr/>
+          <a:lstStyle/>
+          <a:p>
+            <a:pPr lvl="0" eaLnBrk="1" latinLnBrk="0" hangingPunct="1"/>
+            <a:r>
+              <a:rPr lang="es-ES" smtClean="0"/>
+              <a:t>Haga clic para modificar el estilo de texto del patrón</a:t>
+            </a:r>
+          </a:p>
+          <a:p>
+            <a:pPr lvl="1" eaLnBrk="1" latinLnBrk="0" hangingPunct="1"/>
+            <a:r>
+              <a:rPr lang="es-ES" smtClean="0"/>
+              <a:t>Segundo nivel</a:t>
+            </a:r>
+          </a:p>
+          <a:p>
+            <a:pPr lvl="2" eaLnBrk="1" latinLnBrk="0" hangingPunct="1"/>
+            <a:r>
+              <a:rPr lang="es-ES" smtClean="0"/>
+              <a:t>Tercer nivel</a:t>
+            </a:r>
+          </a:p>
+          <a:p>
+            <a:pPr lvl="3" eaLnBrk="1" latinLnBrk="0" hangingPunct="1"/>
+            <a:r>
+              <a:rPr lang="es-ES" smtClean="0"/>
+              <a:t>Cuarto nivel</a:t>
+            </a:r>
+          </a:p>
+          <a:p>
+            <a:pPr lvl="4" eaLnBrk="1" latinLnBrk="0" hangingPunct="1"/>
+            <a:r>
+              <a:rPr lang="es-ES" smtClean="0"/>
+              <a:t>Quinto nivel</a:t>
+            </a:r>
+            <a:endParaRPr kumimoji="0" lang="en-US"/>
           </a:p>
         </p:txBody>
       </p:sp>
@@ -887,8 +1170,13 @@
 </file>
 
 <file path=ppt/slideLayouts/slideLayout3.xml><?xml version="1.0" encoding="utf-8"?>
-<p:sldLayout xmlns:a="http://schemas.openxmlformats.org/drawingml/2006/main" xmlns:r="http://schemas.openxmlformats.org/officeDocument/2006/relationships" xmlns:p="http://schemas.openxmlformats.org/presentationml/2006/main" type="secHead" preserve="1">
+<p:sldLayout xmlns:a="http://schemas.openxmlformats.org/drawingml/2006/main" xmlns:r="http://schemas.openxmlformats.org/officeDocument/2006/relationships" xmlns:p="http://schemas.openxmlformats.org/presentationml/2006/main" showMasterSp="0" type="secHead" preserve="1">
   <p:cSld name="Encabezado de sección">
+    <p:bg>
+      <p:bgRef idx="1001">
+        <a:schemeClr val="bg2"/>
+      </p:bgRef>
+    </p:bg>
     <p:spTree>
       <p:nvGrpSpPr>
         <p:cNvPr id="1" name=""/>
@@ -915,23 +1203,24 @@
         </p:nvSpPr>
         <p:spPr>
           <a:xfrm>
-            <a:off x="722313" y="4406900"/>
-            <a:ext cx="7772400" cy="1362075"/>
+            <a:off x="1219200" y="2971800"/>
+            <a:ext cx="6858000" cy="1066800"/>
           </a:xfrm>
         </p:spPr>
         <p:txBody>
-          <a:bodyPr anchor="t"/>
+          <a:bodyPr anchor="t" anchorCtr="0"/>
           <a:lstStyle>
-            <a:lvl1pPr algn="l">
-              <a:defRPr sz="4000" b="1" cap="all"/>
+            <a:lvl1pPr algn="r">
+              <a:buNone/>
+              <a:defRPr sz="3200" b="0" cap="none" baseline="0"/>
             </a:lvl1pPr>
           </a:lstStyle>
           <a:p>
             <a:r>
-              <a:rPr lang="es-ES" smtClean="0"/>
+              <a:rPr kumimoji="0" lang="es-ES" smtClean="0"/>
               <a:t>Haga clic para modificar el estilo de título del patrón</a:t>
             </a:r>
-            <a:endParaRPr lang="es-ES"/>
+            <a:endParaRPr kumimoji="0" lang="en-US"/>
           </a:p>
         </p:txBody>
       </p:sp>
@@ -947,14 +1236,14 @@
         </p:nvSpPr>
         <p:spPr>
           <a:xfrm>
-            <a:off x="722313" y="2906713"/>
-            <a:ext cx="7772400" cy="1500187"/>
+            <a:off x="1295400" y="4267200"/>
+            <a:ext cx="6781800" cy="1143000"/>
           </a:xfrm>
         </p:spPr>
         <p:txBody>
-          <a:bodyPr anchor="b"/>
+          <a:bodyPr anchor="t" anchorCtr="0"/>
           <a:lstStyle>
-            <a:lvl1pPr marL="0" indent="0">
+            <a:lvl1pPr marL="0" indent="0" algn="r">
               <a:buNone/>
               <a:defRPr sz="2000">
                 <a:solidFill>
@@ -964,7 +1253,7 @@
                 </a:solidFill>
               </a:defRPr>
             </a:lvl1pPr>
-            <a:lvl2pPr marL="457200" indent="0">
+            <a:lvl2pPr>
               <a:buNone/>
               <a:defRPr sz="1800">
                 <a:solidFill>
@@ -974,7 +1263,7 @@
                 </a:solidFill>
               </a:defRPr>
             </a:lvl2pPr>
-            <a:lvl3pPr marL="914400" indent="0">
+            <a:lvl3pPr>
               <a:buNone/>
               <a:defRPr sz="1600">
                 <a:solidFill>
@@ -984,7 +1273,7 @@
                 </a:solidFill>
               </a:defRPr>
             </a:lvl3pPr>
-            <a:lvl4pPr marL="1371600" indent="0">
+            <a:lvl4pPr>
               <a:buNone/>
               <a:defRPr sz="1400">
                 <a:solidFill>
@@ -994,7 +1283,7 @@
                 </a:solidFill>
               </a:defRPr>
             </a:lvl4pPr>
-            <a:lvl5pPr marL="1828800" indent="0">
+            <a:lvl5pPr>
               <a:buNone/>
               <a:defRPr sz="1400">
                 <a:solidFill>
@@ -1004,51 +1293,11 @@
                 </a:solidFill>
               </a:defRPr>
             </a:lvl5pPr>
-            <a:lvl6pPr marL="2286000" indent="0">
-              <a:buNone/>
-              <a:defRPr sz="1400">
-                <a:solidFill>
-                  <a:schemeClr val="tx1">
-                    <a:tint val="75000"/>
-                  </a:schemeClr>
-                </a:solidFill>
-              </a:defRPr>
-            </a:lvl6pPr>
-            <a:lvl7pPr marL="2743200" indent="0">
-              <a:buNone/>
-              <a:defRPr sz="1400">
-                <a:solidFill>
-                  <a:schemeClr val="tx1">
-                    <a:tint val="75000"/>
-                  </a:schemeClr>
-                </a:solidFill>
-              </a:defRPr>
-            </a:lvl7pPr>
-            <a:lvl8pPr marL="3200400" indent="0">
-              <a:buNone/>
-              <a:defRPr sz="1400">
-                <a:solidFill>
-                  <a:schemeClr val="tx1">
-                    <a:tint val="75000"/>
-                  </a:schemeClr>
-                </a:solidFill>
-              </a:defRPr>
-            </a:lvl8pPr>
-            <a:lvl9pPr marL="3657600" indent="0">
-              <a:buNone/>
-              <a:defRPr sz="1400">
-                <a:solidFill>
-                  <a:schemeClr val="tx1">
-                    <a:tint val="75000"/>
-                  </a:schemeClr>
-                </a:solidFill>
-              </a:defRPr>
-            </a:lvl9pPr>
           </a:lstStyle>
           <a:p>
-            <a:pPr lvl="0"/>
-            <a:r>
-              <a:rPr lang="es-ES" smtClean="0"/>
+            <a:pPr lvl="0" eaLnBrk="1" latinLnBrk="0" hangingPunct="1"/>
+            <a:r>
+              <a:rPr kumimoji="0" lang="es-ES" smtClean="0"/>
               <a:t>Haga clic para modificar el estilo de texto del patrón</a:t>
             </a:r>
           </a:p>
@@ -1064,7 +1313,12 @@
             <p:ph type="dt" sz="half" idx="10"/>
           </p:nvPr>
         </p:nvSpPr>
-        <p:spPr/>
+        <p:spPr>
+          <a:xfrm>
+            <a:off x="6400800" y="6355080"/>
+            <a:ext cx="2286000" cy="365760"/>
+          </a:xfrm>
+        </p:spPr>
         <p:txBody>
           <a:bodyPr/>
           <a:lstStyle/>
@@ -1088,7 +1342,12 @@
             <p:ph type="ftr" sz="quarter" idx="11"/>
           </p:nvPr>
         </p:nvSpPr>
-        <p:spPr/>
+        <p:spPr>
+          <a:xfrm>
+            <a:off x="2898648" y="6355080"/>
+            <a:ext cx="3474720" cy="365760"/>
+          </a:xfrm>
+        </p:spPr>
         <p:txBody>
           <a:bodyPr/>
           <a:lstStyle/>
@@ -1107,7 +1366,12 @@
             <p:ph type="sldNum" sz="quarter" idx="12"/>
           </p:nvPr>
         </p:nvSpPr>
-        <p:spPr/>
+        <p:spPr>
+          <a:xfrm>
+            <a:off x="1069848" y="6355080"/>
+            <a:ext cx="1520952" cy="365760"/>
+          </a:xfrm>
+        </p:spPr>
         <p:txBody>
           <a:bodyPr/>
           <a:lstStyle/>
@@ -1121,10 +1385,102 @@
           </a:p>
         </p:txBody>
       </p:sp>
+      <p:sp>
+        <p:nvSpPr>
+          <p:cNvPr id="7" name="6 Rectángulo"/>
+          <p:cNvSpPr/>
+          <p:nvPr/>
+        </p:nvSpPr>
+        <p:spPr>
+          <a:xfrm>
+            <a:off x="914400" y="2819400"/>
+            <a:ext cx="7315200" cy="1280160"/>
+          </a:xfrm>
+          <a:prstGeom prst="rect">
+            <a:avLst/>
+          </a:prstGeom>
+          <a:noFill/>
+          <a:ln w="6350" cap="rnd" cmpd="sng" algn="ctr">
+            <a:solidFill>
+              <a:schemeClr val="accent1"/>
+            </a:solidFill>
+            <a:prstDash val="solid"/>
+          </a:ln>
+          <a:effectLst/>
+        </p:spPr>
+        <p:style>
+          <a:lnRef idx="3">
+            <a:schemeClr val="lt1"/>
+          </a:lnRef>
+          <a:fillRef idx="1">
+            <a:schemeClr val="accent1"/>
+          </a:fillRef>
+          <a:effectRef idx="1">
+            <a:schemeClr val="accent1"/>
+          </a:effectRef>
+          <a:fontRef idx="minor">
+            <a:schemeClr val="lt1"/>
+          </a:fontRef>
+        </p:style>
+        <p:txBody>
+          <a:bodyPr anchor="ctr"/>
+          <a:lstStyle/>
+          <a:p>
+            <a:pPr algn="ctr" eaLnBrk="1" latinLnBrk="0" hangingPunct="1"/>
+            <a:endParaRPr kumimoji="0" lang="en-US"/>
+          </a:p>
+        </p:txBody>
+      </p:sp>
+      <p:sp>
+        <p:nvSpPr>
+          <p:cNvPr id="8" name="7 Rectángulo"/>
+          <p:cNvSpPr/>
+          <p:nvPr/>
+        </p:nvSpPr>
+        <p:spPr>
+          <a:xfrm>
+            <a:off x="914400" y="2819400"/>
+            <a:ext cx="228600" cy="1280160"/>
+          </a:xfrm>
+          <a:prstGeom prst="rect">
+            <a:avLst/>
+          </a:prstGeom>
+          <a:solidFill>
+            <a:schemeClr val="accent1"/>
+          </a:solidFill>
+          <a:ln w="6350" cap="rnd" cmpd="sng" algn="ctr">
+            <a:noFill/>
+            <a:prstDash val="solid"/>
+          </a:ln>
+          <a:effectLst/>
+        </p:spPr>
+        <p:style>
+          <a:lnRef idx="3">
+            <a:schemeClr val="lt1"/>
+          </a:lnRef>
+          <a:fillRef idx="1">
+            <a:schemeClr val="accent1"/>
+          </a:fillRef>
+          <a:effectRef idx="1">
+            <a:schemeClr val="accent1"/>
+          </a:effectRef>
+          <a:fontRef idx="minor">
+            <a:schemeClr val="lt1"/>
+          </a:fontRef>
+        </p:style>
+        <p:txBody>
+          <a:bodyPr anchor="ctr"/>
+          <a:lstStyle/>
+          <a:p>
+            <a:pPr algn="ctr" eaLnBrk="1" latinLnBrk="0" hangingPunct="1"/>
+            <a:endParaRPr kumimoji="0" lang="en-US"/>
+          </a:p>
+        </p:txBody>
+      </p:sp>
     </p:spTree>
   </p:cSld>
   <p:clrMapOvr>
-    <a:masterClrMapping/>
+    <a:overrideClrMapping bg1="dk1" tx1="lt1" bg2="dk2" tx2="lt2" accent1="accent1" accent2="accent2" accent3="accent3" accent4="accent4" accent5="accent5" accent6="accent6" hlink="hlink" folHlink="folHlink"/>
   </p:clrMapOvr>
 </p:sldLayout>
 </file>
@@ -1156,186 +1512,21 @@
             <p:ph type="title"/>
           </p:nvPr>
         </p:nvSpPr>
-        <p:spPr/>
-        <p:txBody>
-          <a:bodyPr/>
-          <a:lstStyle/>
-          <a:p>
-            <a:r>
-              <a:rPr lang="es-ES" smtClean="0"/>
-              <a:t>Haga clic para modificar el estilo de título del patrón</a:t>
-            </a:r>
-            <a:endParaRPr lang="es-ES"/>
-          </a:p>
-        </p:txBody>
-      </p:sp>
-      <p:sp>
-        <p:nvSpPr>
-          <p:cNvPr id="3" name="2 Marcador de contenido"/>
-          <p:cNvSpPr>
-            <a:spLocks noGrp="1"/>
-          </p:cNvSpPr>
-          <p:nvPr>
-            <p:ph sz="half" idx="1"/>
-          </p:nvPr>
-        </p:nvSpPr>
         <p:spPr>
           <a:xfrm>
-            <a:off x="457200" y="1600200"/>
-            <a:ext cx="4038600" cy="4525963"/>
+            <a:off x="457200" y="228600"/>
+            <a:ext cx="8229600" cy="914400"/>
           </a:xfrm>
         </p:spPr>
         <p:txBody>
           <a:bodyPr/>
-          <a:lstStyle>
-            <a:lvl1pPr>
-              <a:defRPr sz="2800"/>
-            </a:lvl1pPr>
-            <a:lvl2pPr>
-              <a:defRPr sz="2400"/>
-            </a:lvl2pPr>
-            <a:lvl3pPr>
-              <a:defRPr sz="2000"/>
-            </a:lvl3pPr>
-            <a:lvl4pPr>
-              <a:defRPr sz="1800"/>
-            </a:lvl4pPr>
-            <a:lvl5pPr>
-              <a:defRPr sz="1800"/>
-            </a:lvl5pPr>
-            <a:lvl6pPr>
-              <a:defRPr sz="1800"/>
-            </a:lvl6pPr>
-            <a:lvl7pPr>
-              <a:defRPr sz="1800"/>
-            </a:lvl7pPr>
-            <a:lvl8pPr>
-              <a:defRPr sz="1800"/>
-            </a:lvl8pPr>
-            <a:lvl9pPr>
-              <a:defRPr sz="1800"/>
-            </a:lvl9pPr>
-          </a:lstStyle>
-          <a:p>
-            <a:pPr lvl="0"/>
-            <a:r>
-              <a:rPr lang="es-ES" smtClean="0"/>
-              <a:t>Haga clic para modificar el estilo de texto del patrón</a:t>
-            </a:r>
-          </a:p>
-          <a:p>
-            <a:pPr lvl="1"/>
-            <a:r>
-              <a:rPr lang="es-ES" smtClean="0"/>
-              <a:t>Segundo nivel</a:t>
-            </a:r>
-          </a:p>
-          <a:p>
-            <a:pPr lvl="2"/>
-            <a:r>
-              <a:rPr lang="es-ES" smtClean="0"/>
-              <a:t>Tercer nivel</a:t>
-            </a:r>
-          </a:p>
-          <a:p>
-            <a:pPr lvl="3"/>
-            <a:r>
-              <a:rPr lang="es-ES" smtClean="0"/>
-              <a:t>Cuarto nivel</a:t>
-            </a:r>
-          </a:p>
-          <a:p>
-            <a:pPr lvl="4"/>
-            <a:r>
-              <a:rPr lang="es-ES" smtClean="0"/>
-              <a:t>Quinto nivel</a:t>
-            </a:r>
-            <a:endParaRPr lang="es-ES"/>
-          </a:p>
-        </p:txBody>
-      </p:sp>
-      <p:sp>
-        <p:nvSpPr>
-          <p:cNvPr id="4" name="3 Marcador de contenido"/>
-          <p:cNvSpPr>
-            <a:spLocks noGrp="1"/>
-          </p:cNvSpPr>
-          <p:nvPr>
-            <p:ph sz="half" idx="2"/>
-          </p:nvPr>
-        </p:nvSpPr>
-        <p:spPr>
-          <a:xfrm>
-            <a:off x="4648200" y="1600200"/>
-            <a:ext cx="4038600" cy="4525963"/>
-          </a:xfrm>
-        </p:spPr>
-        <p:txBody>
-          <a:bodyPr/>
-          <a:lstStyle>
-            <a:lvl1pPr>
-              <a:defRPr sz="2800"/>
-            </a:lvl1pPr>
-            <a:lvl2pPr>
-              <a:defRPr sz="2400"/>
-            </a:lvl2pPr>
-            <a:lvl3pPr>
-              <a:defRPr sz="2000"/>
-            </a:lvl3pPr>
-            <a:lvl4pPr>
-              <a:defRPr sz="1800"/>
-            </a:lvl4pPr>
-            <a:lvl5pPr>
-              <a:defRPr sz="1800"/>
-            </a:lvl5pPr>
-            <a:lvl6pPr>
-              <a:defRPr sz="1800"/>
-            </a:lvl6pPr>
-            <a:lvl7pPr>
-              <a:defRPr sz="1800"/>
-            </a:lvl7pPr>
-            <a:lvl8pPr>
-              <a:defRPr sz="1800"/>
-            </a:lvl8pPr>
-            <a:lvl9pPr>
-              <a:defRPr sz="1800"/>
-            </a:lvl9pPr>
-          </a:lstStyle>
-          <a:p>
-            <a:pPr lvl="0"/>
-            <a:r>
-              <a:rPr lang="es-ES" smtClean="0"/>
-              <a:t>Haga clic para modificar el estilo de texto del patrón</a:t>
-            </a:r>
-          </a:p>
-          <a:p>
-            <a:pPr lvl="1"/>
-            <a:r>
-              <a:rPr lang="es-ES" smtClean="0"/>
-              <a:t>Segundo nivel</a:t>
-            </a:r>
-          </a:p>
-          <a:p>
-            <a:pPr lvl="2"/>
-            <a:r>
-              <a:rPr lang="es-ES" smtClean="0"/>
-              <a:t>Tercer nivel</a:t>
-            </a:r>
-          </a:p>
-          <a:p>
-            <a:pPr lvl="3"/>
-            <a:r>
-              <a:rPr lang="es-ES" smtClean="0"/>
-              <a:t>Cuarto nivel</a:t>
-            </a:r>
-          </a:p>
-          <a:p>
-            <a:pPr lvl="4"/>
-            <a:r>
-              <a:rPr lang="es-ES" smtClean="0"/>
-              <a:t>Quinto nivel</a:t>
-            </a:r>
-            <a:endParaRPr lang="es-ES"/>
+          <a:lstStyle/>
+          <a:p>
+            <a:r>
+              <a:rPr kumimoji="0" lang="es-ES" smtClean="0"/>
+              <a:t>Haga clic para modificar el estilo de título del patrón</a:t>
+            </a:r>
+            <a:endParaRPr kumimoji="0" lang="en-US"/>
           </a:p>
         </p:txBody>
       </p:sp>
@@ -1403,6 +1594,120 @@
               <a:t>‹Nº›</a:t>
             </a:fld>
             <a:endParaRPr lang="es-ES"/>
+          </a:p>
+        </p:txBody>
+      </p:sp>
+      <p:sp>
+        <p:nvSpPr>
+          <p:cNvPr id="9" name="8 Marcador de contenido"/>
+          <p:cNvSpPr>
+            <a:spLocks noGrp="1"/>
+          </p:cNvSpPr>
+          <p:nvPr>
+            <p:ph sz="quarter" idx="1"/>
+          </p:nvPr>
+        </p:nvSpPr>
+        <p:spPr>
+          <a:xfrm>
+            <a:off x="457200" y="1219200"/>
+            <a:ext cx="4041648" cy="4937760"/>
+          </a:xfrm>
+        </p:spPr>
+        <p:txBody>
+          <a:bodyPr/>
+          <a:lstStyle/>
+          <a:p>
+            <a:pPr lvl="0" eaLnBrk="1" latinLnBrk="0" hangingPunct="1"/>
+            <a:r>
+              <a:rPr lang="es-ES" smtClean="0"/>
+              <a:t>Haga clic para modificar el estilo de texto del patrón</a:t>
+            </a:r>
+          </a:p>
+          <a:p>
+            <a:pPr lvl="1" eaLnBrk="1" latinLnBrk="0" hangingPunct="1"/>
+            <a:r>
+              <a:rPr lang="es-ES" smtClean="0"/>
+              <a:t>Segundo nivel</a:t>
+            </a:r>
+          </a:p>
+          <a:p>
+            <a:pPr lvl="2" eaLnBrk="1" latinLnBrk="0" hangingPunct="1"/>
+            <a:r>
+              <a:rPr lang="es-ES" smtClean="0"/>
+              <a:t>Tercer nivel</a:t>
+            </a:r>
+          </a:p>
+          <a:p>
+            <a:pPr lvl="3" eaLnBrk="1" latinLnBrk="0" hangingPunct="1"/>
+            <a:r>
+              <a:rPr lang="es-ES" smtClean="0"/>
+              <a:t>Cuarto nivel</a:t>
+            </a:r>
+          </a:p>
+          <a:p>
+            <a:pPr lvl="4" eaLnBrk="1" latinLnBrk="0" hangingPunct="1"/>
+            <a:r>
+              <a:rPr lang="es-ES" smtClean="0"/>
+              <a:t>Quinto nivel</a:t>
+            </a:r>
+            <a:endParaRPr kumimoji="0" lang="en-US"/>
+          </a:p>
+        </p:txBody>
+      </p:sp>
+      <p:sp>
+        <p:nvSpPr>
+          <p:cNvPr id="11" name="10 Marcador de contenido"/>
+          <p:cNvSpPr>
+            <a:spLocks noGrp="1"/>
+          </p:cNvSpPr>
+          <p:nvPr>
+            <p:ph sz="quarter" idx="2"/>
+          </p:nvPr>
+        </p:nvSpPr>
+        <p:spPr>
+          <a:xfrm>
+            <a:off x="4632198" y="1216152"/>
+            <a:ext cx="4041648" cy="4937760"/>
+          </a:xfrm>
+        </p:spPr>
+        <p:txBody>
+          <a:bodyPr/>
+          <a:lstStyle/>
+          <a:p>
+            <a:pPr lvl="0" eaLnBrk="1" latinLnBrk="0" hangingPunct="1"/>
+            <a:r>
+              <a:rPr lang="es-ES" smtClean="0"/>
+              <a:t>Haga clic para modificar el estilo de texto del patrón</a:t>
+            </a:r>
+          </a:p>
+          <a:p>
+            <a:pPr lvl="1" eaLnBrk="1" latinLnBrk="0" hangingPunct="1"/>
+            <a:r>
+              <a:rPr lang="es-ES" smtClean="0"/>
+              <a:t>Segundo nivel</a:t>
+            </a:r>
+          </a:p>
+          <a:p>
+            <a:pPr lvl="2" eaLnBrk="1" latinLnBrk="0" hangingPunct="1"/>
+            <a:r>
+              <a:rPr lang="es-ES" smtClean="0"/>
+              <a:t>Tercer nivel</a:t>
+            </a:r>
+          </a:p>
+          <a:p>
+            <a:pPr lvl="3" eaLnBrk="1" latinLnBrk="0" hangingPunct="1"/>
+            <a:r>
+              <a:rPr lang="es-ES" smtClean="0"/>
+              <a:t>Cuarto nivel</a:t>
+            </a:r>
+          </a:p>
+          <a:p>
+            <a:pPr lvl="4" eaLnBrk="1" latinLnBrk="0" hangingPunct="1"/>
+            <a:r>
+              <a:rPr lang="es-ES" smtClean="0"/>
+              <a:t>Quinto nivel</a:t>
+            </a:r>
+            <a:endParaRPr kumimoji="0" lang="en-US"/>
           </a:p>
         </p:txBody>
       </p:sp>
@@ -1441,9 +1746,14 @@
             <p:ph type="title"/>
           </p:nvPr>
         </p:nvSpPr>
-        <p:spPr/>
-        <p:txBody>
-          <a:bodyPr/>
+        <p:spPr>
+          <a:xfrm>
+            <a:off x="457200" y="228600"/>
+            <a:ext cx="8229600" cy="914400"/>
+          </a:xfrm>
+        </p:spPr>
+        <p:txBody>
+          <a:bodyPr anchor="ctr"/>
           <a:lstStyle>
             <a:lvl1pPr>
               <a:defRPr/>
@@ -1451,10 +1761,10 @@
           </a:lstStyle>
           <a:p>
             <a:r>
-              <a:rPr lang="es-ES" smtClean="0"/>
+              <a:rPr kumimoji="0" lang="es-ES" smtClean="0"/>
               <a:t>Haga clic para modificar el estilo de título del patrón</a:t>
             </a:r>
-            <a:endParaRPr lang="es-ES"/>
+            <a:endParaRPr kumimoji="0" lang="en-US"/>
           </a:p>
         </p:txBody>
       </p:sp>
@@ -1470,54 +1780,48 @@
         </p:nvSpPr>
         <p:spPr>
           <a:xfrm>
-            <a:off x="457200" y="1535113"/>
-            <a:ext cx="4040188" cy="639762"/>
+            <a:off x="457200" y="1285875"/>
+            <a:ext cx="4040188" cy="685800"/>
           </a:xfrm>
+          <a:noFill/>
+          <a:ln>
+            <a:noFill/>
+          </a:ln>
         </p:spPr>
         <p:txBody>
-          <a:bodyPr anchor="b"/>
+          <a:bodyPr lIns="91440" anchor="b" anchorCtr="0">
+            <a:noAutofit/>
+          </a:bodyPr>
           <a:lstStyle>
             <a:lvl1pPr marL="0" indent="0">
               <a:buNone/>
-              <a:defRPr sz="2400" b="1"/>
+              <a:defRPr sz="2400" b="1">
+                <a:solidFill>
+                  <a:schemeClr val="accent2"/>
+                </a:solidFill>
+              </a:defRPr>
             </a:lvl1pPr>
-            <a:lvl2pPr marL="457200" indent="0">
+            <a:lvl2pPr>
               <a:buNone/>
               <a:defRPr sz="2000" b="1"/>
             </a:lvl2pPr>
-            <a:lvl3pPr marL="914400" indent="0">
+            <a:lvl3pPr>
               <a:buNone/>
               <a:defRPr sz="1800" b="1"/>
             </a:lvl3pPr>
-            <a:lvl4pPr marL="1371600" indent="0">
+            <a:lvl4pPr>
               <a:buNone/>
               <a:defRPr sz="1600" b="1"/>
             </a:lvl4pPr>
-            <a:lvl5pPr marL="1828800" indent="0">
+            <a:lvl5pPr>
               <a:buNone/>
               <a:defRPr sz="1600" b="1"/>
             </a:lvl5pPr>
-            <a:lvl6pPr marL="2286000" indent="0">
-              <a:buNone/>
-              <a:defRPr sz="1600" b="1"/>
-            </a:lvl6pPr>
-            <a:lvl7pPr marL="2743200" indent="0">
-              <a:buNone/>
-              <a:defRPr sz="1600" b="1"/>
-            </a:lvl7pPr>
-            <a:lvl8pPr marL="3200400" indent="0">
-              <a:buNone/>
-              <a:defRPr sz="1600" b="1"/>
-            </a:lvl8pPr>
-            <a:lvl9pPr marL="3657600" indent="0">
-              <a:buNone/>
-              <a:defRPr sz="1600" b="1"/>
-            </a:lvl9pPr>
           </a:lstStyle>
           <a:p>
-            <a:pPr lvl="0"/>
-            <a:r>
-              <a:rPr lang="es-ES" smtClean="0"/>
+            <a:pPr lvl="0" eaLnBrk="1" latinLnBrk="0" hangingPunct="1"/>
+            <a:r>
+              <a:rPr kumimoji="0" lang="es-ES" smtClean="0"/>
               <a:t>Haga clic para modificar el estilo de texto del patrón</a:t>
             </a:r>
           </a:p>
@@ -1525,236 +1829,58 @@
       </p:sp>
       <p:sp>
         <p:nvSpPr>
-          <p:cNvPr id="4" name="3 Marcador de contenido"/>
-          <p:cNvSpPr>
-            <a:spLocks noGrp="1"/>
-          </p:cNvSpPr>
-          <p:nvPr>
-            <p:ph sz="half" idx="2"/>
+          <p:cNvPr id="4" name="3 Marcador de texto"/>
+          <p:cNvSpPr>
+            <a:spLocks noGrp="1"/>
+          </p:cNvSpPr>
+          <p:nvPr>
+            <p:ph type="body" sz="half" idx="3"/>
           </p:nvPr>
         </p:nvSpPr>
         <p:spPr>
           <a:xfrm>
-            <a:off x="457200" y="2174875"/>
-            <a:ext cx="4040188" cy="3951288"/>
+            <a:off x="4648200" y="1295400"/>
+            <a:ext cx="4041775" cy="685800"/>
           </a:xfrm>
+          <a:noFill/>
+          <a:ln>
+            <a:noFill/>
+          </a:ln>
         </p:spPr>
         <p:txBody>
-          <a:bodyPr/>
+          <a:bodyPr lIns="91440" anchor="b" anchorCtr="0"/>
           <a:lstStyle>
-            <a:lvl1pPr>
-              <a:defRPr sz="2400"/>
+            <a:lvl1pPr marL="0" indent="0">
+              <a:buNone/>
+              <a:defRPr sz="2400" b="1">
+                <a:solidFill>
+                  <a:schemeClr val="accent2"/>
+                </a:solidFill>
+              </a:defRPr>
             </a:lvl1pPr>
             <a:lvl2pPr>
-              <a:defRPr sz="2000"/>
+              <a:buNone/>
+              <a:defRPr sz="2000" b="1"/>
             </a:lvl2pPr>
             <a:lvl3pPr>
-              <a:defRPr sz="1800"/>
+              <a:buNone/>
+              <a:defRPr sz="1800" b="1"/>
             </a:lvl3pPr>
             <a:lvl4pPr>
-              <a:defRPr sz="1600"/>
+              <a:buNone/>
+              <a:defRPr sz="1600" b="1"/>
             </a:lvl4pPr>
             <a:lvl5pPr>
-              <a:defRPr sz="1600"/>
-            </a:lvl5pPr>
-            <a:lvl6pPr>
-              <a:defRPr sz="1600"/>
-            </a:lvl6pPr>
-            <a:lvl7pPr>
-              <a:defRPr sz="1600"/>
-            </a:lvl7pPr>
-            <a:lvl8pPr>
-              <a:defRPr sz="1600"/>
-            </a:lvl8pPr>
-            <a:lvl9pPr>
-              <a:defRPr sz="1600"/>
-            </a:lvl9pPr>
-          </a:lstStyle>
-          <a:p>
-            <a:pPr lvl="0"/>
-            <a:r>
-              <a:rPr lang="es-ES" smtClean="0"/>
-              <a:t>Haga clic para modificar el estilo de texto del patrón</a:t>
-            </a:r>
-          </a:p>
-          <a:p>
-            <a:pPr lvl="1"/>
-            <a:r>
-              <a:rPr lang="es-ES" smtClean="0"/>
-              <a:t>Segundo nivel</a:t>
-            </a:r>
-          </a:p>
-          <a:p>
-            <a:pPr lvl="2"/>
-            <a:r>
-              <a:rPr lang="es-ES" smtClean="0"/>
-              <a:t>Tercer nivel</a:t>
-            </a:r>
-          </a:p>
-          <a:p>
-            <a:pPr lvl="3"/>
-            <a:r>
-              <a:rPr lang="es-ES" smtClean="0"/>
-              <a:t>Cuarto nivel</a:t>
-            </a:r>
-          </a:p>
-          <a:p>
-            <a:pPr lvl="4"/>
-            <a:r>
-              <a:rPr lang="es-ES" smtClean="0"/>
-              <a:t>Quinto nivel</a:t>
-            </a:r>
-            <a:endParaRPr lang="es-ES"/>
-          </a:p>
-        </p:txBody>
-      </p:sp>
-      <p:sp>
-        <p:nvSpPr>
-          <p:cNvPr id="5" name="4 Marcador de texto"/>
-          <p:cNvSpPr>
-            <a:spLocks noGrp="1"/>
-          </p:cNvSpPr>
-          <p:nvPr>
-            <p:ph type="body" sz="quarter" idx="3"/>
-          </p:nvPr>
-        </p:nvSpPr>
-        <p:spPr>
-          <a:xfrm>
-            <a:off x="4645025" y="1535113"/>
-            <a:ext cx="4041775" cy="639762"/>
-          </a:xfrm>
-        </p:spPr>
-        <p:txBody>
-          <a:bodyPr anchor="b"/>
-          <a:lstStyle>
-            <a:lvl1pPr marL="0" indent="0">
-              <a:buNone/>
-              <a:defRPr sz="2400" b="1"/>
-            </a:lvl1pPr>
-            <a:lvl2pPr marL="457200" indent="0">
-              <a:buNone/>
-              <a:defRPr sz="2000" b="1"/>
-            </a:lvl2pPr>
-            <a:lvl3pPr marL="914400" indent="0">
-              <a:buNone/>
-              <a:defRPr sz="1800" b="1"/>
-            </a:lvl3pPr>
-            <a:lvl4pPr marL="1371600" indent="0">
-              <a:buNone/>
-              <a:defRPr sz="1600" b="1"/>
-            </a:lvl4pPr>
-            <a:lvl5pPr marL="1828800" indent="0">
               <a:buNone/>
               <a:defRPr sz="1600" b="1"/>
             </a:lvl5pPr>
-            <a:lvl6pPr marL="2286000" indent="0">
-              <a:buNone/>
-              <a:defRPr sz="1600" b="1"/>
-            </a:lvl6pPr>
-            <a:lvl7pPr marL="2743200" indent="0">
-              <a:buNone/>
-              <a:defRPr sz="1600" b="1"/>
-            </a:lvl7pPr>
-            <a:lvl8pPr marL="3200400" indent="0">
-              <a:buNone/>
-              <a:defRPr sz="1600" b="1"/>
-            </a:lvl8pPr>
-            <a:lvl9pPr marL="3657600" indent="0">
-              <a:buNone/>
-              <a:defRPr sz="1600" b="1"/>
-            </a:lvl9pPr>
           </a:lstStyle>
           <a:p>
-            <a:pPr lvl="0"/>
-            <a:r>
-              <a:rPr lang="es-ES" smtClean="0"/>
+            <a:pPr lvl="0" eaLnBrk="1" latinLnBrk="0" hangingPunct="1"/>
+            <a:r>
+              <a:rPr kumimoji="0" lang="es-ES" smtClean="0"/>
               <a:t>Haga clic para modificar el estilo de texto del patrón</a:t>
             </a:r>
-          </a:p>
-        </p:txBody>
-      </p:sp>
-      <p:sp>
-        <p:nvSpPr>
-          <p:cNvPr id="6" name="5 Marcador de contenido"/>
-          <p:cNvSpPr>
-            <a:spLocks noGrp="1"/>
-          </p:cNvSpPr>
-          <p:nvPr>
-            <p:ph sz="quarter" idx="4"/>
-          </p:nvPr>
-        </p:nvSpPr>
-        <p:spPr>
-          <a:xfrm>
-            <a:off x="4645025" y="2174875"/>
-            <a:ext cx="4041775" cy="3951288"/>
-          </a:xfrm>
-        </p:spPr>
-        <p:txBody>
-          <a:bodyPr/>
-          <a:lstStyle>
-            <a:lvl1pPr>
-              <a:defRPr sz="2400"/>
-            </a:lvl1pPr>
-            <a:lvl2pPr>
-              <a:defRPr sz="2000"/>
-            </a:lvl2pPr>
-            <a:lvl3pPr>
-              <a:defRPr sz="1800"/>
-            </a:lvl3pPr>
-            <a:lvl4pPr>
-              <a:defRPr sz="1600"/>
-            </a:lvl4pPr>
-            <a:lvl5pPr>
-              <a:defRPr sz="1600"/>
-            </a:lvl5pPr>
-            <a:lvl6pPr>
-              <a:defRPr sz="1600"/>
-            </a:lvl6pPr>
-            <a:lvl7pPr>
-              <a:defRPr sz="1600"/>
-            </a:lvl7pPr>
-            <a:lvl8pPr>
-              <a:defRPr sz="1600"/>
-            </a:lvl8pPr>
-            <a:lvl9pPr>
-              <a:defRPr sz="1600"/>
-            </a:lvl9pPr>
-          </a:lstStyle>
-          <a:p>
-            <a:pPr lvl="0"/>
-            <a:r>
-              <a:rPr lang="es-ES" smtClean="0"/>
-              <a:t>Haga clic para modificar el estilo de texto del patrón</a:t>
-            </a:r>
-          </a:p>
-          <a:p>
-            <a:pPr lvl="1"/>
-            <a:r>
-              <a:rPr lang="es-ES" smtClean="0"/>
-              <a:t>Segundo nivel</a:t>
-            </a:r>
-          </a:p>
-          <a:p>
-            <a:pPr lvl="2"/>
-            <a:r>
-              <a:rPr lang="es-ES" smtClean="0"/>
-              <a:t>Tercer nivel</a:t>
-            </a:r>
-          </a:p>
-          <a:p>
-            <a:pPr lvl="3"/>
-            <a:r>
-              <a:rPr lang="es-ES" smtClean="0"/>
-              <a:t>Cuarto nivel</a:t>
-            </a:r>
-          </a:p>
-          <a:p>
-            <a:pPr lvl="4"/>
-            <a:r>
-              <a:rPr lang="es-ES" smtClean="0"/>
-              <a:t>Quinto nivel</a:t>
-            </a:r>
-            <a:endParaRPr lang="es-ES"/>
           </a:p>
         </p:txBody>
       </p:sp>
@@ -1822,6 +1948,120 @@
               <a:t>‹Nº›</a:t>
             </a:fld>
             <a:endParaRPr lang="es-ES"/>
+          </a:p>
+        </p:txBody>
+      </p:sp>
+      <p:sp>
+        <p:nvSpPr>
+          <p:cNvPr id="11" name="10 Marcador de contenido"/>
+          <p:cNvSpPr>
+            <a:spLocks noGrp="1"/>
+          </p:cNvSpPr>
+          <p:nvPr>
+            <p:ph sz="quarter" idx="2"/>
+          </p:nvPr>
+        </p:nvSpPr>
+        <p:spPr>
+          <a:xfrm>
+            <a:off x="457200" y="2133600"/>
+            <a:ext cx="4038600" cy="4038600"/>
+          </a:xfrm>
+        </p:spPr>
+        <p:txBody>
+          <a:bodyPr/>
+          <a:lstStyle/>
+          <a:p>
+            <a:pPr lvl="0" eaLnBrk="1" latinLnBrk="0" hangingPunct="1"/>
+            <a:r>
+              <a:rPr lang="es-ES" smtClean="0"/>
+              <a:t>Haga clic para modificar el estilo de texto del patrón</a:t>
+            </a:r>
+          </a:p>
+          <a:p>
+            <a:pPr lvl="1" eaLnBrk="1" latinLnBrk="0" hangingPunct="1"/>
+            <a:r>
+              <a:rPr lang="es-ES" smtClean="0"/>
+              <a:t>Segundo nivel</a:t>
+            </a:r>
+          </a:p>
+          <a:p>
+            <a:pPr lvl="2" eaLnBrk="1" latinLnBrk="0" hangingPunct="1"/>
+            <a:r>
+              <a:rPr lang="es-ES" smtClean="0"/>
+              <a:t>Tercer nivel</a:t>
+            </a:r>
+          </a:p>
+          <a:p>
+            <a:pPr lvl="3" eaLnBrk="1" latinLnBrk="0" hangingPunct="1"/>
+            <a:r>
+              <a:rPr lang="es-ES" smtClean="0"/>
+              <a:t>Cuarto nivel</a:t>
+            </a:r>
+          </a:p>
+          <a:p>
+            <a:pPr lvl="4" eaLnBrk="1" latinLnBrk="0" hangingPunct="1"/>
+            <a:r>
+              <a:rPr lang="es-ES" smtClean="0"/>
+              <a:t>Quinto nivel</a:t>
+            </a:r>
+            <a:endParaRPr kumimoji="0" lang="en-US"/>
+          </a:p>
+        </p:txBody>
+      </p:sp>
+      <p:sp>
+        <p:nvSpPr>
+          <p:cNvPr id="13" name="12 Marcador de contenido"/>
+          <p:cNvSpPr>
+            <a:spLocks noGrp="1"/>
+          </p:cNvSpPr>
+          <p:nvPr>
+            <p:ph sz="quarter" idx="4"/>
+          </p:nvPr>
+        </p:nvSpPr>
+        <p:spPr>
+          <a:xfrm>
+            <a:off x="4648200" y="2133600"/>
+            <a:ext cx="4038600" cy="4038600"/>
+          </a:xfrm>
+        </p:spPr>
+        <p:txBody>
+          <a:bodyPr/>
+          <a:lstStyle/>
+          <a:p>
+            <a:pPr lvl="0" eaLnBrk="1" latinLnBrk="0" hangingPunct="1"/>
+            <a:r>
+              <a:rPr lang="es-ES" smtClean="0"/>
+              <a:t>Haga clic para modificar el estilo de texto del patrón</a:t>
+            </a:r>
+          </a:p>
+          <a:p>
+            <a:pPr lvl="1" eaLnBrk="1" latinLnBrk="0" hangingPunct="1"/>
+            <a:r>
+              <a:rPr lang="es-ES" smtClean="0"/>
+              <a:t>Segundo nivel</a:t>
+            </a:r>
+          </a:p>
+          <a:p>
+            <a:pPr lvl="2" eaLnBrk="1" latinLnBrk="0" hangingPunct="1"/>
+            <a:r>
+              <a:rPr lang="es-ES" smtClean="0"/>
+              <a:t>Tercer nivel</a:t>
+            </a:r>
+          </a:p>
+          <a:p>
+            <a:pPr lvl="3" eaLnBrk="1" latinLnBrk="0" hangingPunct="1"/>
+            <a:r>
+              <a:rPr lang="es-ES" smtClean="0"/>
+              <a:t>Cuarto nivel</a:t>
+            </a:r>
+          </a:p>
+          <a:p>
+            <a:pPr lvl="4" eaLnBrk="1" latinLnBrk="0" hangingPunct="1"/>
+            <a:r>
+              <a:rPr lang="es-ES" smtClean="0"/>
+              <a:t>Quinto nivel</a:t>
+            </a:r>
+            <a:endParaRPr kumimoji="0" lang="en-US"/>
           </a:p>
         </p:txBody>
       </p:sp>
@@ -1860,16 +2100,21 @@
             <p:ph type="title"/>
           </p:nvPr>
         </p:nvSpPr>
-        <p:spPr/>
+        <p:spPr>
+          <a:xfrm>
+            <a:off x="457200" y="228600"/>
+            <a:ext cx="8229600" cy="914400"/>
+          </a:xfrm>
+        </p:spPr>
         <p:txBody>
           <a:bodyPr/>
           <a:lstStyle/>
           <a:p>
             <a:r>
-              <a:rPr lang="es-ES" smtClean="0"/>
+              <a:rPr kumimoji="0" lang="es-ES" smtClean="0"/>
               <a:t>Haga clic para modificar el estilo de título del patrón</a:t>
             </a:r>
-            <a:endParaRPr lang="es-ES"/>
+            <a:endParaRPr kumimoji="0" lang="en-US"/>
           </a:p>
         </p:txBody>
       </p:sp>
@@ -1937,6 +2182,56 @@
               <a:t>‹Nº›</a:t>
             </a:fld>
             <a:endParaRPr lang="es-ES"/>
+          </a:p>
+        </p:txBody>
+      </p:sp>
+      <p:sp>
+        <p:nvSpPr>
+          <p:cNvPr id="6" name="5 Triángulo isósceles"/>
+          <p:cNvSpPr>
+            <a:spLocks noChangeAspect="1"/>
+          </p:cNvSpPr>
+          <p:nvPr/>
+        </p:nvSpPr>
+        <p:spPr>
+          <a:xfrm rot="5400000">
+            <a:off x="419100" y="6467475"/>
+            <a:ext cx="190849" cy="120314"/>
+          </a:xfrm>
+          <a:prstGeom prst="triangle">
+            <a:avLst>
+              <a:gd name="adj" fmla="val 50000"/>
+            </a:avLst>
+          </a:prstGeom>
+          <a:solidFill>
+            <a:schemeClr val="accent2"/>
+          </a:solidFill>
+          <a:ln w="25400" cap="rnd" cmpd="sng" algn="ctr">
+            <a:noFill/>
+            <a:prstDash val="solid"/>
+          </a:ln>
+          <a:effectLst/>
+        </p:spPr>
+        <p:style>
+          <a:lnRef idx="3">
+            <a:schemeClr val="lt1"/>
+          </a:lnRef>
+          <a:fillRef idx="1">
+            <a:schemeClr val="accent1"/>
+          </a:fillRef>
+          <a:effectRef idx="1">
+            <a:schemeClr val="accent1"/>
+          </a:effectRef>
+          <a:fontRef idx="minor">
+            <a:schemeClr val="lt1"/>
+          </a:fontRef>
+        </p:style>
+        <p:txBody>
+          <a:bodyPr anchor="ctr"/>
+          <a:lstStyle/>
+          <a:p>
+            <a:pPr algn="ctr" eaLnBrk="1" latinLnBrk="0" hangingPunct="1"/>
+            <a:endParaRPr kumimoji="0" lang="en-US"/>
           </a:p>
         </p:txBody>
       </p:sp>
@@ -1949,7 +2244,7 @@
 </file>
 
 <file path=ppt/slideLayouts/slideLayout7.xml><?xml version="1.0" encoding="utf-8"?>
-<p:sldLayout xmlns:a="http://schemas.openxmlformats.org/drawingml/2006/main" xmlns:r="http://schemas.openxmlformats.org/officeDocument/2006/relationships" xmlns:p="http://schemas.openxmlformats.org/presentationml/2006/main" type="blank" preserve="1">
+<p:sldLayout xmlns:a="http://schemas.openxmlformats.org/drawingml/2006/main" xmlns:r="http://schemas.openxmlformats.org/officeDocument/2006/relationships" xmlns:p="http://schemas.openxmlformats.org/presentationml/2006/main" showMasterSp="0" type="blank" preserve="1">
   <p:cSld name="En blanco">
     <p:spTree>
       <p:nvGrpSpPr>
@@ -2032,6 +2327,92 @@
           </a:p>
         </p:txBody>
       </p:sp>
+      <p:sp>
+        <p:nvSpPr>
+          <p:cNvPr id="5" name="4 Conector recto"/>
+          <p:cNvSpPr>
+            <a:spLocks noChangeShapeType="1"/>
+          </p:cNvSpPr>
+          <p:nvPr/>
+        </p:nvSpPr>
+        <p:spPr bwMode="auto">
+          <a:xfrm>
+            <a:off x="457200" y="6353175"/>
+            <a:ext cx="8229600" cy="0"/>
+          </a:xfrm>
+          <a:prstGeom prst="line">
+            <a:avLst/>
+          </a:prstGeom>
+          <a:noFill/>
+          <a:ln w="9525" cap="flat" cmpd="sng" algn="ctr">
+            <a:solidFill>
+              <a:schemeClr val="accent2"/>
+            </a:solidFill>
+            <a:prstDash val="dash"/>
+            <a:round/>
+            <a:headEnd type="none" w="med" len="med"/>
+            <a:tailEnd type="none" w="med" len="med"/>
+          </a:ln>
+          <a:effectLst/>
+        </p:spPr>
+        <p:txBody>
+          <a:bodyPr vert="horz" wrap="square" lIns="91440" tIns="45720" rIns="91440" bIns="45720" anchor="t" compatLnSpc="1"/>
+          <a:lstStyle/>
+          <a:p>
+            <a:endParaRPr kumimoji="0" lang="en-US"/>
+          </a:p>
+        </p:txBody>
+      </p:sp>
+      <p:sp>
+        <p:nvSpPr>
+          <p:cNvPr id="6" name="5 Triángulo isósceles"/>
+          <p:cNvSpPr>
+            <a:spLocks noChangeAspect="1"/>
+          </p:cNvSpPr>
+          <p:nvPr/>
+        </p:nvSpPr>
+        <p:spPr>
+          <a:xfrm rot="5400000">
+            <a:off x="419100" y="6467475"/>
+            <a:ext cx="190849" cy="120314"/>
+          </a:xfrm>
+          <a:prstGeom prst="triangle">
+            <a:avLst>
+              <a:gd name="adj" fmla="val 50000"/>
+            </a:avLst>
+          </a:prstGeom>
+          <a:solidFill>
+            <a:schemeClr val="accent2"/>
+          </a:solidFill>
+          <a:ln w="25400" cap="rnd" cmpd="sng" algn="ctr">
+            <a:noFill/>
+            <a:prstDash val="solid"/>
+          </a:ln>
+          <a:effectLst/>
+        </p:spPr>
+        <p:style>
+          <a:lnRef idx="3">
+            <a:schemeClr val="lt1"/>
+          </a:lnRef>
+          <a:fillRef idx="1">
+            <a:schemeClr val="accent1"/>
+          </a:fillRef>
+          <a:effectRef idx="1">
+            <a:schemeClr val="accent1"/>
+          </a:effectRef>
+          <a:fontRef idx="minor">
+            <a:schemeClr val="lt1"/>
+          </a:fontRef>
+        </p:style>
+        <p:txBody>
+          <a:bodyPr anchor="ctr"/>
+          <a:lstStyle/>
+          <a:p>
+            <a:pPr algn="ctr" eaLnBrk="1" latinLnBrk="0" hangingPunct="1"/>
+            <a:endParaRPr kumimoji="0" lang="en-US"/>
+          </a:p>
+        </p:txBody>
+      </p:sp>
     </p:spTree>
   </p:cSld>
   <p:clrMapOvr>
@@ -2041,7 +2422,7 @@
 </file>
 
 <file path=ppt/slideLayouts/slideLayout8.xml><?xml version="1.0" encoding="utf-8"?>
-<p:sldLayout xmlns:a="http://schemas.openxmlformats.org/drawingml/2006/main" xmlns:r="http://schemas.openxmlformats.org/officeDocument/2006/relationships" xmlns:p="http://schemas.openxmlformats.org/presentationml/2006/main" type="objTx" preserve="1">
+<p:sldLayout xmlns:a="http://schemas.openxmlformats.org/drawingml/2006/main" xmlns:r="http://schemas.openxmlformats.org/officeDocument/2006/relationships" xmlns:p="http://schemas.openxmlformats.org/presentationml/2006/main" showMasterSp="0" type="objTx" preserve="1">
   <p:cSld name="Contenido con título">
     <p:spTree>
       <p:nvGrpSpPr>
@@ -2069,171 +2450,90 @@
         </p:nvSpPr>
         <p:spPr>
           <a:xfrm>
-            <a:off x="457200" y="273050"/>
-            <a:ext cx="3008313" cy="1162050"/>
+            <a:off x="6324600" y="304800"/>
+            <a:ext cx="2514600" cy="838200"/>
           </a:xfrm>
         </p:spPr>
         <p:txBody>
-          <a:bodyPr anchor="b"/>
+          <a:bodyPr anchor="b" anchorCtr="0">
+            <a:noAutofit/>
+          </a:bodyPr>
           <a:lstStyle>
             <a:lvl1pPr algn="l">
-              <a:defRPr sz="2000" b="1"/>
+              <a:buNone/>
+              <a:defRPr sz="2000" b="1">
+                <a:solidFill>
+                  <a:schemeClr val="tx2"/>
+                </a:solidFill>
+                <a:latin typeface="+mn-lt"/>
+                <a:ea typeface="+mn-ea"/>
+                <a:cs typeface="+mn-cs"/>
+              </a:defRPr>
             </a:lvl1pPr>
           </a:lstStyle>
           <a:p>
             <a:r>
-              <a:rPr lang="es-ES" smtClean="0"/>
+              <a:rPr kumimoji="0" lang="es-ES" smtClean="0"/>
               <a:t>Haga clic para modificar el estilo de título del patrón</a:t>
             </a:r>
-            <a:endParaRPr lang="es-ES"/>
-          </a:p>
-        </p:txBody>
-      </p:sp>
-      <p:sp>
-        <p:nvSpPr>
-          <p:cNvPr id="3" name="2 Marcador de contenido"/>
-          <p:cNvSpPr>
-            <a:spLocks noGrp="1"/>
-          </p:cNvSpPr>
-          <p:nvPr>
-            <p:ph idx="1"/>
+            <a:endParaRPr kumimoji="0" lang="en-US"/>
+          </a:p>
+        </p:txBody>
+      </p:sp>
+      <p:sp>
+        <p:nvSpPr>
+          <p:cNvPr id="3" name="2 Marcador de texto"/>
+          <p:cNvSpPr>
+            <a:spLocks noGrp="1"/>
+          </p:cNvSpPr>
+          <p:nvPr>
+            <p:ph type="body" idx="2"/>
           </p:nvPr>
         </p:nvSpPr>
         <p:spPr>
           <a:xfrm>
-            <a:off x="3575050" y="273050"/>
-            <a:ext cx="5111750" cy="5853113"/>
-          </a:xfrm>
-        </p:spPr>
-        <p:txBody>
-          <a:bodyPr/>
-          <a:lstStyle>
-            <a:lvl1pPr>
-              <a:defRPr sz="3200"/>
-            </a:lvl1pPr>
-            <a:lvl2pPr>
-              <a:defRPr sz="2800"/>
-            </a:lvl2pPr>
-            <a:lvl3pPr>
-              <a:defRPr sz="2400"/>
-            </a:lvl3pPr>
-            <a:lvl4pPr>
-              <a:defRPr sz="2000"/>
-            </a:lvl4pPr>
-            <a:lvl5pPr>
-              <a:defRPr sz="2000"/>
-            </a:lvl5pPr>
-            <a:lvl6pPr>
-              <a:defRPr sz="2000"/>
-            </a:lvl6pPr>
-            <a:lvl7pPr>
-              <a:defRPr sz="2000"/>
-            </a:lvl7pPr>
-            <a:lvl8pPr>
-              <a:defRPr sz="2000"/>
-            </a:lvl8pPr>
-            <a:lvl9pPr>
-              <a:defRPr sz="2000"/>
-            </a:lvl9pPr>
-          </a:lstStyle>
-          <a:p>
-            <a:pPr lvl="0"/>
-            <a:r>
-              <a:rPr lang="es-ES" smtClean="0"/>
-              <a:t>Haga clic para modificar el estilo de texto del patrón</a:t>
-            </a:r>
-          </a:p>
-          <a:p>
-            <a:pPr lvl="1"/>
-            <a:r>
-              <a:rPr lang="es-ES" smtClean="0"/>
-              <a:t>Segundo nivel</a:t>
-            </a:r>
-          </a:p>
-          <a:p>
-            <a:pPr lvl="2"/>
-            <a:r>
-              <a:rPr lang="es-ES" smtClean="0"/>
-              <a:t>Tercer nivel</a:t>
-            </a:r>
-          </a:p>
-          <a:p>
-            <a:pPr lvl="3"/>
-            <a:r>
-              <a:rPr lang="es-ES" smtClean="0"/>
-              <a:t>Cuarto nivel</a:t>
-            </a:r>
-          </a:p>
-          <a:p>
-            <a:pPr lvl="4"/>
-            <a:r>
-              <a:rPr lang="es-ES" smtClean="0"/>
-              <a:t>Quinto nivel</a:t>
-            </a:r>
-            <a:endParaRPr lang="es-ES"/>
-          </a:p>
-        </p:txBody>
-      </p:sp>
-      <p:sp>
-        <p:nvSpPr>
-          <p:cNvPr id="4" name="3 Marcador de texto"/>
-          <p:cNvSpPr>
-            <a:spLocks noGrp="1"/>
-          </p:cNvSpPr>
-          <p:nvPr>
-            <p:ph type="body" sz="half" idx="2"/>
-          </p:nvPr>
-        </p:nvSpPr>
-        <p:spPr>
-          <a:xfrm>
-            <a:off x="457200" y="1435100"/>
-            <a:ext cx="3008313" cy="4691063"/>
+            <a:off x="6324600" y="1219200"/>
+            <a:ext cx="2514600" cy="4843463"/>
           </a:xfrm>
         </p:spPr>
         <p:txBody>
           <a:bodyPr/>
           <a:lstStyle>
             <a:lvl1pPr marL="0" indent="0">
-              <a:buNone/>
-              <a:defRPr sz="1400"/>
+              <a:lnSpc>
+                <a:spcPts val="2200"/>
+              </a:lnSpc>
+              <a:spcAft>
+                <a:spcPts val="1000"/>
+              </a:spcAft>
+              <a:buNone/>
+              <a:defRPr sz="1600">
+                <a:solidFill>
+                  <a:schemeClr val="tx2"/>
+                </a:solidFill>
+              </a:defRPr>
             </a:lvl1pPr>
-            <a:lvl2pPr marL="457200" indent="0">
+            <a:lvl2pPr>
               <a:buNone/>
               <a:defRPr sz="1200"/>
             </a:lvl2pPr>
-            <a:lvl3pPr marL="914400" indent="0">
+            <a:lvl3pPr>
               <a:buNone/>
               <a:defRPr sz="1000"/>
             </a:lvl3pPr>
-            <a:lvl4pPr marL="1371600" indent="0">
+            <a:lvl4pPr>
               <a:buNone/>
               <a:defRPr sz="900"/>
             </a:lvl4pPr>
-            <a:lvl5pPr marL="1828800" indent="0">
+            <a:lvl5pPr>
               <a:buNone/>
               <a:defRPr sz="900"/>
             </a:lvl5pPr>
-            <a:lvl6pPr marL="2286000" indent="0">
-              <a:buNone/>
-              <a:defRPr sz="900"/>
-            </a:lvl6pPr>
-            <a:lvl7pPr marL="2743200" indent="0">
-              <a:buNone/>
-              <a:defRPr sz="900"/>
-            </a:lvl7pPr>
-            <a:lvl8pPr marL="3200400" indent="0">
-              <a:buNone/>
-              <a:defRPr sz="900"/>
-            </a:lvl8pPr>
-            <a:lvl9pPr marL="3657600" indent="0">
-              <a:buNone/>
-              <a:defRPr sz="900"/>
-            </a:lvl9pPr>
           </a:lstStyle>
           <a:p>
-            <a:pPr lvl="0"/>
-            <a:r>
-              <a:rPr lang="es-ES" smtClean="0"/>
+            <a:pPr lvl="0" eaLnBrk="1" latinLnBrk="0" hangingPunct="1"/>
+            <a:r>
+              <a:rPr kumimoji="0" lang="es-ES" smtClean="0"/>
               <a:t>Haga clic para modificar el estilo de texto del patrón</a:t>
             </a:r>
           </a:p>
@@ -2303,6 +2603,185 @@
               <a:t>‹Nº›</a:t>
             </a:fld>
             <a:endParaRPr lang="es-ES"/>
+          </a:p>
+        </p:txBody>
+      </p:sp>
+      <p:sp>
+        <p:nvSpPr>
+          <p:cNvPr id="8" name="7 Conector recto"/>
+          <p:cNvSpPr>
+            <a:spLocks noChangeShapeType="1"/>
+          </p:cNvSpPr>
+          <p:nvPr/>
+        </p:nvSpPr>
+        <p:spPr bwMode="auto">
+          <a:xfrm>
+            <a:off x="457200" y="6353175"/>
+            <a:ext cx="8229600" cy="0"/>
+          </a:xfrm>
+          <a:prstGeom prst="line">
+            <a:avLst/>
+          </a:prstGeom>
+          <a:noFill/>
+          <a:ln w="9525" cap="flat" cmpd="sng" algn="ctr">
+            <a:solidFill>
+              <a:schemeClr val="accent2"/>
+            </a:solidFill>
+            <a:prstDash val="dash"/>
+            <a:round/>
+            <a:headEnd type="none" w="med" len="med"/>
+            <a:tailEnd type="none" w="med" len="med"/>
+          </a:ln>
+          <a:effectLst/>
+        </p:spPr>
+        <p:txBody>
+          <a:bodyPr vert="horz" wrap="square" lIns="91440" tIns="45720" rIns="91440" bIns="45720" anchor="t" compatLnSpc="1"/>
+          <a:lstStyle/>
+          <a:p>
+            <a:endParaRPr kumimoji="0" lang="en-US"/>
+          </a:p>
+        </p:txBody>
+      </p:sp>
+      <p:sp>
+        <p:nvSpPr>
+          <p:cNvPr id="10" name="9 Conector recto"/>
+          <p:cNvSpPr>
+            <a:spLocks noChangeShapeType="1"/>
+          </p:cNvSpPr>
+          <p:nvPr/>
+        </p:nvSpPr>
+        <p:spPr bwMode="auto">
+          <a:xfrm rot="5400000">
+            <a:off x="3160645" y="3324225"/>
+            <a:ext cx="6035040" cy="0"/>
+          </a:xfrm>
+          <a:prstGeom prst="line">
+            <a:avLst/>
+          </a:prstGeom>
+          <a:noFill/>
+          <a:ln w="9525" cap="flat" cmpd="sng" algn="ctr">
+            <a:solidFill>
+              <a:schemeClr val="accent2"/>
+            </a:solidFill>
+            <a:prstDash val="dash"/>
+            <a:round/>
+            <a:headEnd type="none" w="med" len="med"/>
+            <a:tailEnd type="none" w="med" len="med"/>
+          </a:ln>
+          <a:effectLst/>
+        </p:spPr>
+        <p:txBody>
+          <a:bodyPr vert="horz" wrap="square" lIns="91440" tIns="45720" rIns="91440" bIns="45720" anchor="t" compatLnSpc="1"/>
+          <a:lstStyle/>
+          <a:p>
+            <a:endParaRPr kumimoji="0" lang="en-US" dirty="0"/>
+          </a:p>
+        </p:txBody>
+      </p:sp>
+      <p:sp>
+        <p:nvSpPr>
+          <p:cNvPr id="9" name="8 Triángulo isósceles"/>
+          <p:cNvSpPr>
+            <a:spLocks noChangeAspect="1"/>
+          </p:cNvSpPr>
+          <p:nvPr/>
+        </p:nvSpPr>
+        <p:spPr>
+          <a:xfrm rot="5400000">
+            <a:off x="419100" y="6467475"/>
+            <a:ext cx="190849" cy="120314"/>
+          </a:xfrm>
+          <a:prstGeom prst="triangle">
+            <a:avLst>
+              <a:gd name="adj" fmla="val 50000"/>
+            </a:avLst>
+          </a:prstGeom>
+          <a:solidFill>
+            <a:schemeClr val="accent2"/>
+          </a:solidFill>
+          <a:ln w="25400" cap="rnd" cmpd="sng" algn="ctr">
+            <a:noFill/>
+            <a:prstDash val="solid"/>
+          </a:ln>
+          <a:effectLst/>
+        </p:spPr>
+        <p:style>
+          <a:lnRef idx="3">
+            <a:schemeClr val="lt1"/>
+          </a:lnRef>
+          <a:fillRef idx="1">
+            <a:schemeClr val="accent1"/>
+          </a:fillRef>
+          <a:effectRef idx="1">
+            <a:schemeClr val="accent1"/>
+          </a:effectRef>
+          <a:fontRef idx="minor">
+            <a:schemeClr val="lt1"/>
+          </a:fontRef>
+        </p:style>
+        <p:txBody>
+          <a:bodyPr anchor="ctr"/>
+          <a:lstStyle/>
+          <a:p>
+            <a:pPr algn="ctr" eaLnBrk="1" latinLnBrk="0" hangingPunct="1"/>
+            <a:endParaRPr kumimoji="0" lang="en-US"/>
+          </a:p>
+        </p:txBody>
+      </p:sp>
+      <p:sp>
+        <p:nvSpPr>
+          <p:cNvPr id="12" name="11 Marcador de contenido"/>
+          <p:cNvSpPr>
+            <a:spLocks noGrp="1"/>
+          </p:cNvSpPr>
+          <p:nvPr>
+            <p:ph sz="quarter" idx="1"/>
+          </p:nvPr>
+        </p:nvSpPr>
+        <p:spPr>
+          <a:xfrm>
+            <a:off x="304800" y="304800"/>
+            <a:ext cx="5715000" cy="5715000"/>
+          </a:xfrm>
+        </p:spPr>
+        <p:txBody>
+          <a:bodyPr/>
+          <a:lstStyle/>
+          <a:p>
+            <a:pPr lvl="0" eaLnBrk="1" latinLnBrk="0" hangingPunct="1"/>
+            <a:r>
+              <a:rPr lang="es-ES" smtClean="0"/>
+              <a:t>Haga clic para modificar el estilo de texto del patrón</a:t>
+            </a:r>
+          </a:p>
+          <a:p>
+            <a:pPr lvl="1" eaLnBrk="1" latinLnBrk="0" hangingPunct="1"/>
+            <a:r>
+              <a:rPr lang="es-ES" smtClean="0"/>
+              <a:t>Segundo nivel</a:t>
+            </a:r>
+          </a:p>
+          <a:p>
+            <a:pPr lvl="2" eaLnBrk="1" latinLnBrk="0" hangingPunct="1"/>
+            <a:r>
+              <a:rPr lang="es-ES" smtClean="0"/>
+              <a:t>Tercer nivel</a:t>
+            </a:r>
+          </a:p>
+          <a:p>
+            <a:pPr lvl="3" eaLnBrk="1" latinLnBrk="0" hangingPunct="1"/>
+            <a:r>
+              <a:rPr lang="es-ES" smtClean="0"/>
+              <a:t>Cuarto nivel</a:t>
+            </a:r>
+          </a:p>
+          <a:p>
+            <a:pPr lvl="4" eaLnBrk="1" latinLnBrk="0" hangingPunct="1"/>
+            <a:r>
+              <a:rPr lang="es-ES" smtClean="0"/>
+              <a:t>Quinto nivel</a:t>
+            </a:r>
+            <a:endParaRPr kumimoji="0" lang="en-US"/>
           </a:p>
         </p:txBody>
       </p:sp>
@@ -2315,8 +2794,13 @@
 </file>
 
 <file path=ppt/slideLayouts/slideLayout9.xml><?xml version="1.0" encoding="utf-8"?>
-<p:sldLayout xmlns:a="http://schemas.openxmlformats.org/drawingml/2006/main" xmlns:r="http://schemas.openxmlformats.org/officeDocument/2006/relationships" xmlns:p="http://schemas.openxmlformats.org/presentationml/2006/main" type="picTx" preserve="1">
+<p:sldLayout xmlns:a="http://schemas.openxmlformats.org/drawingml/2006/main" xmlns:r="http://schemas.openxmlformats.org/officeDocument/2006/relationships" xmlns:p="http://schemas.openxmlformats.org/presentationml/2006/main" showMasterSp="0" type="picTx" preserve="1">
   <p:cSld name="Imagen con título">
+    <p:bg>
+      <p:bgRef idx="1001">
+        <a:schemeClr val="bg2"/>
+      </p:bgRef>
+    </p:bg>
     <p:spTree>
       <p:nvGrpSpPr>
         <p:cNvPr id="1" name=""/>
@@ -2343,23 +2827,33 @@
         </p:nvSpPr>
         <p:spPr>
           <a:xfrm>
-            <a:off x="1792288" y="4800600"/>
-            <a:ext cx="5486400" cy="566738"/>
+            <a:off x="457200" y="500856"/>
+            <a:ext cx="8229600" cy="674688"/>
           </a:xfrm>
+          <a:ln>
+            <a:solidFill>
+              <a:schemeClr val="accent1"/>
+            </a:solidFill>
+          </a:ln>
         </p:spPr>
         <p:txBody>
-          <a:bodyPr anchor="b"/>
+          <a:bodyPr lIns="274320" anchor="ctr"/>
           <a:lstStyle>
-            <a:lvl1pPr algn="l">
-              <a:defRPr sz="2000" b="1"/>
+            <a:lvl1pPr algn="r">
+              <a:buNone/>
+              <a:defRPr sz="2000" b="0">
+                <a:solidFill>
+                  <a:schemeClr val="tx1"/>
+                </a:solidFill>
+              </a:defRPr>
             </a:lvl1pPr>
           </a:lstStyle>
           <a:p>
             <a:r>
-              <a:rPr lang="es-ES" smtClean="0"/>
+              <a:rPr kumimoji="0" lang="es-ES" smtClean="0"/>
               <a:t>Haga clic para modificar el estilo de título del patrón</a:t>
             </a:r>
-            <a:endParaRPr lang="es-ES"/>
+            <a:endParaRPr kumimoji="0" lang="en-US"/>
           </a:p>
         </p:txBody>
       </p:sp>
@@ -2375,52 +2869,36 @@
         </p:nvSpPr>
         <p:spPr>
           <a:xfrm>
-            <a:off x="1792288" y="612775"/>
-            <a:ext cx="5486400" cy="4114800"/>
+            <a:off x="457200" y="1905000"/>
+            <a:ext cx="8229600" cy="4270248"/>
           </a:xfrm>
+          <a:solidFill>
+            <a:schemeClr val="tx1">
+              <a:shade val="50000"/>
+            </a:schemeClr>
+          </a:solidFill>
+          <a:ln>
+            <a:noFill/>
+          </a:ln>
+          <a:effectLst/>
         </p:spPr>
         <p:txBody>
           <a:bodyPr/>
           <a:lstStyle>
             <a:lvl1pPr marL="0" indent="0">
+              <a:spcBef>
+                <a:spcPts val="600"/>
+              </a:spcBef>
               <a:buNone/>
               <a:defRPr sz="3200"/>
             </a:lvl1pPr>
-            <a:lvl2pPr marL="457200" indent="0">
-              <a:buNone/>
-              <a:defRPr sz="2800"/>
-            </a:lvl2pPr>
-            <a:lvl3pPr marL="914400" indent="0">
-              <a:buNone/>
-              <a:defRPr sz="2400"/>
-            </a:lvl3pPr>
-            <a:lvl4pPr marL="1371600" indent="0">
-              <a:buNone/>
-              <a:defRPr sz="2000"/>
-            </a:lvl4pPr>
-            <a:lvl5pPr marL="1828800" indent="0">
-              <a:buNone/>
-              <a:defRPr sz="2000"/>
-            </a:lvl5pPr>
-            <a:lvl6pPr marL="2286000" indent="0">
-              <a:buNone/>
-              <a:defRPr sz="2000"/>
-            </a:lvl6pPr>
-            <a:lvl7pPr marL="2743200" indent="0">
-              <a:buNone/>
-              <a:defRPr sz="2000"/>
-            </a:lvl7pPr>
-            <a:lvl8pPr marL="3200400" indent="0">
-              <a:buNone/>
-              <a:defRPr sz="2000"/>
-            </a:lvl8pPr>
-            <a:lvl9pPr marL="3657600" indent="0">
-              <a:buNone/>
-              <a:defRPr sz="2000"/>
-            </a:lvl9pPr>
           </a:lstStyle>
           <a:p>
-            <a:endParaRPr lang="es-ES"/>
+            <a:r>
+              <a:rPr kumimoji="0" lang="es-ES" smtClean="0"/>
+              <a:t>Haga clic en el icono para agregar una imagen</a:t>
+            </a:r>
+            <a:endParaRPr kumimoji="0" lang="en-US" dirty="0"/>
           </a:p>
         </p:txBody>
       </p:sp>
@@ -2436,54 +2914,35 @@
         </p:nvSpPr>
         <p:spPr>
           <a:xfrm>
-            <a:off x="1792288" y="5367338"/>
-            <a:ext cx="5486400" cy="804862"/>
+            <a:off x="457200" y="1219200"/>
+            <a:ext cx="8229600" cy="533400"/>
           </a:xfrm>
         </p:spPr>
         <p:txBody>
-          <a:bodyPr/>
+          <a:bodyPr anchor="ctr" anchorCtr="0"/>
           <a:lstStyle>
-            <a:lvl1pPr marL="0" indent="0">
+            <a:lvl1pPr marL="0" indent="0" algn="l">
+              <a:buFontTx/>
               <a:buNone/>
               <a:defRPr sz="1400"/>
             </a:lvl1pPr>
-            <a:lvl2pPr marL="457200" indent="0">
-              <a:buNone/>
+            <a:lvl2pPr>
               <a:defRPr sz="1200"/>
             </a:lvl2pPr>
-            <a:lvl3pPr marL="914400" indent="0">
-              <a:buNone/>
+            <a:lvl3pPr>
               <a:defRPr sz="1000"/>
             </a:lvl3pPr>
-            <a:lvl4pPr marL="1371600" indent="0">
-              <a:buNone/>
+            <a:lvl4pPr>
               <a:defRPr sz="900"/>
             </a:lvl4pPr>
-            <a:lvl5pPr marL="1828800" indent="0">
-              <a:buNone/>
+            <a:lvl5pPr>
               <a:defRPr sz="900"/>
             </a:lvl5pPr>
-            <a:lvl6pPr marL="2286000" indent="0">
-              <a:buNone/>
-              <a:defRPr sz="900"/>
-            </a:lvl6pPr>
-            <a:lvl7pPr marL="2743200" indent="0">
-              <a:buNone/>
-              <a:defRPr sz="900"/>
-            </a:lvl7pPr>
-            <a:lvl8pPr marL="3200400" indent="0">
-              <a:buNone/>
-              <a:defRPr sz="900"/>
-            </a:lvl8pPr>
-            <a:lvl9pPr marL="3657600" indent="0">
-              <a:buNone/>
-              <a:defRPr sz="900"/>
-            </a:lvl9pPr>
           </a:lstStyle>
           <a:p>
-            <a:pPr lvl="0"/>
-            <a:r>
-              <a:rPr lang="es-ES" smtClean="0"/>
+            <a:pPr lvl="0" eaLnBrk="1" latinLnBrk="0" hangingPunct="1"/>
+            <a:r>
+              <a:rPr kumimoji="0" lang="es-ES" smtClean="0"/>
               <a:t>Haga clic para modificar el estilo de texto del patrón</a:t>
             </a:r>
           </a:p>
@@ -2556,10 +3015,142 @@
           </a:p>
         </p:txBody>
       </p:sp>
+      <p:sp>
+        <p:nvSpPr>
+          <p:cNvPr id="8" name="7 Conector recto"/>
+          <p:cNvSpPr>
+            <a:spLocks noChangeShapeType="1"/>
+          </p:cNvSpPr>
+          <p:nvPr/>
+        </p:nvSpPr>
+        <p:spPr bwMode="auto">
+          <a:xfrm>
+            <a:off x="457200" y="6353175"/>
+            <a:ext cx="8229600" cy="0"/>
+          </a:xfrm>
+          <a:prstGeom prst="line">
+            <a:avLst/>
+          </a:prstGeom>
+          <a:noFill/>
+          <a:ln w="9525" cap="flat" cmpd="sng" algn="ctr">
+            <a:solidFill>
+              <a:schemeClr val="accent2"/>
+            </a:solidFill>
+            <a:prstDash val="dash"/>
+            <a:round/>
+            <a:headEnd type="none" w="med" len="med"/>
+            <a:tailEnd type="none" w="med" len="med"/>
+          </a:ln>
+          <a:effectLst/>
+        </p:spPr>
+        <p:txBody>
+          <a:bodyPr vert="horz" wrap="square" lIns="91440" tIns="45720" rIns="91440" bIns="45720" anchor="t" compatLnSpc="1"/>
+          <a:lstStyle/>
+          <a:p>
+            <a:endParaRPr kumimoji="0" lang="en-US"/>
+          </a:p>
+        </p:txBody>
+      </p:sp>
+      <p:sp>
+        <p:nvSpPr>
+          <p:cNvPr id="9" name="8 Triángulo isósceles"/>
+          <p:cNvSpPr>
+            <a:spLocks noChangeAspect="1"/>
+          </p:cNvSpPr>
+          <p:nvPr/>
+        </p:nvSpPr>
+        <p:spPr>
+          <a:xfrm rot="5400000">
+            <a:off x="419100" y="6467475"/>
+            <a:ext cx="190849" cy="120314"/>
+          </a:xfrm>
+          <a:prstGeom prst="triangle">
+            <a:avLst>
+              <a:gd name="adj" fmla="val 50000"/>
+            </a:avLst>
+          </a:prstGeom>
+          <a:solidFill>
+            <a:schemeClr val="accent2"/>
+          </a:solidFill>
+          <a:ln w="25400" cap="rnd" cmpd="sng" algn="ctr">
+            <a:noFill/>
+            <a:prstDash val="solid"/>
+          </a:ln>
+          <a:effectLst/>
+        </p:spPr>
+        <p:style>
+          <a:lnRef idx="3">
+            <a:schemeClr val="lt1"/>
+          </a:lnRef>
+          <a:fillRef idx="1">
+            <a:schemeClr val="accent1"/>
+          </a:fillRef>
+          <a:effectRef idx="1">
+            <a:schemeClr val="accent1"/>
+          </a:effectRef>
+          <a:fontRef idx="minor">
+            <a:schemeClr val="lt1"/>
+          </a:fontRef>
+        </p:style>
+        <p:txBody>
+          <a:bodyPr anchor="ctr"/>
+          <a:lstStyle/>
+          <a:p>
+            <a:pPr algn="ctr" eaLnBrk="1" latinLnBrk="0" hangingPunct="1"/>
+            <a:endParaRPr kumimoji="0" lang="en-US"/>
+          </a:p>
+        </p:txBody>
+      </p:sp>
+      <p:sp>
+        <p:nvSpPr>
+          <p:cNvPr id="10" name="9 Rectángulo"/>
+          <p:cNvSpPr/>
+          <p:nvPr/>
+        </p:nvSpPr>
+        <p:spPr>
+          <a:xfrm>
+            <a:off x="457200" y="500856"/>
+            <a:ext cx="182880" cy="685800"/>
+          </a:xfrm>
+          <a:prstGeom prst="rect">
+            <a:avLst/>
+          </a:prstGeom>
+          <a:solidFill>
+            <a:schemeClr val="accent1"/>
+          </a:solidFill>
+          <a:ln w="6350" cap="rnd" cmpd="sng" algn="ctr">
+            <a:noFill/>
+            <a:prstDash val="solid"/>
+          </a:ln>
+          <a:effectLst/>
+        </p:spPr>
+        <p:style>
+          <a:lnRef idx="3">
+            <a:schemeClr val="lt1"/>
+          </a:lnRef>
+          <a:fillRef idx="1">
+            <a:schemeClr val="accent1"/>
+          </a:fillRef>
+          <a:effectRef idx="1">
+            <a:schemeClr val="accent1"/>
+          </a:effectRef>
+          <a:fontRef idx="minor">
+            <a:schemeClr val="lt1"/>
+          </a:fontRef>
+        </p:style>
+        <p:txBody>
+          <a:bodyPr anchor="ctr"/>
+          <a:lstStyle/>
+          <a:p>
+            <a:pPr algn="ctr" eaLnBrk="1" latinLnBrk="0" hangingPunct="1"/>
+            <a:endParaRPr kumimoji="0" lang="en-US"/>
+          </a:p>
+        </p:txBody>
+      </p:sp>
     </p:spTree>
   </p:cSld>
   <p:clrMapOvr>
-    <a:masterClrMapping/>
+    <a:overrideClrMapping bg1="dk1" tx1="lt1" bg2="dk2" tx2="lt2" accent1="accent1" accent2="accent2" accent3="accent3" accent4="accent4" accent5="accent5" accent6="accent6" hlink="hlink" folHlink="folHlink"/>
   </p:clrMapOvr>
 </p:sldLayout>
 </file>
@@ -2588,7 +3179,7 @@
       </p:grpSpPr>
       <p:sp>
         <p:nvSpPr>
-          <p:cNvPr id="2" name="1 Marcador de título"/>
+          <p:cNvPr id="22" name="21 Marcador de título"/>
           <p:cNvSpPr>
             <a:spLocks noGrp="1"/>
           </p:cNvSpPr>
@@ -2598,30 +3189,30 @@
         </p:nvSpPr>
         <p:spPr>
           <a:xfrm>
-            <a:off x="457200" y="274638"/>
-            <a:ext cx="8229600" cy="1143000"/>
+            <a:off x="457200" y="152400"/>
+            <a:ext cx="8229600" cy="990600"/>
           </a:xfrm>
           <a:prstGeom prst="rect">
             <a:avLst/>
           </a:prstGeom>
         </p:spPr>
         <p:txBody>
-          <a:bodyPr vert="horz" lIns="91440" tIns="45720" rIns="91440" bIns="45720" rtlCol="0" anchor="ctr">
+          <a:bodyPr vert="horz" anchor="b" anchorCtr="0">
             <a:normAutofit/>
           </a:bodyPr>
           <a:lstStyle/>
           <a:p>
             <a:r>
-              <a:rPr lang="es-ES" smtClean="0"/>
+              <a:rPr kumimoji="0" lang="es-ES" smtClean="0"/>
               <a:t>Haga clic para modificar el estilo de título del patrón</a:t>
             </a:r>
-            <a:endParaRPr lang="es-ES"/>
-          </a:p>
-        </p:txBody>
-      </p:sp>
-      <p:sp>
-        <p:nvSpPr>
-          <p:cNvPr id="3" name="2 Marcador de texto"/>
+            <a:endParaRPr kumimoji="0" lang="en-US"/>
+          </a:p>
+        </p:txBody>
+      </p:sp>
+      <p:sp>
+        <p:nvSpPr>
+          <p:cNvPr id="13" name="12 Marcador de texto"/>
           <p:cNvSpPr>
             <a:spLocks noGrp="1"/>
           </p:cNvSpPr>
@@ -2631,59 +3222,59 @@
         </p:nvSpPr>
         <p:spPr>
           <a:xfrm>
-            <a:off x="457200" y="1600200"/>
-            <a:ext cx="8229600" cy="4525963"/>
+            <a:off x="457200" y="1219200"/>
+            <a:ext cx="8229600" cy="4910328"/>
           </a:xfrm>
           <a:prstGeom prst="rect">
             <a:avLst/>
           </a:prstGeom>
         </p:spPr>
         <p:txBody>
-          <a:bodyPr vert="horz" lIns="91440" tIns="45720" rIns="91440" bIns="45720" rtlCol="0">
+          <a:bodyPr vert="horz">
             <a:normAutofit/>
           </a:bodyPr>
           <a:lstStyle/>
           <a:p>
-            <a:pPr lvl="0"/>
-            <a:r>
-              <a:rPr lang="es-ES" smtClean="0"/>
+            <a:pPr lvl="0" eaLnBrk="1" latinLnBrk="0" hangingPunct="1"/>
+            <a:r>
+              <a:rPr kumimoji="0" lang="es-ES" smtClean="0"/>
               <a:t>Haga clic para modificar el estilo de texto del patrón</a:t>
             </a:r>
           </a:p>
           <a:p>
-            <a:pPr lvl="1"/>
-            <a:r>
-              <a:rPr lang="es-ES" smtClean="0"/>
+            <a:pPr lvl="1" eaLnBrk="1" latinLnBrk="0" hangingPunct="1"/>
+            <a:r>
+              <a:rPr kumimoji="0" lang="es-ES" smtClean="0"/>
               <a:t>Segundo nivel</a:t>
             </a:r>
           </a:p>
           <a:p>
-            <a:pPr lvl="2"/>
-            <a:r>
-              <a:rPr lang="es-ES" smtClean="0"/>
+            <a:pPr lvl="2" eaLnBrk="1" latinLnBrk="0" hangingPunct="1"/>
+            <a:r>
+              <a:rPr kumimoji="0" lang="es-ES" smtClean="0"/>
               <a:t>Tercer nivel</a:t>
             </a:r>
           </a:p>
           <a:p>
-            <a:pPr lvl="3"/>
-            <a:r>
-              <a:rPr lang="es-ES" smtClean="0"/>
+            <a:pPr lvl="3" eaLnBrk="1" latinLnBrk="0" hangingPunct="1"/>
+            <a:r>
+              <a:rPr kumimoji="0" lang="es-ES" smtClean="0"/>
               <a:t>Cuarto nivel</a:t>
             </a:r>
           </a:p>
           <a:p>
-            <a:pPr lvl="4"/>
-            <a:r>
-              <a:rPr lang="es-ES" smtClean="0"/>
+            <a:pPr lvl="4" eaLnBrk="1" latinLnBrk="0" hangingPunct="1"/>
+            <a:r>
+              <a:rPr kumimoji="0" lang="es-ES" smtClean="0"/>
               <a:t>Quinto nivel</a:t>
             </a:r>
-            <a:endParaRPr lang="es-ES"/>
-          </a:p>
-        </p:txBody>
-      </p:sp>
-      <p:sp>
-        <p:nvSpPr>
-          <p:cNvPr id="4" name="3 Marcador de fecha"/>
+            <a:endParaRPr kumimoji="0" lang="en-US"/>
+          </a:p>
+        </p:txBody>
+      </p:sp>
+      <p:sp>
+        <p:nvSpPr>
+          <p:cNvPr id="14" name="13 Marcador de fecha"/>
           <p:cNvSpPr>
             <a:spLocks noGrp="1"/>
           </p:cNvSpPr>
@@ -2693,22 +3284,20 @@
         </p:nvSpPr>
         <p:spPr>
           <a:xfrm>
-            <a:off x="457200" y="6356350"/>
-            <a:ext cx="2133600" cy="365125"/>
+            <a:off x="6400800" y="6356350"/>
+            <a:ext cx="2289048" cy="365760"/>
           </a:xfrm>
           <a:prstGeom prst="rect">
             <a:avLst/>
           </a:prstGeom>
         </p:spPr>
         <p:txBody>
-          <a:bodyPr vert="horz" lIns="91440" tIns="45720" rIns="91440" bIns="45720" rtlCol="0" anchor="ctr"/>
+          <a:bodyPr vert="horz"/>
           <a:lstStyle>
-            <a:lvl1pPr algn="l">
-              <a:defRPr sz="1200">
+            <a:lvl1pPr algn="l" eaLnBrk="1" latinLnBrk="0" hangingPunct="1">
+              <a:defRPr kumimoji="0" sz="1400">
                 <a:solidFill>
-                  <a:schemeClr val="tx1">
-                    <a:tint val="75000"/>
-                  </a:schemeClr>
+                  <a:schemeClr val="tx2"/>
                 </a:solidFill>
               </a:defRPr>
             </a:lvl1pPr>
@@ -2725,7 +3314,7 @@
       </p:sp>
       <p:sp>
         <p:nvSpPr>
-          <p:cNvPr id="5" name="4 Marcador de pie de página"/>
+          <p:cNvPr id="3" name="2 Marcador de pie de página"/>
           <p:cNvSpPr>
             <a:spLocks noGrp="1"/>
           </p:cNvSpPr>
@@ -2735,22 +3324,20 @@
         </p:nvSpPr>
         <p:spPr>
           <a:xfrm>
-            <a:off x="3124200" y="6356350"/>
-            <a:ext cx="2895600" cy="365125"/>
+            <a:off x="2898648" y="6356350"/>
+            <a:ext cx="3505200" cy="365760"/>
           </a:xfrm>
           <a:prstGeom prst="rect">
             <a:avLst/>
           </a:prstGeom>
         </p:spPr>
         <p:txBody>
-          <a:bodyPr vert="horz" lIns="91440" tIns="45720" rIns="91440" bIns="45720" rtlCol="0" anchor="ctr"/>
+          <a:bodyPr vert="horz"/>
           <a:lstStyle>
-            <a:lvl1pPr algn="ctr">
-              <a:defRPr sz="1200">
+            <a:lvl1pPr algn="r" eaLnBrk="1" latinLnBrk="0" hangingPunct="1">
+              <a:defRPr kumimoji="0" sz="1400">
                 <a:solidFill>
-                  <a:schemeClr val="tx1">
-                    <a:tint val="75000"/>
-                  </a:schemeClr>
+                  <a:schemeClr val="tx2"/>
                 </a:solidFill>
               </a:defRPr>
             </a:lvl1pPr>
@@ -2762,7 +3349,7 @@
       </p:sp>
       <p:sp>
         <p:nvSpPr>
-          <p:cNvPr id="6" name="5 Marcador de número de diapositiva"/>
+          <p:cNvPr id="23" name="22 Marcador de número de diapositiva"/>
           <p:cNvSpPr>
             <a:spLocks noGrp="1"/>
           </p:cNvSpPr>
@@ -2772,22 +3359,20 @@
         </p:nvSpPr>
         <p:spPr>
           <a:xfrm>
-            <a:off x="6553200" y="6356350"/>
-            <a:ext cx="2133600" cy="365125"/>
+            <a:off x="612648" y="6356350"/>
+            <a:ext cx="1981200" cy="365760"/>
           </a:xfrm>
           <a:prstGeom prst="rect">
             <a:avLst/>
           </a:prstGeom>
         </p:spPr>
         <p:txBody>
-          <a:bodyPr vert="horz" lIns="91440" tIns="45720" rIns="91440" bIns="45720" rtlCol="0" anchor="ctr"/>
+          <a:bodyPr vert="horz"/>
           <a:lstStyle>
-            <a:lvl1pPr algn="r">
-              <a:defRPr sz="1200">
+            <a:lvl1pPr algn="l" eaLnBrk="1" latinLnBrk="0" hangingPunct="1">
+              <a:defRPr kumimoji="0" sz="1400">
                 <a:solidFill>
-                  <a:schemeClr val="tx1">
-                    <a:tint val="75000"/>
-                  </a:schemeClr>
+                  <a:schemeClr val="tx2"/>
                 </a:solidFill>
               </a:defRPr>
             </a:lvl1pPr>
@@ -2802,32 +3387,154 @@
           </a:p>
         </p:txBody>
       </p:sp>
+      <p:sp>
+        <p:nvSpPr>
+          <p:cNvPr id="28" name="27 Conector recto"/>
+          <p:cNvSpPr>
+            <a:spLocks noChangeShapeType="1"/>
+          </p:cNvSpPr>
+          <p:nvPr/>
+        </p:nvSpPr>
+        <p:spPr bwMode="auto">
+          <a:xfrm>
+            <a:off x="457200" y="6353175"/>
+            <a:ext cx="8229600" cy="0"/>
+          </a:xfrm>
+          <a:prstGeom prst="line">
+            <a:avLst/>
+          </a:prstGeom>
+          <a:noFill/>
+          <a:ln w="9525" cap="flat" cmpd="sng" algn="ctr">
+            <a:solidFill>
+              <a:schemeClr val="accent2"/>
+            </a:solidFill>
+            <a:prstDash val="dash"/>
+            <a:round/>
+            <a:headEnd type="none" w="med" len="med"/>
+            <a:tailEnd type="none" w="med" len="med"/>
+          </a:ln>
+          <a:effectLst/>
+        </p:spPr>
+        <p:txBody>
+          <a:bodyPr vert="horz" wrap="square" lIns="91440" tIns="45720" rIns="91440" bIns="45720" anchor="t" compatLnSpc="1"/>
+          <a:lstStyle/>
+          <a:p>
+            <a:endParaRPr kumimoji="0" lang="en-US"/>
+          </a:p>
+        </p:txBody>
+      </p:sp>
+      <p:sp>
+        <p:nvSpPr>
+          <p:cNvPr id="29" name="28 Conector recto"/>
+          <p:cNvSpPr>
+            <a:spLocks noChangeShapeType="1"/>
+          </p:cNvSpPr>
+          <p:nvPr/>
+        </p:nvSpPr>
+        <p:spPr bwMode="auto">
+          <a:xfrm>
+            <a:off x="457200" y="1143000"/>
+            <a:ext cx="8229600" cy="0"/>
+          </a:xfrm>
+          <a:prstGeom prst="line">
+            <a:avLst/>
+          </a:prstGeom>
+          <a:noFill/>
+          <a:ln w="9525" cap="flat" cmpd="sng" algn="ctr">
+            <a:solidFill>
+              <a:schemeClr val="accent2"/>
+            </a:solidFill>
+            <a:prstDash val="dash"/>
+            <a:round/>
+            <a:headEnd type="none" w="med" len="med"/>
+            <a:tailEnd type="none" w="med" len="med"/>
+          </a:ln>
+          <a:effectLst/>
+        </p:spPr>
+        <p:txBody>
+          <a:bodyPr vert="horz" wrap="square" lIns="91440" tIns="45720" rIns="91440" bIns="45720" anchor="t" compatLnSpc="1"/>
+          <a:lstStyle/>
+          <a:p>
+            <a:endParaRPr kumimoji="0" lang="en-US"/>
+          </a:p>
+        </p:txBody>
+      </p:sp>
+      <p:sp>
+        <p:nvSpPr>
+          <p:cNvPr id="10" name="9 Triángulo isósceles"/>
+          <p:cNvSpPr>
+            <a:spLocks noChangeAspect="1"/>
+          </p:cNvSpPr>
+          <p:nvPr/>
+        </p:nvSpPr>
+        <p:spPr>
+          <a:xfrm rot="5400000">
+            <a:off x="419100" y="6467475"/>
+            <a:ext cx="190849" cy="120314"/>
+          </a:xfrm>
+          <a:prstGeom prst="triangle">
+            <a:avLst>
+              <a:gd name="adj" fmla="val 50000"/>
+            </a:avLst>
+          </a:prstGeom>
+          <a:solidFill>
+            <a:schemeClr val="accent2"/>
+          </a:solidFill>
+          <a:ln w="25400" cap="rnd" cmpd="sng" algn="ctr">
+            <a:noFill/>
+            <a:prstDash val="solid"/>
+          </a:ln>
+          <a:effectLst/>
+        </p:spPr>
+        <p:style>
+          <a:lnRef idx="3">
+            <a:schemeClr val="lt1"/>
+          </a:lnRef>
+          <a:fillRef idx="1">
+            <a:schemeClr val="accent1"/>
+          </a:fillRef>
+          <a:effectRef idx="1">
+            <a:schemeClr val="accent1"/>
+          </a:effectRef>
+          <a:fontRef idx="minor">
+            <a:schemeClr val="lt1"/>
+          </a:fontRef>
+        </p:style>
+        <p:txBody>
+          <a:bodyPr anchor="ctr"/>
+          <a:lstStyle/>
+          <a:p>
+            <a:pPr algn="ctr" eaLnBrk="1" latinLnBrk="0" hangingPunct="1"/>
+            <a:endParaRPr kumimoji="0" lang="en-US"/>
+          </a:p>
+        </p:txBody>
+      </p:sp>
     </p:spTree>
   </p:cSld>
   <p:clrMap bg1="lt1" tx1="dk1" bg2="lt2" tx2="dk2" accent1="accent1" accent2="accent2" accent3="accent3" accent4="accent4" accent5="accent5" accent6="accent6" hlink="hlink" folHlink="folHlink"/>
   <p:sldLayoutIdLst>
-    <p:sldLayoutId id="2147483649" r:id="rId1"/>
-    <p:sldLayoutId id="2147483650" r:id="rId2"/>
-    <p:sldLayoutId id="2147483651" r:id="rId3"/>
-    <p:sldLayoutId id="2147483652" r:id="rId4"/>
-    <p:sldLayoutId id="2147483653" r:id="rId5"/>
-    <p:sldLayoutId id="2147483654" r:id="rId6"/>
-    <p:sldLayoutId id="2147483655" r:id="rId7"/>
-    <p:sldLayoutId id="2147483656" r:id="rId8"/>
-    <p:sldLayoutId id="2147483657" r:id="rId9"/>
-    <p:sldLayoutId id="2147483658" r:id="rId10"/>
-    <p:sldLayoutId id="2147483659" r:id="rId11"/>
+    <p:sldLayoutId id="2147483757" r:id="rId1"/>
+    <p:sldLayoutId id="2147483758" r:id="rId2"/>
+    <p:sldLayoutId id="2147483759" r:id="rId3"/>
+    <p:sldLayoutId id="2147483760" r:id="rId4"/>
+    <p:sldLayoutId id="2147483761" r:id="rId5"/>
+    <p:sldLayoutId id="2147483762" r:id="rId6"/>
+    <p:sldLayoutId id="2147483763" r:id="rId7"/>
+    <p:sldLayoutId id="2147483764" r:id="rId8"/>
+    <p:sldLayoutId id="2147483765" r:id="rId9"/>
+    <p:sldLayoutId id="2147483766" r:id="rId10"/>
+    <p:sldLayoutId id="2147483767" r:id="rId11"/>
   </p:sldLayoutIdLst>
   <p:txStyles>
     <p:titleStyle>
-      <a:lvl1pPr algn="ctr" defTabSz="914400" rtl="0" eaLnBrk="1" latinLnBrk="0" hangingPunct="1">
+      <a:lvl1pPr algn="l" rtl="0" eaLnBrk="1" latinLnBrk="0" hangingPunct="1">
         <a:spcBef>
           <a:spcPct val="0"/>
         </a:spcBef>
         <a:buNone/>
-        <a:defRPr sz="4400" kern="1200">
+        <a:defRPr kumimoji="0" sz="3200" kern="1200">
           <a:solidFill>
-            <a:schemeClr val="tx1"/>
+            <a:schemeClr val="tx2"/>
           </a:solidFill>
           <a:latin typeface="+mj-lt"/>
           <a:ea typeface="+mj-ea"/>
@@ -2836,13 +3543,17 @@
       </a:lvl1pPr>
     </p:titleStyle>
     <p:bodyStyle>
-      <a:lvl1pPr marL="342900" indent="-342900" algn="l" defTabSz="914400" rtl="0" eaLnBrk="1" latinLnBrk="0" hangingPunct="1">
+      <a:lvl1pPr marL="274320" indent="-274320" algn="l" rtl="0" eaLnBrk="1" latinLnBrk="0" hangingPunct="1">
         <a:spcBef>
-          <a:spcPct val="20000"/>
+          <a:spcPts val="600"/>
         </a:spcBef>
-        <a:buFont typeface="Arial" pitchFamily="34" charset="0"/>
-        <a:buChar char="•"/>
-        <a:defRPr sz="3200" kern="1200">
+        <a:buClr>
+          <a:schemeClr val="accent1"/>
+        </a:buClr>
+        <a:buSzPct val="76000"/>
+        <a:buFont typeface="Wingdings 3"/>
+        <a:buChar char=""/>
+        <a:defRPr kumimoji="0" sz="2600" kern="1200">
           <a:solidFill>
             <a:schemeClr val="tx1"/>
           </a:solidFill>
@@ -2851,28 +3562,38 @@
           <a:cs typeface="+mn-cs"/>
         </a:defRPr>
       </a:lvl1pPr>
-      <a:lvl2pPr marL="742950" indent="-285750" algn="l" defTabSz="914400" rtl="0" eaLnBrk="1" latinLnBrk="0" hangingPunct="1">
+      <a:lvl2pPr marL="548640" indent="-274320" algn="l" rtl="0" eaLnBrk="1" latinLnBrk="0" hangingPunct="1">
         <a:spcBef>
-          <a:spcPct val="20000"/>
+          <a:spcPts val="500"/>
         </a:spcBef>
-        <a:buFont typeface="Arial" pitchFamily="34" charset="0"/>
-        <a:buChar char="–"/>
-        <a:defRPr sz="2800" kern="1200">
+        <a:buClr>
+          <a:schemeClr val="accent2"/>
+        </a:buClr>
+        <a:buSzPct val="76000"/>
+        <a:buFont typeface="Wingdings 3"/>
+        <a:buChar char=""/>
+        <a:defRPr kumimoji="0" sz="2300" kern="1200">
           <a:solidFill>
-            <a:schemeClr val="tx1"/>
+            <a:schemeClr val="tx2"/>
           </a:solidFill>
           <a:latin typeface="+mn-lt"/>
           <a:ea typeface="+mn-ea"/>
           <a:cs typeface="+mn-cs"/>
         </a:defRPr>
       </a:lvl2pPr>
-      <a:lvl3pPr marL="1143000" indent="-228600" algn="l" defTabSz="914400" rtl="0" eaLnBrk="1" latinLnBrk="0" hangingPunct="1">
+      <a:lvl3pPr marL="822960" indent="-228600" algn="l" rtl="0" eaLnBrk="1" latinLnBrk="0" hangingPunct="1">
         <a:spcBef>
-          <a:spcPct val="20000"/>
+          <a:spcPts val="500"/>
         </a:spcBef>
-        <a:buFont typeface="Arial" pitchFamily="34" charset="0"/>
-        <a:buChar char="•"/>
-        <a:defRPr sz="2400" kern="1200">
+        <a:buClr>
+          <a:schemeClr val="bg1">
+            <a:shade val="50000"/>
+          </a:schemeClr>
+        </a:buClr>
+        <a:buSzPct val="76000"/>
+        <a:buFont typeface="Wingdings 3"/>
+        <a:buChar char=""/>
+        <a:defRPr kumimoji="0" sz="2000" kern="1200">
           <a:solidFill>
             <a:schemeClr val="tx1"/>
           </a:solidFill>
@@ -2881,13 +3602,19 @@
           <a:cs typeface="+mn-cs"/>
         </a:defRPr>
       </a:lvl3pPr>
-      <a:lvl4pPr marL="1600200" indent="-228600" algn="l" defTabSz="914400" rtl="0" eaLnBrk="1" latinLnBrk="0" hangingPunct="1">
+      <a:lvl4pPr marL="1097280" indent="-228600" algn="l" rtl="0" eaLnBrk="1" latinLnBrk="0" hangingPunct="1">
         <a:spcBef>
-          <a:spcPct val="20000"/>
+          <a:spcPts val="400"/>
         </a:spcBef>
-        <a:buFont typeface="Arial" pitchFamily="34" charset="0"/>
-        <a:buChar char="–"/>
-        <a:defRPr sz="2000" kern="1200">
+        <a:buClr>
+          <a:schemeClr val="accent2">
+            <a:shade val="75000"/>
+          </a:schemeClr>
+        </a:buClr>
+        <a:buSzPct val="70000"/>
+        <a:buFont typeface="Wingdings"/>
+        <a:buChar char=""/>
+        <a:defRPr kumimoji="0" sz="1800" kern="1200">
           <a:solidFill>
             <a:schemeClr val="tx1"/>
           </a:solidFill>
@@ -2896,13 +3623,17 @@
           <a:cs typeface="+mn-cs"/>
         </a:defRPr>
       </a:lvl4pPr>
-      <a:lvl5pPr marL="2057400" indent="-228600" algn="l" defTabSz="914400" rtl="0" eaLnBrk="1" latinLnBrk="0" hangingPunct="1">
+      <a:lvl5pPr marL="1371600" indent="-228600" algn="l" rtl="0" eaLnBrk="1" latinLnBrk="0" hangingPunct="1">
         <a:spcBef>
-          <a:spcPct val="20000"/>
+          <a:spcPts val="300"/>
         </a:spcBef>
-        <a:buFont typeface="Arial" pitchFamily="34" charset="0"/>
-        <a:buChar char="»"/>
-        <a:defRPr sz="2000" kern="1200">
+        <a:buClr>
+          <a:schemeClr val="accent2"/>
+        </a:buClr>
+        <a:buSzPct val="70000"/>
+        <a:buFont typeface="Wingdings"/>
+        <a:buChar char=""/>
+        <a:defRPr kumimoji="0" sz="1600" kern="1200">
           <a:solidFill>
             <a:schemeClr val="tx1"/>
           </a:solidFill>
@@ -2911,13 +3642,19 @@
           <a:cs typeface="+mn-cs"/>
         </a:defRPr>
       </a:lvl5pPr>
-      <a:lvl6pPr marL="2514600" indent="-228600" algn="l" defTabSz="914400" rtl="0" eaLnBrk="1" latinLnBrk="0" hangingPunct="1">
+      <a:lvl6pPr marL="1645920" indent="-182880" algn="l" rtl="0" eaLnBrk="1" latinLnBrk="0" hangingPunct="1">
         <a:spcBef>
-          <a:spcPct val="20000"/>
+          <a:spcPts val="300"/>
         </a:spcBef>
-        <a:buFont typeface="Arial" pitchFamily="34" charset="0"/>
-        <a:buChar char="•"/>
-        <a:defRPr sz="2000" kern="1200">
+        <a:buClr>
+          <a:srgbClr val="9FB8CD">
+            <a:shade val="75000"/>
+          </a:srgbClr>
+        </a:buClr>
+        <a:buSzPct val="75000"/>
+        <a:buFont typeface="Wingdings 3"/>
+        <a:buChar char=""/>
+        <a:defRPr kumimoji="0" lang="en-US" sz="1600" kern="1200" smtClean="0">
           <a:solidFill>
             <a:schemeClr val="tx1"/>
           </a:solidFill>
@@ -2926,13 +3663,19 @@
           <a:cs typeface="+mn-cs"/>
         </a:defRPr>
       </a:lvl6pPr>
-      <a:lvl7pPr marL="2971800" indent="-228600" algn="l" defTabSz="914400" rtl="0" eaLnBrk="1" latinLnBrk="0" hangingPunct="1">
+      <a:lvl7pPr marL="1828800" indent="-182880" algn="l" rtl="0" eaLnBrk="1" latinLnBrk="0" hangingPunct="1">
         <a:spcBef>
-          <a:spcPct val="20000"/>
+          <a:spcPts val="300"/>
         </a:spcBef>
-        <a:buFont typeface="Arial" pitchFamily="34" charset="0"/>
-        <a:buChar char="•"/>
-        <a:defRPr sz="2000" kern="1200">
+        <a:buClr>
+          <a:srgbClr val="727CA3">
+            <a:shade val="75000"/>
+          </a:srgbClr>
+        </a:buClr>
+        <a:buSzPct val="75000"/>
+        <a:buFont typeface="Wingdings 3"/>
+        <a:buChar char=""/>
+        <a:defRPr kumimoji="0" lang="en-US" sz="1400" kern="1200" smtClean="0">
           <a:solidFill>
             <a:schemeClr val="tx1"/>
           </a:solidFill>
@@ -2941,13 +3684,19 @@
           <a:cs typeface="+mn-cs"/>
         </a:defRPr>
       </a:lvl7pPr>
-      <a:lvl8pPr marL="3429000" indent="-228600" algn="l" defTabSz="914400" rtl="0" eaLnBrk="1" latinLnBrk="0" hangingPunct="1">
+      <a:lvl8pPr marL="2011680" indent="-182880" algn="l" rtl="0" eaLnBrk="1" latinLnBrk="0" hangingPunct="1">
         <a:spcBef>
-          <a:spcPct val="20000"/>
+          <a:spcPts val="300"/>
         </a:spcBef>
-        <a:buFont typeface="Arial" pitchFamily="34" charset="0"/>
-        <a:buChar char="•"/>
-        <a:defRPr sz="2000" kern="1200">
+        <a:buClr>
+          <a:prstClr val="white">
+            <a:shade val="50000"/>
+          </a:prstClr>
+        </a:buClr>
+        <a:buSzPct val="75000"/>
+        <a:buFont typeface="Wingdings 3"/>
+        <a:buChar char=""/>
+        <a:defRPr kumimoji="0" lang="en-US" sz="1400" kern="1200" smtClean="0">
           <a:solidFill>
             <a:schemeClr val="tx1"/>
           </a:solidFill>
@@ -2956,13 +3705,17 @@
           <a:cs typeface="+mn-cs"/>
         </a:defRPr>
       </a:lvl8pPr>
-      <a:lvl9pPr marL="3886200" indent="-228600" algn="l" defTabSz="914400" rtl="0" eaLnBrk="1" latinLnBrk="0" hangingPunct="1">
+      <a:lvl9pPr marL="2194560" indent="-182880" algn="l" rtl="0" eaLnBrk="1" latinLnBrk="0" hangingPunct="1">
         <a:spcBef>
-          <a:spcPct val="20000"/>
+          <a:spcPts val="300"/>
         </a:spcBef>
-        <a:buFont typeface="Arial" pitchFamily="34" charset="0"/>
-        <a:buChar char="•"/>
-        <a:defRPr sz="2000" kern="1200">
+        <a:buClr>
+          <a:srgbClr val="9FB8CD"/>
+        </a:buClr>
+        <a:buSzPct val="75000"/>
+        <a:buFont typeface="Wingdings 3"/>
+        <a:buChar char=""/>
+        <a:defRPr kumimoji="0" lang="en-US" sz="1200" kern="1200" smtClean="0">
           <a:solidFill>
             <a:schemeClr val="tx1"/>
           </a:solidFill>
@@ -2973,11 +3726,8 @@
       </a:lvl9pPr>
     </p:bodyStyle>
     <p:otherStyle>
-      <a:defPPr>
-        <a:defRPr lang="es-ES"/>
-      </a:defPPr>
-      <a:lvl1pPr marL="0" algn="l" defTabSz="914400" rtl="0" eaLnBrk="1" latinLnBrk="0" hangingPunct="1">
-        <a:defRPr sz="1800" kern="1200">
+      <a:lvl1pPr marL="0" algn="l" rtl="0" eaLnBrk="1" latinLnBrk="0" hangingPunct="1">
+        <a:defRPr kumimoji="0" kern="1200">
           <a:solidFill>
             <a:schemeClr val="tx1"/>
           </a:solidFill>
@@ -2986,8 +3736,8 @@
           <a:cs typeface="+mn-cs"/>
         </a:defRPr>
       </a:lvl1pPr>
-      <a:lvl2pPr marL="457200" algn="l" defTabSz="914400" rtl="0" eaLnBrk="1" latinLnBrk="0" hangingPunct="1">
-        <a:defRPr sz="1800" kern="1200">
+      <a:lvl2pPr marL="457200" algn="l" rtl="0" eaLnBrk="1" latinLnBrk="0" hangingPunct="1">
+        <a:defRPr kumimoji="0" kern="1200">
           <a:solidFill>
             <a:schemeClr val="tx1"/>
           </a:solidFill>
@@ -2996,8 +3746,8 @@
           <a:cs typeface="+mn-cs"/>
         </a:defRPr>
       </a:lvl2pPr>
-      <a:lvl3pPr marL="914400" algn="l" defTabSz="914400" rtl="0" eaLnBrk="1" latinLnBrk="0" hangingPunct="1">
-        <a:defRPr sz="1800" kern="1200">
+      <a:lvl3pPr marL="914400" algn="l" rtl="0" eaLnBrk="1" latinLnBrk="0" hangingPunct="1">
+        <a:defRPr kumimoji="0" kern="1200">
           <a:solidFill>
             <a:schemeClr val="tx1"/>
           </a:solidFill>
@@ -3006,8 +3756,8 @@
           <a:cs typeface="+mn-cs"/>
         </a:defRPr>
       </a:lvl3pPr>
-      <a:lvl4pPr marL="1371600" algn="l" defTabSz="914400" rtl="0" eaLnBrk="1" latinLnBrk="0" hangingPunct="1">
-        <a:defRPr sz="1800" kern="1200">
+      <a:lvl4pPr marL="1371600" algn="l" rtl="0" eaLnBrk="1" latinLnBrk="0" hangingPunct="1">
+        <a:defRPr kumimoji="0" kern="1200">
           <a:solidFill>
             <a:schemeClr val="tx1"/>
           </a:solidFill>
@@ -3016,8 +3766,8 @@
           <a:cs typeface="+mn-cs"/>
         </a:defRPr>
       </a:lvl4pPr>
-      <a:lvl5pPr marL="1828800" algn="l" defTabSz="914400" rtl="0" eaLnBrk="1" latinLnBrk="0" hangingPunct="1">
-        <a:defRPr sz="1800" kern="1200">
+      <a:lvl5pPr marL="1828800" algn="l" rtl="0" eaLnBrk="1" latinLnBrk="0" hangingPunct="1">
+        <a:defRPr kumimoji="0" kern="1200">
           <a:solidFill>
             <a:schemeClr val="tx1"/>
           </a:solidFill>
@@ -3026,8 +3776,8 @@
           <a:cs typeface="+mn-cs"/>
         </a:defRPr>
       </a:lvl5pPr>
-      <a:lvl6pPr marL="2286000" algn="l" defTabSz="914400" rtl="0" eaLnBrk="1" latinLnBrk="0" hangingPunct="1">
-        <a:defRPr sz="1800" kern="1200">
+      <a:lvl6pPr marL="2286000" algn="l" rtl="0" eaLnBrk="1" latinLnBrk="0" hangingPunct="1">
+        <a:defRPr kumimoji="0" kern="1200">
           <a:solidFill>
             <a:schemeClr val="tx1"/>
           </a:solidFill>
@@ -3036,8 +3786,8 @@
           <a:cs typeface="+mn-cs"/>
         </a:defRPr>
       </a:lvl6pPr>
-      <a:lvl7pPr marL="2743200" algn="l" defTabSz="914400" rtl="0" eaLnBrk="1" latinLnBrk="0" hangingPunct="1">
-        <a:defRPr sz="1800" kern="1200">
+      <a:lvl7pPr marL="2743200" algn="l" rtl="0" eaLnBrk="1" latinLnBrk="0" hangingPunct="1">
+        <a:defRPr kumimoji="0" kern="1200">
           <a:solidFill>
             <a:schemeClr val="tx1"/>
           </a:solidFill>
@@ -3046,8 +3796,8 @@
           <a:cs typeface="+mn-cs"/>
         </a:defRPr>
       </a:lvl7pPr>
-      <a:lvl8pPr marL="3200400" algn="l" defTabSz="914400" rtl="0" eaLnBrk="1" latinLnBrk="0" hangingPunct="1">
-        <a:defRPr sz="1800" kern="1200">
+      <a:lvl8pPr marL="3200400" algn="l" rtl="0" eaLnBrk="1" latinLnBrk="0" hangingPunct="1">
+        <a:defRPr kumimoji="0" kern="1200">
           <a:solidFill>
             <a:schemeClr val="tx1"/>
           </a:solidFill>
@@ -3056,8 +3806,8 @@
           <a:cs typeface="+mn-cs"/>
         </a:defRPr>
       </a:lvl8pPr>
-      <a:lvl9pPr marL="3657600" algn="l" defTabSz="914400" rtl="0" eaLnBrk="1" latinLnBrk="0" hangingPunct="1">
-        <a:defRPr sz="1800" kern="1200">
+      <a:lvl9pPr marL="3657600" algn="l" rtl="0" eaLnBrk="1" latinLnBrk="0" hangingPunct="1">
+        <a:defRPr kumimoji="0" kern="1200">
           <a:solidFill>
             <a:schemeClr val="tx1"/>
           </a:solidFill>
@@ -3100,7 +3850,9 @@
         </p:nvSpPr>
         <p:spPr/>
         <p:txBody>
-          <a:bodyPr/>
+          <a:bodyPr>
+            <a:normAutofit fontScale="90000"/>
+          </a:bodyPr>
           <a:lstStyle/>
           <a:p>
             <a:r>
@@ -3131,7 +3883,9 @@
         </p:nvSpPr>
         <p:spPr/>
         <p:txBody>
-          <a:bodyPr/>
+          <a:bodyPr>
+            <a:normAutofit fontScale="70000" lnSpcReduction="20000"/>
+          </a:bodyPr>
           <a:lstStyle/>
           <a:p>
             <a:r>
@@ -3211,7 +3965,7 @@
             <a:spLocks noGrp="1"/>
           </p:cNvSpPr>
           <p:nvPr>
-            <p:ph idx="1"/>
+            <p:ph sz="quarter" idx="1"/>
           </p:nvPr>
         </p:nvSpPr>
         <p:spPr/>
@@ -3355,12 +4109,14 @@
             <a:spLocks noGrp="1"/>
           </p:cNvSpPr>
           <p:nvPr>
-            <p:ph idx="1"/>
+            <p:ph sz="quarter" idx="1"/>
           </p:nvPr>
         </p:nvSpPr>
         <p:spPr/>
         <p:txBody>
-          <a:bodyPr/>
+          <a:bodyPr>
+            <a:normAutofit/>
+          </a:bodyPr>
           <a:lstStyle/>
           <a:p>
             <a:pPr>
@@ -3386,7 +4142,6 @@
               <a:rPr lang="es-ES" dirty="0" smtClean="0"/>
               <a:t>:</a:t>
             </a:r>
-            <a:endParaRPr lang="es-ES" dirty="0" smtClean="0"/>
           </a:p>
           <a:p>
             <a:r>
@@ -3502,7 +4257,7 @@
             <a:spLocks noGrp="1"/>
           </p:cNvSpPr>
           <p:nvPr>
-            <p:ph idx="1"/>
+            <p:ph sz="quarter" idx="1"/>
           </p:nvPr>
         </p:nvSpPr>
         <p:spPr/>
@@ -4217,13 +4972,13 @@
             <a:spLocks noGrp="1"/>
           </p:cNvSpPr>
           <p:nvPr>
-            <p:ph idx="1"/>
+            <p:ph sz="quarter" idx="1"/>
           </p:nvPr>
         </p:nvSpPr>
         <p:spPr/>
         <p:txBody>
           <a:bodyPr>
-            <a:normAutofit fontScale="47500" lnSpcReduction="20000"/>
+            <a:normAutofit fontScale="55000" lnSpcReduction="20000"/>
           </a:bodyPr>
           <a:lstStyle/>
           <a:p>
@@ -4394,11 +5149,7 @@
             </a:r>
             <a:r>
               <a:rPr lang="en-US" sz="2600" dirty="0" smtClean="0"/>
-              <a:t> over </a:t>
-            </a:r>
-            <a:r>
-              <a:rPr lang="en-US" sz="2600" dirty="0" smtClean="0"/>
-              <a:t>list</a:t>
+              <a:t> over list</a:t>
             </a:r>
           </a:p>
           <a:p>
@@ -4540,13 +5291,13 @@
             <a:spLocks noGrp="1"/>
           </p:cNvSpPr>
           <p:nvPr>
-            <p:ph idx="1"/>
+            <p:ph sz="quarter" idx="1"/>
           </p:nvPr>
         </p:nvSpPr>
         <p:spPr/>
         <p:txBody>
           <a:bodyPr>
-            <a:normAutofit fontScale="40000" lnSpcReduction="20000"/>
+            <a:normAutofit fontScale="55000" lnSpcReduction="20000"/>
           </a:bodyPr>
           <a:lstStyle/>
           <a:p>
@@ -4570,15 +5321,7 @@
             </a:pPr>
             <a:r>
               <a:rPr lang="en-US" dirty="0" smtClean="0"/>
-              <a:t>Dictionaries </a:t>
-            </a:r>
-            <a:r>
-              <a:rPr lang="en-US" dirty="0" smtClean="0"/>
-              <a:t>are another example of a data structure. A dictionary is used to map or associate things you want to store the keys you need to get them. A dictionary in Python is just like a dictionary in the real world. Python Dictionary are defined into two elements Keys and Values</a:t>
-            </a:r>
-            <a:r>
-              <a:rPr lang="en-US" dirty="0" smtClean="0"/>
-              <a:t>.</a:t>
+              <a:t>Dictionaries are another example of a data structure. A dictionary is used to map or associate things you want to store the keys you need to get them. A dictionary in Python is just like a dictionary in the real world. Python Dictionary are defined into two elements Keys and Values.</a:t>
             </a:r>
           </a:p>
           <a:p>
@@ -4596,24 +5339,16 @@
           <a:p>
             <a:r>
               <a:rPr lang="en-US" dirty="0" smtClean="0"/>
-              <a:t>Values can be a list or list within a list, numbers, etc</a:t>
-            </a:r>
+              <a:t>Values can be a list or list within a list, numbers, etc.</a:t>
+            </a:r>
+          </a:p>
+          <a:p>
+            <a:endParaRPr lang="en-US" dirty="0" smtClean="0"/>
+          </a:p>
+          <a:p>
             <a:r>
               <a:rPr lang="en-US" dirty="0" smtClean="0"/>
-              <a:t>.</a:t>
-            </a:r>
-          </a:p>
-          <a:p>
-            <a:endParaRPr lang="en-US" dirty="0" smtClean="0"/>
-          </a:p>
-          <a:p>
-            <a:r>
-              <a:rPr lang="en-US" dirty="0" smtClean="0"/>
-              <a:t>Python </a:t>
-            </a:r>
-            <a:r>
-              <a:rPr lang="en-US" dirty="0" smtClean="0"/>
-              <a:t>Dictionary Methods</a:t>
+              <a:t>Python Dictionary Methods</a:t>
             </a:r>
           </a:p>
           <a:p>
@@ -4784,7 +5519,7 @@
             <a:spLocks noGrp="1"/>
           </p:cNvSpPr>
           <p:nvPr>
-            <p:ph idx="1"/>
+            <p:ph sz="quarter" idx="1"/>
           </p:nvPr>
         </p:nvSpPr>
         <p:spPr/>
@@ -5283,7 +6018,7 @@
             <a:spLocks noGrp="1"/>
           </p:cNvSpPr>
           <p:nvPr>
-            <p:ph idx="1"/>
+            <p:ph sz="quarter" idx="1"/>
           </p:nvPr>
         </p:nvSpPr>
         <p:spPr/>
@@ -5766,19 +6501,143 @@
             <a:spLocks noGrp="1"/>
           </p:cNvSpPr>
           <p:nvPr>
-            <p:ph idx="1"/>
+            <p:ph sz="quarter" idx="1"/>
           </p:nvPr>
         </p:nvSpPr>
         <p:spPr/>
         <p:txBody>
-          <a:bodyPr/>
+          <a:bodyPr>
+            <a:normAutofit fontScale="77500" lnSpcReduction="20000"/>
+          </a:bodyPr>
           <a:lstStyle/>
           <a:p>
             <a:r>
               <a:rPr lang="es-ES" dirty="0" smtClean="0"/>
               <a:t>Funciones</a:t>
             </a:r>
-            <a:endParaRPr lang="es-ES" dirty="0"/>
+          </a:p>
+          <a:p>
+            <a:pPr>
+              <a:buNone/>
+            </a:pPr>
+            <a:endParaRPr lang="es-ES" dirty="0" smtClean="0"/>
+          </a:p>
+          <a:p>
+            <a:pPr>
+              <a:buNone/>
+            </a:pPr>
+            <a:endParaRPr lang="es-ES" dirty="0" smtClean="0"/>
+          </a:p>
+          <a:p>
+            <a:pPr>
+              <a:buNone/>
+            </a:pPr>
+            <a:r>
+              <a:rPr lang="es-ES" dirty="0" smtClean="0"/>
+              <a:t>Las </a:t>
+            </a:r>
+            <a:r>
+              <a:rPr lang="es-ES" b="1" dirty="0" smtClean="0"/>
+              <a:t>funciones</a:t>
+            </a:r>
+            <a:r>
+              <a:rPr lang="es-ES" dirty="0" smtClean="0"/>
+              <a:t> en programación en general, también llamadas p</a:t>
+            </a:r>
+            <a:r>
+              <a:rPr lang="es-ES" dirty="0" smtClean="0"/>
+              <a:t>rocedimientos o métodos se usan para </a:t>
+            </a:r>
+            <a:r>
+              <a:rPr lang="es-ES" b="1" dirty="0" smtClean="0"/>
+              <a:t>“encapsular” un trozo de código </a:t>
+            </a:r>
+            <a:r>
+              <a:rPr lang="es-ES" dirty="0" smtClean="0"/>
+              <a:t>que luego podremos </a:t>
+            </a:r>
+            <a:r>
+              <a:rPr lang="es-ES" b="1" dirty="0" smtClean="0"/>
+              <a:t>reutilizar</a:t>
+            </a:r>
+            <a:r>
+              <a:rPr lang="es-ES" dirty="0" smtClean="0"/>
+              <a:t> en distintas partes del programa.</a:t>
+            </a:r>
+          </a:p>
+          <a:p>
+            <a:pPr>
+              <a:buNone/>
+            </a:pPr>
+            <a:endParaRPr lang="es-ES" dirty="0" smtClean="0"/>
+          </a:p>
+          <a:p>
+            <a:pPr>
+              <a:buNone/>
+            </a:pPr>
+            <a:endParaRPr lang="es-ES" dirty="0" smtClean="0"/>
+          </a:p>
+          <a:p>
+            <a:pPr>
+              <a:buNone/>
+            </a:pPr>
+            <a:r>
+              <a:rPr lang="es-ES" dirty="0" smtClean="0"/>
+              <a:t>Facilitan:</a:t>
+            </a:r>
+          </a:p>
+          <a:p>
+            <a:pPr marL="514350" indent="-514350">
+              <a:buAutoNum type="arabicParenR"/>
+            </a:pPr>
+            <a:r>
+              <a:rPr lang="es-ES" dirty="0" smtClean="0"/>
+              <a:t>Limpieza y legibilidad.</a:t>
+            </a:r>
+          </a:p>
+          <a:p>
+            <a:pPr marL="514350" indent="-514350">
+              <a:buAutoNum type="arabicParenR"/>
+            </a:pPr>
+            <a:r>
+              <a:rPr lang="es-ES" dirty="0" smtClean="0"/>
+              <a:t>Menor probabilidad de errores.</a:t>
+            </a:r>
+          </a:p>
+          <a:p>
+            <a:pPr marL="514350" indent="-514350">
+              <a:buAutoNum type="arabicParenR"/>
+            </a:pPr>
+            <a:r>
+              <a:rPr lang="es-ES" dirty="0" smtClean="0"/>
+              <a:t>Mejor </a:t>
+            </a:r>
+            <a:r>
+              <a:rPr lang="es-ES" dirty="0" err="1" smtClean="0"/>
+              <a:t>reeditabilidad</a:t>
+            </a:r>
+            <a:r>
+              <a:rPr lang="es-ES" dirty="0" smtClean="0"/>
+              <a:t> del código.</a:t>
+            </a:r>
+          </a:p>
+          <a:p>
+            <a:pPr marL="514350" indent="-514350">
+              <a:buAutoNum type="arabicParenR"/>
+            </a:pPr>
+            <a:r>
+              <a:rPr lang="es-ES" dirty="0" smtClean="0"/>
+              <a:t>Utiliza siempre nombres descriptivos que faciliten entender su utilidad.</a:t>
+            </a:r>
+          </a:p>
+          <a:p>
+            <a:pPr marL="514350" indent="-514350">
+              <a:buAutoNum type="arabicParenR"/>
+            </a:pPr>
+            <a:r>
+              <a:rPr lang="es-ES" dirty="0" smtClean="0"/>
+              <a:t>En general, si en cualquier lenguaje, en cualquier programa de cualquier tipo podemos encontrar 2 segmentos de código exactamente iguales es señal de un código pobre -&gt; Utiliza siempre funciones!!!</a:t>
+            </a:r>
           </a:p>
         </p:txBody>
       </p:sp>
@@ -5841,19 +6700,71 @@
             <a:spLocks noGrp="1"/>
           </p:cNvSpPr>
           <p:nvPr>
-            <p:ph idx="1"/>
+            <p:ph sz="quarter" idx="1"/>
           </p:nvPr>
         </p:nvSpPr>
         <p:spPr/>
         <p:txBody>
-          <a:bodyPr/>
-          <a:lstStyle/>
-          <a:p>
+          <a:bodyPr>
+            <a:normAutofit/>
+          </a:bodyPr>
+          <a:lstStyle/>
+          <a:p>
+            <a:r>
+              <a:rPr lang="es-ES" dirty="0" smtClean="0"/>
+              <a:t>Funciones</a:t>
+            </a:r>
+          </a:p>
+          <a:p>
+            <a:pPr>
+              <a:buNone/>
+            </a:pPr>
+            <a:endParaRPr lang="es-ES" dirty="0" smtClean="0"/>
+          </a:p>
+          <a:p>
+            <a:pPr marL="514350" indent="-514350">
+              <a:buFont typeface="+mj-lt"/>
+              <a:buAutoNum type="arabicPeriod"/>
+            </a:pPr>
+            <a:r>
+              <a:rPr lang="es-ES" dirty="0" smtClean="0"/>
+              <a:t>Declaración y ejecución de funciones.</a:t>
+            </a:r>
+          </a:p>
+          <a:p>
+            <a:pPr marL="514350" indent="-514350">
+              <a:buFont typeface="+mj-lt"/>
+              <a:buAutoNum type="arabicPeriod"/>
+            </a:pPr>
             <a:r>
               <a:rPr lang="es-ES" dirty="0" err="1" smtClean="0"/>
-              <a:t>Iteradores</a:t>
-            </a:r>
-            <a:endParaRPr lang="es-ES" dirty="0"/>
+              <a:t>Indentado</a:t>
+            </a:r>
+            <a:r>
+              <a:rPr lang="es-ES" dirty="0" smtClean="0"/>
+              <a:t> – espaciado.</a:t>
+            </a:r>
+          </a:p>
+          <a:p>
+            <a:pPr marL="514350" indent="-514350">
+              <a:buFont typeface="+mj-lt"/>
+              <a:buAutoNum type="arabicPeriod"/>
+            </a:pPr>
+            <a:r>
+              <a:rPr lang="es-ES" dirty="0" smtClean="0"/>
+              <a:t>Retorno de valores vs funciones puras.</a:t>
+            </a:r>
+          </a:p>
+          <a:p>
+            <a:pPr marL="514350" indent="-514350">
+              <a:buFont typeface="+mj-lt"/>
+              <a:buAutoNum type="arabicPeriod"/>
+            </a:pPr>
+            <a:r>
+              <a:rPr lang="es-ES" dirty="0" smtClean="0"/>
+              <a:t>Paso de parámetros.</a:t>
+            </a:r>
+            <a:endParaRPr lang="es-ES" dirty="0" smtClean="0"/>
           </a:p>
         </p:txBody>
       </p:sp>
@@ -5916,18 +6827,266 @@
             <a:spLocks noGrp="1"/>
           </p:cNvSpPr>
           <p:nvPr>
-            <p:ph idx="1"/>
+            <p:ph sz="quarter" idx="1"/>
           </p:nvPr>
         </p:nvSpPr>
         <p:spPr/>
         <p:txBody>
-          <a:bodyPr/>
-          <a:lstStyle/>
-          <a:p>
-            <a:r>
-              <a:rPr lang="es-ES" dirty="0" smtClean="0"/>
-              <a:t>Flujo de Programa</a:t>
-            </a:r>
+          <a:bodyPr>
+            <a:normAutofit fontScale="70000" lnSpcReduction="20000"/>
+          </a:bodyPr>
+          <a:lstStyle/>
+          <a:p>
+            <a:r>
+              <a:rPr lang="es-ES" dirty="0" smtClean="0"/>
+              <a:t>Sentencias “</a:t>
+            </a:r>
+            <a:r>
+              <a:rPr lang="es-ES" dirty="0" err="1" smtClean="0"/>
+              <a:t>If</a:t>
+            </a:r>
+            <a:r>
+              <a:rPr lang="es-ES" dirty="0" smtClean="0"/>
+              <a:t> – </a:t>
+            </a:r>
+            <a:r>
+              <a:rPr lang="es-ES" dirty="0" err="1" smtClean="0"/>
+              <a:t>Else</a:t>
+            </a:r>
+            <a:r>
+              <a:rPr lang="es-ES" dirty="0" smtClean="0"/>
+              <a:t>”</a:t>
+            </a:r>
+          </a:p>
+          <a:p>
+            <a:pPr>
+              <a:buNone/>
+            </a:pPr>
+            <a:endParaRPr lang="es-ES" dirty="0" smtClean="0"/>
+          </a:p>
+          <a:p>
+            <a:pPr>
+              <a:buNone/>
+            </a:pPr>
+            <a:r>
+              <a:rPr lang="es-ES" dirty="0" smtClean="0"/>
+              <a:t>Las sentencias condicionales, en general en cualquier lenguaje de programación, presentan dos alternativas o “caminos” para ejecutar. La opción seleccionada depende de la evaluación de una comparación “Booleana” (verdadero – falso). </a:t>
+            </a:r>
+          </a:p>
+          <a:p>
+            <a:pPr>
+              <a:buNone/>
+            </a:pPr>
+            <a:endParaRPr lang="es-ES" dirty="0" smtClean="0"/>
+          </a:p>
+          <a:p>
+            <a:pPr>
+              <a:buNone/>
+            </a:pPr>
+            <a:r>
+              <a:rPr lang="en-US" dirty="0" smtClean="0"/>
+              <a:t>if </a:t>
+            </a:r>
+            <a:r>
+              <a:rPr lang="en-US" dirty="0" smtClean="0"/>
+              <a:t>expression:</a:t>
+            </a:r>
+          </a:p>
+          <a:p>
+            <a:pPr>
+              <a:buNone/>
+            </a:pPr>
+            <a:r>
+              <a:rPr lang="en-US" dirty="0" smtClean="0"/>
+              <a:t>	</a:t>
+            </a:r>
+            <a:r>
+              <a:rPr lang="en-US" dirty="0" smtClean="0"/>
+              <a:t> Statement1</a:t>
+            </a:r>
+          </a:p>
+          <a:p>
+            <a:pPr>
+              <a:buNone/>
+            </a:pPr>
+            <a:r>
+              <a:rPr lang="en-US" dirty="0" smtClean="0"/>
+              <a:t>Else: </a:t>
+            </a:r>
+          </a:p>
+          <a:p>
+            <a:pPr>
+              <a:buNone/>
+            </a:pPr>
+            <a:r>
+              <a:rPr lang="en-US" dirty="0" smtClean="0"/>
+              <a:t>	</a:t>
+            </a:r>
+            <a:r>
+              <a:rPr lang="en-US" dirty="0" smtClean="0"/>
+              <a:t>Statement2</a:t>
+            </a:r>
+          </a:p>
+          <a:p>
+            <a:pPr>
+              <a:buNone/>
+            </a:pPr>
+            <a:endParaRPr lang="en-US" dirty="0" smtClean="0"/>
+          </a:p>
+          <a:p>
+            <a:r>
+              <a:rPr lang="en-US" dirty="0" smtClean="0"/>
+              <a:t>¿</a:t>
+            </a:r>
+            <a:r>
+              <a:rPr lang="en-US" dirty="0" err="1" smtClean="0"/>
+              <a:t>Qué</a:t>
+            </a:r>
+            <a:r>
+              <a:rPr lang="en-US" dirty="0" smtClean="0"/>
+              <a:t> </a:t>
+            </a:r>
+            <a:r>
+              <a:rPr lang="en-US" dirty="0" err="1" smtClean="0"/>
+              <a:t>ocurre</a:t>
+            </a:r>
+            <a:r>
+              <a:rPr lang="en-US" dirty="0" smtClean="0"/>
+              <a:t> </a:t>
+            </a:r>
+            <a:r>
+              <a:rPr lang="en-US" dirty="0" err="1" smtClean="0"/>
+              <a:t>cuando</a:t>
+            </a:r>
+            <a:r>
+              <a:rPr lang="en-US" dirty="0" smtClean="0"/>
+              <a:t> no se </a:t>
+            </a:r>
+            <a:r>
+              <a:rPr lang="en-US" dirty="0" err="1" smtClean="0"/>
+              <a:t>cumple</a:t>
+            </a:r>
+            <a:r>
+              <a:rPr lang="en-US" dirty="0" smtClean="0"/>
+              <a:t> la </a:t>
+            </a:r>
+            <a:r>
+              <a:rPr lang="en-US" dirty="0" err="1" smtClean="0"/>
+              <a:t>condición</a:t>
+            </a:r>
+            <a:r>
+              <a:rPr lang="en-US" dirty="0" smtClean="0"/>
+              <a:t>?</a:t>
+            </a:r>
+          </a:p>
+          <a:p>
+            <a:r>
+              <a:rPr lang="en-US" dirty="0" smtClean="0"/>
+              <a:t>¿Para </a:t>
+            </a:r>
+            <a:r>
+              <a:rPr lang="en-US" dirty="0" err="1" smtClean="0"/>
+              <a:t>qué</a:t>
+            </a:r>
+            <a:r>
+              <a:rPr lang="en-US" dirty="0" smtClean="0"/>
+              <a:t> </a:t>
+            </a:r>
+            <a:r>
+              <a:rPr lang="en-US" dirty="0" err="1" smtClean="0"/>
+              <a:t>sirve</a:t>
+            </a:r>
+            <a:r>
+              <a:rPr lang="en-US" dirty="0" smtClean="0"/>
+              <a:t> ELSE?</a:t>
+            </a:r>
+          </a:p>
+          <a:p>
+            <a:r>
+              <a:rPr lang="en-US" dirty="0" smtClean="0"/>
+              <a:t>¿Para </a:t>
+            </a:r>
+            <a:r>
+              <a:rPr lang="en-US" dirty="0" err="1" smtClean="0"/>
+              <a:t>qué</a:t>
+            </a:r>
+            <a:r>
+              <a:rPr lang="en-US" dirty="0" smtClean="0"/>
+              <a:t> </a:t>
+            </a:r>
+            <a:r>
+              <a:rPr lang="en-US" dirty="0" err="1" smtClean="0"/>
+              <a:t>sirve</a:t>
+            </a:r>
+            <a:r>
+              <a:rPr lang="en-US" dirty="0" smtClean="0"/>
+              <a:t> ELIF?</a:t>
+            </a:r>
+          </a:p>
+          <a:p>
+            <a:r>
+              <a:rPr lang="en-US" dirty="0" smtClean="0"/>
+              <a:t>“PYTHONIZA” </a:t>
+            </a:r>
+            <a:r>
+              <a:rPr lang="en-US" dirty="0" err="1" smtClean="0"/>
+              <a:t>tu</a:t>
+            </a:r>
+            <a:r>
+              <a:rPr lang="en-US" dirty="0" smtClean="0"/>
+              <a:t> </a:t>
+            </a:r>
+            <a:r>
+              <a:rPr lang="en-US" dirty="0" err="1" smtClean="0"/>
+              <a:t>código</a:t>
+            </a:r>
+            <a:r>
+              <a:rPr lang="en-US" dirty="0" smtClean="0"/>
+              <a:t>!!</a:t>
+            </a:r>
+          </a:p>
+          <a:p>
+            <a:r>
+              <a:rPr lang="en-US" dirty="0" err="1" smtClean="0"/>
+              <a:t>Sentencias</a:t>
+            </a:r>
+            <a:r>
+              <a:rPr lang="en-US" dirty="0" smtClean="0"/>
+              <a:t> IF </a:t>
+            </a:r>
+            <a:r>
+              <a:rPr lang="en-US" dirty="0" err="1" smtClean="0"/>
+              <a:t>anidadas</a:t>
+            </a:r>
+            <a:endParaRPr lang="en-US" dirty="0" smtClean="0"/>
+          </a:p>
+          <a:p>
+            <a:r>
+              <a:rPr lang="en-US" dirty="0" err="1" smtClean="0"/>
+              <a:t>Sentencias</a:t>
+            </a:r>
+            <a:r>
+              <a:rPr lang="en-US" dirty="0" smtClean="0"/>
+              <a:t> SWITCH, </a:t>
+            </a:r>
+            <a:r>
+              <a:rPr lang="en-US" dirty="0" err="1" smtClean="0"/>
+              <a:t>una</a:t>
+            </a:r>
+            <a:r>
+              <a:rPr lang="en-US" dirty="0" smtClean="0"/>
+              <a:t> </a:t>
+            </a:r>
+            <a:r>
+              <a:rPr lang="en-US" dirty="0" err="1" smtClean="0"/>
+              <a:t>variante</a:t>
+            </a:r>
+            <a:endParaRPr lang="en-US" dirty="0" smtClean="0"/>
+          </a:p>
+          <a:p>
+            <a:pPr>
+              <a:buNone/>
+            </a:pPr>
             <a:endParaRPr lang="es-ES" dirty="0"/>
           </a:p>
         </p:txBody>
@@ -5987,13 +7146,13 @@
             <a:spLocks noGrp="1"/>
           </p:cNvSpPr>
           <p:nvPr>
-            <p:ph idx="1"/>
+            <p:ph sz="quarter" idx="1"/>
           </p:nvPr>
         </p:nvSpPr>
         <p:spPr/>
         <p:txBody>
           <a:bodyPr>
-            <a:normAutofit fontScale="47500" lnSpcReduction="20000"/>
+            <a:normAutofit fontScale="70000" lnSpcReduction="20000"/>
           </a:bodyPr>
           <a:lstStyle/>
           <a:p>
@@ -6170,7 +7329,7 @@
             <a:spLocks noGrp="1"/>
           </p:cNvSpPr>
           <p:nvPr>
-            <p:ph idx="1"/>
+            <p:ph sz="quarter" idx="1"/>
           </p:nvPr>
         </p:nvSpPr>
         <p:spPr/>
@@ -6180,29 +7339,7 @@
           <a:p>
             <a:r>
               <a:rPr lang="es-ES" dirty="0" smtClean="0"/>
-              <a:t>Tipos especiales de datos: </a:t>
-            </a:r>
-          </a:p>
-          <a:p>
-            <a:pPr lvl="1"/>
-            <a:r>
-              <a:rPr lang="es-ES" dirty="0" smtClean="0"/>
-              <a:t>Listas</a:t>
-            </a:r>
-          </a:p>
-          <a:p>
-            <a:pPr lvl="1"/>
-            <a:r>
-              <a:rPr lang="es-ES" dirty="0" err="1" smtClean="0"/>
-              <a:t>Tuplas</a:t>
-            </a:r>
-            <a:endParaRPr lang="es-ES" dirty="0" smtClean="0"/>
-          </a:p>
-          <a:p>
-            <a:pPr lvl="1"/>
-            <a:r>
-              <a:rPr lang="es-ES" dirty="0" smtClean="0"/>
-              <a:t>Diccionarios</a:t>
+              <a:t>Bucles</a:t>
             </a:r>
             <a:endParaRPr lang="es-ES" dirty="0"/>
           </a:p>
@@ -6267,7 +7404,7 @@
             <a:spLocks noGrp="1"/>
           </p:cNvSpPr>
           <p:nvPr>
-            <p:ph idx="1"/>
+            <p:ph sz="quarter" idx="1"/>
           </p:nvPr>
         </p:nvSpPr>
         <p:spPr/>
@@ -6355,7 +7492,7 @@
             <a:spLocks noGrp="1"/>
           </p:cNvSpPr>
           <p:nvPr>
-            <p:ph idx="1"/>
+            <p:ph sz="quarter" idx="1"/>
           </p:nvPr>
         </p:nvSpPr>
         <p:spPr/>
@@ -6436,7 +7573,7 @@
             <a:spLocks noGrp="1"/>
           </p:cNvSpPr>
           <p:nvPr>
-            <p:ph idx="1"/>
+            <p:ph sz="quarter" idx="1"/>
           </p:nvPr>
         </p:nvSpPr>
         <p:spPr/>
@@ -6513,7 +7650,7 @@
             <a:spLocks noGrp="1"/>
           </p:cNvSpPr>
           <p:nvPr>
-            <p:ph idx="1"/>
+            <p:ph sz="quarter" idx="1"/>
           </p:nvPr>
         </p:nvSpPr>
         <p:spPr/>
@@ -6591,7 +7728,7 @@
             <a:spLocks noGrp="1"/>
           </p:cNvSpPr>
           <p:nvPr>
-            <p:ph idx="1"/>
+            <p:ph sz="quarter" idx="1"/>
           </p:nvPr>
         </p:nvSpPr>
         <p:spPr/>
@@ -6679,7 +7816,7 @@
             <a:spLocks noGrp="1"/>
           </p:cNvSpPr>
           <p:nvPr>
-            <p:ph idx="1"/>
+            <p:ph sz="quarter" idx="1"/>
           </p:nvPr>
         </p:nvSpPr>
         <p:spPr/>
@@ -6761,7 +7898,7 @@
             <a:spLocks noGrp="1"/>
           </p:cNvSpPr>
           <p:nvPr>
-            <p:ph idx="1"/>
+            <p:ph sz="quarter" idx="1"/>
           </p:nvPr>
         </p:nvSpPr>
         <p:spPr/>
@@ -6869,7 +8006,7 @@
             <a:spLocks noGrp="1"/>
           </p:cNvSpPr>
           <p:nvPr>
-            <p:ph idx="1"/>
+            <p:ph sz="quarter" idx="1"/>
           </p:nvPr>
         </p:nvSpPr>
         <p:spPr/>
@@ -6950,7 +8087,7 @@
             <a:spLocks noGrp="1"/>
           </p:cNvSpPr>
           <p:nvPr>
-            <p:ph idx="1"/>
+            <p:ph sz="quarter" idx="1"/>
           </p:nvPr>
         </p:nvSpPr>
         <p:spPr/>
@@ -7074,13 +8211,13 @@
             <a:spLocks noGrp="1"/>
           </p:cNvSpPr>
           <p:nvPr>
-            <p:ph idx="1"/>
+            <p:ph sz="quarter" idx="1"/>
           </p:nvPr>
         </p:nvSpPr>
         <p:spPr/>
         <p:txBody>
           <a:bodyPr>
-            <a:normAutofit fontScale="40000" lnSpcReduction="20000"/>
+            <a:normAutofit fontScale="47500" lnSpcReduction="20000"/>
           </a:bodyPr>
           <a:lstStyle/>
           <a:p>
@@ -7403,7 +8540,7 @@
             <a:spLocks noGrp="1"/>
           </p:cNvSpPr>
           <p:nvPr>
-            <p:ph idx="1"/>
+            <p:ph sz="quarter" idx="1"/>
           </p:nvPr>
         </p:nvSpPr>
         <p:spPr/>
@@ -7528,7 +8665,7 @@
             <a:spLocks noGrp="1"/>
           </p:cNvSpPr>
           <p:nvPr>
-            <p:ph idx="1"/>
+            <p:ph sz="quarter" idx="1"/>
           </p:nvPr>
         </p:nvSpPr>
         <p:spPr/>
@@ -7665,7 +8802,7 @@
             <a:spLocks noGrp="1"/>
           </p:cNvSpPr>
           <p:nvPr>
-            <p:ph idx="1"/>
+            <p:ph sz="quarter" idx="1"/>
           </p:nvPr>
         </p:nvSpPr>
         <p:spPr/>
@@ -8019,7 +9156,7 @@
           <p:nvPr/>
         </p:nvPicPr>
         <p:blipFill>
-          <a:blip r:embed="rId13"/>
+          <a:blip r:embed="rId13" cstate="print"/>
           <a:stretch>
             <a:fillRect/>
           </a:stretch>
@@ -8043,7 +9180,7 @@
           <p:nvPr/>
         </p:nvPicPr>
         <p:blipFill>
-          <a:blip r:embed="rId14"/>
+          <a:blip r:embed="rId14" cstate="print"/>
           <a:stretch>
             <a:fillRect/>
           </a:stretch>
@@ -8117,13 +9254,13 @@
             <a:spLocks noGrp="1"/>
           </p:cNvSpPr>
           <p:nvPr>
-            <p:ph idx="1"/>
+            <p:ph sz="quarter" idx="1"/>
           </p:nvPr>
         </p:nvSpPr>
         <p:spPr/>
         <p:txBody>
           <a:bodyPr>
-            <a:normAutofit fontScale="47500" lnSpcReduction="20000"/>
+            <a:normAutofit fontScale="55000" lnSpcReduction="20000"/>
           </a:bodyPr>
           <a:lstStyle/>
           <a:p>
@@ -8332,13 +9469,13 @@
             <a:spLocks noGrp="1"/>
           </p:cNvSpPr>
           <p:nvPr>
-            <p:ph idx="1"/>
+            <p:ph sz="quarter" idx="1"/>
           </p:nvPr>
         </p:nvSpPr>
         <p:spPr/>
         <p:txBody>
           <a:bodyPr>
-            <a:normAutofit fontScale="55000" lnSpcReduction="20000"/>
+            <a:normAutofit fontScale="70000" lnSpcReduction="20000"/>
           </a:bodyPr>
           <a:lstStyle/>
           <a:p>
@@ -8640,7 +9777,7 @@
             <a:spLocks noGrp="1"/>
           </p:cNvSpPr>
           <p:nvPr>
-            <p:ph idx="1"/>
+            <p:ph sz="quarter" idx="1"/>
           </p:nvPr>
         </p:nvSpPr>
         <p:spPr/>
@@ -8749,7 +9886,7 @@
             <a:spLocks noGrp="1"/>
           </p:cNvSpPr>
           <p:nvPr>
-            <p:ph idx="1"/>
+            <p:ph sz="quarter" idx="1"/>
           </p:nvPr>
         </p:nvSpPr>
         <p:spPr/>
@@ -8810,9 +9947,9 @@
 </file>
 
 <file path=ppt/theme/theme1.xml><?xml version="1.0" encoding="utf-8"?>
-<a:theme xmlns:a="http://schemas.openxmlformats.org/drawingml/2006/main" name="Tema de Office">
+<a:theme xmlns:a="http://schemas.openxmlformats.org/drawingml/2006/main" name="Origen">
   <a:themeElements>
-    <a:clrScheme name="Oficina">
+    <a:clrScheme name="Origen">
       <a:dk1>
         <a:sysClr val="windowText" lastClr="000000"/>
       </a:dk1>
@@ -8820,48 +9957,50 @@
         <a:sysClr val="window" lastClr="FFFFFF"/>
       </a:lt1>
       <a:dk2>
-        <a:srgbClr val="1F497D"/>
+        <a:srgbClr val="464653"/>
       </a:dk2>
       <a:lt2>
-        <a:srgbClr val="EEECE1"/>
+        <a:srgbClr val="DDE9EC"/>
       </a:lt2>
       <a:accent1>
-        <a:srgbClr val="4F81BD"/>
+        <a:srgbClr val="727CA3"/>
       </a:accent1>
       <a:accent2>
-        <a:srgbClr val="C0504D"/>
+        <a:srgbClr val="9FB8CD"/>
       </a:accent2>
       <a:accent3>
-        <a:srgbClr val="9BBB59"/>
+        <a:srgbClr val="D2DA7A"/>
       </a:accent3>
       <a:accent4>
-        <a:srgbClr val="8064A2"/>
+        <a:srgbClr val="FADA7A"/>
       </a:accent4>
       <a:accent5>
-        <a:srgbClr val="4BACC6"/>
+        <a:srgbClr val="B88472"/>
       </a:accent5>
       <a:accent6>
-        <a:srgbClr val="F79646"/>
+        <a:srgbClr val="8E736A"/>
       </a:accent6>
       <a:hlink>
-        <a:srgbClr val="0000FF"/>
+        <a:srgbClr val="B292CA"/>
       </a:hlink>
       <a:folHlink>
-        <a:srgbClr val="800080"/>
+        <a:srgbClr val="6B5680"/>
       </a:folHlink>
     </a:clrScheme>
-    <a:fontScheme name="Oficina">
+    <a:fontScheme name="Origen">
       <a:majorFont>
-        <a:latin typeface="Calibri"/>
+        <a:latin typeface="Bookman Old Style"/>
         <a:ea typeface=""/>
         <a:cs typeface=""/>
-        <a:font script="Jpan" typeface="ＭＳ Ｐゴシック"/>
-        <a:font script="Hang" typeface="맑은 고딕"/>
+        <a:font script="Grek" typeface="Cambria"/>
+        <a:font script="Cyrl" typeface="Cambria"/>
+        <a:font script="Jpan" typeface="HG明朝E"/>
+        <a:font script="Hang" typeface="돋움"/>
         <a:font script="Hans" typeface="宋体"/>
-        <a:font script="Hant" typeface="新細明體"/>
+        <a:font script="Hant" typeface="標楷體"/>
         <a:font script="Arab" typeface="Times New Roman"/>
         <a:font script="Hebr" typeface="Times New Roman"/>
-        <a:font script="Thai" typeface="Angsana New"/>
+        <a:font script="Thai" typeface="Browallia New"/>
         <a:font script="Ethi" typeface="Nyala"/>
         <a:font script="Beng" typeface="Vrinda"/>
         <a:font script="Gujr" typeface="Shruti"/>
@@ -8886,12 +10025,14 @@
         <a:font script="Uigh" typeface="Microsoft Uighur"/>
       </a:majorFont>
       <a:minorFont>
-        <a:latin typeface="Calibri"/>
+        <a:latin typeface="Gill Sans MT"/>
         <a:ea typeface=""/>
         <a:cs typeface=""/>
+        <a:font script="Grek" typeface="Calibri"/>
+        <a:font script="Cyrl" typeface="Calibri"/>
         <a:font script="Jpan" typeface="ＭＳ Ｐゴシック"/>
         <a:font script="Hang" typeface="맑은 고딕"/>
-        <a:font script="Hans" typeface="宋体"/>
+        <a:font script="Hans" typeface="华文新魏"/>
         <a:font script="Hant" typeface="新細明體"/>
         <a:font script="Arab" typeface="Arial"/>
         <a:font script="Hebr" typeface="Arial"/>
@@ -8920,7 +10061,7 @@
         <a:font script="Uigh" typeface="Microsoft Uighur"/>
       </a:minorFont>
     </a:fontScheme>
-    <a:fmtScheme name="Oficina">
+    <a:fmtScheme name="Origen">
       <a:fillStyleLst>
         <a:solidFill>
           <a:schemeClr val="phClr"/>
@@ -8929,56 +10070,93 @@
           <a:gsLst>
             <a:gs pos="0">
               <a:schemeClr val="phClr">
-                <a:tint val="50000"/>
-                <a:satMod val="300000"/>
+                <a:tint val="45000"/>
+                <a:satMod val="200000"/>
               </a:schemeClr>
             </a:gs>
-            <a:gs pos="35000">
+            <a:gs pos="30000">
               <a:schemeClr val="phClr">
-                <a:tint val="37000"/>
-                <a:satMod val="300000"/>
+                <a:tint val="61000"/>
+                <a:satMod val="200000"/>
+              </a:schemeClr>
+            </a:gs>
+            <a:gs pos="45000">
+              <a:schemeClr val="phClr">
+                <a:tint val="66000"/>
+                <a:satMod val="200000"/>
+              </a:schemeClr>
+            </a:gs>
+            <a:gs pos="55000">
+              <a:schemeClr val="phClr">
+                <a:tint val="66000"/>
+                <a:satMod val="200000"/>
+              </a:schemeClr>
+            </a:gs>
+            <a:gs pos="73000">
+              <a:schemeClr val="phClr">
+                <a:tint val="61000"/>
+                <a:satMod val="200000"/>
               </a:schemeClr>
             </a:gs>
             <a:gs pos="100000">
               <a:schemeClr val="phClr">
-                <a:tint val="15000"/>
-                <a:satMod val="350000"/>
+                <a:tint val="45000"/>
+                <a:satMod val="200000"/>
               </a:schemeClr>
             </a:gs>
           </a:gsLst>
-          <a:lin ang="16200000" scaled="1"/>
+          <a:lin ang="950000" scaled="1"/>
         </a:gradFill>
         <a:gradFill rotWithShape="1">
           <a:gsLst>
             <a:gs pos="0">
               <a:schemeClr val="phClr">
-                <a:shade val="51000"/>
-                <a:satMod val="130000"/>
+                <a:shade val="63000"/>
               </a:schemeClr>
             </a:gs>
-            <a:gs pos="80000">
+            <a:gs pos="30000">
               <a:schemeClr val="phClr">
-                <a:shade val="93000"/>
-                <a:satMod val="130000"/>
+                <a:shade val="90000"/>
+                <a:satMod val="110000"/>
+              </a:schemeClr>
+            </a:gs>
+            <a:gs pos="45000">
+              <a:schemeClr val="phClr">
+                <a:shade val="100000"/>
+                <a:satMod val="118000"/>
+              </a:schemeClr>
+            </a:gs>
+            <a:gs pos="55000">
+              <a:schemeClr val="phClr">
+                <a:shade val="100000"/>
+                <a:satMod val="118000"/>
+              </a:schemeClr>
+            </a:gs>
+            <a:gs pos="73000">
+              <a:schemeClr val="phClr">
+                <a:shade val="90000"/>
+                <a:satMod val="110000"/>
               </a:schemeClr>
             </a:gs>
             <a:gs pos="100000">
               <a:schemeClr val="phClr">
-                <a:shade val="94000"/>
-                <a:satMod val="135000"/>
+                <a:shade val="63000"/>
               </a:schemeClr>
             </a:gs>
           </a:gsLst>
-          <a:lin ang="16200000" scaled="0"/>
+          <a:lin ang="950000" scaled="1"/>
         </a:gradFill>
       </a:fillStyleLst>
       <a:lnStyleLst>
         <a:ln w="9525" cap="flat" cmpd="sng" algn="ctr">
           <a:solidFill>
-            <a:schemeClr val="phClr">
-              <a:shade val="95000"/>
-              <a:satMod val="105000"/>
-            </a:schemeClr>
+            <a:schemeClr val="phClr"/>
+          </a:solidFill>
+          <a:prstDash val="solid"/>
+        </a:ln>
+        <a:ln w="19050" cap="flat" cmpd="sng" algn="ctr">
+          <a:solidFill>
+            <a:schemeClr val="phClr"/>
           </a:solidFill>
           <a:prstDash val="solid"/>
         </a:ln>
@@ -8988,50 +10166,66 @@
           </a:solidFill>
           <a:prstDash val="solid"/>
         </a:ln>
-        <a:ln w="38100" cap="flat" cmpd="sng" algn="ctr">
-          <a:solidFill>
-            <a:schemeClr val="phClr"/>
-          </a:solidFill>
-          <a:prstDash val="solid"/>
-        </a:ln>
       </a:lnStyleLst>
       <a:effectStyleLst>
         <a:effectStyle>
           <a:effectLst>
-            <a:outerShdw blurRad="40000" dist="20000" dir="5400000" rotWithShape="0">
+            <a:outerShdw blurRad="38100" dist="25400" dir="5400000" rotWithShape="0">
               <a:srgbClr val="000000">
-                <a:alpha val="38000"/>
+                <a:alpha val="40000"/>
               </a:srgbClr>
             </a:outerShdw>
           </a:effectLst>
         </a:effectStyle>
         <a:effectStyle>
           <a:effectLst>
-            <a:outerShdw blurRad="40000" dist="23000" dir="5400000" rotWithShape="0">
+            <a:outerShdw blurRad="50800" dist="43000" dir="5400000" rotWithShape="0">
               <a:srgbClr val="000000">
-                <a:alpha val="35000"/>
-              </a:srgbClr>
-            </a:outerShdw>
-          </a:effectLst>
-        </a:effectStyle>
-        <a:effectStyle>
-          <a:effectLst>
-            <a:outerShdw blurRad="40000" dist="23000" dir="5400000" rotWithShape="0">
-              <a:srgbClr val="000000">
-                <a:alpha val="35000"/>
+                <a:alpha val="40000"/>
               </a:srgbClr>
             </a:outerShdw>
           </a:effectLst>
           <a:scene3d>
-            <a:camera prst="orthographicFront">
+            <a:camera prst="orthographicFront" fov="0">
               <a:rot lat="0" lon="0" rev="0"/>
             </a:camera>
-            <a:lightRig rig="threePt" dir="t">
-              <a:rot lat="0" lon="0" rev="1200000"/>
+            <a:lightRig rig="balanced" dir="t">
+              <a:rot lat="0" lon="0" rev="0"/>
             </a:lightRig>
           </a:scene3d>
-          <a:sp3d>
-            <a:bevelT w="63500" h="25400"/>
+          <a:sp3d prstMaterial="matte">
+            <a:bevelT w="0" h="0"/>
+            <a:contourClr>
+              <a:schemeClr val="phClr">
+                <a:tint val="100000"/>
+                <a:shade val="100000"/>
+                <a:hueMod val="100000"/>
+                <a:satMod val="100000"/>
+              </a:schemeClr>
+            </a:contourClr>
+          </a:sp3d>
+        </a:effectStyle>
+        <a:effectStyle>
+          <a:effectLst>
+            <a:outerShdw blurRad="50800" dist="25400" dir="5400000" rotWithShape="0">
+              <a:srgbClr val="000000">
+                <a:alpha val="50000"/>
+              </a:srgbClr>
+            </a:outerShdw>
+          </a:effectLst>
+          <a:scene3d>
+            <a:camera prst="orthographicFront" fov="0">
+              <a:rot lat="0" lon="0" rev="0"/>
+            </a:camera>
+            <a:lightRig rig="soft" dir="t">
+              <a:rot lat="0" lon="0" rev="2700000"/>
+            </a:lightRig>
+          </a:scene3d>
+          <a:sp3d prstMaterial="matte">
+            <a:bevelT w="50800" h="50800"/>
+            <a:contourClr>
+              <a:schemeClr val="phClr"/>
+            </a:contourClr>
           </a:sp3d>
         </a:effectStyle>
       </a:effectStyleLst>
@@ -9043,47 +10237,39 @@
           <a:gsLst>
             <a:gs pos="0">
               <a:schemeClr val="phClr">
-                <a:tint val="40000"/>
-                <a:satMod val="350000"/>
+                <a:shade val="60000"/>
+                <a:satMod val="300000"/>
               </a:schemeClr>
             </a:gs>
-            <a:gs pos="40000">
+            <a:gs pos="30000">
               <a:schemeClr val="phClr">
-                <a:tint val="45000"/>
-                <a:shade val="99000"/>
-                <a:satMod val="350000"/>
+                <a:shade val="80000"/>
+                <a:satMod val="230000"/>
               </a:schemeClr>
             </a:gs>
             <a:gs pos="100000">
               <a:schemeClr val="phClr">
-                <a:shade val="20000"/>
-                <a:satMod val="255000"/>
+                <a:tint val="97000"/>
+                <a:satMod val="220000"/>
               </a:schemeClr>
             </a:gs>
           </a:gsLst>
-          <a:path path="circle">
-            <a:fillToRect l="50000" t="-80000" r="50000" b="180000"/>
-          </a:path>
+          <a:lin ang="16200000" scaled="1"/>
         </a:gradFill>
-        <a:gradFill rotWithShape="1">
-          <a:gsLst>
-            <a:gs pos="0">
+        <a:blipFill>
+          <a:blip xmlns:r="http://schemas.openxmlformats.org/officeDocument/2006/relationships" r:embed="rId1">
+            <a:duotone>
               <a:schemeClr val="phClr">
-                <a:tint val="80000"/>
-                <a:satMod val="300000"/>
+                <a:shade val="6000"/>
+                <a:satMod val="120000"/>
               </a:schemeClr>
-            </a:gs>
-            <a:gs pos="100000">
               <a:schemeClr val="phClr">
-                <a:shade val="30000"/>
-                <a:satMod val="200000"/>
+                <a:tint val="90000"/>
               </a:schemeClr>
-            </a:gs>
-          </a:gsLst>
-          <a:path path="circle">
-            <a:fillToRect l="50000" t="50000" r="50000" b="50000"/>
-          </a:path>
-        </a:gradFill>
+            </a:duotone>
+          </a:blip>
+          <a:tile tx="0" ty="0" sx="35000" sy="40000" flip="x" algn="tl"/>
+        </a:blipFill>
       </a:bgFillStyleLst>
     </a:fmtScheme>
   </a:themeElements>

--- a/docs/Python for TD Workshop - ROTOR.pptx
+++ b/docs/Python for TD Workshop - ROTOR.pptx
@@ -280,7 +280,7 @@
             <a:fld id="{7A847CFC-816F-41D0-AAC0-9BF4FEBC753E}" type="datetimeFigureOut">
               <a:rPr lang="es-ES" smtClean="0"/>
               <a:pPr/>
-              <a:t>11/05/2018</a:t>
+              <a:t>12/05/2018</a:t>
             </a:fld>
             <a:endParaRPr lang="es-ES"/>
           </a:p>
@@ -641,7 +641,7 @@
             <a:fld id="{7A847CFC-816F-41D0-AAC0-9BF4FEBC753E}" type="datetimeFigureOut">
               <a:rPr lang="es-ES" smtClean="0"/>
               <a:pPr/>
-              <a:t>11/05/2018</a:t>
+              <a:t>12/05/2018</a:t>
             </a:fld>
             <a:endParaRPr lang="es-ES"/>
           </a:p>
@@ -818,7 +818,7 @@
             <a:fld id="{7A847CFC-816F-41D0-AAC0-9BF4FEBC753E}" type="datetimeFigureOut">
               <a:rPr lang="es-ES" smtClean="0"/>
               <a:pPr/>
-              <a:t>11/05/2018</a:t>
+              <a:t>12/05/2018</a:t>
             </a:fld>
             <a:endParaRPr lang="es-ES"/>
           </a:p>
@@ -1055,7 +1055,7 @@
             <a:fld id="{7A847CFC-816F-41D0-AAC0-9BF4FEBC753E}" type="datetimeFigureOut">
               <a:rPr lang="es-ES" smtClean="0"/>
               <a:pPr/>
-              <a:t>11/05/2018</a:t>
+              <a:t>12/05/2018</a:t>
             </a:fld>
             <a:endParaRPr lang="es-ES"/>
           </a:p>
@@ -1326,7 +1326,7 @@
             <a:fld id="{7A847CFC-816F-41D0-AAC0-9BF4FEBC753E}" type="datetimeFigureOut">
               <a:rPr lang="es-ES" smtClean="0"/>
               <a:pPr/>
-              <a:t>11/05/2018</a:t>
+              <a:t>12/05/2018</a:t>
             </a:fld>
             <a:endParaRPr lang="es-ES"/>
           </a:p>
@@ -1548,7 +1548,7 @@
             <a:fld id="{7A847CFC-816F-41D0-AAC0-9BF4FEBC753E}" type="datetimeFigureOut">
               <a:rPr lang="es-ES" smtClean="0"/>
               <a:pPr/>
-              <a:t>11/05/2018</a:t>
+              <a:t>12/05/2018</a:t>
             </a:fld>
             <a:endParaRPr lang="es-ES"/>
           </a:p>
@@ -1902,7 +1902,7 @@
             <a:fld id="{7A847CFC-816F-41D0-AAC0-9BF4FEBC753E}" type="datetimeFigureOut">
               <a:rPr lang="es-ES" smtClean="0"/>
               <a:pPr/>
-              <a:t>11/05/2018</a:t>
+              <a:t>12/05/2018</a:t>
             </a:fld>
             <a:endParaRPr lang="es-ES"/>
           </a:p>
@@ -2136,7 +2136,7 @@
             <a:fld id="{7A847CFC-816F-41D0-AAC0-9BF4FEBC753E}" type="datetimeFigureOut">
               <a:rPr lang="es-ES" smtClean="0"/>
               <a:pPr/>
-              <a:t>11/05/2018</a:t>
+              <a:t>12/05/2018</a:t>
             </a:fld>
             <a:endParaRPr lang="es-ES"/>
           </a:p>
@@ -2278,7 +2278,7 @@
             <a:fld id="{7A847CFC-816F-41D0-AAC0-9BF4FEBC753E}" type="datetimeFigureOut">
               <a:rPr lang="es-ES" smtClean="0"/>
               <a:pPr/>
-              <a:t>11/05/2018</a:t>
+              <a:t>12/05/2018</a:t>
             </a:fld>
             <a:endParaRPr lang="es-ES"/>
           </a:p>
@@ -2557,7 +2557,7 @@
             <a:fld id="{7A847CFC-816F-41D0-AAC0-9BF4FEBC753E}" type="datetimeFigureOut">
               <a:rPr lang="es-ES" smtClean="0"/>
               <a:pPr/>
-              <a:t>11/05/2018</a:t>
+              <a:t>12/05/2018</a:t>
             </a:fld>
             <a:endParaRPr lang="es-ES"/>
           </a:p>
@@ -2966,7 +2966,7 @@
             <a:fld id="{7A847CFC-816F-41D0-AAC0-9BF4FEBC753E}" type="datetimeFigureOut">
               <a:rPr lang="es-ES" smtClean="0"/>
               <a:pPr/>
-              <a:t>11/05/2018</a:t>
+              <a:t>12/05/2018</a:t>
             </a:fld>
             <a:endParaRPr lang="es-ES"/>
           </a:p>
@@ -3306,7 +3306,7 @@
             <a:fld id="{7A847CFC-816F-41D0-AAC0-9BF4FEBC753E}" type="datetimeFigureOut">
               <a:rPr lang="es-ES" smtClean="0"/>
               <a:pPr/>
-              <a:t>11/05/2018</a:t>
+              <a:t>12/05/2018</a:t>
             </a:fld>
             <a:endParaRPr lang="es-ES"/>
           </a:p>
@@ -6542,11 +6542,7 @@
             </a:r>
             <a:r>
               <a:rPr lang="es-ES" dirty="0" smtClean="0"/>
-              <a:t> en programación en general, también llamadas p</a:t>
-            </a:r>
-            <a:r>
-              <a:rPr lang="es-ES" dirty="0" smtClean="0"/>
-              <a:t>rocedimientos o métodos se usan para </a:t>
+              <a:t> en programación en general, también llamadas procedimientos o métodos se usan para </a:t>
             </a:r>
             <a:r>
               <a:rPr lang="es-ES" b="1" dirty="0" smtClean="0"/>
@@ -6764,7 +6760,6 @@
               <a:rPr lang="es-ES" dirty="0" smtClean="0"/>
               <a:t>Paso de parámetros.</a:t>
             </a:r>
-            <a:endParaRPr lang="es-ES" dirty="0" smtClean="0"/>
           </a:p>
         </p:txBody>
       </p:sp>
@@ -6885,24 +6880,16 @@
             </a:pPr>
             <a:r>
               <a:rPr lang="en-US" dirty="0" smtClean="0"/>
-              <a:t>if </a:t>
-            </a:r>
+              <a:t>if expression:</a:t>
+            </a:r>
+          </a:p>
+          <a:p>
+            <a:pPr>
+              <a:buNone/>
+            </a:pPr>
             <a:r>
               <a:rPr lang="en-US" dirty="0" smtClean="0"/>
-              <a:t>expression:</a:t>
-            </a:r>
-          </a:p>
-          <a:p>
-            <a:pPr>
-              <a:buNone/>
-            </a:pPr>
-            <a:r>
-              <a:rPr lang="en-US" dirty="0" smtClean="0"/>
-              <a:t>	</a:t>
-            </a:r>
-            <a:r>
-              <a:rPr lang="en-US" dirty="0" smtClean="0"/>
-              <a:t> Statement1</a:t>
+              <a:t>	 Statement1</a:t>
             </a:r>
           </a:p>
           <a:p>
@@ -6920,11 +6907,7 @@
             </a:pPr>
             <a:r>
               <a:rPr lang="en-US" dirty="0" smtClean="0"/>
-              <a:t>	</a:t>
-            </a:r>
-            <a:r>
-              <a:rPr lang="en-US" dirty="0" smtClean="0"/>
-              <a:t>Statement2</a:t>
+              <a:t>	Statement2</a:t>
             </a:r>
           </a:p>
           <a:p>
@@ -7341,7 +7324,69 @@
               <a:rPr lang="es-ES" dirty="0" smtClean="0"/>
               <a:t>Bucles</a:t>
             </a:r>
-            <a:endParaRPr lang="es-ES" dirty="0"/>
+          </a:p>
+          <a:p>
+            <a:endParaRPr lang="es-ES" dirty="0" smtClean="0"/>
+          </a:p>
+          <a:p>
+            <a:pPr>
+              <a:buNone/>
+            </a:pPr>
+            <a:r>
+              <a:rPr lang="es-ES" dirty="0" smtClean="0"/>
+              <a:t>Los bucles son segmentos de código que se repiten en bucle hasta que cierta condición en ellos definida se cumple.</a:t>
+            </a:r>
+          </a:p>
+          <a:p>
+            <a:pPr>
+              <a:buNone/>
+            </a:pPr>
+            <a:endParaRPr lang="es-ES" dirty="0" smtClean="0"/>
+          </a:p>
+          <a:p>
+            <a:pPr>
+              <a:buNone/>
+            </a:pPr>
+            <a:r>
+              <a:rPr lang="es-ES" dirty="0" smtClean="0"/>
+              <a:t>Tipos:</a:t>
+            </a:r>
+          </a:p>
+          <a:p>
+            <a:r>
+              <a:rPr lang="es-ES" dirty="0" err="1" smtClean="0"/>
+              <a:t>For</a:t>
+            </a:r>
+            <a:r>
+              <a:rPr lang="es-ES" dirty="0" smtClean="0"/>
+              <a:t> </a:t>
+            </a:r>
+            <a:r>
+              <a:rPr lang="es-ES" dirty="0" err="1" smtClean="0"/>
+              <a:t>Loop</a:t>
+            </a:r>
+            <a:endParaRPr lang="es-ES" dirty="0" smtClean="0"/>
+          </a:p>
+          <a:p>
+            <a:r>
+              <a:rPr lang="es-ES" dirty="0" err="1" smtClean="0"/>
+              <a:t>While</a:t>
+            </a:r>
+            <a:r>
+              <a:rPr lang="es-ES" dirty="0" smtClean="0"/>
+              <a:t> </a:t>
+            </a:r>
+            <a:r>
+              <a:rPr lang="es-ES" dirty="0" err="1" smtClean="0"/>
+              <a:t>Loop</a:t>
+            </a:r>
+            <a:endParaRPr lang="es-ES" dirty="0" smtClean="0"/>
+          </a:p>
+          <a:p>
+            <a:pPr>
+              <a:buNone/>
+            </a:pPr>
+            <a:endParaRPr lang="es-ES" dirty="0" smtClean="0"/>
           </a:p>
         </p:txBody>
       </p:sp>
@@ -7409,7 +7454,9 @@
         </p:nvSpPr>
         <p:spPr/>
         <p:txBody>
-          <a:bodyPr/>
+          <a:bodyPr>
+            <a:normAutofit fontScale="92500" lnSpcReduction="20000"/>
+          </a:bodyPr>
           <a:lstStyle/>
           <a:p>
             <a:r>
@@ -7418,18 +7465,93 @@
             </a:r>
           </a:p>
           <a:p>
-            <a:pPr lvl="1"/>
-            <a:r>
-              <a:rPr lang="es-ES" dirty="0" smtClean="0"/>
-              <a:t>Clases</a:t>
-            </a:r>
-          </a:p>
-          <a:p>
-            <a:pPr lvl="1"/>
-            <a:r>
-              <a:rPr lang="es-ES" dirty="0" smtClean="0"/>
-              <a:t>Objetos</a:t>
-            </a:r>
+            <a:pPr>
+              <a:buNone/>
+            </a:pPr>
+            <a:endParaRPr lang="en-US" dirty="0" smtClean="0"/>
+          </a:p>
+          <a:p>
+            <a:pPr>
+              <a:buNone/>
+            </a:pPr>
+            <a:r>
+              <a:rPr lang="en-US" dirty="0" smtClean="0"/>
+              <a:t>A </a:t>
+            </a:r>
+            <a:r>
+              <a:rPr lang="en-US" dirty="0" smtClean="0"/>
+              <a:t>Class is a logical grouping of data and functions. It gives the freedom to create data structures that contains arbitrary content and hence easily accessible.</a:t>
+            </a:r>
+          </a:p>
+          <a:p>
+            <a:pPr>
+              <a:buNone/>
+            </a:pPr>
+            <a:endParaRPr lang="en-US" dirty="0" smtClean="0"/>
+          </a:p>
+          <a:p>
+            <a:pPr>
+              <a:buNone/>
+            </a:pPr>
+            <a:r>
+              <a:rPr lang="en-US" dirty="0" smtClean="0"/>
+              <a:t>For </a:t>
+            </a:r>
+            <a:r>
+              <a:rPr lang="en-US" dirty="0" smtClean="0"/>
+              <a:t>example, for any bank employee who want to fetch the customer details online would go to </a:t>
+            </a:r>
+            <a:r>
+              <a:rPr lang="en-US" b="1" dirty="0" smtClean="0"/>
+              <a:t>customer class</a:t>
+            </a:r>
+            <a:r>
+              <a:rPr lang="en-US" dirty="0" smtClean="0"/>
+              <a:t>, where all its attributes like transaction details, withdrawal and deposit details, outstanding debt, etc. would be listed out</a:t>
+            </a:r>
+            <a:r>
+              <a:rPr lang="en-US" dirty="0" smtClean="0"/>
+              <a:t>.</a:t>
+            </a:r>
+          </a:p>
+          <a:p>
+            <a:pPr>
+              <a:buNone/>
+            </a:pPr>
+            <a:endParaRPr lang="en-US" dirty="0" smtClean="0"/>
+          </a:p>
+          <a:p>
+            <a:r>
+              <a:rPr lang="en-US" dirty="0" smtClean="0">
+                <a:hlinkClick r:id="rId2"/>
+              </a:rPr>
+              <a:t>How </a:t>
+            </a:r>
+            <a:r>
+              <a:rPr lang="en-US" dirty="0" smtClean="0">
+                <a:hlinkClick r:id="rId2"/>
+              </a:rPr>
+              <a:t>to define Python classes</a:t>
+            </a:r>
+            <a:endParaRPr lang="en-US" dirty="0" smtClean="0"/>
+          </a:p>
+          <a:p>
+            <a:r>
+              <a:rPr lang="en-US" dirty="0" smtClean="0">
+                <a:hlinkClick r:id="rId2"/>
+              </a:rPr>
+              <a:t>How Inheritance works</a:t>
+            </a:r>
+            <a:endParaRPr lang="en-US" dirty="0" smtClean="0"/>
+          </a:p>
+          <a:p>
+            <a:r>
+              <a:rPr lang="en-US" dirty="0" smtClean="0">
+                <a:hlinkClick r:id="rId2"/>
+              </a:rPr>
+              <a:t>Python Constructors</a:t>
+            </a:r>
+            <a:endParaRPr lang="en-US" dirty="0"/>
           </a:p>
         </p:txBody>
       </p:sp>
@@ -7583,15 +7705,74 @@
           <a:p>
             <a:r>
               <a:rPr lang="es-ES" dirty="0" smtClean="0"/>
-              <a:t>Entrada/Salida de Archivos</a:t>
+              <a:t>Entrada/Salida de </a:t>
+            </a:r>
+            <a:r>
+              <a:rPr lang="es-ES" dirty="0" smtClean="0"/>
+              <a:t>Archivos</a:t>
             </a:r>
           </a:p>
           <a:p>
             <a:pPr lvl="1"/>
             <a:r>
-              <a:rPr lang="es-ES" dirty="0" smtClean="0"/>
-              <a:t>IO Module</a:t>
-            </a:r>
+              <a:rPr lang="en-US" dirty="0" smtClean="0"/>
+              <a:t>Python allows you to read, write and delete files</a:t>
+            </a:r>
+          </a:p>
+          <a:p>
+            <a:pPr lvl="1"/>
+            <a:r>
+              <a:rPr lang="en-US" dirty="0" smtClean="0"/>
+              <a:t>Use the function open("</a:t>
+            </a:r>
+            <a:r>
+              <a:rPr lang="en-US" dirty="0" err="1" smtClean="0"/>
+              <a:t>filename","w</a:t>
+            </a:r>
+            <a:r>
+              <a:rPr lang="en-US" dirty="0" smtClean="0"/>
+              <a:t>+") to create a file. The + tells the python compiler to create a file if it does not exist</a:t>
+            </a:r>
+          </a:p>
+          <a:p>
+            <a:pPr lvl="1"/>
+            <a:r>
+              <a:rPr lang="en-US" dirty="0" smtClean="0"/>
+              <a:t>To append data to an existing file use the command open("Filename", "</a:t>
+            </a:r>
+            <a:r>
+              <a:rPr lang="en-US" b="1" dirty="0" smtClean="0"/>
+              <a:t>a</a:t>
+            </a:r>
+            <a:r>
+              <a:rPr lang="en-US" dirty="0" smtClean="0"/>
+              <a:t>")</a:t>
+            </a:r>
+          </a:p>
+          <a:p>
+            <a:pPr lvl="1"/>
+            <a:r>
+              <a:rPr lang="en-US" dirty="0" smtClean="0"/>
+              <a:t>Use the read function to read the ENTIRE contents of a file</a:t>
+            </a:r>
+          </a:p>
+          <a:p>
+            <a:pPr lvl="1"/>
+            <a:r>
+              <a:rPr lang="en-US" dirty="0" smtClean="0"/>
+              <a:t>Use the </a:t>
+            </a:r>
+            <a:r>
+              <a:rPr lang="en-US" dirty="0" err="1" smtClean="0"/>
+              <a:t>readlines</a:t>
+            </a:r>
+            <a:r>
+              <a:rPr lang="en-US" dirty="0" smtClean="0"/>
+              <a:t> function to read the content of the file one by one.</a:t>
+            </a:r>
+          </a:p>
+          <a:p>
+            <a:endParaRPr lang="es-ES" dirty="0" smtClean="0"/>
           </a:p>
         </p:txBody>
       </p:sp>
